--- a/IoT.pptx
+++ b/IoT.pptx
@@ -5,29 +5,27 @@
     <p:sldMasterId id="2147483648" r:id="rId1"/>
   </p:sldMasterIdLst>
   <p:notesMasterIdLst>
-    <p:notesMasterId r:id="rId19"/>
+    <p:notesMasterId r:id="rId17"/>
   </p:notesMasterIdLst>
   <p:handoutMasterIdLst>
-    <p:handoutMasterId r:id="rId20"/>
+    <p:handoutMasterId r:id="rId18"/>
   </p:handoutMasterIdLst>
   <p:sldIdLst>
     <p:sldId id="259" r:id="rId2"/>
     <p:sldId id="284" r:id="rId3"/>
     <p:sldId id="262" r:id="rId4"/>
-    <p:sldId id="286" r:id="rId5"/>
-    <p:sldId id="267" r:id="rId6"/>
-    <p:sldId id="288" r:id="rId7"/>
-    <p:sldId id="268" r:id="rId8"/>
-    <p:sldId id="269" r:id="rId9"/>
-    <p:sldId id="270" r:id="rId10"/>
-    <p:sldId id="272" r:id="rId11"/>
-    <p:sldId id="289" r:id="rId12"/>
-    <p:sldId id="290" r:id="rId13"/>
-    <p:sldId id="291" r:id="rId14"/>
-    <p:sldId id="292" r:id="rId15"/>
-    <p:sldId id="294" r:id="rId16"/>
-    <p:sldId id="293" r:id="rId17"/>
-    <p:sldId id="277" r:id="rId18"/>
+    <p:sldId id="267" r:id="rId5"/>
+    <p:sldId id="289" r:id="rId6"/>
+    <p:sldId id="290" r:id="rId7"/>
+    <p:sldId id="291" r:id="rId8"/>
+    <p:sldId id="292" r:id="rId9"/>
+    <p:sldId id="293" r:id="rId10"/>
+    <p:sldId id="294" r:id="rId11"/>
+    <p:sldId id="295" r:id="rId12"/>
+    <p:sldId id="269" r:id="rId13"/>
+    <p:sldId id="270" r:id="rId14"/>
+    <p:sldId id="276" r:id="rId15"/>
+    <p:sldId id="277" r:id="rId16"/>
   </p:sldIdLst>
   <p:sldSz cx="9144000" cy="6858000" type="screen4x3"/>
   <p:notesSz cx="6858000" cy="9144000"/>
@@ -140,49 +138,62 @@
             <p14:sldId id="262"/>
           </p14:sldIdLst>
         </p14:section>
-        <p14:section name="What is IoT" id="{6D9936A3-3945-4757-BC8B-B5C252D8E036}">
+        <p14:section name="Baking Your Pi" id="{6D9936A3-3945-4757-BC8B-B5C252D8E036}">
           <p14:sldIdLst>
-            <p14:sldId id="286"/>
             <p14:sldId id="267"/>
+            <p14:sldId id="289"/>
+            <p14:sldId id="290"/>
+            <p14:sldId id="291"/>
+            <p14:sldId id="292"/>
+            <p14:sldId id="293"/>
           </p14:sldIdLst>
         </p14:section>
-        <p14:section name="Market Players of IoT" id="{BAB3A466-96C9-4230-9978-795378D75699}">
-          <p14:sldIdLst>
-            <p14:sldId id="288"/>
-            <p14:sldId id="268"/>
-            <p14:sldId id="269"/>
-          </p14:sldIdLst>
-        </p14:section>
-        <p14:section name="Case Study" id="{8C0305C9-B152-4FBA-A789-FE1976D53990}">
-          <p14:sldIdLst>
-            <p14:sldId id="270"/>
-            <p14:sldId id="272"/>
-          </p14:sldIdLst>
-        </p14:section>
-        <p14:section name="concerns" id="{4AD6EC23-D1DD-48DD-9F0F-D09CB679F5C2}">
-          <p14:sldIdLst>
-            <p14:sldId id="289"/>
-            <p14:sldId id="290"/>
-          </p14:sldIdLst>
-        </p14:section>
-        <p14:section name="Technology" id="{4CE7CDF6-A438-47A3-B4BA-DC05690A84E1}">
-          <p14:sldIdLst>
-            <p14:sldId id="291"/>
-            <p14:sldId id="292"/>
-          </p14:sldIdLst>
-        </p14:section>
-        <p14:section name="Getting Started" id="{3DD1A5B0-0ACB-4A2E-A0D3-2941E722CA63}">
+        <p14:section name="Milk Pi Recipe" id="{BAB3A466-96C9-4230-9978-795378D75699}">
           <p14:sldIdLst>
             <p14:sldId id="294"/>
-            <p14:sldId id="293"/>
+            <p14:sldId id="295"/>
+            <p14:sldId id="269"/>
+            <p14:sldId id="270"/>
           </p14:sldIdLst>
         </p14:section>
         <p14:section name="Conclusion and Summary" id="{790CEF5B-569A-4C2F-BED5-750B08C0E5AD}">
           <p14:sldIdLst>
+            <p14:sldId id="276"/>
             <p14:sldId id="277"/>
           </p14:sldIdLst>
         </p14:section>
+        <p14:section name="Appendix" id="{3F78B471-41DA-46F2-A8E4-97E471896AB3}">
+          <p14:sldIdLst/>
+        </p14:section>
       </p14:sectionLst>
+    </p:ext>
+    <p:ext uri="{EFAFB233-063F-42B5-8137-9DF3F51BA10A}">
+      <p15:sldGuideLst xmlns:p15="http://schemas.microsoft.com/office/powerpoint/2012/main">
+        <p15:guide id="1" orient="horz" pos="2160">
+          <p15:clr>
+            <a:srgbClr val="A4A3A4"/>
+          </p15:clr>
+        </p15:guide>
+        <p15:guide id="2" pos="2880">
+          <p15:clr>
+            <a:srgbClr val="A4A3A4"/>
+          </p15:clr>
+        </p15:guide>
+      </p15:sldGuideLst>
+    </p:ext>
+    <p:ext uri="{2D200454-40CA-4A62-9FC3-DE9A4176ACB9}">
+      <p15:notesGuideLst xmlns:p15="http://schemas.microsoft.com/office/powerpoint/2012/main">
+        <p15:guide id="1" orient="horz" pos="2880">
+          <p15:clr>
+            <a:srgbClr val="A4A3A4"/>
+          </p15:clr>
+        </p15:guide>
+        <p15:guide id="2" pos="2160">
+          <p15:clr>
+            <a:srgbClr val="A4A3A4"/>
+          </p15:clr>
+        </p15:guide>
+      </p15:notesGuideLst>
     </p:ext>
   </p:extLst>
 </p:presentation>
@@ -1095,218 +1106,6 @@
         </a:p>
       </dgm:t>
     </dgm:pt>
-    <dgm:pt modelId="{6BE4E373-0656-4EDC-821E-BE09C952B1F6}">
-      <dgm:prSet phldrT="[Text]" custT="1"/>
-      <dgm:spPr/>
-      <dgm:t>
-        <a:bodyPr/>
-        <a:lstStyle/>
-        <a:p>
-          <a:r>
-            <a:rPr lang="en-US" sz="2400" dirty="0" smtClean="0">
-              <a:effectLst>
-                <a:outerShdw blurRad="38100" dist="38100" dir="2700000" algn="tl">
-                  <a:srgbClr val="000000">
-                    <a:alpha val="43137"/>
-                  </a:srgbClr>
-                </a:outerShdw>
-              </a:effectLst>
-            </a:rPr>
-            <a:t>Devices</a:t>
-          </a:r>
-          <a:endParaRPr lang="en-US" sz="2400" dirty="0">
-            <a:effectLst>
-              <a:outerShdw blurRad="38100" dist="38100" dir="2700000" algn="tl">
-                <a:srgbClr val="000000">
-                  <a:alpha val="43137"/>
-                </a:srgbClr>
-              </a:outerShdw>
-            </a:effectLst>
-          </a:endParaRPr>
-        </a:p>
-      </dgm:t>
-    </dgm:pt>
-    <dgm:pt modelId="{34218063-BF94-4304-99BD-B3F7BA4D3C8F}" type="parTrans" cxnId="{119690D4-400B-468B-8BA0-5C9C9E2AFEAF}">
-      <dgm:prSet/>
-      <dgm:spPr/>
-      <dgm:t>
-        <a:bodyPr/>
-        <a:lstStyle/>
-        <a:p>
-          <a:endParaRPr lang="en-US" sz="3200"/>
-        </a:p>
-      </dgm:t>
-    </dgm:pt>
-    <dgm:pt modelId="{E17B9BF1-2948-497F-8EC7-3BF734D839DB}" type="sibTrans" cxnId="{119690D4-400B-468B-8BA0-5C9C9E2AFEAF}">
-      <dgm:prSet/>
-      <dgm:spPr/>
-      <dgm:t>
-        <a:bodyPr/>
-        <a:lstStyle/>
-        <a:p>
-          <a:endParaRPr lang="en-US" sz="3200"/>
-        </a:p>
-      </dgm:t>
-    </dgm:pt>
-    <dgm:pt modelId="{2972E30A-4EDE-45A1-8BE3-AB2801325EA1}">
-      <dgm:prSet phldrT="[Text]" custT="1"/>
-      <dgm:spPr/>
-      <dgm:t>
-        <a:bodyPr/>
-        <a:lstStyle/>
-        <a:p>
-          <a:r>
-            <a:rPr lang="en-US" sz="3200" dirty="0" smtClean="0">
-              <a:effectLst>
-                <a:outerShdw blurRad="38100" dist="38100" dir="2700000" algn="tl">
-                  <a:srgbClr val="000000">
-                    <a:alpha val="43137"/>
-                  </a:srgbClr>
-                </a:outerShdw>
-              </a:effectLst>
-            </a:rPr>
-            <a:t>4 </a:t>
-          </a:r>
-          <a:endParaRPr lang="en-US" sz="3200" dirty="0">
-            <a:effectLst>
-              <a:outerShdw blurRad="38100" dist="38100" dir="2700000" algn="tl">
-                <a:srgbClr val="000000">
-                  <a:alpha val="43137"/>
-                </a:srgbClr>
-              </a:outerShdw>
-            </a:effectLst>
-          </a:endParaRPr>
-        </a:p>
-      </dgm:t>
-    </dgm:pt>
-    <dgm:pt modelId="{ED06C135-0A39-4980-AFD1-6F0A8885394F}" type="parTrans" cxnId="{A554ADF5-352F-45B0-84A7-CF1D0B399C1A}">
-      <dgm:prSet/>
-      <dgm:spPr/>
-      <dgm:t>
-        <a:bodyPr/>
-        <a:lstStyle/>
-        <a:p>
-          <a:endParaRPr lang="en-US"/>
-        </a:p>
-      </dgm:t>
-    </dgm:pt>
-    <dgm:pt modelId="{E5FEEAFE-041A-4D3C-92FE-EA25A36F23BB}" type="sibTrans" cxnId="{A554ADF5-352F-45B0-84A7-CF1D0B399C1A}">
-      <dgm:prSet/>
-      <dgm:spPr/>
-      <dgm:t>
-        <a:bodyPr/>
-        <a:lstStyle/>
-        <a:p>
-          <a:endParaRPr lang="en-US"/>
-        </a:p>
-      </dgm:t>
-    </dgm:pt>
-    <dgm:pt modelId="{C54FDE5A-1A04-4BE4-963D-565044A45FD5}">
-      <dgm:prSet phldrT="[Text]" custT="1"/>
-      <dgm:spPr/>
-      <dgm:t>
-        <a:bodyPr/>
-        <a:lstStyle/>
-        <a:p>
-          <a:r>
-            <a:rPr lang="en-US" sz="2400" dirty="0" smtClean="0">
-              <a:effectLst>
-                <a:outerShdw blurRad="38100" dist="38100" dir="2700000" algn="tl">
-                  <a:srgbClr val="000000">
-                    <a:alpha val="43137"/>
-                  </a:srgbClr>
-                </a:outerShdw>
-              </a:effectLst>
-            </a:rPr>
-            <a:t>Concerns</a:t>
-          </a:r>
-          <a:endParaRPr lang="en-US" sz="2400" dirty="0">
-            <a:effectLst>
-              <a:outerShdw blurRad="38100" dist="38100" dir="2700000" algn="tl">
-                <a:srgbClr val="000000">
-                  <a:alpha val="43137"/>
-                </a:srgbClr>
-              </a:outerShdw>
-            </a:effectLst>
-          </a:endParaRPr>
-        </a:p>
-      </dgm:t>
-    </dgm:pt>
-    <dgm:pt modelId="{54EB2192-520C-4203-9A21-35A6A1ADA5BD}" type="parTrans" cxnId="{FC1D7F87-1C29-4C43-A592-3E43EC6C7115}">
-      <dgm:prSet/>
-      <dgm:spPr/>
-      <dgm:t>
-        <a:bodyPr/>
-        <a:lstStyle/>
-        <a:p>
-          <a:endParaRPr lang="en-US"/>
-        </a:p>
-      </dgm:t>
-    </dgm:pt>
-    <dgm:pt modelId="{969BC5A1-A7A5-4C17-BA41-44ECF603B445}" type="sibTrans" cxnId="{FC1D7F87-1C29-4C43-A592-3E43EC6C7115}">
-      <dgm:prSet/>
-      <dgm:spPr/>
-      <dgm:t>
-        <a:bodyPr/>
-        <a:lstStyle/>
-        <a:p>
-          <a:endParaRPr lang="en-US"/>
-        </a:p>
-      </dgm:t>
-    </dgm:pt>
-    <dgm:pt modelId="{22CCDE6B-0CB0-4FA7-BA61-B17CD6924CD2}">
-      <dgm:prSet phldrT="[Text]" custT="1"/>
-      <dgm:spPr/>
-      <dgm:t>
-        <a:bodyPr/>
-        <a:lstStyle/>
-        <a:p>
-          <a:r>
-            <a:rPr lang="en-US" sz="2400" dirty="0" smtClean="0">
-              <a:effectLst>
-                <a:outerShdw blurRad="38100" dist="38100" dir="2700000" algn="tl">
-                  <a:srgbClr val="000000">
-                    <a:alpha val="43137"/>
-                  </a:srgbClr>
-                </a:outerShdw>
-              </a:effectLst>
-            </a:rPr>
-            <a:t>Getting Started</a:t>
-          </a:r>
-          <a:endParaRPr lang="en-US" sz="2400" dirty="0">
-            <a:effectLst>
-              <a:outerShdw blurRad="38100" dist="38100" dir="2700000" algn="tl">
-                <a:srgbClr val="000000">
-                  <a:alpha val="43137"/>
-                </a:srgbClr>
-              </a:outerShdw>
-            </a:effectLst>
-          </a:endParaRPr>
-        </a:p>
-      </dgm:t>
-    </dgm:pt>
-    <dgm:pt modelId="{3ADA9B80-9F0C-4E88-B051-A4E2D4C89657}" type="parTrans" cxnId="{3059AE06-1D72-4B86-AABF-15C037A96285}">
-      <dgm:prSet/>
-      <dgm:spPr/>
-      <dgm:t>
-        <a:bodyPr/>
-        <a:lstStyle/>
-        <a:p>
-          <a:endParaRPr lang="en-US"/>
-        </a:p>
-      </dgm:t>
-    </dgm:pt>
-    <dgm:pt modelId="{BBFCF834-F194-4B90-BF90-CCE871A0F558}" type="sibTrans" cxnId="{3059AE06-1D72-4B86-AABF-15C037A96285}">
-      <dgm:prSet/>
-      <dgm:spPr/>
-      <dgm:t>
-        <a:bodyPr/>
-        <a:lstStyle/>
-        <a:p>
-          <a:endParaRPr lang="en-US"/>
-        </a:p>
-      </dgm:t>
-    </dgm:pt>
     <dgm:pt modelId="{19FE8075-91E7-4197-AA45-FFC5E4CC05E3}">
       <dgm:prSet phldrT="[Text]" custT="1"/>
       <dgm:spPr/>
@@ -1315,16 +1114,8 @@
         <a:lstStyle/>
         <a:p>
           <a:r>
-            <a:rPr lang="en-US" sz="2400" dirty="0" smtClean="0">
-              <a:effectLst>
-                <a:outerShdw blurRad="38100" dist="38100" dir="2700000" algn="tl">
-                  <a:srgbClr val="000000">
-                    <a:alpha val="43137"/>
-                  </a:srgbClr>
-                </a:outerShdw>
-              </a:effectLst>
-            </a:rPr>
-            <a:t>What is IOT?</a:t>
+            <a:rPr lang="en-GB" sz="2400" dirty="0" smtClean="0"/>
+            <a:t>Baking Your Pi</a:t>
           </a:r>
           <a:endParaRPr lang="en-US" sz="2400" dirty="0"/>
         </a:p>
@@ -1352,271 +1143,6 @@
         </a:p>
       </dgm:t>
     </dgm:pt>
-    <dgm:pt modelId="{1E776C6D-C203-40BB-BFCB-C1CA35D9FDF8}">
-      <dgm:prSet phldrT="[Text]" custT="1"/>
-      <dgm:spPr/>
-      <dgm:t>
-        <a:bodyPr/>
-        <a:lstStyle/>
-        <a:p>
-          <a:r>
-            <a:rPr lang="en-US" sz="3200" dirty="0" smtClean="0">
-              <a:effectLst>
-                <a:outerShdw blurRad="38100" dist="38100" dir="2700000" algn="tl">
-                  <a:srgbClr val="000000">
-                    <a:alpha val="43137"/>
-                  </a:srgbClr>
-                </a:outerShdw>
-              </a:effectLst>
-            </a:rPr>
-            <a:t>7</a:t>
-          </a:r>
-          <a:endParaRPr lang="en-US" sz="3200" dirty="0">
-            <a:effectLst>
-              <a:outerShdw blurRad="38100" dist="38100" dir="2700000" algn="tl">
-                <a:srgbClr val="000000">
-                  <a:alpha val="43137"/>
-                </a:srgbClr>
-              </a:outerShdw>
-            </a:effectLst>
-          </a:endParaRPr>
-        </a:p>
-      </dgm:t>
-    </dgm:pt>
-    <dgm:pt modelId="{067D20B7-A4EF-45B1-A116-967078F5C1DE}" type="parTrans" cxnId="{66F80C90-8BB1-4525-8B99-21E1EB483015}">
-      <dgm:prSet/>
-      <dgm:spPr/>
-      <dgm:t>
-        <a:bodyPr/>
-        <a:lstStyle/>
-        <a:p>
-          <a:endParaRPr lang="en-US"/>
-        </a:p>
-      </dgm:t>
-    </dgm:pt>
-    <dgm:pt modelId="{EB0B183B-7E74-489F-B2C6-508D2F7FED53}" type="sibTrans" cxnId="{66F80C90-8BB1-4525-8B99-21E1EB483015}">
-      <dgm:prSet/>
-      <dgm:spPr/>
-      <dgm:t>
-        <a:bodyPr/>
-        <a:lstStyle/>
-        <a:p>
-          <a:endParaRPr lang="en-US"/>
-        </a:p>
-      </dgm:t>
-    </dgm:pt>
-    <dgm:pt modelId="{0891671D-D42F-4B4F-AAAB-8C634AA6502D}">
-      <dgm:prSet phldrT="[Text]" custT="1"/>
-      <dgm:spPr/>
-      <dgm:t>
-        <a:bodyPr/>
-        <a:lstStyle/>
-        <a:p>
-          <a:r>
-            <a:rPr lang="en-US" sz="2400" dirty="0" smtClean="0">
-              <a:effectLst>
-                <a:outerShdw blurRad="38100" dist="38100" dir="2700000" algn="tl">
-                  <a:srgbClr val="000000">
-                    <a:alpha val="43137"/>
-                  </a:srgbClr>
-                </a:outerShdw>
-              </a:effectLst>
-            </a:rPr>
-            <a:t>Ques and comments</a:t>
-          </a:r>
-          <a:endParaRPr lang="en-US" sz="2400" dirty="0">
-            <a:effectLst>
-              <a:outerShdw blurRad="38100" dist="38100" dir="2700000" algn="tl">
-                <a:srgbClr val="000000">
-                  <a:alpha val="43137"/>
-                </a:srgbClr>
-              </a:outerShdw>
-            </a:effectLst>
-          </a:endParaRPr>
-        </a:p>
-      </dgm:t>
-    </dgm:pt>
-    <dgm:pt modelId="{371AAA77-AEF6-4CF8-A4B2-7E6EA33F60EB}" type="parTrans" cxnId="{D1F8BFEC-4439-4152-BDF0-168F9EE47F4F}">
-      <dgm:prSet/>
-      <dgm:spPr/>
-      <dgm:t>
-        <a:bodyPr/>
-        <a:lstStyle/>
-        <a:p>
-          <a:endParaRPr lang="en-US"/>
-        </a:p>
-      </dgm:t>
-    </dgm:pt>
-    <dgm:pt modelId="{64EAD307-6510-4F57-9322-FE689FFA1BD7}" type="sibTrans" cxnId="{D1F8BFEC-4439-4152-BDF0-168F9EE47F4F}">
-      <dgm:prSet/>
-      <dgm:spPr/>
-      <dgm:t>
-        <a:bodyPr/>
-        <a:lstStyle/>
-        <a:p>
-          <a:endParaRPr lang="en-US"/>
-        </a:p>
-      </dgm:t>
-    </dgm:pt>
-    <dgm:pt modelId="{0502EAAC-6A18-4FC1-BC7E-53CB2AD89FC4}">
-      <dgm:prSet phldrT="[Text]" custT="1"/>
-      <dgm:spPr/>
-      <dgm:t>
-        <a:bodyPr/>
-        <a:lstStyle/>
-        <a:p>
-          <a:r>
-            <a:rPr lang="en-US" sz="2400" dirty="0" smtClean="0">
-              <a:effectLst>
-                <a:outerShdw blurRad="38100" dist="38100" dir="2700000" algn="tl">
-                  <a:srgbClr val="000000">
-                    <a:alpha val="43137"/>
-                  </a:srgbClr>
-                </a:outerShdw>
-              </a:effectLst>
-            </a:rPr>
-            <a:t>Technologies</a:t>
-          </a:r>
-          <a:endParaRPr lang="en-US" sz="2400" dirty="0">
-            <a:effectLst>
-              <a:outerShdw blurRad="38100" dist="38100" dir="2700000" algn="tl">
-                <a:srgbClr val="000000">
-                  <a:alpha val="43137"/>
-                </a:srgbClr>
-              </a:outerShdw>
-            </a:effectLst>
-          </a:endParaRPr>
-        </a:p>
-      </dgm:t>
-    </dgm:pt>
-    <dgm:pt modelId="{6D9A8545-D8B2-49EA-B6BC-610F5F619BC1}" type="parTrans" cxnId="{E45C03E8-0DEF-460E-B315-02E44B29ED6C}">
-      <dgm:prSet/>
-      <dgm:spPr/>
-      <dgm:t>
-        <a:bodyPr/>
-        <a:lstStyle/>
-        <a:p>
-          <a:endParaRPr lang="en-US"/>
-        </a:p>
-      </dgm:t>
-    </dgm:pt>
-    <dgm:pt modelId="{77F901D3-C958-420F-B293-B66088DC99A2}" type="sibTrans" cxnId="{E45C03E8-0DEF-460E-B315-02E44B29ED6C}">
-      <dgm:prSet/>
-      <dgm:spPr/>
-      <dgm:t>
-        <a:bodyPr/>
-        <a:lstStyle/>
-        <a:p>
-          <a:endParaRPr lang="en-US"/>
-        </a:p>
-      </dgm:t>
-    </dgm:pt>
-    <dgm:pt modelId="{D11DF5B1-ED3B-4158-A54E-51D2C185AB6D}">
-      <dgm:prSet phldrT="[Text]" custT="1"/>
-      <dgm:spPr/>
-      <dgm:t>
-        <a:bodyPr/>
-        <a:lstStyle/>
-        <a:p>
-          <a:r>
-            <a:rPr lang="en-US" sz="3200" dirty="0" smtClean="0">
-              <a:effectLst>
-                <a:outerShdw blurRad="38100" dist="38100" dir="2700000" algn="tl">
-                  <a:srgbClr val="000000">
-                    <a:alpha val="43137"/>
-                  </a:srgbClr>
-                </a:outerShdw>
-              </a:effectLst>
-            </a:rPr>
-            <a:t>6</a:t>
-          </a:r>
-          <a:endParaRPr lang="en-US" sz="3200" dirty="0">
-            <a:effectLst>
-              <a:outerShdw blurRad="38100" dist="38100" dir="2700000" algn="tl">
-                <a:srgbClr val="000000">
-                  <a:alpha val="43137"/>
-                </a:srgbClr>
-              </a:outerShdw>
-            </a:effectLst>
-          </a:endParaRPr>
-        </a:p>
-      </dgm:t>
-    </dgm:pt>
-    <dgm:pt modelId="{621AA215-3A51-4E4D-8810-A5643B803005}" type="sibTrans" cxnId="{6273D150-C67B-472D-95FA-6A120BD98F27}">
-      <dgm:prSet/>
-      <dgm:spPr/>
-      <dgm:t>
-        <a:bodyPr/>
-        <a:lstStyle/>
-        <a:p>
-          <a:endParaRPr lang="en-US"/>
-        </a:p>
-      </dgm:t>
-    </dgm:pt>
-    <dgm:pt modelId="{7EBC7496-A678-4693-86CB-A2B711D333AD}" type="parTrans" cxnId="{6273D150-C67B-472D-95FA-6A120BD98F27}">
-      <dgm:prSet/>
-      <dgm:spPr/>
-      <dgm:t>
-        <a:bodyPr/>
-        <a:lstStyle/>
-        <a:p>
-          <a:endParaRPr lang="en-US"/>
-        </a:p>
-      </dgm:t>
-    </dgm:pt>
-    <dgm:pt modelId="{1BB0736A-AC9E-49D5-A82D-32785BA2E2ED}">
-      <dgm:prSet phldrT="[Text]" custT="1"/>
-      <dgm:spPr/>
-      <dgm:t>
-        <a:bodyPr/>
-        <a:lstStyle/>
-        <a:p>
-          <a:r>
-            <a:rPr lang="en-US" sz="3200" dirty="0" smtClean="0">
-              <a:effectLst>
-                <a:outerShdw blurRad="38100" dist="38100" dir="2700000" algn="tl">
-                  <a:srgbClr val="000000">
-                    <a:alpha val="43137"/>
-                  </a:srgbClr>
-                </a:outerShdw>
-              </a:effectLst>
-            </a:rPr>
-            <a:t>5</a:t>
-          </a:r>
-          <a:endParaRPr lang="en-US" sz="3200" dirty="0">
-            <a:effectLst>
-              <a:outerShdw blurRad="38100" dist="38100" dir="2700000" algn="tl">
-                <a:srgbClr val="000000">
-                  <a:alpha val="43137"/>
-                </a:srgbClr>
-              </a:outerShdw>
-            </a:effectLst>
-          </a:endParaRPr>
-        </a:p>
-      </dgm:t>
-    </dgm:pt>
-    <dgm:pt modelId="{618F8A3C-E240-403C-8432-18CCE691AB91}" type="sibTrans" cxnId="{00EA8034-866E-4E96-92E7-F13ABBF3BF59}">
-      <dgm:prSet/>
-      <dgm:spPr/>
-      <dgm:t>
-        <a:bodyPr/>
-        <a:lstStyle/>
-        <a:p>
-          <a:endParaRPr lang="en-US"/>
-        </a:p>
-      </dgm:t>
-    </dgm:pt>
-    <dgm:pt modelId="{CDC6E90D-9C42-4E4C-B7C8-365938E8B265}" type="parTrans" cxnId="{00EA8034-866E-4E96-92E7-F13ABBF3BF59}">
-      <dgm:prSet/>
-      <dgm:spPr/>
-      <dgm:t>
-        <a:bodyPr/>
-        <a:lstStyle/>
-        <a:p>
-          <a:endParaRPr lang="en-US"/>
-        </a:p>
-      </dgm:t>
-    </dgm:pt>
     <dgm:pt modelId="{DE55C01F-75D7-4D14-8E2C-B62A77A926BC}">
       <dgm:prSet phldrT="[Text]" custT="1"/>
       <dgm:spPr/>
@@ -1625,16 +1151,8 @@
         <a:lstStyle/>
         <a:p>
           <a:r>
-            <a:rPr lang="en-US" sz="2400" dirty="0" smtClean="0">
-              <a:effectLst>
-                <a:outerShdw blurRad="38100" dist="38100" dir="2700000" algn="tl">
-                  <a:srgbClr val="000000">
-                    <a:alpha val="43137"/>
-                  </a:srgbClr>
-                </a:outerShdw>
-              </a:effectLst>
-            </a:rPr>
-            <a:t>Market players of IOT</a:t>
+            <a:rPr lang="en-GB" sz="2400" dirty="0" smtClean="0"/>
+            <a:t>Milk Pi Recipe</a:t>
           </a:r>
           <a:endParaRPr lang="en-US" sz="2400" dirty="0"/>
         </a:p>
@@ -1659,6 +1177,165 @@
         <a:lstStyle/>
         <a:p>
           <a:endParaRPr lang="en-US"/>
+        </a:p>
+      </dgm:t>
+    </dgm:pt>
+    <dgm:pt modelId="{5CAC8212-B514-4E75-998A-8A6E0E6476DB}">
+      <dgm:prSet phldrT="[Text]" custT="1"/>
+      <dgm:spPr/>
+      <dgm:t>
+        <a:bodyPr/>
+        <a:lstStyle/>
+        <a:p>
+          <a:r>
+            <a:rPr lang="en-US" sz="2400" dirty="0" smtClean="0">
+              <a:effectLst>
+                <a:outerShdw blurRad="38100" dist="38100" dir="2700000" algn="tl">
+                  <a:srgbClr val="000000">
+                    <a:alpha val="43137"/>
+                  </a:srgbClr>
+                </a:outerShdw>
+              </a:effectLst>
+            </a:rPr>
+            <a:t>4</a:t>
+          </a:r>
+          <a:endParaRPr lang="en-US" sz="2400" dirty="0">
+            <a:effectLst>
+              <a:outerShdw blurRad="38100" dist="38100" dir="2700000" algn="tl">
+                <a:srgbClr val="000000">
+                  <a:alpha val="43137"/>
+                </a:srgbClr>
+              </a:outerShdw>
+            </a:effectLst>
+          </a:endParaRPr>
+        </a:p>
+      </dgm:t>
+    </dgm:pt>
+    <dgm:pt modelId="{8B65D6AA-2543-4D86-9836-07E792929321}" type="parTrans" cxnId="{94985356-8FB6-4846-835B-7CC566D6F453}">
+      <dgm:prSet/>
+      <dgm:spPr/>
+      <dgm:t>
+        <a:bodyPr/>
+        <a:lstStyle/>
+        <a:p>
+          <a:endParaRPr lang="en-GB"/>
+        </a:p>
+      </dgm:t>
+    </dgm:pt>
+    <dgm:pt modelId="{A5F953CA-BC98-482C-B9FC-F61F7D4623D5}" type="sibTrans" cxnId="{94985356-8FB6-4846-835B-7CC566D6F453}">
+      <dgm:prSet/>
+      <dgm:spPr/>
+      <dgm:t>
+        <a:bodyPr/>
+        <a:lstStyle/>
+        <a:p>
+          <a:endParaRPr lang="en-GB"/>
+        </a:p>
+      </dgm:t>
+    </dgm:pt>
+    <dgm:pt modelId="{B97D7F14-B7F8-4D8C-A816-2C0A238FC389}">
+      <dgm:prSet phldrT="[Text]" custT="1"/>
+      <dgm:spPr/>
+      <dgm:t>
+        <a:bodyPr/>
+        <a:lstStyle/>
+        <a:p>
+          <a:r>
+            <a:rPr lang="en-US" sz="2400" smtClean="0">
+              <a:effectLst>
+                <a:outerShdw blurRad="38100" dist="38100" dir="2700000" algn="tl">
+                  <a:srgbClr val="000000">
+                    <a:alpha val="43137"/>
+                  </a:srgbClr>
+                </a:outerShdw>
+              </a:effectLst>
+            </a:rPr>
+            <a:t>Ques and comments</a:t>
+          </a:r>
+          <a:endParaRPr lang="en-US" sz="2400" dirty="0">
+            <a:effectLst>
+              <a:outerShdw blurRad="38100" dist="38100" dir="2700000" algn="tl">
+                <a:srgbClr val="000000">
+                  <a:alpha val="43137"/>
+                </a:srgbClr>
+              </a:outerShdw>
+            </a:effectLst>
+          </a:endParaRPr>
+        </a:p>
+      </dgm:t>
+    </dgm:pt>
+    <dgm:pt modelId="{FC0BF4D8-2A00-48C1-8026-2FB06158C1F8}" type="parTrans" cxnId="{77BC8576-A2F3-428A-9DB4-29C0C244482F}">
+      <dgm:prSet/>
+      <dgm:spPr/>
+      <dgm:t>
+        <a:bodyPr/>
+        <a:lstStyle/>
+        <a:p>
+          <a:endParaRPr lang="en-GB"/>
+        </a:p>
+      </dgm:t>
+    </dgm:pt>
+    <dgm:pt modelId="{258373D3-7973-4CE2-A72E-0B18F16770DE}" type="sibTrans" cxnId="{77BC8576-A2F3-428A-9DB4-29C0C244482F}">
+      <dgm:prSet/>
+      <dgm:spPr/>
+      <dgm:t>
+        <a:bodyPr/>
+        <a:lstStyle/>
+        <a:p>
+          <a:endParaRPr lang="en-GB"/>
+        </a:p>
+      </dgm:t>
+    </dgm:pt>
+    <dgm:pt modelId="{6BE4E373-0656-4EDC-821E-BE09C952B1F6}">
+      <dgm:prSet phldrT="[Text]" custT="1"/>
+      <dgm:spPr/>
+      <dgm:t>
+        <a:bodyPr/>
+        <a:lstStyle/>
+        <a:p>
+          <a:r>
+            <a:rPr lang="en-US" sz="2400" dirty="0" smtClean="0">
+              <a:effectLst>
+                <a:outerShdw blurRad="38100" dist="38100" dir="2700000" algn="tl">
+                  <a:srgbClr val="000000">
+                    <a:alpha val="43137"/>
+                  </a:srgbClr>
+                </a:outerShdw>
+              </a:effectLst>
+            </a:rPr>
+            <a:t>References</a:t>
+          </a:r>
+          <a:endParaRPr lang="en-US" sz="2400" dirty="0">
+            <a:effectLst>
+              <a:outerShdw blurRad="38100" dist="38100" dir="2700000" algn="tl">
+                <a:srgbClr val="000000">
+                  <a:alpha val="43137"/>
+                </a:srgbClr>
+              </a:outerShdw>
+            </a:effectLst>
+          </a:endParaRPr>
+        </a:p>
+      </dgm:t>
+    </dgm:pt>
+    <dgm:pt modelId="{E17B9BF1-2948-497F-8EC7-3BF734D839DB}" type="sibTrans" cxnId="{119690D4-400B-468B-8BA0-5C9C9E2AFEAF}">
+      <dgm:prSet/>
+      <dgm:spPr/>
+      <dgm:t>
+        <a:bodyPr/>
+        <a:lstStyle/>
+        <a:p>
+          <a:endParaRPr lang="en-US" sz="3200"/>
+        </a:p>
+      </dgm:t>
+    </dgm:pt>
+    <dgm:pt modelId="{34218063-BF94-4304-99BD-B3F7BA4D3C8F}" type="parTrans" cxnId="{119690D4-400B-468B-8BA0-5C9C9E2AFEAF}">
+      <dgm:prSet/>
+      <dgm:spPr/>
+      <dgm:t>
+        <a:bodyPr/>
+        <a:lstStyle/>
+        <a:p>
+          <a:endParaRPr lang="en-US" sz="3200"/>
         </a:p>
       </dgm:t>
     </dgm:pt>
@@ -1691,7 +1368,7 @@
       </dgm:t>
     </dgm:pt>
     <dgm:pt modelId="{7E429971-BC57-430F-BB25-C0574E5E39E3}" type="pres">
-      <dgm:prSet presAssocID="{74EE5CD8-078F-4590-BF9C-A341A294A016}" presName="parentText" presStyleLbl="node1" presStyleIdx="0" presStyleCnt="7" custLinFactNeighborY="-15667">
+      <dgm:prSet presAssocID="{74EE5CD8-078F-4590-BF9C-A341A294A016}" presName="parentText" presStyleLbl="node1" presStyleIdx="0" presStyleCnt="4" custLinFactNeighborY="-15667">
         <dgm:presLayoutVars>
           <dgm:chMax val="1"/>
           <dgm:bulletEnabled val="1"/>
@@ -1711,7 +1388,7 @@
       </dgm:t>
     </dgm:pt>
     <dgm:pt modelId="{D54B1729-BC98-42C1-9C6C-D65DCBA4358F}" type="pres">
-      <dgm:prSet presAssocID="{74EE5CD8-078F-4590-BF9C-A341A294A016}" presName="descendantText" presStyleLbl="alignAccFollowNode1" presStyleIdx="0" presStyleCnt="7" custScaleX="259632">
+      <dgm:prSet presAssocID="{74EE5CD8-078F-4590-BF9C-A341A294A016}" presName="descendantText" presStyleLbl="alignAccFollowNode1" presStyleIdx="0" presStyleCnt="4" custScaleX="259632">
         <dgm:presLayoutVars>
           <dgm:bulletEnabled val="1"/>
         </dgm:presLayoutVars>
@@ -1752,7 +1429,7 @@
       </dgm:t>
     </dgm:pt>
     <dgm:pt modelId="{C04276DC-EE64-470A-B8BC-09067B8045FA}" type="pres">
-      <dgm:prSet presAssocID="{AA046201-5C4D-445E-BF0B-5C6D2B0A1945}" presName="parentText" presStyleLbl="node1" presStyleIdx="1" presStyleCnt="7">
+      <dgm:prSet presAssocID="{AA046201-5C4D-445E-BF0B-5C6D2B0A1945}" presName="parentText" presStyleLbl="node1" presStyleIdx="1" presStyleCnt="4">
         <dgm:presLayoutVars>
           <dgm:chMax val="1"/>
           <dgm:bulletEnabled val="1"/>
@@ -1772,7 +1449,7 @@
       </dgm:t>
     </dgm:pt>
     <dgm:pt modelId="{B37A5355-225B-4C6F-AED7-6C620F99EECC}" type="pres">
-      <dgm:prSet presAssocID="{AA046201-5C4D-445E-BF0B-5C6D2B0A1945}" presName="descendantText" presStyleLbl="alignAccFollowNode1" presStyleIdx="1" presStyleCnt="7" custScaleX="259632">
+      <dgm:prSet presAssocID="{AA046201-5C4D-445E-BF0B-5C6D2B0A1945}" presName="descendantText" presStyleLbl="alignAccFollowNode1" presStyleIdx="1" presStyleCnt="4" custScaleX="259632">
         <dgm:presLayoutVars>
           <dgm:bulletEnabled val="1"/>
         </dgm:presLayoutVars>
@@ -1813,7 +1490,7 @@
       </dgm:t>
     </dgm:pt>
     <dgm:pt modelId="{F5034101-5B7D-4FE7-B47A-5A48CF39606B}" type="pres">
-      <dgm:prSet presAssocID="{D1776C8F-2B10-4075-8DF7-7F65AB725ED5}" presName="parentText" presStyleLbl="node1" presStyleIdx="2" presStyleCnt="7">
+      <dgm:prSet presAssocID="{D1776C8F-2B10-4075-8DF7-7F65AB725ED5}" presName="parentText" presStyleLbl="node1" presStyleIdx="2" presStyleCnt="4">
         <dgm:presLayoutVars>
           <dgm:chMax val="1"/>
           <dgm:bulletEnabled val="1"/>
@@ -1833,7 +1510,7 @@
       </dgm:t>
     </dgm:pt>
     <dgm:pt modelId="{C7C3E6FD-D83F-4BDA-907E-B5EE041DA931}" type="pres">
-      <dgm:prSet presAssocID="{D1776C8F-2B10-4075-8DF7-7F65AB725ED5}" presName="descendantText" presStyleLbl="alignAccFollowNode1" presStyleIdx="2" presStyleCnt="7" custScaleX="259632">
+      <dgm:prSet presAssocID="{D1776C8F-2B10-4075-8DF7-7F65AB725ED5}" presName="descendantText" presStyleLbl="alignAccFollowNode1" presStyleIdx="2" presStyleCnt="4" custScaleX="259632">
         <dgm:presLayoutVars>
           <dgm:bulletEnabled val="1"/>
         </dgm:presLayoutVars>
@@ -1855,12 +1532,12 @@
       <dgm:prSet presAssocID="{88B75C29-8054-417D-BCE3-878A55118F6D}" presName="sp" presStyleCnt="0"/>
       <dgm:spPr/>
     </dgm:pt>
-    <dgm:pt modelId="{CD730B35-7A90-4EE5-8485-5758E9AD8C37}" type="pres">
-      <dgm:prSet presAssocID="{2972E30A-4EDE-45A1-8BE3-AB2801325EA1}" presName="linNode" presStyleCnt="0"/>
+    <dgm:pt modelId="{8C7950BD-4E11-40FE-9D05-8F3449B393E4}" type="pres">
+      <dgm:prSet presAssocID="{5CAC8212-B514-4E75-998A-8A6E0E6476DB}" presName="linNode" presStyleCnt="0"/>
       <dgm:spPr/>
     </dgm:pt>
-    <dgm:pt modelId="{953D79A1-F583-4C99-9EA1-00C886685091}" type="pres">
-      <dgm:prSet presAssocID="{2972E30A-4EDE-45A1-8BE3-AB2801325EA1}" presName="parentText" presStyleLbl="node1" presStyleIdx="3" presStyleCnt="7" custScaleX="55215">
+    <dgm:pt modelId="{584C9453-C0F3-4033-8FCB-3EFFFC643335}" type="pres">
+      <dgm:prSet presAssocID="{5CAC8212-B514-4E75-998A-8A6E0E6476DB}" presName="parentText" presStyleLbl="node1" presStyleIdx="3" presStyleCnt="4">
         <dgm:presLayoutVars>
           <dgm:chMax val="1"/>
           <dgm:bulletEnabled val="1"/>
@@ -1871,12 +1548,12 @@
         <a:bodyPr/>
         <a:lstStyle/>
         <a:p>
-          <a:endParaRPr lang="en-US"/>
+          <a:endParaRPr lang="en-GB"/>
         </a:p>
       </dgm:t>
     </dgm:pt>
-    <dgm:pt modelId="{F90B9516-CD69-4131-B576-842C3D01AD54}" type="pres">
-      <dgm:prSet presAssocID="{2972E30A-4EDE-45A1-8BE3-AB2801325EA1}" presName="descendantText" presStyleLbl="alignAccFollowNode1" presStyleIdx="3" presStyleCnt="7" custScaleX="141294">
+    <dgm:pt modelId="{F8C9DB1A-BC70-4A90-80C0-94B987DE21A6}" type="pres">
+      <dgm:prSet presAssocID="{5CAC8212-B514-4E75-998A-8A6E0E6476DB}" presName="descendantText" presStyleLbl="alignAccFollowNode1" presStyleIdx="3" presStyleCnt="4" custScaleX="247906">
         <dgm:presLayoutVars>
           <dgm:bulletEnabled val="1"/>
         </dgm:presLayoutVars>
@@ -1886,158 +1563,29 @@
         <a:bodyPr/>
         <a:lstStyle/>
         <a:p>
-          <a:endParaRPr lang="en-US"/>
-        </a:p>
-      </dgm:t>
-    </dgm:pt>
-    <dgm:pt modelId="{84D6F1A3-141F-47F6-B01C-A03659D1A424}" type="pres">
-      <dgm:prSet presAssocID="{E5FEEAFE-041A-4D3C-92FE-EA25A36F23BB}" presName="sp" presStyleCnt="0"/>
-      <dgm:spPr/>
-    </dgm:pt>
-    <dgm:pt modelId="{C1B1014B-9B71-407A-818F-00831DB8FE5C}" type="pres">
-      <dgm:prSet presAssocID="{1BB0736A-AC9E-49D5-A82D-32785BA2E2ED}" presName="linNode" presStyleCnt="0"/>
-      <dgm:spPr/>
-    </dgm:pt>
-    <dgm:pt modelId="{F99C5C04-4C89-4FA8-AC74-1C9DCE0EBF16}" type="pres">
-      <dgm:prSet presAssocID="{1BB0736A-AC9E-49D5-A82D-32785BA2E2ED}" presName="parentText" presStyleLbl="node1" presStyleIdx="4" presStyleCnt="7" custScaleX="51379">
-        <dgm:presLayoutVars>
-          <dgm:chMax val="1"/>
-          <dgm:bulletEnabled val="1"/>
-        </dgm:presLayoutVars>
-      </dgm:prSet>
-      <dgm:spPr/>
-      <dgm:t>
-        <a:bodyPr/>
-        <a:lstStyle/>
-        <a:p>
-          <a:endParaRPr lang="en-US"/>
-        </a:p>
-      </dgm:t>
-    </dgm:pt>
-    <dgm:pt modelId="{F3A37752-91C4-4857-8DD1-EB50F27F42F0}" type="pres">
-      <dgm:prSet presAssocID="{1BB0736A-AC9E-49D5-A82D-32785BA2E2ED}" presName="descendantText" presStyleLbl="alignAccFollowNode1" presStyleIdx="4" presStyleCnt="7" custScaleX="127479">
-        <dgm:presLayoutVars>
-          <dgm:bulletEnabled val="1"/>
-        </dgm:presLayoutVars>
-      </dgm:prSet>
-      <dgm:spPr/>
-      <dgm:t>
-        <a:bodyPr/>
-        <a:lstStyle/>
-        <a:p>
-          <a:endParaRPr lang="en-US"/>
-        </a:p>
-      </dgm:t>
-    </dgm:pt>
-    <dgm:pt modelId="{43FF6A8B-5992-45C5-B952-EE0D4433C4D3}" type="pres">
-      <dgm:prSet presAssocID="{618F8A3C-E240-403C-8432-18CCE691AB91}" presName="sp" presStyleCnt="0"/>
-      <dgm:spPr/>
-    </dgm:pt>
-    <dgm:pt modelId="{C9835925-8AA0-4658-B06E-7A33C742AF0B}" type="pres">
-      <dgm:prSet presAssocID="{D11DF5B1-ED3B-4158-A54E-51D2C185AB6D}" presName="linNode" presStyleCnt="0"/>
-      <dgm:spPr/>
-    </dgm:pt>
-    <dgm:pt modelId="{2FDD53B2-E7DB-4401-9CCC-37A250D6B3BF}" type="pres">
-      <dgm:prSet presAssocID="{D11DF5B1-ED3B-4158-A54E-51D2C185AB6D}" presName="parentText" presStyleLbl="node1" presStyleIdx="5" presStyleCnt="7" custScaleX="54347">
-        <dgm:presLayoutVars>
-          <dgm:chMax val="1"/>
-          <dgm:bulletEnabled val="1"/>
-        </dgm:presLayoutVars>
-      </dgm:prSet>
-      <dgm:spPr/>
-      <dgm:t>
-        <a:bodyPr/>
-        <a:lstStyle/>
-        <a:p>
-          <a:endParaRPr lang="en-US"/>
-        </a:p>
-      </dgm:t>
-    </dgm:pt>
-    <dgm:pt modelId="{93708E6B-2455-4F8D-BE62-B7332F0FAB2A}" type="pres">
-      <dgm:prSet presAssocID="{D11DF5B1-ED3B-4158-A54E-51D2C185AB6D}" presName="descendantText" presStyleLbl="alignAccFollowNode1" presStyleIdx="5" presStyleCnt="7" custScaleX="127479">
-        <dgm:presLayoutVars>
-          <dgm:bulletEnabled val="1"/>
-        </dgm:presLayoutVars>
-      </dgm:prSet>
-      <dgm:spPr/>
-      <dgm:t>
-        <a:bodyPr/>
-        <a:lstStyle/>
-        <a:p>
-          <a:endParaRPr lang="en-US"/>
-        </a:p>
-      </dgm:t>
-    </dgm:pt>
-    <dgm:pt modelId="{7371017E-0639-499B-80E9-45EAADDBD359}" type="pres">
-      <dgm:prSet presAssocID="{621AA215-3A51-4E4D-8810-A5643B803005}" presName="sp" presStyleCnt="0"/>
-      <dgm:spPr/>
-    </dgm:pt>
-    <dgm:pt modelId="{AC2F8476-C4F0-468B-B474-CCD510B663FA}" type="pres">
-      <dgm:prSet presAssocID="{1E776C6D-C203-40BB-BFCB-C1CA35D9FDF8}" presName="linNode" presStyleCnt="0"/>
-      <dgm:spPr/>
-    </dgm:pt>
-    <dgm:pt modelId="{3306F71B-8A80-4A7E-9D5F-2E1016E22986}" type="pres">
-      <dgm:prSet presAssocID="{1E776C6D-C203-40BB-BFCB-C1CA35D9FDF8}" presName="parentText" presStyleLbl="node1" presStyleIdx="6" presStyleCnt="7" custScaleX="78868">
-        <dgm:presLayoutVars>
-          <dgm:chMax val="1"/>
-          <dgm:bulletEnabled val="1"/>
-        </dgm:presLayoutVars>
-      </dgm:prSet>
-      <dgm:spPr/>
-      <dgm:t>
-        <a:bodyPr/>
-        <a:lstStyle/>
-        <a:p>
-          <a:endParaRPr lang="en-US"/>
-        </a:p>
-      </dgm:t>
-    </dgm:pt>
-    <dgm:pt modelId="{FA9CD9E2-ACB9-4012-977C-AAB106F8CB5F}" type="pres">
-      <dgm:prSet presAssocID="{1E776C6D-C203-40BB-BFCB-C1CA35D9FDF8}" presName="descendantText" presStyleLbl="alignAccFollowNode1" presStyleIdx="6" presStyleCnt="7" custScaleX="183164">
-        <dgm:presLayoutVars>
-          <dgm:bulletEnabled val="1"/>
-        </dgm:presLayoutVars>
-      </dgm:prSet>
-      <dgm:spPr/>
-      <dgm:t>
-        <a:bodyPr/>
-        <a:lstStyle/>
-        <a:p>
-          <a:endParaRPr lang="en-US"/>
+          <a:endParaRPr lang="en-GB"/>
         </a:p>
       </dgm:t>
     </dgm:pt>
   </dgm:ptLst>
   <dgm:cxnLst>
+    <dgm:cxn modelId="{7077B78D-FCDC-4519-8416-DC357ACD5043}" srcId="{F6FEADD9-F67D-41F5-BA4C-3C84956E7F46}" destId="{D1776C8F-2B10-4075-8DF7-7F65AB725ED5}" srcOrd="2" destOrd="0" parTransId="{7291E740-3E17-41B3-99D3-1D67AE37CC3F}" sibTransId="{88B75C29-8054-417D-BCE3-878A55118F6D}"/>
+    <dgm:cxn modelId="{119690D4-400B-468B-8BA0-5C9C9E2AFEAF}" srcId="{D1776C8F-2B10-4075-8DF7-7F65AB725ED5}" destId="{6BE4E373-0656-4EDC-821E-BE09C952B1F6}" srcOrd="0" destOrd="0" parTransId="{34218063-BF94-4304-99BD-B3F7BA4D3C8F}" sibTransId="{E17B9BF1-2948-497F-8EC7-3BF734D839DB}"/>
+    <dgm:cxn modelId="{3D887057-7E91-45EF-8E4B-3006C2DFECB4}" type="presOf" srcId="{6BE4E373-0656-4EDC-821E-BE09C952B1F6}" destId="{C7C3E6FD-D83F-4BDA-907E-B5EE041DA931}" srcOrd="0" destOrd="0" presId="urn:microsoft.com/office/officeart/2005/8/layout/vList5"/>
+    <dgm:cxn modelId="{12A0332C-234E-449D-B06E-3244C722F562}" srcId="{AA046201-5C4D-445E-BF0B-5C6D2B0A1945}" destId="{DE55C01F-75D7-4D14-8E2C-B62A77A926BC}" srcOrd="0" destOrd="0" parTransId="{4372E842-1B5B-4BBF-A3E7-B711CA192FEB}" sibTransId="{326DAA33-D7FF-4EB8-8EEC-2F653D55B4EC}"/>
+    <dgm:cxn modelId="{512CA426-3C6A-4F61-9D11-12C7129E5FE5}" type="presOf" srcId="{DE55C01F-75D7-4D14-8E2C-B62A77A926BC}" destId="{B37A5355-225B-4C6F-AED7-6C620F99EECC}" srcOrd="0" destOrd="0" presId="urn:microsoft.com/office/officeart/2005/8/layout/vList5"/>
+    <dgm:cxn modelId="{F40F9561-0D4C-44CF-91EF-A92B1DBDE44B}" srcId="{F6FEADD9-F67D-41F5-BA4C-3C84956E7F46}" destId="{74EE5CD8-078F-4590-BF9C-A341A294A016}" srcOrd="0" destOrd="0" parTransId="{BB568D76-3363-43D3-B00C-3359A643216C}" sibTransId="{CF9FB981-E6ED-4440-AC98-4E4E2ABA2C55}"/>
+    <dgm:cxn modelId="{5417F3DF-8CAE-4E6C-ADBB-ED6F50084B8E}" type="presOf" srcId="{D1776C8F-2B10-4075-8DF7-7F65AB725ED5}" destId="{F5034101-5B7D-4FE7-B47A-5A48CF39606B}" srcOrd="0" destOrd="0" presId="urn:microsoft.com/office/officeart/2005/8/layout/vList5"/>
+    <dgm:cxn modelId="{B8AF1086-D7BE-446F-9133-738B599E9A7D}" srcId="{F6FEADD9-F67D-41F5-BA4C-3C84956E7F46}" destId="{AA046201-5C4D-445E-BF0B-5C6D2B0A1945}" srcOrd="1" destOrd="0" parTransId="{FE92FC33-5E0F-4302-9E80-A69E8ACDDE56}" sibTransId="{40767EFF-7D52-4469-ACEE-7D28E67337E2}"/>
+    <dgm:cxn modelId="{DBCA7E61-D822-40A0-A27A-D7E092386A0B}" type="presOf" srcId="{F6FEADD9-F67D-41F5-BA4C-3C84956E7F46}" destId="{AAE7A1E6-6847-453D-B55B-8A82BF138C1D}" srcOrd="0" destOrd="0" presId="urn:microsoft.com/office/officeart/2005/8/layout/vList5"/>
+    <dgm:cxn modelId="{9A0DCB65-9DCB-4972-9768-1762E4116F3C}" type="presOf" srcId="{74EE5CD8-078F-4590-BF9C-A341A294A016}" destId="{7E429971-BC57-430F-BB25-C0574E5E39E3}" srcOrd="0" destOrd="0" presId="urn:microsoft.com/office/officeart/2005/8/layout/vList5"/>
+    <dgm:cxn modelId="{4FDBB996-EDA8-4419-875E-D20B797361DA}" srcId="{74EE5CD8-078F-4590-BF9C-A341A294A016}" destId="{19FE8075-91E7-4197-AA45-FFC5E4CC05E3}" srcOrd="0" destOrd="0" parTransId="{7C51026A-B9A4-4328-9177-92BE57E78E73}" sibTransId="{E9D39590-86A9-43FC-B564-FF0214377D38}"/>
+    <dgm:cxn modelId="{539DB7AB-E522-45F0-8A86-C16A6435A2DA}" type="presOf" srcId="{5CAC8212-B514-4E75-998A-8A6E0E6476DB}" destId="{584C9453-C0F3-4033-8FCB-3EFFFC643335}" srcOrd="0" destOrd="0" presId="urn:microsoft.com/office/officeart/2005/8/layout/vList5"/>
+    <dgm:cxn modelId="{1C03EB99-07AD-4CC3-9224-846F79EB0B4B}" type="presOf" srcId="{B97D7F14-B7F8-4D8C-A816-2C0A238FC389}" destId="{F8C9DB1A-BC70-4A90-80C0-94B987DE21A6}" srcOrd="0" destOrd="0" presId="urn:microsoft.com/office/officeart/2005/8/layout/vList5"/>
+    <dgm:cxn modelId="{94985356-8FB6-4846-835B-7CC566D6F453}" srcId="{F6FEADD9-F67D-41F5-BA4C-3C84956E7F46}" destId="{5CAC8212-B514-4E75-998A-8A6E0E6476DB}" srcOrd="3" destOrd="0" parTransId="{8B65D6AA-2543-4D86-9836-07E792929321}" sibTransId="{A5F953CA-BC98-482C-B9FC-F61F7D4623D5}"/>
+    <dgm:cxn modelId="{88DBC9AE-3B91-4982-8F8D-BB3EBF73E2C0}" type="presOf" srcId="{19FE8075-91E7-4197-AA45-FFC5E4CC05E3}" destId="{D54B1729-BC98-42C1-9C6C-D65DCBA4358F}" srcOrd="0" destOrd="0" presId="urn:microsoft.com/office/officeart/2005/8/layout/vList5"/>
+    <dgm:cxn modelId="{77BC8576-A2F3-428A-9DB4-29C0C244482F}" srcId="{5CAC8212-B514-4E75-998A-8A6E0E6476DB}" destId="{B97D7F14-B7F8-4D8C-A816-2C0A238FC389}" srcOrd="0" destOrd="0" parTransId="{FC0BF4D8-2A00-48C1-8026-2FB06158C1F8}" sibTransId="{258373D3-7973-4CE2-A72E-0B18F16770DE}"/>
     <dgm:cxn modelId="{AFF7133D-5E9D-4613-9299-006F9E49301B}" type="presOf" srcId="{AA046201-5C4D-445E-BF0B-5C6D2B0A1945}" destId="{C04276DC-EE64-470A-B8BC-09067B8045FA}" srcOrd="0" destOrd="0" presId="urn:microsoft.com/office/officeart/2005/8/layout/vList5"/>
-    <dgm:cxn modelId="{FC1D7F87-1C29-4C43-A592-3E43EC6C7115}" srcId="{2972E30A-4EDE-45A1-8BE3-AB2801325EA1}" destId="{C54FDE5A-1A04-4BE4-963D-565044A45FD5}" srcOrd="0" destOrd="0" parTransId="{54EB2192-520C-4203-9A21-35A6A1ADA5BD}" sibTransId="{969BC5A1-A7A5-4C17-BA41-44ECF603B445}"/>
-    <dgm:cxn modelId="{3059AE06-1D72-4B86-AABF-15C037A96285}" srcId="{D11DF5B1-ED3B-4158-A54E-51D2C185AB6D}" destId="{22CCDE6B-0CB0-4FA7-BA61-B17CD6924CD2}" srcOrd="0" destOrd="0" parTransId="{3ADA9B80-9F0C-4E88-B051-A4E2D4C89657}" sibTransId="{BBFCF834-F194-4B90-BF90-CCE871A0F558}"/>
-    <dgm:cxn modelId="{4FDBB996-EDA8-4419-875E-D20B797361DA}" srcId="{74EE5CD8-078F-4590-BF9C-A341A294A016}" destId="{19FE8075-91E7-4197-AA45-FFC5E4CC05E3}" srcOrd="0" destOrd="0" parTransId="{7C51026A-B9A4-4328-9177-92BE57E78E73}" sibTransId="{E9D39590-86A9-43FC-B564-FF0214377D38}"/>
-    <dgm:cxn modelId="{D1F8BFEC-4439-4152-BDF0-168F9EE47F4F}" srcId="{1E776C6D-C203-40BB-BFCB-C1CA35D9FDF8}" destId="{0891671D-D42F-4B4F-AAAB-8C634AA6502D}" srcOrd="0" destOrd="0" parTransId="{371AAA77-AEF6-4CF8-A4B2-7E6EA33F60EB}" sibTransId="{64EAD307-6510-4F57-9322-FE689FFA1BD7}"/>
-    <dgm:cxn modelId="{4ACDE11F-9B69-406E-ADC1-C8E2F7C175CF}" type="presOf" srcId="{D11DF5B1-ED3B-4158-A54E-51D2C185AB6D}" destId="{2FDD53B2-E7DB-4401-9CCC-37A250D6B3BF}" srcOrd="0" destOrd="0" presId="urn:microsoft.com/office/officeart/2005/8/layout/vList5"/>
-    <dgm:cxn modelId="{88DBC9AE-3B91-4982-8F8D-BB3EBF73E2C0}" type="presOf" srcId="{19FE8075-91E7-4197-AA45-FFC5E4CC05E3}" destId="{D54B1729-BC98-42C1-9C6C-D65DCBA4358F}" srcOrd="0" destOrd="0" presId="urn:microsoft.com/office/officeart/2005/8/layout/vList5"/>
-    <dgm:cxn modelId="{9A0DCB65-9DCB-4972-9768-1762E4116F3C}" type="presOf" srcId="{74EE5CD8-078F-4590-BF9C-A341A294A016}" destId="{7E429971-BC57-430F-BB25-C0574E5E39E3}" srcOrd="0" destOrd="0" presId="urn:microsoft.com/office/officeart/2005/8/layout/vList5"/>
-    <dgm:cxn modelId="{03243B06-E092-4810-8EC7-E1E0FECF9775}" type="presOf" srcId="{22CCDE6B-0CB0-4FA7-BA61-B17CD6924CD2}" destId="{93708E6B-2455-4F8D-BE62-B7332F0FAB2A}" srcOrd="0" destOrd="0" presId="urn:microsoft.com/office/officeart/2005/8/layout/vList5"/>
-    <dgm:cxn modelId="{A554ADF5-352F-45B0-84A7-CF1D0B399C1A}" srcId="{F6FEADD9-F67D-41F5-BA4C-3C84956E7F46}" destId="{2972E30A-4EDE-45A1-8BE3-AB2801325EA1}" srcOrd="3" destOrd="0" parTransId="{ED06C135-0A39-4980-AFD1-6F0A8885394F}" sibTransId="{E5FEEAFE-041A-4D3C-92FE-EA25A36F23BB}"/>
-    <dgm:cxn modelId="{F40F9561-0D4C-44CF-91EF-A92B1DBDE44B}" srcId="{F6FEADD9-F67D-41F5-BA4C-3C84956E7F46}" destId="{74EE5CD8-078F-4590-BF9C-A341A294A016}" srcOrd="0" destOrd="0" parTransId="{BB568D76-3363-43D3-B00C-3359A643216C}" sibTransId="{CF9FB981-E6ED-4440-AC98-4E4E2ABA2C55}"/>
-    <dgm:cxn modelId="{6273D150-C67B-472D-95FA-6A120BD98F27}" srcId="{F6FEADD9-F67D-41F5-BA4C-3C84956E7F46}" destId="{D11DF5B1-ED3B-4158-A54E-51D2C185AB6D}" srcOrd="5" destOrd="0" parTransId="{7EBC7496-A678-4693-86CB-A2B711D333AD}" sibTransId="{621AA215-3A51-4E4D-8810-A5643B803005}"/>
-    <dgm:cxn modelId="{7F11AF0E-4991-43B1-BE22-2E57ADAA01EA}" type="presOf" srcId="{2972E30A-4EDE-45A1-8BE3-AB2801325EA1}" destId="{953D79A1-F583-4C99-9EA1-00C886685091}" srcOrd="0" destOrd="0" presId="urn:microsoft.com/office/officeart/2005/8/layout/vList5"/>
-    <dgm:cxn modelId="{C8CC213C-764B-4894-9E4F-2BE41192DEC1}" type="presOf" srcId="{0502EAAC-6A18-4FC1-BC7E-53CB2AD89FC4}" destId="{F3A37752-91C4-4857-8DD1-EB50F27F42F0}" srcOrd="0" destOrd="0" presId="urn:microsoft.com/office/officeart/2005/8/layout/vList5"/>
-    <dgm:cxn modelId="{5417F3DF-8CAE-4E6C-ADBB-ED6F50084B8E}" type="presOf" srcId="{D1776C8F-2B10-4075-8DF7-7F65AB725ED5}" destId="{F5034101-5B7D-4FE7-B47A-5A48CF39606B}" srcOrd="0" destOrd="0" presId="urn:microsoft.com/office/officeart/2005/8/layout/vList5"/>
-    <dgm:cxn modelId="{C82501D6-A648-4211-87A0-F52FF82885F1}" type="presOf" srcId="{1E776C6D-C203-40BB-BFCB-C1CA35D9FDF8}" destId="{3306F71B-8A80-4A7E-9D5F-2E1016E22986}" srcOrd="0" destOrd="0" presId="urn:microsoft.com/office/officeart/2005/8/layout/vList5"/>
-    <dgm:cxn modelId="{A2425A55-2771-4441-B698-4C003FD557C7}" type="presOf" srcId="{C54FDE5A-1A04-4BE4-963D-565044A45FD5}" destId="{F90B9516-CD69-4131-B576-842C3D01AD54}" srcOrd="0" destOrd="0" presId="urn:microsoft.com/office/officeart/2005/8/layout/vList5"/>
-    <dgm:cxn modelId="{B8AF1086-D7BE-446F-9133-738B599E9A7D}" srcId="{F6FEADD9-F67D-41F5-BA4C-3C84956E7F46}" destId="{AA046201-5C4D-445E-BF0B-5C6D2B0A1945}" srcOrd="1" destOrd="0" parTransId="{FE92FC33-5E0F-4302-9E80-A69E8ACDDE56}" sibTransId="{40767EFF-7D52-4469-ACEE-7D28E67337E2}"/>
-    <dgm:cxn modelId="{512CA426-3C6A-4F61-9D11-12C7129E5FE5}" type="presOf" srcId="{DE55C01F-75D7-4D14-8E2C-B62A77A926BC}" destId="{B37A5355-225B-4C6F-AED7-6C620F99EECC}" srcOrd="0" destOrd="0" presId="urn:microsoft.com/office/officeart/2005/8/layout/vList5"/>
-    <dgm:cxn modelId="{E45C03E8-0DEF-460E-B315-02E44B29ED6C}" srcId="{1BB0736A-AC9E-49D5-A82D-32785BA2E2ED}" destId="{0502EAAC-6A18-4FC1-BC7E-53CB2AD89FC4}" srcOrd="0" destOrd="0" parTransId="{6D9A8545-D8B2-49EA-B6BC-610F5F619BC1}" sibTransId="{77F901D3-C958-420F-B293-B66088DC99A2}"/>
-    <dgm:cxn modelId="{3D887057-7E91-45EF-8E4B-3006C2DFECB4}" type="presOf" srcId="{6BE4E373-0656-4EDC-821E-BE09C952B1F6}" destId="{C7C3E6FD-D83F-4BDA-907E-B5EE041DA931}" srcOrd="0" destOrd="0" presId="urn:microsoft.com/office/officeart/2005/8/layout/vList5"/>
-    <dgm:cxn modelId="{7077B78D-FCDC-4519-8416-DC357ACD5043}" srcId="{F6FEADD9-F67D-41F5-BA4C-3C84956E7F46}" destId="{D1776C8F-2B10-4075-8DF7-7F65AB725ED5}" srcOrd="2" destOrd="0" parTransId="{7291E740-3E17-41B3-99D3-1D67AE37CC3F}" sibTransId="{88B75C29-8054-417D-BCE3-878A55118F6D}"/>
-    <dgm:cxn modelId="{00EA8034-866E-4E96-92E7-F13ABBF3BF59}" srcId="{F6FEADD9-F67D-41F5-BA4C-3C84956E7F46}" destId="{1BB0736A-AC9E-49D5-A82D-32785BA2E2ED}" srcOrd="4" destOrd="0" parTransId="{CDC6E90D-9C42-4E4C-B7C8-365938E8B265}" sibTransId="{618F8A3C-E240-403C-8432-18CCE691AB91}"/>
-    <dgm:cxn modelId="{119690D4-400B-468B-8BA0-5C9C9E2AFEAF}" srcId="{D1776C8F-2B10-4075-8DF7-7F65AB725ED5}" destId="{6BE4E373-0656-4EDC-821E-BE09C952B1F6}" srcOrd="0" destOrd="0" parTransId="{34218063-BF94-4304-99BD-B3F7BA4D3C8F}" sibTransId="{E17B9BF1-2948-497F-8EC7-3BF734D839DB}"/>
-    <dgm:cxn modelId="{12A0332C-234E-449D-B06E-3244C722F562}" srcId="{AA046201-5C4D-445E-BF0B-5C6D2B0A1945}" destId="{DE55C01F-75D7-4D14-8E2C-B62A77A926BC}" srcOrd="0" destOrd="0" parTransId="{4372E842-1B5B-4BBF-A3E7-B711CA192FEB}" sibTransId="{326DAA33-D7FF-4EB8-8EEC-2F653D55B4EC}"/>
-    <dgm:cxn modelId="{7B2E2122-671C-4AB4-A566-12C881B410D8}" type="presOf" srcId="{0891671D-D42F-4B4F-AAAB-8C634AA6502D}" destId="{FA9CD9E2-ACB9-4012-977C-AAB106F8CB5F}" srcOrd="0" destOrd="0" presId="urn:microsoft.com/office/officeart/2005/8/layout/vList5"/>
-    <dgm:cxn modelId="{DBCA7E61-D822-40A0-A27A-D7E092386A0B}" type="presOf" srcId="{F6FEADD9-F67D-41F5-BA4C-3C84956E7F46}" destId="{AAE7A1E6-6847-453D-B55B-8A82BF138C1D}" srcOrd="0" destOrd="0" presId="urn:microsoft.com/office/officeart/2005/8/layout/vList5"/>
-    <dgm:cxn modelId="{66F80C90-8BB1-4525-8B99-21E1EB483015}" srcId="{F6FEADD9-F67D-41F5-BA4C-3C84956E7F46}" destId="{1E776C6D-C203-40BB-BFCB-C1CA35D9FDF8}" srcOrd="6" destOrd="0" parTransId="{067D20B7-A4EF-45B1-A116-967078F5C1DE}" sibTransId="{EB0B183B-7E74-489F-B2C6-508D2F7FED53}"/>
-    <dgm:cxn modelId="{FCE13D40-8E11-4697-B696-C84D4A1E47D4}" type="presOf" srcId="{1BB0736A-AC9E-49D5-A82D-32785BA2E2ED}" destId="{F99C5C04-4C89-4FA8-AC74-1C9DCE0EBF16}" srcOrd="0" destOrd="0" presId="urn:microsoft.com/office/officeart/2005/8/layout/vList5"/>
     <dgm:cxn modelId="{1E18118B-9778-4714-A249-2B714D5427F7}" type="presParOf" srcId="{AAE7A1E6-6847-453D-B55B-8A82BF138C1D}" destId="{C4407577-18A2-46E0-8805-2838042EB67A}" srcOrd="0" destOrd="0" presId="urn:microsoft.com/office/officeart/2005/8/layout/vList5"/>
     <dgm:cxn modelId="{84152E8A-21A6-4CAF-BC09-47C13F4FFFB8}" type="presParOf" srcId="{C4407577-18A2-46E0-8805-2838042EB67A}" destId="{7E429971-BC57-430F-BB25-C0574E5E39E3}" srcOrd="0" destOrd="0" presId="urn:microsoft.com/office/officeart/2005/8/layout/vList5"/>
     <dgm:cxn modelId="{A3A00BA8-EE5C-4999-898D-2DF3A58C458F}" type="presParOf" srcId="{C4407577-18A2-46E0-8805-2838042EB67A}" destId="{D54B1729-BC98-42C1-9C6C-D65DCBA4358F}" srcOrd="1" destOrd="0" presId="urn:microsoft.com/office/officeart/2005/8/layout/vList5"/>
@@ -2049,22 +1597,10 @@
     <dgm:cxn modelId="{FD2A22C3-24B0-4E4D-A3BC-79528D3FBC48}" type="presParOf" srcId="{AAE7A1E6-6847-453D-B55B-8A82BF138C1D}" destId="{477213BE-9E91-4950-8451-7F60796F47F4}" srcOrd="4" destOrd="0" presId="urn:microsoft.com/office/officeart/2005/8/layout/vList5"/>
     <dgm:cxn modelId="{2D9E3819-8AF8-4F78-AD5E-1D892BCE0381}" type="presParOf" srcId="{477213BE-9E91-4950-8451-7F60796F47F4}" destId="{F5034101-5B7D-4FE7-B47A-5A48CF39606B}" srcOrd="0" destOrd="0" presId="urn:microsoft.com/office/officeart/2005/8/layout/vList5"/>
     <dgm:cxn modelId="{5FD7E964-E46A-45B4-A545-5D657B6094BB}" type="presParOf" srcId="{477213BE-9E91-4950-8451-7F60796F47F4}" destId="{C7C3E6FD-D83F-4BDA-907E-B5EE041DA931}" srcOrd="1" destOrd="0" presId="urn:microsoft.com/office/officeart/2005/8/layout/vList5"/>
-    <dgm:cxn modelId="{8ED9637D-338E-4200-AAEE-85D509D0FD5A}" type="presParOf" srcId="{AAE7A1E6-6847-453D-B55B-8A82BF138C1D}" destId="{5F7F3B65-2C33-4A15-A2C1-EF1FDEB58029}" srcOrd="5" destOrd="0" presId="urn:microsoft.com/office/officeart/2005/8/layout/vList5"/>
-    <dgm:cxn modelId="{F7790E83-A5AD-455F-8864-F361A99A0E62}" type="presParOf" srcId="{AAE7A1E6-6847-453D-B55B-8A82BF138C1D}" destId="{CD730B35-7A90-4EE5-8485-5758E9AD8C37}" srcOrd="6" destOrd="0" presId="urn:microsoft.com/office/officeart/2005/8/layout/vList5"/>
-    <dgm:cxn modelId="{D9CC6727-3F6C-4ACA-92CD-FF93AC923CC4}" type="presParOf" srcId="{CD730B35-7A90-4EE5-8485-5758E9AD8C37}" destId="{953D79A1-F583-4C99-9EA1-00C886685091}" srcOrd="0" destOrd="0" presId="urn:microsoft.com/office/officeart/2005/8/layout/vList5"/>
-    <dgm:cxn modelId="{2626EDDD-B3F2-45C0-BF28-3D867D12B327}" type="presParOf" srcId="{CD730B35-7A90-4EE5-8485-5758E9AD8C37}" destId="{F90B9516-CD69-4131-B576-842C3D01AD54}" srcOrd="1" destOrd="0" presId="urn:microsoft.com/office/officeart/2005/8/layout/vList5"/>
-    <dgm:cxn modelId="{0C28B2E0-6D98-4675-8B64-562658F215D3}" type="presParOf" srcId="{AAE7A1E6-6847-453D-B55B-8A82BF138C1D}" destId="{84D6F1A3-141F-47F6-B01C-A03659D1A424}" srcOrd="7" destOrd="0" presId="urn:microsoft.com/office/officeart/2005/8/layout/vList5"/>
-    <dgm:cxn modelId="{FE75BFE6-FB36-4EE5-A952-45100E12B653}" type="presParOf" srcId="{AAE7A1E6-6847-453D-B55B-8A82BF138C1D}" destId="{C1B1014B-9B71-407A-818F-00831DB8FE5C}" srcOrd="8" destOrd="0" presId="urn:microsoft.com/office/officeart/2005/8/layout/vList5"/>
-    <dgm:cxn modelId="{1B9FC965-58A5-4A5C-9E4C-6157E5636A71}" type="presParOf" srcId="{C1B1014B-9B71-407A-818F-00831DB8FE5C}" destId="{F99C5C04-4C89-4FA8-AC74-1C9DCE0EBF16}" srcOrd="0" destOrd="0" presId="urn:microsoft.com/office/officeart/2005/8/layout/vList5"/>
-    <dgm:cxn modelId="{F3C115F7-139A-4D6B-8A5C-B5B092F43346}" type="presParOf" srcId="{C1B1014B-9B71-407A-818F-00831DB8FE5C}" destId="{F3A37752-91C4-4857-8DD1-EB50F27F42F0}" srcOrd="1" destOrd="0" presId="urn:microsoft.com/office/officeart/2005/8/layout/vList5"/>
-    <dgm:cxn modelId="{85405DED-373F-4319-868D-C4BB534D5DBC}" type="presParOf" srcId="{AAE7A1E6-6847-453D-B55B-8A82BF138C1D}" destId="{43FF6A8B-5992-45C5-B952-EE0D4433C4D3}" srcOrd="9" destOrd="0" presId="urn:microsoft.com/office/officeart/2005/8/layout/vList5"/>
-    <dgm:cxn modelId="{F58A8D16-427A-4BF1-954A-07AC8906B8F3}" type="presParOf" srcId="{AAE7A1E6-6847-453D-B55B-8A82BF138C1D}" destId="{C9835925-8AA0-4658-B06E-7A33C742AF0B}" srcOrd="10" destOrd="0" presId="urn:microsoft.com/office/officeart/2005/8/layout/vList5"/>
-    <dgm:cxn modelId="{BEEA26F5-7BF8-4630-B892-68FF5011A5E9}" type="presParOf" srcId="{C9835925-8AA0-4658-B06E-7A33C742AF0B}" destId="{2FDD53B2-E7DB-4401-9CCC-37A250D6B3BF}" srcOrd="0" destOrd="0" presId="urn:microsoft.com/office/officeart/2005/8/layout/vList5"/>
-    <dgm:cxn modelId="{20C6D7A9-4535-42C5-BA52-AE6B4F2BCAF0}" type="presParOf" srcId="{C9835925-8AA0-4658-B06E-7A33C742AF0B}" destId="{93708E6B-2455-4F8D-BE62-B7332F0FAB2A}" srcOrd="1" destOrd="0" presId="urn:microsoft.com/office/officeart/2005/8/layout/vList5"/>
-    <dgm:cxn modelId="{47017929-1BFE-49F8-A966-ED3393866B01}" type="presParOf" srcId="{AAE7A1E6-6847-453D-B55B-8A82BF138C1D}" destId="{7371017E-0639-499B-80E9-45EAADDBD359}" srcOrd="11" destOrd="0" presId="urn:microsoft.com/office/officeart/2005/8/layout/vList5"/>
-    <dgm:cxn modelId="{A7E4D583-D181-40A7-B3A5-A14046B61B85}" type="presParOf" srcId="{AAE7A1E6-6847-453D-B55B-8A82BF138C1D}" destId="{AC2F8476-C4F0-468B-B474-CCD510B663FA}" srcOrd="12" destOrd="0" presId="urn:microsoft.com/office/officeart/2005/8/layout/vList5"/>
-    <dgm:cxn modelId="{ED1EEE43-D3A6-49FA-995F-2DB5AE17FF18}" type="presParOf" srcId="{AC2F8476-C4F0-468B-B474-CCD510B663FA}" destId="{3306F71B-8A80-4A7E-9D5F-2E1016E22986}" srcOrd="0" destOrd="0" presId="urn:microsoft.com/office/officeart/2005/8/layout/vList5"/>
-    <dgm:cxn modelId="{1CEA44D2-2458-413E-96E4-43D6DBEDA267}" type="presParOf" srcId="{AC2F8476-C4F0-468B-B474-CCD510B663FA}" destId="{FA9CD9E2-ACB9-4012-977C-AAB106F8CB5F}" srcOrd="1" destOrd="0" presId="urn:microsoft.com/office/officeart/2005/8/layout/vList5"/>
+    <dgm:cxn modelId="{AF9945F4-E0CD-4F6B-9A71-5E2EBB73A4BD}" type="presParOf" srcId="{AAE7A1E6-6847-453D-B55B-8A82BF138C1D}" destId="{5F7F3B65-2C33-4A15-A2C1-EF1FDEB58029}" srcOrd="5" destOrd="0" presId="urn:microsoft.com/office/officeart/2005/8/layout/vList5"/>
+    <dgm:cxn modelId="{F75E2AED-5A50-4ED8-AC82-56F698BF6957}" type="presParOf" srcId="{AAE7A1E6-6847-453D-B55B-8A82BF138C1D}" destId="{8C7950BD-4E11-40FE-9D05-8F3449B393E4}" srcOrd="6" destOrd="0" presId="urn:microsoft.com/office/officeart/2005/8/layout/vList5"/>
+    <dgm:cxn modelId="{E87B9F08-C477-4821-B1D8-8C1B7C573EF2}" type="presParOf" srcId="{8C7950BD-4E11-40FE-9D05-8F3449B393E4}" destId="{584C9453-C0F3-4033-8FCB-3EFFFC643335}" srcOrd="0" destOrd="0" presId="urn:microsoft.com/office/officeart/2005/8/layout/vList5"/>
+    <dgm:cxn modelId="{B7F52A22-2DA6-4440-9650-9A2180967A3D}" type="presParOf" srcId="{8C7950BD-4E11-40FE-9D05-8F3449B393E4}" destId="{F8C9DB1A-BC70-4A90-80C0-94B987DE21A6}" srcOrd="1" destOrd="0" presId="urn:microsoft.com/office/officeart/2005/8/layout/vList5"/>
   </dgm:cxnLst>
   <dgm:bg/>
   <dgm:whole/>
@@ -2084,1559 +1620,6 @@
       <dsp:cNvGrpSpPr/>
     </dsp:nvGrpSpPr>
     <dsp:grpSpPr/>
-    <dsp:sp modelId="{D54B1729-BC98-42C1-9C6C-D65DCBA4358F}">
-      <dsp:nvSpPr>
-        <dsp:cNvPr id="0" name=""/>
-        <dsp:cNvSpPr/>
-      </dsp:nvSpPr>
-      <dsp:spPr>
-        <a:xfrm rot="5400000">
-          <a:off x="3368099" y="-2226487"/>
-          <a:ext cx="445293" cy="5010287"/>
-        </a:xfrm>
-        <a:prstGeom prst="rect">
-          <a:avLst/>
-        </a:prstGeom>
-        <a:solidFill>
-          <a:schemeClr val="accent3">
-            <a:tint val="40000"/>
-            <a:alpha val="90000"/>
-            <a:hueOff val="0"/>
-            <a:satOff val="0"/>
-            <a:lumOff val="0"/>
-            <a:alphaOff val="0"/>
-          </a:schemeClr>
-        </a:solidFill>
-        <a:ln w="9525" cap="flat" cmpd="sng" algn="ctr">
-          <a:solidFill>
-            <a:schemeClr val="accent3">
-              <a:tint val="40000"/>
-              <a:alpha val="90000"/>
-              <a:hueOff val="0"/>
-              <a:satOff val="0"/>
-              <a:lumOff val="0"/>
-              <a:alphaOff val="0"/>
-            </a:schemeClr>
-          </a:solidFill>
-          <a:prstDash val="solid"/>
-        </a:ln>
-        <a:effectLst>
-          <a:outerShdw blurRad="40000" dist="23000" dir="5400000" rotWithShape="0">
-            <a:srgbClr val="000000">
-              <a:alpha val="35000"/>
-            </a:srgbClr>
-          </a:outerShdw>
-        </a:effectLst>
-      </dsp:spPr>
-      <dsp:style>
-        <a:lnRef idx="1">
-          <a:scrgbClr r="0" g="0" b="0"/>
-        </a:lnRef>
-        <a:fillRef idx="1">
-          <a:scrgbClr r="0" g="0" b="0"/>
-        </a:fillRef>
-        <a:effectRef idx="2">
-          <a:scrgbClr r="0" g="0" b="0"/>
-        </a:effectRef>
-        <a:fontRef idx="minor"/>
-      </dsp:style>
-      <dsp:txBody>
-        <a:bodyPr spcFirstLastPara="0" vert="horz" wrap="square" lIns="247650" tIns="123825" rIns="247650" bIns="123825" numCol="1" spcCol="1270" anchor="ctr" anchorCtr="0">
-          <a:noAutofit/>
-        </a:bodyPr>
-        <a:lstStyle/>
-        <a:p>
-          <a:pPr marL="228600" lvl="1" indent="-228600" algn="l" defTabSz="1066800">
-            <a:lnSpc>
-              <a:spcPct val="90000"/>
-            </a:lnSpc>
-            <a:spcBef>
-              <a:spcPct val="0"/>
-            </a:spcBef>
-            <a:spcAft>
-              <a:spcPct val="15000"/>
-            </a:spcAft>
-            <a:buChar char="••"/>
-          </a:pPr>
-          <a:r>
-            <a:rPr lang="en-US" sz="2400" kern="1200" dirty="0" smtClean="0">
-              <a:effectLst>
-                <a:outerShdw blurRad="38100" dist="38100" dir="2700000" algn="tl">
-                  <a:srgbClr val="000000">
-                    <a:alpha val="43137"/>
-                  </a:srgbClr>
-                </a:outerShdw>
-              </a:effectLst>
-            </a:rPr>
-            <a:t>What is IOT?</a:t>
-          </a:r>
-          <a:endParaRPr lang="en-US" sz="2400" kern="1200" dirty="0"/>
-        </a:p>
-      </dsp:txBody>
-      <dsp:txXfrm rot="-5400000">
-        <a:off x="1085602" y="56010"/>
-        <a:ext cx="5010287" cy="445293"/>
-      </dsp:txXfrm>
-    </dsp:sp>
-    <dsp:sp modelId="{7E429971-BC57-430F-BB25-C0574E5E39E3}">
-      <dsp:nvSpPr>
-        <dsp:cNvPr id="0" name=""/>
-        <dsp:cNvSpPr/>
-      </dsp:nvSpPr>
-      <dsp:spPr>
-        <a:xfrm>
-          <a:off x="109" y="0"/>
-          <a:ext cx="1085492" cy="556617"/>
-        </a:xfrm>
-        <a:prstGeom prst="roundRect">
-          <a:avLst/>
-        </a:prstGeom>
-        <a:gradFill rotWithShape="0">
-          <a:gsLst>
-            <a:gs pos="0">
-              <a:schemeClr val="accent3">
-                <a:hueOff val="0"/>
-                <a:satOff val="0"/>
-                <a:lumOff val="0"/>
-                <a:alphaOff val="0"/>
-                <a:shade val="51000"/>
-                <a:satMod val="130000"/>
-              </a:schemeClr>
-            </a:gs>
-            <a:gs pos="80000">
-              <a:schemeClr val="accent3">
-                <a:hueOff val="0"/>
-                <a:satOff val="0"/>
-                <a:lumOff val="0"/>
-                <a:alphaOff val="0"/>
-                <a:shade val="93000"/>
-                <a:satMod val="130000"/>
-              </a:schemeClr>
-            </a:gs>
-            <a:gs pos="100000">
-              <a:schemeClr val="accent3">
-                <a:hueOff val="0"/>
-                <a:satOff val="0"/>
-                <a:lumOff val="0"/>
-                <a:alphaOff val="0"/>
-                <a:shade val="94000"/>
-                <a:satMod val="135000"/>
-              </a:schemeClr>
-            </a:gs>
-          </a:gsLst>
-          <a:lin ang="16200000" scaled="0"/>
-        </a:gradFill>
-        <a:ln>
-          <a:noFill/>
-        </a:ln>
-        <a:effectLst>
-          <a:outerShdw blurRad="40000" dist="23000" dir="5400000" rotWithShape="0">
-            <a:srgbClr val="000000">
-              <a:alpha val="35000"/>
-            </a:srgbClr>
-          </a:outerShdw>
-        </a:effectLst>
-        <a:scene3d>
-          <a:camera prst="orthographicFront">
-            <a:rot lat="0" lon="0" rev="0"/>
-          </a:camera>
-          <a:lightRig rig="threePt" dir="t">
-            <a:rot lat="0" lon="0" rev="1200000"/>
-          </a:lightRig>
-        </a:scene3d>
-        <a:sp3d>
-          <a:bevelT w="63500" h="25400"/>
-        </a:sp3d>
-      </dsp:spPr>
-      <dsp:style>
-        <a:lnRef idx="0">
-          <a:scrgbClr r="0" g="0" b="0"/>
-        </a:lnRef>
-        <a:fillRef idx="3">
-          <a:scrgbClr r="0" g="0" b="0"/>
-        </a:fillRef>
-        <a:effectRef idx="3">
-          <a:scrgbClr r="0" g="0" b="0"/>
-        </a:effectRef>
-        <a:fontRef idx="minor">
-          <a:schemeClr val="lt1"/>
-        </a:fontRef>
-      </dsp:style>
-      <dsp:txBody>
-        <a:bodyPr spcFirstLastPara="0" vert="horz" wrap="square" lIns="121920" tIns="60960" rIns="121920" bIns="60960" numCol="1" spcCol="1270" anchor="ctr" anchorCtr="0">
-          <a:noAutofit/>
-        </a:bodyPr>
-        <a:lstStyle/>
-        <a:p>
-          <a:pPr lvl="0" algn="ctr" defTabSz="1422400">
-            <a:lnSpc>
-              <a:spcPct val="90000"/>
-            </a:lnSpc>
-            <a:spcBef>
-              <a:spcPct val="0"/>
-            </a:spcBef>
-            <a:spcAft>
-              <a:spcPct val="35000"/>
-            </a:spcAft>
-          </a:pPr>
-          <a:r>
-            <a:rPr lang="en-US" sz="3200" kern="1200" dirty="0" smtClean="0"/>
-            <a:t>1</a:t>
-          </a:r>
-          <a:endParaRPr lang="en-US" sz="3200" kern="1200" dirty="0"/>
-        </a:p>
-      </dsp:txBody>
-      <dsp:txXfrm>
-        <a:off x="27281" y="27172"/>
-        <a:ext cx="1031148" cy="502273"/>
-      </dsp:txXfrm>
-    </dsp:sp>
-    <dsp:sp modelId="{B37A5355-225B-4C6F-AED7-6C620F99EECC}">
-      <dsp:nvSpPr>
-        <dsp:cNvPr id="0" name=""/>
-        <dsp:cNvSpPr/>
-      </dsp:nvSpPr>
-      <dsp:spPr>
-        <a:xfrm rot="5400000">
-          <a:off x="3368099" y="-1642039"/>
-          <a:ext cx="445293" cy="5010287"/>
-        </a:xfrm>
-        <a:prstGeom prst="rect">
-          <a:avLst/>
-        </a:prstGeom>
-        <a:solidFill>
-          <a:schemeClr val="accent3">
-            <a:tint val="40000"/>
-            <a:alpha val="90000"/>
-            <a:hueOff val="1786142"/>
-            <a:satOff val="-2299"/>
-            <a:lumOff val="-179"/>
-            <a:alphaOff val="0"/>
-          </a:schemeClr>
-        </a:solidFill>
-        <a:ln w="9525" cap="flat" cmpd="sng" algn="ctr">
-          <a:solidFill>
-            <a:schemeClr val="accent3">
-              <a:tint val="40000"/>
-              <a:alpha val="90000"/>
-              <a:hueOff val="1786142"/>
-              <a:satOff val="-2299"/>
-              <a:lumOff val="-179"/>
-              <a:alphaOff val="0"/>
-            </a:schemeClr>
-          </a:solidFill>
-          <a:prstDash val="solid"/>
-        </a:ln>
-        <a:effectLst>
-          <a:outerShdw blurRad="40000" dist="23000" dir="5400000" rotWithShape="0">
-            <a:srgbClr val="000000">
-              <a:alpha val="35000"/>
-            </a:srgbClr>
-          </a:outerShdw>
-        </a:effectLst>
-      </dsp:spPr>
-      <dsp:style>
-        <a:lnRef idx="1">
-          <a:scrgbClr r="0" g="0" b="0"/>
-        </a:lnRef>
-        <a:fillRef idx="1">
-          <a:scrgbClr r="0" g="0" b="0"/>
-        </a:fillRef>
-        <a:effectRef idx="2">
-          <a:scrgbClr r="0" g="0" b="0"/>
-        </a:effectRef>
-        <a:fontRef idx="minor"/>
-      </dsp:style>
-      <dsp:txBody>
-        <a:bodyPr spcFirstLastPara="0" vert="horz" wrap="square" lIns="247650" tIns="123825" rIns="247650" bIns="123825" numCol="1" spcCol="1270" anchor="ctr" anchorCtr="0">
-          <a:noAutofit/>
-        </a:bodyPr>
-        <a:lstStyle/>
-        <a:p>
-          <a:pPr marL="228600" lvl="1" indent="-228600" algn="l" defTabSz="1066800">
-            <a:lnSpc>
-              <a:spcPct val="90000"/>
-            </a:lnSpc>
-            <a:spcBef>
-              <a:spcPct val="0"/>
-            </a:spcBef>
-            <a:spcAft>
-              <a:spcPct val="15000"/>
-            </a:spcAft>
-            <a:buChar char="••"/>
-          </a:pPr>
-          <a:r>
-            <a:rPr lang="en-US" sz="2400" kern="1200" dirty="0" smtClean="0">
-              <a:effectLst>
-                <a:outerShdw blurRad="38100" dist="38100" dir="2700000" algn="tl">
-                  <a:srgbClr val="000000">
-                    <a:alpha val="43137"/>
-                  </a:srgbClr>
-                </a:outerShdw>
-              </a:effectLst>
-            </a:rPr>
-            <a:t>Market players of IOT</a:t>
-          </a:r>
-          <a:endParaRPr lang="en-US" sz="2400" kern="1200" dirty="0"/>
-        </a:p>
-      </dsp:txBody>
-      <dsp:txXfrm rot="-5400000">
-        <a:off x="1085602" y="640458"/>
-        <a:ext cx="5010287" cy="445293"/>
-      </dsp:txXfrm>
-    </dsp:sp>
-    <dsp:sp modelId="{C04276DC-EE64-470A-B8BC-09067B8045FA}">
-      <dsp:nvSpPr>
-        <dsp:cNvPr id="0" name=""/>
-        <dsp:cNvSpPr/>
-      </dsp:nvSpPr>
-      <dsp:spPr>
-        <a:xfrm>
-          <a:off x="109" y="584795"/>
-          <a:ext cx="1085492" cy="556617"/>
-        </a:xfrm>
-        <a:prstGeom prst="roundRect">
-          <a:avLst/>
-        </a:prstGeom>
-        <a:gradFill rotWithShape="0">
-          <a:gsLst>
-            <a:gs pos="0">
-              <a:schemeClr val="accent3">
-                <a:hueOff val="1875044"/>
-                <a:satOff val="-2813"/>
-                <a:lumOff val="-458"/>
-                <a:alphaOff val="0"/>
-                <a:shade val="51000"/>
-                <a:satMod val="130000"/>
-              </a:schemeClr>
-            </a:gs>
-            <a:gs pos="80000">
-              <a:schemeClr val="accent3">
-                <a:hueOff val="1875044"/>
-                <a:satOff val="-2813"/>
-                <a:lumOff val="-458"/>
-                <a:alphaOff val="0"/>
-                <a:shade val="93000"/>
-                <a:satMod val="130000"/>
-              </a:schemeClr>
-            </a:gs>
-            <a:gs pos="100000">
-              <a:schemeClr val="accent3">
-                <a:hueOff val="1875044"/>
-                <a:satOff val="-2813"/>
-                <a:lumOff val="-458"/>
-                <a:alphaOff val="0"/>
-                <a:shade val="94000"/>
-                <a:satMod val="135000"/>
-              </a:schemeClr>
-            </a:gs>
-          </a:gsLst>
-          <a:lin ang="16200000" scaled="0"/>
-        </a:gradFill>
-        <a:ln>
-          <a:noFill/>
-        </a:ln>
-        <a:effectLst>
-          <a:outerShdw blurRad="40000" dist="23000" dir="5400000" rotWithShape="0">
-            <a:srgbClr val="000000">
-              <a:alpha val="35000"/>
-            </a:srgbClr>
-          </a:outerShdw>
-        </a:effectLst>
-        <a:scene3d>
-          <a:camera prst="orthographicFront">
-            <a:rot lat="0" lon="0" rev="0"/>
-          </a:camera>
-          <a:lightRig rig="threePt" dir="t">
-            <a:rot lat="0" lon="0" rev="1200000"/>
-          </a:lightRig>
-        </a:scene3d>
-        <a:sp3d>
-          <a:bevelT w="63500" h="25400"/>
-        </a:sp3d>
-      </dsp:spPr>
-      <dsp:style>
-        <a:lnRef idx="0">
-          <a:scrgbClr r="0" g="0" b="0"/>
-        </a:lnRef>
-        <a:fillRef idx="3">
-          <a:scrgbClr r="0" g="0" b="0"/>
-        </a:fillRef>
-        <a:effectRef idx="3">
-          <a:scrgbClr r="0" g="0" b="0"/>
-        </a:effectRef>
-        <a:fontRef idx="minor">
-          <a:schemeClr val="lt1"/>
-        </a:fontRef>
-      </dsp:style>
-      <dsp:txBody>
-        <a:bodyPr spcFirstLastPara="0" vert="horz" wrap="square" lIns="121920" tIns="60960" rIns="121920" bIns="60960" numCol="1" spcCol="1270" anchor="ctr" anchorCtr="0">
-          <a:noAutofit/>
-        </a:bodyPr>
-        <a:lstStyle/>
-        <a:p>
-          <a:pPr lvl="0" algn="ctr" defTabSz="1422400">
-            <a:lnSpc>
-              <a:spcPct val="90000"/>
-            </a:lnSpc>
-            <a:spcBef>
-              <a:spcPct val="0"/>
-            </a:spcBef>
-            <a:spcAft>
-              <a:spcPct val="35000"/>
-            </a:spcAft>
-          </a:pPr>
-          <a:r>
-            <a:rPr lang="en-US" sz="3200" kern="1200" dirty="0" smtClean="0"/>
-            <a:t>2</a:t>
-          </a:r>
-          <a:endParaRPr lang="en-US" sz="3200" kern="1200" dirty="0"/>
-        </a:p>
-      </dsp:txBody>
-      <dsp:txXfrm>
-        <a:off x="27281" y="611967"/>
-        <a:ext cx="1031148" cy="502273"/>
-      </dsp:txXfrm>
-    </dsp:sp>
-    <dsp:sp modelId="{C7C3E6FD-D83F-4BDA-907E-B5EE041DA931}">
-      <dsp:nvSpPr>
-        <dsp:cNvPr id="0" name=""/>
-        <dsp:cNvSpPr/>
-      </dsp:nvSpPr>
-      <dsp:spPr>
-        <a:xfrm rot="5400000">
-          <a:off x="3368099" y="-1057591"/>
-          <a:ext cx="445293" cy="5010287"/>
-        </a:xfrm>
-        <a:prstGeom prst="rect">
-          <a:avLst/>
-        </a:prstGeom>
-        <a:solidFill>
-          <a:schemeClr val="accent3">
-            <a:tint val="40000"/>
-            <a:alpha val="90000"/>
-            <a:hueOff val="3572283"/>
-            <a:satOff val="-4598"/>
-            <a:lumOff val="-358"/>
-            <a:alphaOff val="0"/>
-          </a:schemeClr>
-        </a:solidFill>
-        <a:ln w="9525" cap="flat" cmpd="sng" algn="ctr">
-          <a:solidFill>
-            <a:schemeClr val="accent3">
-              <a:tint val="40000"/>
-              <a:alpha val="90000"/>
-              <a:hueOff val="3572283"/>
-              <a:satOff val="-4598"/>
-              <a:lumOff val="-358"/>
-              <a:alphaOff val="0"/>
-            </a:schemeClr>
-          </a:solidFill>
-          <a:prstDash val="solid"/>
-        </a:ln>
-        <a:effectLst>
-          <a:outerShdw blurRad="40000" dist="23000" dir="5400000" rotWithShape="0">
-            <a:srgbClr val="000000">
-              <a:alpha val="35000"/>
-            </a:srgbClr>
-          </a:outerShdw>
-        </a:effectLst>
-      </dsp:spPr>
-      <dsp:style>
-        <a:lnRef idx="1">
-          <a:scrgbClr r="0" g="0" b="0"/>
-        </a:lnRef>
-        <a:fillRef idx="1">
-          <a:scrgbClr r="0" g="0" b="0"/>
-        </a:fillRef>
-        <a:effectRef idx="2">
-          <a:scrgbClr r="0" g="0" b="0"/>
-        </a:effectRef>
-        <a:fontRef idx="minor"/>
-      </dsp:style>
-      <dsp:txBody>
-        <a:bodyPr spcFirstLastPara="0" vert="horz" wrap="square" lIns="247650" tIns="123825" rIns="247650" bIns="123825" numCol="1" spcCol="1270" anchor="ctr" anchorCtr="0">
-          <a:noAutofit/>
-        </a:bodyPr>
-        <a:lstStyle/>
-        <a:p>
-          <a:pPr marL="228600" lvl="1" indent="-228600" algn="l" defTabSz="1066800">
-            <a:lnSpc>
-              <a:spcPct val="90000"/>
-            </a:lnSpc>
-            <a:spcBef>
-              <a:spcPct val="0"/>
-            </a:spcBef>
-            <a:spcAft>
-              <a:spcPct val="15000"/>
-            </a:spcAft>
-            <a:buChar char="••"/>
-          </a:pPr>
-          <a:r>
-            <a:rPr lang="en-US" sz="2400" kern="1200" dirty="0" smtClean="0">
-              <a:effectLst>
-                <a:outerShdw blurRad="38100" dist="38100" dir="2700000" algn="tl">
-                  <a:srgbClr val="000000">
-                    <a:alpha val="43137"/>
-                  </a:srgbClr>
-                </a:outerShdw>
-              </a:effectLst>
-            </a:rPr>
-            <a:t>Devices</a:t>
-          </a:r>
-          <a:endParaRPr lang="en-US" sz="2400" kern="1200" dirty="0">
-            <a:effectLst>
-              <a:outerShdw blurRad="38100" dist="38100" dir="2700000" algn="tl">
-                <a:srgbClr val="000000">
-                  <a:alpha val="43137"/>
-                </a:srgbClr>
-              </a:outerShdw>
-            </a:effectLst>
-          </a:endParaRPr>
-        </a:p>
-      </dsp:txBody>
-      <dsp:txXfrm rot="-5400000">
-        <a:off x="1085602" y="1224906"/>
-        <a:ext cx="5010287" cy="445293"/>
-      </dsp:txXfrm>
-    </dsp:sp>
-    <dsp:sp modelId="{F5034101-5B7D-4FE7-B47A-5A48CF39606B}">
-      <dsp:nvSpPr>
-        <dsp:cNvPr id="0" name=""/>
-        <dsp:cNvSpPr/>
-      </dsp:nvSpPr>
-      <dsp:spPr>
-        <a:xfrm>
-          <a:off x="109" y="1169243"/>
-          <a:ext cx="1085492" cy="556617"/>
-        </a:xfrm>
-        <a:prstGeom prst="roundRect">
-          <a:avLst/>
-        </a:prstGeom>
-        <a:gradFill rotWithShape="0">
-          <a:gsLst>
-            <a:gs pos="0">
-              <a:schemeClr val="accent3">
-                <a:hueOff val="3750088"/>
-                <a:satOff val="-5627"/>
-                <a:lumOff val="-915"/>
-                <a:alphaOff val="0"/>
-                <a:shade val="51000"/>
-                <a:satMod val="130000"/>
-              </a:schemeClr>
-            </a:gs>
-            <a:gs pos="80000">
-              <a:schemeClr val="accent3">
-                <a:hueOff val="3750088"/>
-                <a:satOff val="-5627"/>
-                <a:lumOff val="-915"/>
-                <a:alphaOff val="0"/>
-                <a:shade val="93000"/>
-                <a:satMod val="130000"/>
-              </a:schemeClr>
-            </a:gs>
-            <a:gs pos="100000">
-              <a:schemeClr val="accent3">
-                <a:hueOff val="3750088"/>
-                <a:satOff val="-5627"/>
-                <a:lumOff val="-915"/>
-                <a:alphaOff val="0"/>
-                <a:shade val="94000"/>
-                <a:satMod val="135000"/>
-              </a:schemeClr>
-            </a:gs>
-          </a:gsLst>
-          <a:lin ang="16200000" scaled="0"/>
-        </a:gradFill>
-        <a:ln>
-          <a:noFill/>
-        </a:ln>
-        <a:effectLst>
-          <a:outerShdw blurRad="40000" dist="23000" dir="5400000" rotWithShape="0">
-            <a:srgbClr val="000000">
-              <a:alpha val="35000"/>
-            </a:srgbClr>
-          </a:outerShdw>
-        </a:effectLst>
-        <a:scene3d>
-          <a:camera prst="orthographicFront">
-            <a:rot lat="0" lon="0" rev="0"/>
-          </a:camera>
-          <a:lightRig rig="threePt" dir="t">
-            <a:rot lat="0" lon="0" rev="1200000"/>
-          </a:lightRig>
-        </a:scene3d>
-        <a:sp3d>
-          <a:bevelT w="63500" h="25400"/>
-        </a:sp3d>
-      </dsp:spPr>
-      <dsp:style>
-        <a:lnRef idx="0">
-          <a:scrgbClr r="0" g="0" b="0"/>
-        </a:lnRef>
-        <a:fillRef idx="3">
-          <a:scrgbClr r="0" g="0" b="0"/>
-        </a:fillRef>
-        <a:effectRef idx="3">
-          <a:scrgbClr r="0" g="0" b="0"/>
-        </a:effectRef>
-        <a:fontRef idx="minor">
-          <a:schemeClr val="lt1"/>
-        </a:fontRef>
-      </dsp:style>
-      <dsp:txBody>
-        <a:bodyPr spcFirstLastPara="0" vert="horz" wrap="square" lIns="121920" tIns="60960" rIns="121920" bIns="60960" numCol="1" spcCol="1270" anchor="ctr" anchorCtr="0">
-          <a:noAutofit/>
-        </a:bodyPr>
-        <a:lstStyle/>
-        <a:p>
-          <a:pPr lvl="0" algn="ctr" defTabSz="1422400">
-            <a:lnSpc>
-              <a:spcPct val="90000"/>
-            </a:lnSpc>
-            <a:spcBef>
-              <a:spcPct val="0"/>
-            </a:spcBef>
-            <a:spcAft>
-              <a:spcPct val="35000"/>
-            </a:spcAft>
-          </a:pPr>
-          <a:r>
-            <a:rPr lang="en-US" sz="3200" kern="1200" dirty="0" smtClean="0"/>
-            <a:t>3</a:t>
-          </a:r>
-          <a:endParaRPr lang="en-US" sz="3200" kern="1200" dirty="0"/>
-        </a:p>
-      </dsp:txBody>
-      <dsp:txXfrm>
-        <a:off x="27281" y="1196415"/>
-        <a:ext cx="1031148" cy="502273"/>
-      </dsp:txXfrm>
-    </dsp:sp>
-    <dsp:sp modelId="{F90B9516-CD69-4131-B576-842C3D01AD54}">
-      <dsp:nvSpPr>
-        <dsp:cNvPr id="0" name=""/>
-        <dsp:cNvSpPr/>
-      </dsp:nvSpPr>
-      <dsp:spPr>
-        <a:xfrm rot="5400000">
-          <a:off x="3373441" y="-465851"/>
-          <a:ext cx="445293" cy="4995703"/>
-        </a:xfrm>
-        <a:prstGeom prst="round2SameRect">
-          <a:avLst/>
-        </a:prstGeom>
-        <a:solidFill>
-          <a:schemeClr val="accent3">
-            <a:tint val="40000"/>
-            <a:alpha val="90000"/>
-            <a:hueOff val="5358425"/>
-            <a:satOff val="-6896"/>
-            <a:lumOff val="-537"/>
-            <a:alphaOff val="0"/>
-          </a:schemeClr>
-        </a:solidFill>
-        <a:ln w="9525" cap="flat" cmpd="sng" algn="ctr">
-          <a:solidFill>
-            <a:schemeClr val="accent3">
-              <a:tint val="40000"/>
-              <a:alpha val="90000"/>
-              <a:hueOff val="5358425"/>
-              <a:satOff val="-6896"/>
-              <a:lumOff val="-537"/>
-              <a:alphaOff val="0"/>
-            </a:schemeClr>
-          </a:solidFill>
-          <a:prstDash val="solid"/>
-        </a:ln>
-        <a:effectLst>
-          <a:outerShdw blurRad="40000" dist="23000" dir="5400000" rotWithShape="0">
-            <a:srgbClr val="000000">
-              <a:alpha val="35000"/>
-            </a:srgbClr>
-          </a:outerShdw>
-        </a:effectLst>
-      </dsp:spPr>
-      <dsp:style>
-        <a:lnRef idx="1">
-          <a:scrgbClr r="0" g="0" b="0"/>
-        </a:lnRef>
-        <a:fillRef idx="1">
-          <a:scrgbClr r="0" g="0" b="0"/>
-        </a:fillRef>
-        <a:effectRef idx="2">
-          <a:scrgbClr r="0" g="0" b="0"/>
-        </a:effectRef>
-        <a:fontRef idx="minor"/>
-      </dsp:style>
-      <dsp:txBody>
-        <a:bodyPr spcFirstLastPara="0" vert="horz" wrap="square" lIns="247650" tIns="123825" rIns="247650" bIns="123825" numCol="1" spcCol="1270" anchor="ctr" anchorCtr="0">
-          <a:noAutofit/>
-        </a:bodyPr>
-        <a:lstStyle/>
-        <a:p>
-          <a:pPr marL="228600" lvl="1" indent="-228600" algn="l" defTabSz="1066800">
-            <a:lnSpc>
-              <a:spcPct val="90000"/>
-            </a:lnSpc>
-            <a:spcBef>
-              <a:spcPct val="0"/>
-            </a:spcBef>
-            <a:spcAft>
-              <a:spcPct val="15000"/>
-            </a:spcAft>
-            <a:buChar char="••"/>
-          </a:pPr>
-          <a:r>
-            <a:rPr lang="en-US" sz="2400" kern="1200" dirty="0" smtClean="0">
-              <a:effectLst>
-                <a:outerShdw blurRad="38100" dist="38100" dir="2700000" algn="tl">
-                  <a:srgbClr val="000000">
-                    <a:alpha val="43137"/>
-                  </a:srgbClr>
-                </a:outerShdw>
-              </a:effectLst>
-            </a:rPr>
-            <a:t>Concerns</a:t>
-          </a:r>
-          <a:endParaRPr lang="en-US" sz="2400" kern="1200" dirty="0">
-            <a:effectLst>
-              <a:outerShdw blurRad="38100" dist="38100" dir="2700000" algn="tl">
-                <a:srgbClr val="000000">
-                  <a:alpha val="43137"/>
-                </a:srgbClr>
-              </a:outerShdw>
-            </a:effectLst>
-          </a:endParaRPr>
-        </a:p>
-      </dsp:txBody>
-      <dsp:txXfrm rot="-5400000">
-        <a:off x="1098237" y="1831090"/>
-        <a:ext cx="4973966" cy="401819"/>
-      </dsp:txXfrm>
-    </dsp:sp>
-    <dsp:sp modelId="{953D79A1-F583-4C99-9EA1-00C886685091}">
-      <dsp:nvSpPr>
-        <dsp:cNvPr id="0" name=""/>
-        <dsp:cNvSpPr/>
-      </dsp:nvSpPr>
-      <dsp:spPr>
-        <a:xfrm>
-          <a:off x="109" y="1753691"/>
-          <a:ext cx="1098126" cy="556617"/>
-        </a:xfrm>
-        <a:prstGeom prst="roundRect">
-          <a:avLst/>
-        </a:prstGeom>
-        <a:gradFill rotWithShape="0">
-          <a:gsLst>
-            <a:gs pos="0">
-              <a:schemeClr val="accent3">
-                <a:hueOff val="5625132"/>
-                <a:satOff val="-8440"/>
-                <a:lumOff val="-1373"/>
-                <a:alphaOff val="0"/>
-                <a:shade val="51000"/>
-                <a:satMod val="130000"/>
-              </a:schemeClr>
-            </a:gs>
-            <a:gs pos="80000">
-              <a:schemeClr val="accent3">
-                <a:hueOff val="5625132"/>
-                <a:satOff val="-8440"/>
-                <a:lumOff val="-1373"/>
-                <a:alphaOff val="0"/>
-                <a:shade val="93000"/>
-                <a:satMod val="130000"/>
-              </a:schemeClr>
-            </a:gs>
-            <a:gs pos="100000">
-              <a:schemeClr val="accent3">
-                <a:hueOff val="5625132"/>
-                <a:satOff val="-8440"/>
-                <a:lumOff val="-1373"/>
-                <a:alphaOff val="0"/>
-                <a:shade val="94000"/>
-                <a:satMod val="135000"/>
-              </a:schemeClr>
-            </a:gs>
-          </a:gsLst>
-          <a:lin ang="16200000" scaled="0"/>
-        </a:gradFill>
-        <a:ln>
-          <a:noFill/>
-        </a:ln>
-        <a:effectLst>
-          <a:outerShdw blurRad="40000" dist="23000" dir="5400000" rotWithShape="0">
-            <a:srgbClr val="000000">
-              <a:alpha val="35000"/>
-            </a:srgbClr>
-          </a:outerShdw>
-        </a:effectLst>
-        <a:scene3d>
-          <a:camera prst="orthographicFront">
-            <a:rot lat="0" lon="0" rev="0"/>
-          </a:camera>
-          <a:lightRig rig="threePt" dir="t">
-            <a:rot lat="0" lon="0" rev="1200000"/>
-          </a:lightRig>
-        </a:scene3d>
-        <a:sp3d>
-          <a:bevelT w="63500" h="25400"/>
-        </a:sp3d>
-      </dsp:spPr>
-      <dsp:style>
-        <a:lnRef idx="0">
-          <a:scrgbClr r="0" g="0" b="0"/>
-        </a:lnRef>
-        <a:fillRef idx="3">
-          <a:scrgbClr r="0" g="0" b="0"/>
-        </a:fillRef>
-        <a:effectRef idx="3">
-          <a:scrgbClr r="0" g="0" b="0"/>
-        </a:effectRef>
-        <a:fontRef idx="minor">
-          <a:schemeClr val="lt1"/>
-        </a:fontRef>
-      </dsp:style>
-      <dsp:txBody>
-        <a:bodyPr spcFirstLastPara="0" vert="horz" wrap="square" lIns="121920" tIns="60960" rIns="121920" bIns="60960" numCol="1" spcCol="1270" anchor="ctr" anchorCtr="0">
-          <a:noAutofit/>
-        </a:bodyPr>
-        <a:lstStyle/>
-        <a:p>
-          <a:pPr lvl="0" algn="ctr" defTabSz="1422400">
-            <a:lnSpc>
-              <a:spcPct val="90000"/>
-            </a:lnSpc>
-            <a:spcBef>
-              <a:spcPct val="0"/>
-            </a:spcBef>
-            <a:spcAft>
-              <a:spcPct val="35000"/>
-            </a:spcAft>
-          </a:pPr>
-          <a:r>
-            <a:rPr lang="en-US" sz="3200" kern="1200" dirty="0" smtClean="0">
-              <a:effectLst>
-                <a:outerShdw blurRad="38100" dist="38100" dir="2700000" algn="tl">
-                  <a:srgbClr val="000000">
-                    <a:alpha val="43137"/>
-                  </a:srgbClr>
-                </a:outerShdw>
-              </a:effectLst>
-            </a:rPr>
-            <a:t>4 </a:t>
-          </a:r>
-          <a:endParaRPr lang="en-US" sz="3200" kern="1200" dirty="0">
-            <a:effectLst>
-              <a:outerShdw blurRad="38100" dist="38100" dir="2700000" algn="tl">
-                <a:srgbClr val="000000">
-                  <a:alpha val="43137"/>
-                </a:srgbClr>
-              </a:outerShdw>
-            </a:effectLst>
-          </a:endParaRPr>
-        </a:p>
-      </dsp:txBody>
-      <dsp:txXfrm>
-        <a:off x="27281" y="1780863"/>
-        <a:ext cx="1043782" cy="502273"/>
-      </dsp:txXfrm>
-    </dsp:sp>
-    <dsp:sp modelId="{F3A37752-91C4-4857-8DD1-EB50F27F42F0}">
-      <dsp:nvSpPr>
-        <dsp:cNvPr id="0" name=""/>
-        <dsp:cNvSpPr/>
-      </dsp:nvSpPr>
-      <dsp:spPr>
-        <a:xfrm rot="5400000">
-          <a:off x="3388234" y="132118"/>
-          <a:ext cx="445293" cy="4968659"/>
-        </a:xfrm>
-        <a:prstGeom prst="round2SameRect">
-          <a:avLst/>
-        </a:prstGeom>
-        <a:solidFill>
-          <a:schemeClr val="accent3">
-            <a:tint val="40000"/>
-            <a:alpha val="90000"/>
-            <a:hueOff val="7144567"/>
-            <a:satOff val="-9195"/>
-            <a:lumOff val="-717"/>
-            <a:alphaOff val="0"/>
-          </a:schemeClr>
-        </a:solidFill>
-        <a:ln w="9525" cap="flat" cmpd="sng" algn="ctr">
-          <a:solidFill>
-            <a:schemeClr val="accent3">
-              <a:tint val="40000"/>
-              <a:alpha val="90000"/>
-              <a:hueOff val="7144567"/>
-              <a:satOff val="-9195"/>
-              <a:lumOff val="-717"/>
-              <a:alphaOff val="0"/>
-            </a:schemeClr>
-          </a:solidFill>
-          <a:prstDash val="solid"/>
-        </a:ln>
-        <a:effectLst>
-          <a:outerShdw blurRad="40000" dist="23000" dir="5400000" rotWithShape="0">
-            <a:srgbClr val="000000">
-              <a:alpha val="35000"/>
-            </a:srgbClr>
-          </a:outerShdw>
-        </a:effectLst>
-      </dsp:spPr>
-      <dsp:style>
-        <a:lnRef idx="1">
-          <a:scrgbClr r="0" g="0" b="0"/>
-        </a:lnRef>
-        <a:fillRef idx="1">
-          <a:scrgbClr r="0" g="0" b="0"/>
-        </a:fillRef>
-        <a:effectRef idx="2">
-          <a:scrgbClr r="0" g="0" b="0"/>
-        </a:effectRef>
-        <a:fontRef idx="minor"/>
-      </dsp:style>
-      <dsp:txBody>
-        <a:bodyPr spcFirstLastPara="0" vert="horz" wrap="square" lIns="247650" tIns="123825" rIns="247650" bIns="123825" numCol="1" spcCol="1270" anchor="ctr" anchorCtr="0">
-          <a:noAutofit/>
-        </a:bodyPr>
-        <a:lstStyle/>
-        <a:p>
-          <a:pPr marL="228600" lvl="1" indent="-228600" algn="l" defTabSz="1066800">
-            <a:lnSpc>
-              <a:spcPct val="90000"/>
-            </a:lnSpc>
-            <a:spcBef>
-              <a:spcPct val="0"/>
-            </a:spcBef>
-            <a:spcAft>
-              <a:spcPct val="15000"/>
-            </a:spcAft>
-            <a:buChar char="••"/>
-          </a:pPr>
-          <a:r>
-            <a:rPr lang="en-US" sz="2400" kern="1200" dirty="0" smtClean="0">
-              <a:effectLst>
-                <a:outerShdw blurRad="38100" dist="38100" dir="2700000" algn="tl">
-                  <a:srgbClr val="000000">
-                    <a:alpha val="43137"/>
-                  </a:srgbClr>
-                </a:outerShdw>
-              </a:effectLst>
-            </a:rPr>
-            <a:t>Technologies</a:t>
-          </a:r>
-          <a:endParaRPr lang="en-US" sz="2400" kern="1200" dirty="0">
-            <a:effectLst>
-              <a:outerShdw blurRad="38100" dist="38100" dir="2700000" algn="tl">
-                <a:srgbClr val="000000">
-                  <a:alpha val="43137"/>
-                </a:srgbClr>
-              </a:outerShdw>
-            </a:effectLst>
-          </a:endParaRPr>
-        </a:p>
-      </dsp:txBody>
-      <dsp:txXfrm rot="-5400000">
-        <a:off x="1126552" y="2415538"/>
-        <a:ext cx="4946922" cy="401819"/>
-      </dsp:txXfrm>
-    </dsp:sp>
-    <dsp:sp modelId="{F99C5C04-4C89-4FA8-AC74-1C9DCE0EBF16}">
-      <dsp:nvSpPr>
-        <dsp:cNvPr id="0" name=""/>
-        <dsp:cNvSpPr/>
-      </dsp:nvSpPr>
-      <dsp:spPr>
-        <a:xfrm>
-          <a:off x="109" y="2338139"/>
-          <a:ext cx="1126441" cy="556617"/>
-        </a:xfrm>
-        <a:prstGeom prst="roundRect">
-          <a:avLst/>
-        </a:prstGeom>
-        <a:gradFill rotWithShape="0">
-          <a:gsLst>
-            <a:gs pos="0">
-              <a:schemeClr val="accent3">
-                <a:hueOff val="7500176"/>
-                <a:satOff val="-11253"/>
-                <a:lumOff val="-1830"/>
-                <a:alphaOff val="0"/>
-                <a:shade val="51000"/>
-                <a:satMod val="130000"/>
-              </a:schemeClr>
-            </a:gs>
-            <a:gs pos="80000">
-              <a:schemeClr val="accent3">
-                <a:hueOff val="7500176"/>
-                <a:satOff val="-11253"/>
-                <a:lumOff val="-1830"/>
-                <a:alphaOff val="0"/>
-                <a:shade val="93000"/>
-                <a:satMod val="130000"/>
-              </a:schemeClr>
-            </a:gs>
-            <a:gs pos="100000">
-              <a:schemeClr val="accent3">
-                <a:hueOff val="7500176"/>
-                <a:satOff val="-11253"/>
-                <a:lumOff val="-1830"/>
-                <a:alphaOff val="0"/>
-                <a:shade val="94000"/>
-                <a:satMod val="135000"/>
-              </a:schemeClr>
-            </a:gs>
-          </a:gsLst>
-          <a:lin ang="16200000" scaled="0"/>
-        </a:gradFill>
-        <a:ln>
-          <a:noFill/>
-        </a:ln>
-        <a:effectLst>
-          <a:outerShdw blurRad="40000" dist="23000" dir="5400000" rotWithShape="0">
-            <a:srgbClr val="000000">
-              <a:alpha val="35000"/>
-            </a:srgbClr>
-          </a:outerShdw>
-        </a:effectLst>
-        <a:scene3d>
-          <a:camera prst="orthographicFront">
-            <a:rot lat="0" lon="0" rev="0"/>
-          </a:camera>
-          <a:lightRig rig="threePt" dir="t">
-            <a:rot lat="0" lon="0" rev="1200000"/>
-          </a:lightRig>
-        </a:scene3d>
-        <a:sp3d>
-          <a:bevelT w="63500" h="25400"/>
-        </a:sp3d>
-      </dsp:spPr>
-      <dsp:style>
-        <a:lnRef idx="0">
-          <a:scrgbClr r="0" g="0" b="0"/>
-        </a:lnRef>
-        <a:fillRef idx="3">
-          <a:scrgbClr r="0" g="0" b="0"/>
-        </a:fillRef>
-        <a:effectRef idx="3">
-          <a:scrgbClr r="0" g="0" b="0"/>
-        </a:effectRef>
-        <a:fontRef idx="minor">
-          <a:schemeClr val="lt1"/>
-        </a:fontRef>
-      </dsp:style>
-      <dsp:txBody>
-        <a:bodyPr spcFirstLastPara="0" vert="horz" wrap="square" lIns="121920" tIns="60960" rIns="121920" bIns="60960" numCol="1" spcCol="1270" anchor="ctr" anchorCtr="0">
-          <a:noAutofit/>
-        </a:bodyPr>
-        <a:lstStyle/>
-        <a:p>
-          <a:pPr lvl="0" algn="ctr" defTabSz="1422400">
-            <a:lnSpc>
-              <a:spcPct val="90000"/>
-            </a:lnSpc>
-            <a:spcBef>
-              <a:spcPct val="0"/>
-            </a:spcBef>
-            <a:spcAft>
-              <a:spcPct val="35000"/>
-            </a:spcAft>
-          </a:pPr>
-          <a:r>
-            <a:rPr lang="en-US" sz="3200" kern="1200" dirty="0" smtClean="0">
-              <a:effectLst>
-                <a:outerShdw blurRad="38100" dist="38100" dir="2700000" algn="tl">
-                  <a:srgbClr val="000000">
-                    <a:alpha val="43137"/>
-                  </a:srgbClr>
-                </a:outerShdw>
-              </a:effectLst>
-            </a:rPr>
-            <a:t>5</a:t>
-          </a:r>
-          <a:endParaRPr lang="en-US" sz="3200" kern="1200" dirty="0">
-            <a:effectLst>
-              <a:outerShdw blurRad="38100" dist="38100" dir="2700000" algn="tl">
-                <a:srgbClr val="000000">
-                  <a:alpha val="43137"/>
-                </a:srgbClr>
-              </a:outerShdw>
-            </a:effectLst>
-          </a:endParaRPr>
-        </a:p>
-      </dsp:txBody>
-      <dsp:txXfrm>
-        <a:off x="27281" y="2365311"/>
-        <a:ext cx="1072097" cy="502273"/>
-      </dsp:txXfrm>
-    </dsp:sp>
-    <dsp:sp modelId="{93708E6B-2455-4F8D-BE62-B7332F0FAB2A}">
-      <dsp:nvSpPr>
-        <dsp:cNvPr id="0" name=""/>
-        <dsp:cNvSpPr/>
-      </dsp:nvSpPr>
-      <dsp:spPr>
-        <a:xfrm rot="5400000">
-          <a:off x="3413780" y="743279"/>
-          <a:ext cx="445293" cy="4915233"/>
-        </a:xfrm>
-        <a:prstGeom prst="round2SameRect">
-          <a:avLst/>
-        </a:prstGeom>
-        <a:solidFill>
-          <a:schemeClr val="accent3">
-            <a:tint val="40000"/>
-            <a:alpha val="90000"/>
-            <a:hueOff val="8930708"/>
-            <a:satOff val="-11494"/>
-            <a:lumOff val="-896"/>
-            <a:alphaOff val="0"/>
-          </a:schemeClr>
-        </a:solidFill>
-        <a:ln w="9525" cap="flat" cmpd="sng" algn="ctr">
-          <a:solidFill>
-            <a:schemeClr val="accent3">
-              <a:tint val="40000"/>
-              <a:alpha val="90000"/>
-              <a:hueOff val="8930708"/>
-              <a:satOff val="-11494"/>
-              <a:lumOff val="-896"/>
-              <a:alphaOff val="0"/>
-            </a:schemeClr>
-          </a:solidFill>
-          <a:prstDash val="solid"/>
-        </a:ln>
-        <a:effectLst>
-          <a:outerShdw blurRad="40000" dist="23000" dir="5400000" rotWithShape="0">
-            <a:srgbClr val="000000">
-              <a:alpha val="35000"/>
-            </a:srgbClr>
-          </a:outerShdw>
-        </a:effectLst>
-      </dsp:spPr>
-      <dsp:style>
-        <a:lnRef idx="1">
-          <a:scrgbClr r="0" g="0" b="0"/>
-        </a:lnRef>
-        <a:fillRef idx="1">
-          <a:scrgbClr r="0" g="0" b="0"/>
-        </a:fillRef>
-        <a:effectRef idx="2">
-          <a:scrgbClr r="0" g="0" b="0"/>
-        </a:effectRef>
-        <a:fontRef idx="minor"/>
-      </dsp:style>
-      <dsp:txBody>
-        <a:bodyPr spcFirstLastPara="0" vert="horz" wrap="square" lIns="247650" tIns="123825" rIns="247650" bIns="123825" numCol="1" spcCol="1270" anchor="ctr" anchorCtr="0">
-          <a:noAutofit/>
-        </a:bodyPr>
-        <a:lstStyle/>
-        <a:p>
-          <a:pPr marL="228600" lvl="1" indent="-228600" algn="l" defTabSz="1066800">
-            <a:lnSpc>
-              <a:spcPct val="90000"/>
-            </a:lnSpc>
-            <a:spcBef>
-              <a:spcPct val="0"/>
-            </a:spcBef>
-            <a:spcAft>
-              <a:spcPct val="15000"/>
-            </a:spcAft>
-            <a:buChar char="••"/>
-          </a:pPr>
-          <a:r>
-            <a:rPr lang="en-US" sz="2400" kern="1200" dirty="0" smtClean="0">
-              <a:effectLst>
-                <a:outerShdw blurRad="38100" dist="38100" dir="2700000" algn="tl">
-                  <a:srgbClr val="000000">
-                    <a:alpha val="43137"/>
-                  </a:srgbClr>
-                </a:outerShdw>
-              </a:effectLst>
-            </a:rPr>
-            <a:t>Getting Started</a:t>
-          </a:r>
-          <a:endParaRPr lang="en-US" sz="2400" kern="1200" dirty="0">
-            <a:effectLst>
-              <a:outerShdw blurRad="38100" dist="38100" dir="2700000" algn="tl">
-                <a:srgbClr val="000000">
-                  <a:alpha val="43137"/>
-                </a:srgbClr>
-              </a:outerShdw>
-            </a:effectLst>
-          </a:endParaRPr>
-        </a:p>
-      </dsp:txBody>
-      <dsp:txXfrm rot="-5400000">
-        <a:off x="1178811" y="2999986"/>
-        <a:ext cx="4893496" cy="401819"/>
-      </dsp:txXfrm>
-    </dsp:sp>
-    <dsp:sp modelId="{2FDD53B2-E7DB-4401-9CCC-37A250D6B3BF}">
-      <dsp:nvSpPr>
-        <dsp:cNvPr id="0" name=""/>
-        <dsp:cNvSpPr/>
-      </dsp:nvSpPr>
-      <dsp:spPr>
-        <a:xfrm>
-          <a:off x="109" y="2922587"/>
-          <a:ext cx="1178700" cy="556617"/>
-        </a:xfrm>
-        <a:prstGeom prst="roundRect">
-          <a:avLst/>
-        </a:prstGeom>
-        <a:gradFill rotWithShape="0">
-          <a:gsLst>
-            <a:gs pos="0">
-              <a:schemeClr val="accent3">
-                <a:hueOff val="9375220"/>
-                <a:satOff val="-14067"/>
-                <a:lumOff val="-2288"/>
-                <a:alphaOff val="0"/>
-                <a:shade val="51000"/>
-                <a:satMod val="130000"/>
-              </a:schemeClr>
-            </a:gs>
-            <a:gs pos="80000">
-              <a:schemeClr val="accent3">
-                <a:hueOff val="9375220"/>
-                <a:satOff val="-14067"/>
-                <a:lumOff val="-2288"/>
-                <a:alphaOff val="0"/>
-                <a:shade val="93000"/>
-                <a:satMod val="130000"/>
-              </a:schemeClr>
-            </a:gs>
-            <a:gs pos="100000">
-              <a:schemeClr val="accent3">
-                <a:hueOff val="9375220"/>
-                <a:satOff val="-14067"/>
-                <a:lumOff val="-2288"/>
-                <a:alphaOff val="0"/>
-                <a:shade val="94000"/>
-                <a:satMod val="135000"/>
-              </a:schemeClr>
-            </a:gs>
-          </a:gsLst>
-          <a:lin ang="16200000" scaled="0"/>
-        </a:gradFill>
-        <a:ln>
-          <a:noFill/>
-        </a:ln>
-        <a:effectLst>
-          <a:outerShdw blurRad="40000" dist="23000" dir="5400000" rotWithShape="0">
-            <a:srgbClr val="000000">
-              <a:alpha val="35000"/>
-            </a:srgbClr>
-          </a:outerShdw>
-        </a:effectLst>
-        <a:scene3d>
-          <a:camera prst="orthographicFront">
-            <a:rot lat="0" lon="0" rev="0"/>
-          </a:camera>
-          <a:lightRig rig="threePt" dir="t">
-            <a:rot lat="0" lon="0" rev="1200000"/>
-          </a:lightRig>
-        </a:scene3d>
-        <a:sp3d>
-          <a:bevelT w="63500" h="25400"/>
-        </a:sp3d>
-      </dsp:spPr>
-      <dsp:style>
-        <a:lnRef idx="0">
-          <a:scrgbClr r="0" g="0" b="0"/>
-        </a:lnRef>
-        <a:fillRef idx="3">
-          <a:scrgbClr r="0" g="0" b="0"/>
-        </a:fillRef>
-        <a:effectRef idx="3">
-          <a:scrgbClr r="0" g="0" b="0"/>
-        </a:effectRef>
-        <a:fontRef idx="minor">
-          <a:schemeClr val="lt1"/>
-        </a:fontRef>
-      </dsp:style>
-      <dsp:txBody>
-        <a:bodyPr spcFirstLastPara="0" vert="horz" wrap="square" lIns="121920" tIns="60960" rIns="121920" bIns="60960" numCol="1" spcCol="1270" anchor="ctr" anchorCtr="0">
-          <a:noAutofit/>
-        </a:bodyPr>
-        <a:lstStyle/>
-        <a:p>
-          <a:pPr lvl="0" algn="ctr" defTabSz="1422400">
-            <a:lnSpc>
-              <a:spcPct val="90000"/>
-            </a:lnSpc>
-            <a:spcBef>
-              <a:spcPct val="0"/>
-            </a:spcBef>
-            <a:spcAft>
-              <a:spcPct val="35000"/>
-            </a:spcAft>
-          </a:pPr>
-          <a:r>
-            <a:rPr lang="en-US" sz="3200" kern="1200" dirty="0" smtClean="0">
-              <a:effectLst>
-                <a:outerShdw blurRad="38100" dist="38100" dir="2700000" algn="tl">
-                  <a:srgbClr val="000000">
-                    <a:alpha val="43137"/>
-                  </a:srgbClr>
-                </a:outerShdw>
-              </a:effectLst>
-            </a:rPr>
-            <a:t>6</a:t>
-          </a:r>
-          <a:endParaRPr lang="en-US" sz="3200" kern="1200" dirty="0">
-            <a:effectLst>
-              <a:outerShdw blurRad="38100" dist="38100" dir="2700000" algn="tl">
-                <a:srgbClr val="000000">
-                  <a:alpha val="43137"/>
-                </a:srgbClr>
-              </a:outerShdw>
-            </a:effectLst>
-          </a:endParaRPr>
-        </a:p>
-      </dsp:txBody>
-      <dsp:txXfrm>
-        <a:off x="27281" y="2949759"/>
-        <a:ext cx="1124356" cy="502273"/>
-      </dsp:txXfrm>
-    </dsp:sp>
-    <dsp:sp modelId="{FA9CD9E2-ACB9-4012-977C-AAB106F8CB5F}">
-      <dsp:nvSpPr>
-        <dsp:cNvPr id="0" name=""/>
-        <dsp:cNvSpPr/>
-      </dsp:nvSpPr>
-      <dsp:spPr>
-        <a:xfrm rot="5400000">
-          <a:off x="3418661" y="1332384"/>
-          <a:ext cx="445293" cy="4905919"/>
-        </a:xfrm>
-        <a:prstGeom prst="round2SameRect">
-          <a:avLst/>
-        </a:prstGeom>
-        <a:solidFill>
-          <a:schemeClr val="accent3">
-            <a:tint val="40000"/>
-            <a:alpha val="90000"/>
-            <a:hueOff val="10716850"/>
-            <a:satOff val="-13793"/>
-            <a:lumOff val="-1075"/>
-            <a:alphaOff val="0"/>
-          </a:schemeClr>
-        </a:solidFill>
-        <a:ln w="9525" cap="flat" cmpd="sng" algn="ctr">
-          <a:solidFill>
-            <a:schemeClr val="accent3">
-              <a:tint val="40000"/>
-              <a:alpha val="90000"/>
-              <a:hueOff val="10716850"/>
-              <a:satOff val="-13793"/>
-              <a:lumOff val="-1075"/>
-              <a:alphaOff val="0"/>
-            </a:schemeClr>
-          </a:solidFill>
-          <a:prstDash val="solid"/>
-        </a:ln>
-        <a:effectLst>
-          <a:outerShdw blurRad="40000" dist="23000" dir="5400000" rotWithShape="0">
-            <a:srgbClr val="000000">
-              <a:alpha val="35000"/>
-            </a:srgbClr>
-          </a:outerShdw>
-        </a:effectLst>
-      </dsp:spPr>
-      <dsp:style>
-        <a:lnRef idx="1">
-          <a:scrgbClr r="0" g="0" b="0"/>
-        </a:lnRef>
-        <a:fillRef idx="1">
-          <a:scrgbClr r="0" g="0" b="0"/>
-        </a:fillRef>
-        <a:effectRef idx="2">
-          <a:scrgbClr r="0" g="0" b="0"/>
-        </a:effectRef>
-        <a:fontRef idx="minor"/>
-      </dsp:style>
-      <dsp:txBody>
-        <a:bodyPr spcFirstLastPara="0" vert="horz" wrap="square" lIns="247650" tIns="123825" rIns="247650" bIns="123825" numCol="1" spcCol="1270" anchor="ctr" anchorCtr="0">
-          <a:noAutofit/>
-        </a:bodyPr>
-        <a:lstStyle/>
-        <a:p>
-          <a:pPr marL="228600" lvl="1" indent="-228600" algn="l" defTabSz="1066800">
-            <a:lnSpc>
-              <a:spcPct val="90000"/>
-            </a:lnSpc>
-            <a:spcBef>
-              <a:spcPct val="0"/>
-            </a:spcBef>
-            <a:spcAft>
-              <a:spcPct val="15000"/>
-            </a:spcAft>
-            <a:buChar char="••"/>
-          </a:pPr>
-          <a:r>
-            <a:rPr lang="en-US" sz="2400" kern="1200" dirty="0" smtClean="0">
-              <a:effectLst>
-                <a:outerShdw blurRad="38100" dist="38100" dir="2700000" algn="tl">
-                  <a:srgbClr val="000000">
-                    <a:alpha val="43137"/>
-                  </a:srgbClr>
-                </a:outerShdw>
-              </a:effectLst>
-            </a:rPr>
-            <a:t>Ques and comments</a:t>
-          </a:r>
-          <a:endParaRPr lang="en-US" sz="2400" kern="1200" dirty="0">
-            <a:effectLst>
-              <a:outerShdw blurRad="38100" dist="38100" dir="2700000" algn="tl">
-                <a:srgbClr val="000000">
-                  <a:alpha val="43137"/>
-                </a:srgbClr>
-              </a:outerShdw>
-            </a:effectLst>
-          </a:endParaRPr>
-        </a:p>
-      </dsp:txBody>
-      <dsp:txXfrm rot="-5400000">
-        <a:off x="1188349" y="3584434"/>
-        <a:ext cx="4884182" cy="401819"/>
-      </dsp:txXfrm>
-    </dsp:sp>
-    <dsp:sp modelId="{3306F71B-8A80-4A7E-9D5F-2E1016E22986}">
-      <dsp:nvSpPr>
-        <dsp:cNvPr id="0" name=""/>
-        <dsp:cNvSpPr/>
-      </dsp:nvSpPr>
-      <dsp:spPr>
-        <a:xfrm>
-          <a:off x="109" y="3507035"/>
-          <a:ext cx="1188238" cy="556617"/>
-        </a:xfrm>
-        <a:prstGeom prst="roundRect">
-          <a:avLst/>
-        </a:prstGeom>
-        <a:gradFill rotWithShape="0">
-          <a:gsLst>
-            <a:gs pos="0">
-              <a:schemeClr val="accent3">
-                <a:hueOff val="11250264"/>
-                <a:satOff val="-16880"/>
-                <a:lumOff val="-2745"/>
-                <a:alphaOff val="0"/>
-                <a:shade val="51000"/>
-                <a:satMod val="130000"/>
-              </a:schemeClr>
-            </a:gs>
-            <a:gs pos="80000">
-              <a:schemeClr val="accent3">
-                <a:hueOff val="11250264"/>
-                <a:satOff val="-16880"/>
-                <a:lumOff val="-2745"/>
-                <a:alphaOff val="0"/>
-                <a:shade val="93000"/>
-                <a:satMod val="130000"/>
-              </a:schemeClr>
-            </a:gs>
-            <a:gs pos="100000">
-              <a:schemeClr val="accent3">
-                <a:hueOff val="11250264"/>
-                <a:satOff val="-16880"/>
-                <a:lumOff val="-2745"/>
-                <a:alphaOff val="0"/>
-                <a:shade val="94000"/>
-                <a:satMod val="135000"/>
-              </a:schemeClr>
-            </a:gs>
-          </a:gsLst>
-          <a:lin ang="16200000" scaled="0"/>
-        </a:gradFill>
-        <a:ln>
-          <a:noFill/>
-        </a:ln>
-        <a:effectLst>
-          <a:outerShdw blurRad="40000" dist="23000" dir="5400000" rotWithShape="0">
-            <a:srgbClr val="000000">
-              <a:alpha val="35000"/>
-            </a:srgbClr>
-          </a:outerShdw>
-        </a:effectLst>
-        <a:scene3d>
-          <a:camera prst="orthographicFront">
-            <a:rot lat="0" lon="0" rev="0"/>
-          </a:camera>
-          <a:lightRig rig="threePt" dir="t">
-            <a:rot lat="0" lon="0" rev="1200000"/>
-          </a:lightRig>
-        </a:scene3d>
-        <a:sp3d>
-          <a:bevelT w="63500" h="25400"/>
-        </a:sp3d>
-      </dsp:spPr>
-      <dsp:style>
-        <a:lnRef idx="0">
-          <a:scrgbClr r="0" g="0" b="0"/>
-        </a:lnRef>
-        <a:fillRef idx="3">
-          <a:scrgbClr r="0" g="0" b="0"/>
-        </a:fillRef>
-        <a:effectRef idx="3">
-          <a:scrgbClr r="0" g="0" b="0"/>
-        </a:effectRef>
-        <a:fontRef idx="minor">
-          <a:schemeClr val="lt1"/>
-        </a:fontRef>
-      </dsp:style>
-      <dsp:txBody>
-        <a:bodyPr spcFirstLastPara="0" vert="horz" wrap="square" lIns="121920" tIns="60960" rIns="121920" bIns="60960" numCol="1" spcCol="1270" anchor="ctr" anchorCtr="0">
-          <a:noAutofit/>
-        </a:bodyPr>
-        <a:lstStyle/>
-        <a:p>
-          <a:pPr lvl="0" algn="ctr" defTabSz="1422400">
-            <a:lnSpc>
-              <a:spcPct val="90000"/>
-            </a:lnSpc>
-            <a:spcBef>
-              <a:spcPct val="0"/>
-            </a:spcBef>
-            <a:spcAft>
-              <a:spcPct val="35000"/>
-            </a:spcAft>
-          </a:pPr>
-          <a:r>
-            <a:rPr lang="en-US" sz="3200" kern="1200" dirty="0" smtClean="0">
-              <a:effectLst>
-                <a:outerShdw blurRad="38100" dist="38100" dir="2700000" algn="tl">
-                  <a:srgbClr val="000000">
-                    <a:alpha val="43137"/>
-                  </a:srgbClr>
-                </a:outerShdw>
-              </a:effectLst>
-            </a:rPr>
-            <a:t>7</a:t>
-          </a:r>
-          <a:endParaRPr lang="en-US" sz="3200" kern="1200" dirty="0">
-            <a:effectLst>
-              <a:outerShdw blurRad="38100" dist="38100" dir="2700000" algn="tl">
-                <a:srgbClr val="000000">
-                  <a:alpha val="43137"/>
-                </a:srgbClr>
-              </a:outerShdw>
-            </a:effectLst>
-          </a:endParaRPr>
-        </a:p>
-      </dsp:txBody>
-      <dsp:txXfrm>
-        <a:off x="27281" y="3534207"/>
-        <a:ext cx="1133894" cy="502273"/>
-      </dsp:txXfrm>
-    </dsp:sp>
   </dsp:spTree>
 </dsp:drawing>
 </file>
@@ -4991,7 +2974,7 @@
             <a:fld id="{D83FDC75-7F73-4A4A-A77C-09AADF00E0EA}" type="datetimeFigureOut">
               <a:rPr lang="en-US" smtClean="0"/>
               <a:pPr/>
-              <a:t>3/9/2016</a:t>
+              <a:t>1/20/2017</a:t>
             </a:fld>
             <a:endParaRPr lang="en-US" dirty="0"/>
           </a:p>
@@ -5158,7 +3141,7 @@
             <a:fld id="{48AEF76B-3757-4A0B-AF93-28494465C1DD}" type="datetimeFigureOut">
               <a:rPr lang="en-US" smtClean="0"/>
               <a:pPr/>
-              <a:t>3/9/2016</a:t>
+              <a:t>1/20/2017</a:t>
             </a:fld>
             <a:endParaRPr lang="en-US" dirty="0"/>
           </a:p>
@@ -5502,6 +3485,11 @@
         </p:txBody>
       </p:sp>
     </p:spTree>
+    <p:extLst>
+      <p:ext uri="{BB962C8B-B14F-4D97-AF65-F5344CB8AC3E}">
+        <p14:creationId xmlns:p14="http://schemas.microsoft.com/office/powerpoint/2010/main" val="2905183099"/>
+      </p:ext>
+    </p:extLst>
   </p:cSld>
   <p:clrMapOvr>
     <a:masterClrMapping/>
@@ -5528,7 +3516,94 @@
       </p:grpSpPr>
       <p:sp>
         <p:nvSpPr>
-          <p:cNvPr id="41986" name="Rectangle 23"/>
+          <p:cNvPr id="2" name="Slide Image Placeholder 1"/>
+          <p:cNvSpPr>
+            <a:spLocks noGrp="1" noRot="1" noChangeAspect="1"/>
+          </p:cNvSpPr>
+          <p:nvPr>
+            <p:ph type="sldImg"/>
+          </p:nvPr>
+        </p:nvSpPr>
+        <p:spPr/>
+      </p:sp>
+      <p:sp>
+        <p:nvSpPr>
+          <p:cNvPr id="3" name="Notes Placeholder 2"/>
+          <p:cNvSpPr>
+            <a:spLocks noGrp="1"/>
+          </p:cNvSpPr>
+          <p:nvPr>
+            <p:ph type="body" idx="1"/>
+          </p:nvPr>
+        </p:nvSpPr>
+        <p:spPr/>
+        <p:txBody>
+          <a:bodyPr>
+            <a:normAutofit/>
+          </a:bodyPr>
+          <a:lstStyle/>
+          <a:p>
+            <a:endParaRPr lang="en-US" dirty="0"/>
+          </a:p>
+        </p:txBody>
+      </p:sp>
+      <p:sp>
+        <p:nvSpPr>
+          <p:cNvPr id="4" name="Slide Number Placeholder 3"/>
+          <p:cNvSpPr>
+            <a:spLocks noGrp="1"/>
+          </p:cNvSpPr>
+          <p:nvPr>
+            <p:ph type="sldNum" sz="quarter" idx="10"/>
+          </p:nvPr>
+        </p:nvSpPr>
+        <p:spPr/>
+        <p:txBody>
+          <a:bodyPr/>
+          <a:lstStyle/>
+          <a:p>
+            <a:fld id="{EC6EAC7D-5A89-47C2-8ABA-56C9C2DEF7A4}" type="slidenum">
+              <a:rPr lang="en-US" smtClean="0"/>
+              <a:pPr/>
+              <a:t>11</a:t>
+            </a:fld>
+            <a:endParaRPr lang="en-US"/>
+          </a:p>
+        </p:txBody>
+      </p:sp>
+    </p:spTree>
+    <p:extLst>
+      <p:ext uri="{BB962C8B-B14F-4D97-AF65-F5344CB8AC3E}">
+        <p14:creationId xmlns:p14="http://schemas.microsoft.com/office/powerpoint/2010/main" val="3626729009"/>
+      </p:ext>
+    </p:extLst>
+  </p:cSld>
+  <p:clrMapOvr>
+    <a:masterClrMapping/>
+  </p:clrMapOvr>
+</p:notes>
+</file>
+
+<file path=ppt/notesSlides/notesSlide11.xml><?xml version="1.0" encoding="utf-8"?>
+<p:notes xmlns:a="http://schemas.openxmlformats.org/drawingml/2006/main" xmlns:r="http://schemas.openxmlformats.org/officeDocument/2006/relationships" xmlns:p="http://schemas.openxmlformats.org/presentationml/2006/main">
+  <p:cSld>
+    <p:spTree>
+      <p:nvGrpSpPr>
+        <p:cNvPr id="1" name=""/>
+        <p:cNvGrpSpPr/>
+        <p:nvPr/>
+      </p:nvGrpSpPr>
+      <p:grpSpPr>
+        <a:xfrm>
+          <a:off x="0" y="0"/>
+          <a:ext cx="0" cy="0"/>
+          <a:chOff x="0" y="0"/>
+          <a:chExt cx="0" cy="0"/>
+        </a:xfrm>
+      </p:grpSpPr>
+      <p:sp>
+        <p:nvSpPr>
+          <p:cNvPr id="46082" name="Rectangle 23"/>
           <p:cNvSpPr>
             <a:spLocks noGrp="1" noChangeArrowheads="1"/>
           </p:cNvSpPr>
@@ -5544,20 +3619,20 @@
           <a:lstStyle/>
           <a:p>
             <a:r>
-              <a:rPr lang="en-US" dirty="0" smtClean="0"/>
+              <a:rPr lang="en-US" smtClean="0"/>
               <a:t>Microsoft </a:t>
             </a:r>
             <a:r>
-              <a:rPr lang="en-US" b="1" dirty="0" smtClean="0"/>
+              <a:rPr lang="en-US" b="1" smtClean="0"/>
               <a:t>Engineering Excellence</a:t>
             </a:r>
-            <a:endParaRPr lang="en-US" dirty="0" smtClean="0"/>
-          </a:p>
-        </p:txBody>
-      </p:sp>
-      <p:sp>
-        <p:nvSpPr>
-          <p:cNvPr id="41987" name="Rectangle 25"/>
+            <a:endParaRPr lang="en-US" smtClean="0"/>
+          </a:p>
+        </p:txBody>
+      </p:sp>
+      <p:sp>
+        <p:nvSpPr>
+          <p:cNvPr id="46083" name="Rectangle 25"/>
           <p:cNvSpPr>
             <a:spLocks noGrp="1" noChangeArrowheads="1"/>
           </p:cNvSpPr>
@@ -5573,7 +3648,7 @@
           <a:lstStyle/>
           <a:p>
             <a:r>
-              <a:rPr lang="en-US" dirty="0" smtClean="0"/>
+              <a:rPr lang="en-US" smtClean="0"/>
               <a:t>Microsoft Confidential</a:t>
             </a:r>
           </a:p>
@@ -5581,7 +3656,7 @@
       </p:sp>
       <p:sp>
         <p:nvSpPr>
-          <p:cNvPr id="41988" name="Rectangle 26"/>
+          <p:cNvPr id="46084" name="Rectangle 26"/>
           <p:cNvSpPr>
             <a:spLocks noGrp="1" noChangeArrowheads="1"/>
           </p:cNvSpPr>
@@ -5596,10 +3671,508 @@
           <a:bodyPr/>
           <a:lstStyle/>
           <a:p>
+            <a:fld id="{F2C51ECC-86A3-4073-ADEB-F5E3C216F85C}" type="slidenum">
+              <a:rPr lang="en-US" smtClean="0"/>
+              <a:pPr/>
+              <a:t>12</a:t>
+            </a:fld>
+            <a:endParaRPr lang="en-US" smtClean="0"/>
+          </a:p>
+        </p:txBody>
+      </p:sp>
+      <p:sp>
+        <p:nvSpPr>
+          <p:cNvPr id="46085" name="Rectangle 2"/>
+          <p:cNvSpPr>
+            <a:spLocks noGrp="1" noRot="1" noChangeAspect="1" noChangeArrowheads="1" noTextEdit="1"/>
+          </p:cNvSpPr>
+          <p:nvPr>
+            <p:ph type="sldImg"/>
+          </p:nvPr>
+        </p:nvSpPr>
+        <p:spPr>
+          <a:xfrm>
+            <a:off x="1143000" y="450850"/>
+            <a:ext cx="4572000" cy="3429000"/>
+          </a:xfrm>
+          <a:ln/>
+        </p:spPr>
+      </p:sp>
+      <p:sp>
+        <p:nvSpPr>
+          <p:cNvPr id="46086" name="Rectangle 3"/>
+          <p:cNvSpPr>
+            <a:spLocks noGrp="1" noChangeArrowheads="1"/>
+          </p:cNvSpPr>
+          <p:nvPr>
+            <p:ph type="body" idx="1"/>
+          </p:nvPr>
+        </p:nvSpPr>
+        <p:spPr>
+          <a:xfrm>
+            <a:off x="307492" y="4130103"/>
+            <a:ext cx="6261652" cy="4593861"/>
+          </a:xfrm>
+          <a:noFill/>
+          <a:ln/>
+        </p:spPr>
+        <p:txBody>
+          <a:bodyPr/>
+          <a:lstStyle/>
+          <a:p>
+            <a:endParaRPr lang="en-US" dirty="0" smtClean="0"/>
+          </a:p>
+        </p:txBody>
+      </p:sp>
+    </p:spTree>
+    <p:extLst>
+      <p:ext uri="{BB962C8B-B14F-4D97-AF65-F5344CB8AC3E}">
+        <p14:creationId xmlns:p14="http://schemas.microsoft.com/office/powerpoint/2010/main" val="3154384243"/>
+      </p:ext>
+    </p:extLst>
+  </p:cSld>
+  <p:clrMapOvr>
+    <a:masterClrMapping/>
+  </p:clrMapOvr>
+</p:notes>
+</file>
+
+<file path=ppt/notesSlides/notesSlide12.xml><?xml version="1.0" encoding="utf-8"?>
+<p:notes xmlns:a="http://schemas.openxmlformats.org/drawingml/2006/main" xmlns:r="http://schemas.openxmlformats.org/officeDocument/2006/relationships" xmlns:p="http://schemas.openxmlformats.org/presentationml/2006/main">
+  <p:cSld>
+    <p:spTree>
+      <p:nvGrpSpPr>
+        <p:cNvPr id="1" name=""/>
+        <p:cNvGrpSpPr/>
+        <p:nvPr/>
+      </p:nvGrpSpPr>
+      <p:grpSpPr>
+        <a:xfrm>
+          <a:off x="0" y="0"/>
+          <a:ext cx="0" cy="0"/>
+          <a:chOff x="0" y="0"/>
+          <a:chExt cx="0" cy="0"/>
+        </a:xfrm>
+      </p:grpSpPr>
+      <p:sp>
+        <p:nvSpPr>
+          <p:cNvPr id="47106" name="Rectangle 23"/>
+          <p:cNvSpPr>
+            <a:spLocks noGrp="1" noChangeArrowheads="1"/>
+          </p:cNvSpPr>
+          <p:nvPr>
+            <p:ph type="hdr" sz="quarter"/>
+          </p:nvPr>
+        </p:nvSpPr>
+        <p:spPr>
+          <a:noFill/>
+        </p:spPr>
+        <p:txBody>
+          <a:bodyPr/>
+          <a:lstStyle/>
+          <a:p>
+            <a:r>
+              <a:rPr lang="en-US" smtClean="0"/>
+              <a:t>Microsoft </a:t>
+            </a:r>
+            <a:r>
+              <a:rPr lang="en-US" b="1" smtClean="0"/>
+              <a:t>Engineering Excellence</a:t>
+            </a:r>
+            <a:endParaRPr lang="en-US" smtClean="0"/>
+          </a:p>
+        </p:txBody>
+      </p:sp>
+      <p:sp>
+        <p:nvSpPr>
+          <p:cNvPr id="47107" name="Rectangle 25"/>
+          <p:cNvSpPr>
+            <a:spLocks noGrp="1" noChangeArrowheads="1"/>
+          </p:cNvSpPr>
+          <p:nvPr>
+            <p:ph type="ftr" sz="quarter" idx="4"/>
+          </p:nvPr>
+        </p:nvSpPr>
+        <p:spPr>
+          <a:noFill/>
+        </p:spPr>
+        <p:txBody>
+          <a:bodyPr/>
+          <a:lstStyle/>
+          <a:p>
+            <a:r>
+              <a:rPr lang="en-US" smtClean="0"/>
+              <a:t>Microsoft Confidential</a:t>
+            </a:r>
+          </a:p>
+        </p:txBody>
+      </p:sp>
+      <p:sp>
+        <p:nvSpPr>
+          <p:cNvPr id="47108" name="Rectangle 26"/>
+          <p:cNvSpPr>
+            <a:spLocks noGrp="1" noChangeArrowheads="1"/>
+          </p:cNvSpPr>
+          <p:nvPr>
+            <p:ph type="sldNum" sz="quarter" idx="5"/>
+          </p:nvPr>
+        </p:nvSpPr>
+        <p:spPr>
+          <a:noFill/>
+        </p:spPr>
+        <p:txBody>
+          <a:bodyPr/>
+          <a:lstStyle/>
+          <a:p>
+            <a:fld id="{ED19570C-A909-40C0-B9F8-7AD3BA2C3C56}" type="slidenum">
+              <a:rPr lang="en-US" smtClean="0"/>
+              <a:pPr/>
+              <a:t>13</a:t>
+            </a:fld>
+            <a:endParaRPr lang="en-US" smtClean="0"/>
+          </a:p>
+        </p:txBody>
+      </p:sp>
+      <p:sp>
+        <p:nvSpPr>
+          <p:cNvPr id="47109" name="Rectangle 2"/>
+          <p:cNvSpPr>
+            <a:spLocks noGrp="1" noRot="1" noChangeAspect="1" noChangeArrowheads="1" noTextEdit="1"/>
+          </p:cNvSpPr>
+          <p:nvPr>
+            <p:ph type="sldImg"/>
+          </p:nvPr>
+        </p:nvSpPr>
+        <p:spPr>
+          <a:xfrm>
+            <a:off x="1143000" y="450850"/>
+            <a:ext cx="4572000" cy="3429000"/>
+          </a:xfrm>
+          <a:ln/>
+        </p:spPr>
+      </p:sp>
+      <p:sp>
+        <p:nvSpPr>
+          <p:cNvPr id="47110" name="Rectangle 3"/>
+          <p:cNvSpPr>
+            <a:spLocks noGrp="1" noChangeArrowheads="1"/>
+          </p:cNvSpPr>
+          <p:nvPr>
+            <p:ph type="body" idx="1"/>
+          </p:nvPr>
+        </p:nvSpPr>
+        <p:spPr>
+          <a:xfrm>
+            <a:off x="307492" y="4130103"/>
+            <a:ext cx="6261652" cy="4593861"/>
+          </a:xfrm>
+          <a:noFill/>
+          <a:ln/>
+        </p:spPr>
+        <p:txBody>
+          <a:bodyPr/>
+          <a:lstStyle/>
+          <a:p>
+            <a:pPr marL="0" marR="0" indent="0" algn="l" defTabSz="914400" rtl="0" eaLnBrk="1" fontAlgn="auto" latinLnBrk="0" hangingPunct="1">
+              <a:lnSpc>
+                <a:spcPct val="80000"/>
+              </a:lnSpc>
+              <a:spcBef>
+                <a:spcPts val="0"/>
+              </a:spcBef>
+              <a:spcAft>
+                <a:spcPts val="0"/>
+              </a:spcAft>
+              <a:buClrTx/>
+              <a:buSzTx/>
+              <a:buFontTx/>
+              <a:buNone/>
+              <a:tabLst/>
+              <a:defRPr/>
+            </a:pPr>
+            <a:r>
+              <a:rPr lang="en-US" dirty="0" smtClean="0"/>
+              <a:t>If there is relevant</a:t>
+            </a:r>
+            <a:r>
+              <a:rPr lang="en-US" baseline="0" dirty="0" smtClean="0"/>
+              <a:t> video content, such as a case study video, demo of a product, or other training materials, include it in the presentation as well. </a:t>
+            </a:r>
+            <a:endParaRPr lang="en-US" dirty="0" smtClean="0"/>
+          </a:p>
+          <a:p>
+            <a:pPr>
+              <a:lnSpc>
+                <a:spcPct val="80000"/>
+              </a:lnSpc>
+              <a:buFontTx/>
+              <a:buNone/>
+            </a:pPr>
+            <a:endParaRPr lang="en-US" dirty="0" smtClean="0"/>
+          </a:p>
+        </p:txBody>
+      </p:sp>
+    </p:spTree>
+    <p:extLst>
+      <p:ext uri="{BB962C8B-B14F-4D97-AF65-F5344CB8AC3E}">
+        <p14:creationId xmlns:p14="http://schemas.microsoft.com/office/powerpoint/2010/main" val="2729001205"/>
+      </p:ext>
+    </p:extLst>
+  </p:cSld>
+  <p:clrMapOvr>
+    <a:masterClrMapping/>
+  </p:clrMapOvr>
+</p:notes>
+</file>
+
+<file path=ppt/notesSlides/notesSlide13.xml><?xml version="1.0" encoding="utf-8"?>
+<p:notes xmlns:a="http://schemas.openxmlformats.org/drawingml/2006/main" xmlns:r="http://schemas.openxmlformats.org/officeDocument/2006/relationships" xmlns:p="http://schemas.openxmlformats.org/presentationml/2006/main">
+  <p:cSld>
+    <p:spTree>
+      <p:nvGrpSpPr>
+        <p:cNvPr id="1" name=""/>
+        <p:cNvGrpSpPr/>
+        <p:nvPr/>
+      </p:nvGrpSpPr>
+      <p:grpSpPr>
+        <a:xfrm>
+          <a:off x="0" y="0"/>
+          <a:ext cx="0" cy="0"/>
+          <a:chOff x="0" y="0"/>
+          <a:chExt cx="0" cy="0"/>
+        </a:xfrm>
+      </p:grpSpPr>
+      <p:sp>
+        <p:nvSpPr>
+          <p:cNvPr id="40962" name="Rectangle 23"/>
+          <p:cNvSpPr>
+            <a:spLocks noGrp="1" noChangeArrowheads="1"/>
+          </p:cNvSpPr>
+          <p:nvPr>
+            <p:ph type="hdr" sz="quarter"/>
+          </p:nvPr>
+        </p:nvSpPr>
+        <p:spPr>
+          <a:noFill/>
+        </p:spPr>
+        <p:txBody>
+          <a:bodyPr/>
+          <a:lstStyle/>
+          <a:p>
+            <a:r>
+              <a:rPr lang="en-US" dirty="0" smtClean="0"/>
+              <a:t>Microsoft </a:t>
+            </a:r>
+            <a:r>
+              <a:rPr lang="en-US" b="1" dirty="0" smtClean="0"/>
+              <a:t>Engineering Excellence</a:t>
+            </a:r>
+            <a:endParaRPr lang="en-US" dirty="0" smtClean="0"/>
+          </a:p>
+        </p:txBody>
+      </p:sp>
+      <p:sp>
+        <p:nvSpPr>
+          <p:cNvPr id="40963" name="Rectangle 25"/>
+          <p:cNvSpPr>
+            <a:spLocks noGrp="1" noChangeArrowheads="1"/>
+          </p:cNvSpPr>
+          <p:nvPr>
+            <p:ph type="ftr" sz="quarter" idx="4"/>
+          </p:nvPr>
+        </p:nvSpPr>
+        <p:spPr>
+          <a:noFill/>
+        </p:spPr>
+        <p:txBody>
+          <a:bodyPr/>
+          <a:lstStyle/>
+          <a:p>
+            <a:r>
+              <a:rPr lang="en-US" dirty="0" smtClean="0"/>
+              <a:t>Microsoft Confidential</a:t>
+            </a:r>
+          </a:p>
+        </p:txBody>
+      </p:sp>
+      <p:sp>
+        <p:nvSpPr>
+          <p:cNvPr id="40964" name="Rectangle 26"/>
+          <p:cNvSpPr>
+            <a:spLocks noGrp="1" noChangeArrowheads="1"/>
+          </p:cNvSpPr>
+          <p:nvPr>
+            <p:ph type="sldNum" sz="quarter" idx="5"/>
+          </p:nvPr>
+        </p:nvSpPr>
+        <p:spPr>
+          <a:noFill/>
+        </p:spPr>
+        <p:txBody>
+          <a:bodyPr/>
+          <a:lstStyle/>
+          <a:p>
+            <a:fld id="{85CEDE57-F8FE-4B43-B511-2E9F76624F74}" type="slidenum">
+              <a:rPr lang="en-US" smtClean="0"/>
+              <a:pPr/>
+              <a:t>14</a:t>
+            </a:fld>
+            <a:endParaRPr lang="en-US" dirty="0" smtClean="0"/>
+          </a:p>
+        </p:txBody>
+      </p:sp>
+      <p:sp>
+        <p:nvSpPr>
+          <p:cNvPr id="40965" name="Rectangle 2"/>
+          <p:cNvSpPr>
+            <a:spLocks noGrp="1" noRot="1" noChangeAspect="1" noChangeArrowheads="1" noTextEdit="1"/>
+          </p:cNvSpPr>
+          <p:nvPr>
+            <p:ph type="sldImg"/>
+          </p:nvPr>
+        </p:nvSpPr>
+        <p:spPr>
+          <a:xfrm>
+            <a:off x="1157288" y="449263"/>
+            <a:ext cx="4541837" cy="3408362"/>
+          </a:xfrm>
+          <a:ln/>
+        </p:spPr>
+      </p:sp>
+      <p:sp>
+        <p:nvSpPr>
+          <p:cNvPr id="40966" name="Rectangle 3"/>
+          <p:cNvSpPr>
+            <a:spLocks noGrp="1" noChangeArrowheads="1"/>
+          </p:cNvSpPr>
+          <p:nvPr>
+            <p:ph type="body" idx="1"/>
+          </p:nvPr>
+        </p:nvSpPr>
+        <p:spPr>
+          <a:xfrm>
+            <a:off x="307492" y="4139472"/>
+            <a:ext cx="6261652" cy="4593861"/>
+          </a:xfrm>
+          <a:noFill/>
+          <a:ln/>
+        </p:spPr>
+        <p:txBody>
+          <a:bodyPr/>
+          <a:lstStyle/>
+          <a:p>
+            <a:pPr>
+              <a:buFontTx/>
+              <a:buNone/>
+            </a:pPr>
+            <a:endParaRPr lang="en-US" dirty="0" smtClean="0"/>
+          </a:p>
+        </p:txBody>
+      </p:sp>
+    </p:spTree>
+    <p:extLst>
+      <p:ext uri="{BB962C8B-B14F-4D97-AF65-F5344CB8AC3E}">
+        <p14:creationId xmlns:p14="http://schemas.microsoft.com/office/powerpoint/2010/main" val="1517173537"/>
+      </p:ext>
+    </p:extLst>
+  </p:cSld>
+  <p:clrMapOvr>
+    <a:masterClrMapping/>
+  </p:clrMapOvr>
+</p:notes>
+</file>
+
+<file path=ppt/notesSlides/notesSlide14.xml><?xml version="1.0" encoding="utf-8"?>
+<p:notes xmlns:a="http://schemas.openxmlformats.org/drawingml/2006/main" xmlns:r="http://schemas.openxmlformats.org/officeDocument/2006/relationships" xmlns:p="http://schemas.openxmlformats.org/presentationml/2006/main">
+  <p:cSld>
+    <p:spTree>
+      <p:nvGrpSpPr>
+        <p:cNvPr id="1" name=""/>
+        <p:cNvGrpSpPr/>
+        <p:nvPr/>
+      </p:nvGrpSpPr>
+      <p:grpSpPr>
+        <a:xfrm>
+          <a:off x="0" y="0"/>
+          <a:ext cx="0" cy="0"/>
+          <a:chOff x="0" y="0"/>
+          <a:chExt cx="0" cy="0"/>
+        </a:xfrm>
+      </p:grpSpPr>
+      <p:sp>
+        <p:nvSpPr>
+          <p:cNvPr id="41986" name="Rectangle 23"/>
+          <p:cNvSpPr>
+            <a:spLocks noGrp="1" noChangeArrowheads="1"/>
+          </p:cNvSpPr>
+          <p:nvPr>
+            <p:ph type="hdr" sz="quarter"/>
+          </p:nvPr>
+        </p:nvSpPr>
+        <p:spPr>
+          <a:noFill/>
+        </p:spPr>
+        <p:txBody>
+          <a:bodyPr/>
+          <a:lstStyle/>
+          <a:p>
+            <a:r>
+              <a:rPr lang="en-US" dirty="0" smtClean="0"/>
+              <a:t>Microsoft </a:t>
+            </a:r>
+            <a:r>
+              <a:rPr lang="en-US" b="1" dirty="0" smtClean="0"/>
+              <a:t>Engineering Excellence</a:t>
+            </a:r>
+            <a:endParaRPr lang="en-US" dirty="0" smtClean="0"/>
+          </a:p>
+        </p:txBody>
+      </p:sp>
+      <p:sp>
+        <p:nvSpPr>
+          <p:cNvPr id="41987" name="Rectangle 25"/>
+          <p:cNvSpPr>
+            <a:spLocks noGrp="1" noChangeArrowheads="1"/>
+          </p:cNvSpPr>
+          <p:nvPr>
+            <p:ph type="ftr" sz="quarter" idx="4"/>
+          </p:nvPr>
+        </p:nvSpPr>
+        <p:spPr>
+          <a:noFill/>
+        </p:spPr>
+        <p:txBody>
+          <a:bodyPr/>
+          <a:lstStyle/>
+          <a:p>
+            <a:r>
+              <a:rPr lang="en-US" dirty="0" smtClean="0"/>
+              <a:t>Microsoft Confidential</a:t>
+            </a:r>
+          </a:p>
+        </p:txBody>
+      </p:sp>
+      <p:sp>
+        <p:nvSpPr>
+          <p:cNvPr id="41988" name="Rectangle 26"/>
+          <p:cNvSpPr>
+            <a:spLocks noGrp="1" noChangeArrowheads="1"/>
+          </p:cNvSpPr>
+          <p:nvPr>
+            <p:ph type="sldNum" sz="quarter" idx="5"/>
+          </p:nvPr>
+        </p:nvSpPr>
+        <p:spPr>
+          <a:noFill/>
+        </p:spPr>
+        <p:txBody>
+          <a:bodyPr/>
+          <a:lstStyle/>
+          <a:p>
             <a:fld id="{B2B44A5F-6CE4-493C-A0D7-6834FF76660C}" type="slidenum">
               <a:rPr lang="en-US" smtClean="0"/>
               <a:pPr/>
-              <a:t>17</a:t>
+              <a:t>15</a:t>
             </a:fld>
             <a:endParaRPr lang="en-US" dirty="0" smtClean="0"/>
           </a:p>
@@ -5654,6 +4227,11 @@
         </p:txBody>
       </p:sp>
     </p:spTree>
+    <p:extLst>
+      <p:ext uri="{BB962C8B-B14F-4D97-AF65-F5344CB8AC3E}">
+        <p14:creationId xmlns:p14="http://schemas.microsoft.com/office/powerpoint/2010/main" val="3807108814"/>
+      </p:ext>
+    </p:extLst>
   </p:cSld>
   <p:clrMapOvr>
     <a:masterClrMapping/>
@@ -5734,6 +4312,11 @@
         </p:txBody>
       </p:sp>
     </p:spTree>
+    <p:extLst>
+      <p:ext uri="{BB962C8B-B14F-4D97-AF65-F5344CB8AC3E}">
+        <p14:creationId xmlns:p14="http://schemas.microsoft.com/office/powerpoint/2010/main" val="2548979118"/>
+      </p:ext>
+    </p:extLst>
   </p:cSld>
   <p:clrMapOvr>
     <a:masterClrMapping/>
@@ -5801,6 +4384,11 @@
         </p:spPr>
       </p:sp>
     </p:spTree>
+    <p:extLst>
+      <p:ext uri="{BB962C8B-B14F-4D97-AF65-F5344CB8AC3E}">
+        <p14:creationId xmlns:p14="http://schemas.microsoft.com/office/powerpoint/2010/main" val="4267853537"/>
+      </p:ext>
+    </p:extLst>
   </p:cSld>
   <p:clrMapOvr>
     <a:masterClrMapping/>
@@ -5849,38 +4437,45 @@
         </p:nvSpPr>
         <p:spPr/>
         <p:txBody>
+          <a:bodyPr>
+            <a:normAutofit/>
+          </a:bodyPr>
+          <a:lstStyle/>
+          <a:p>
+            <a:endParaRPr lang="en-US" dirty="0"/>
+          </a:p>
+        </p:txBody>
+      </p:sp>
+      <p:sp>
+        <p:nvSpPr>
+          <p:cNvPr id="4" name="Slide Number Placeholder 3"/>
+          <p:cNvSpPr>
+            <a:spLocks noGrp="1"/>
+          </p:cNvSpPr>
+          <p:nvPr>
+            <p:ph type="sldNum" sz="quarter" idx="10"/>
+          </p:nvPr>
+        </p:nvSpPr>
+        <p:spPr/>
+        <p:txBody>
           <a:bodyPr/>
           <a:lstStyle/>
           <a:p>
-            <a:endParaRPr lang="en-US" dirty="0"/>
-          </a:p>
-        </p:txBody>
-      </p:sp>
-      <p:sp>
-        <p:nvSpPr>
-          <p:cNvPr id="4" name="Slide Number Placeholder 3"/>
-          <p:cNvSpPr>
-            <a:spLocks noGrp="1"/>
-          </p:cNvSpPr>
-          <p:nvPr>
-            <p:ph type="sldNum" sz="quarter" idx="10"/>
-          </p:nvPr>
-        </p:nvSpPr>
-        <p:spPr/>
-        <p:txBody>
-          <a:bodyPr/>
-          <a:lstStyle/>
-          <a:p>
-            <a:fld id="{75693FD4-8F83-4EF7-AC3F-0DC0388986B0}" type="slidenum">
+            <a:fld id="{EC6EAC7D-5A89-47C2-8ABA-56C9C2DEF7A4}" type="slidenum">
               <a:rPr lang="en-US" smtClean="0"/>
               <a:pPr/>
               <a:t>4</a:t>
             </a:fld>
-            <a:endParaRPr lang="en-US" dirty="0"/>
+            <a:endParaRPr lang="en-US"/>
           </a:p>
         </p:txBody>
       </p:sp>
     </p:spTree>
+    <p:extLst>
+      <p:ext uri="{BB962C8B-B14F-4D97-AF65-F5344CB8AC3E}">
+        <p14:creationId xmlns:p14="http://schemas.microsoft.com/office/powerpoint/2010/main" val="2767192796"/>
+      </p:ext>
+    </p:extLst>
   </p:cSld>
   <p:clrMapOvr>
     <a:masterClrMapping/>
@@ -5963,6 +4558,11 @@
         </p:txBody>
       </p:sp>
     </p:spTree>
+    <p:extLst>
+      <p:ext uri="{BB962C8B-B14F-4D97-AF65-F5344CB8AC3E}">
+        <p14:creationId xmlns:p14="http://schemas.microsoft.com/office/powerpoint/2010/main" val="3613952125"/>
+      </p:ext>
+    </p:extLst>
   </p:cSld>
   <p:clrMapOvr>
     <a:masterClrMapping/>
@@ -6038,13 +4638,18 @@
             <a:fld id="{EC6EAC7D-5A89-47C2-8ABA-56C9C2DEF7A4}" type="slidenum">
               <a:rPr lang="en-US" smtClean="0"/>
               <a:pPr/>
-              <a:t>7</a:t>
+              <a:t>6</a:t>
             </a:fld>
             <a:endParaRPr lang="en-US"/>
           </a:p>
         </p:txBody>
       </p:sp>
     </p:spTree>
+    <p:extLst>
+      <p:ext uri="{BB962C8B-B14F-4D97-AF65-F5344CB8AC3E}">
+        <p14:creationId xmlns:p14="http://schemas.microsoft.com/office/powerpoint/2010/main" val="3846976488"/>
+      </p:ext>
+    </p:extLst>
   </p:cSld>
   <p:clrMapOvr>
     <a:masterClrMapping/>
@@ -6071,128 +4676,67 @@
       </p:grpSpPr>
       <p:sp>
         <p:nvSpPr>
-          <p:cNvPr id="46082" name="Rectangle 23"/>
-          <p:cNvSpPr>
-            <a:spLocks noGrp="1" noChangeArrowheads="1"/>
-          </p:cNvSpPr>
-          <p:nvPr>
-            <p:ph type="hdr" sz="quarter"/>
-          </p:nvPr>
-        </p:nvSpPr>
-        <p:spPr>
-          <a:noFill/>
-        </p:spPr>
+          <p:cNvPr id="2" name="Slide Image Placeholder 1"/>
+          <p:cNvSpPr>
+            <a:spLocks noGrp="1" noRot="1" noChangeAspect="1"/>
+          </p:cNvSpPr>
+          <p:nvPr>
+            <p:ph type="sldImg"/>
+          </p:nvPr>
+        </p:nvSpPr>
+        <p:spPr/>
+      </p:sp>
+      <p:sp>
+        <p:nvSpPr>
+          <p:cNvPr id="3" name="Notes Placeholder 2"/>
+          <p:cNvSpPr>
+            <a:spLocks noGrp="1"/>
+          </p:cNvSpPr>
+          <p:nvPr>
+            <p:ph type="body" idx="1"/>
+          </p:nvPr>
+        </p:nvSpPr>
+        <p:spPr/>
+        <p:txBody>
+          <a:bodyPr>
+            <a:normAutofit/>
+          </a:bodyPr>
+          <a:lstStyle/>
+          <a:p>
+            <a:endParaRPr lang="en-US" dirty="0"/>
+          </a:p>
+        </p:txBody>
+      </p:sp>
+      <p:sp>
+        <p:nvSpPr>
+          <p:cNvPr id="4" name="Slide Number Placeholder 3"/>
+          <p:cNvSpPr>
+            <a:spLocks noGrp="1"/>
+          </p:cNvSpPr>
+          <p:nvPr>
+            <p:ph type="sldNum" sz="quarter" idx="10"/>
+          </p:nvPr>
+        </p:nvSpPr>
+        <p:spPr/>
         <p:txBody>
           <a:bodyPr/>
           <a:lstStyle/>
           <a:p>
-            <a:r>
-              <a:rPr lang="en-US" smtClean="0"/>
-              <a:t>Microsoft </a:t>
-            </a:r>
-            <a:r>
-              <a:rPr lang="en-US" b="1" smtClean="0"/>
-              <a:t>Engineering Excellence</a:t>
-            </a:r>
-            <a:endParaRPr lang="en-US" smtClean="0"/>
-          </a:p>
-        </p:txBody>
-      </p:sp>
-      <p:sp>
-        <p:nvSpPr>
-          <p:cNvPr id="46083" name="Rectangle 25"/>
-          <p:cNvSpPr>
-            <a:spLocks noGrp="1" noChangeArrowheads="1"/>
-          </p:cNvSpPr>
-          <p:nvPr>
-            <p:ph type="ftr" sz="quarter" idx="4"/>
-          </p:nvPr>
-        </p:nvSpPr>
-        <p:spPr>
-          <a:noFill/>
-        </p:spPr>
-        <p:txBody>
-          <a:bodyPr/>
-          <a:lstStyle/>
-          <a:p>
-            <a:r>
-              <a:rPr lang="en-US" smtClean="0"/>
-              <a:t>Microsoft Confidential</a:t>
-            </a:r>
-          </a:p>
-        </p:txBody>
-      </p:sp>
-      <p:sp>
-        <p:nvSpPr>
-          <p:cNvPr id="46084" name="Rectangle 26"/>
-          <p:cNvSpPr>
-            <a:spLocks noGrp="1" noChangeArrowheads="1"/>
-          </p:cNvSpPr>
-          <p:nvPr>
-            <p:ph type="sldNum" sz="quarter" idx="5"/>
-          </p:nvPr>
-        </p:nvSpPr>
-        <p:spPr>
-          <a:noFill/>
-        </p:spPr>
-        <p:txBody>
-          <a:bodyPr/>
-          <a:lstStyle/>
-          <a:p>
-            <a:fld id="{F2C51ECC-86A3-4073-ADEB-F5E3C216F85C}" type="slidenum">
+            <a:fld id="{EC6EAC7D-5A89-47C2-8ABA-56C9C2DEF7A4}" type="slidenum">
               <a:rPr lang="en-US" smtClean="0"/>
               <a:pPr/>
-              <a:t>8</a:t>
+              <a:t>7</a:t>
             </a:fld>
-            <a:endParaRPr lang="en-US" smtClean="0"/>
-          </a:p>
-        </p:txBody>
-      </p:sp>
-      <p:sp>
-        <p:nvSpPr>
-          <p:cNvPr id="46085" name="Rectangle 2"/>
-          <p:cNvSpPr>
-            <a:spLocks noGrp="1" noRot="1" noChangeAspect="1" noChangeArrowheads="1" noTextEdit="1"/>
-          </p:cNvSpPr>
-          <p:nvPr>
-            <p:ph type="sldImg"/>
-          </p:nvPr>
-        </p:nvSpPr>
-        <p:spPr>
-          <a:xfrm>
-            <a:off x="1143000" y="450850"/>
-            <a:ext cx="4572000" cy="3429000"/>
-          </a:xfrm>
-          <a:ln/>
-        </p:spPr>
-      </p:sp>
-      <p:sp>
-        <p:nvSpPr>
-          <p:cNvPr id="46086" name="Rectangle 3"/>
-          <p:cNvSpPr>
-            <a:spLocks noGrp="1" noChangeArrowheads="1"/>
-          </p:cNvSpPr>
-          <p:nvPr>
-            <p:ph type="body" idx="1"/>
-          </p:nvPr>
-        </p:nvSpPr>
-        <p:spPr>
-          <a:xfrm>
-            <a:off x="307492" y="4130103"/>
-            <a:ext cx="6261652" cy="4593861"/>
-          </a:xfrm>
-          <a:noFill/>
-          <a:ln/>
-        </p:spPr>
-        <p:txBody>
-          <a:bodyPr/>
-          <a:lstStyle/>
-          <a:p>
-            <a:endParaRPr lang="en-US" dirty="0" smtClean="0"/>
+            <a:endParaRPr lang="en-US"/>
           </a:p>
         </p:txBody>
       </p:sp>
     </p:spTree>
+    <p:extLst>
+      <p:ext uri="{BB962C8B-B14F-4D97-AF65-F5344CB8AC3E}">
+        <p14:creationId xmlns:p14="http://schemas.microsoft.com/office/powerpoint/2010/main" val="364435931"/>
+      </p:ext>
+    </p:extLst>
   </p:cSld>
   <p:clrMapOvr>
     <a:masterClrMapping/>
@@ -6219,135 +4763,67 @@
       </p:grpSpPr>
       <p:sp>
         <p:nvSpPr>
-          <p:cNvPr id="47106" name="Rectangle 23"/>
-          <p:cNvSpPr>
-            <a:spLocks noGrp="1" noChangeArrowheads="1"/>
-          </p:cNvSpPr>
-          <p:nvPr>
-            <p:ph type="hdr" sz="quarter"/>
-          </p:nvPr>
-        </p:nvSpPr>
-        <p:spPr>
-          <a:noFill/>
-        </p:spPr>
+          <p:cNvPr id="2" name="Slide Image Placeholder 1"/>
+          <p:cNvSpPr>
+            <a:spLocks noGrp="1" noRot="1" noChangeAspect="1"/>
+          </p:cNvSpPr>
+          <p:nvPr>
+            <p:ph type="sldImg"/>
+          </p:nvPr>
+        </p:nvSpPr>
+        <p:spPr/>
+      </p:sp>
+      <p:sp>
+        <p:nvSpPr>
+          <p:cNvPr id="3" name="Notes Placeholder 2"/>
+          <p:cNvSpPr>
+            <a:spLocks noGrp="1"/>
+          </p:cNvSpPr>
+          <p:nvPr>
+            <p:ph type="body" idx="1"/>
+          </p:nvPr>
+        </p:nvSpPr>
+        <p:spPr/>
+        <p:txBody>
+          <a:bodyPr>
+            <a:normAutofit/>
+          </a:bodyPr>
+          <a:lstStyle/>
+          <a:p>
+            <a:endParaRPr lang="en-US" dirty="0"/>
+          </a:p>
+        </p:txBody>
+      </p:sp>
+      <p:sp>
+        <p:nvSpPr>
+          <p:cNvPr id="4" name="Slide Number Placeholder 3"/>
+          <p:cNvSpPr>
+            <a:spLocks noGrp="1"/>
+          </p:cNvSpPr>
+          <p:nvPr>
+            <p:ph type="sldNum" sz="quarter" idx="10"/>
+          </p:nvPr>
+        </p:nvSpPr>
+        <p:spPr/>
         <p:txBody>
           <a:bodyPr/>
           <a:lstStyle/>
           <a:p>
-            <a:r>
-              <a:rPr lang="en-US" smtClean="0"/>
-              <a:t>Microsoft </a:t>
-            </a:r>
-            <a:r>
-              <a:rPr lang="en-US" b="1" smtClean="0"/>
-              <a:t>Engineering Excellence</a:t>
-            </a:r>
-            <a:endParaRPr lang="en-US" smtClean="0"/>
-          </a:p>
-        </p:txBody>
-      </p:sp>
-      <p:sp>
-        <p:nvSpPr>
-          <p:cNvPr id="47107" name="Rectangle 25"/>
-          <p:cNvSpPr>
-            <a:spLocks noGrp="1" noChangeArrowheads="1"/>
-          </p:cNvSpPr>
-          <p:nvPr>
-            <p:ph type="ftr" sz="quarter" idx="4"/>
-          </p:nvPr>
-        </p:nvSpPr>
-        <p:spPr>
-          <a:noFill/>
-        </p:spPr>
-        <p:txBody>
-          <a:bodyPr/>
-          <a:lstStyle/>
-          <a:p>
-            <a:r>
-              <a:rPr lang="en-US" smtClean="0"/>
-              <a:t>Microsoft Confidential</a:t>
-            </a:r>
-          </a:p>
-        </p:txBody>
-      </p:sp>
-      <p:sp>
-        <p:nvSpPr>
-          <p:cNvPr id="47108" name="Rectangle 26"/>
-          <p:cNvSpPr>
-            <a:spLocks noGrp="1" noChangeArrowheads="1"/>
-          </p:cNvSpPr>
-          <p:nvPr>
-            <p:ph type="sldNum" sz="quarter" idx="5"/>
-          </p:nvPr>
-        </p:nvSpPr>
-        <p:spPr>
-          <a:noFill/>
-        </p:spPr>
-        <p:txBody>
-          <a:bodyPr/>
-          <a:lstStyle/>
-          <a:p>
-            <a:fld id="{ED19570C-A909-40C0-B9F8-7AD3BA2C3C56}" type="slidenum">
+            <a:fld id="{EC6EAC7D-5A89-47C2-8ABA-56C9C2DEF7A4}" type="slidenum">
               <a:rPr lang="en-US" smtClean="0"/>
               <a:pPr/>
-              <a:t>9</a:t>
+              <a:t>8</a:t>
             </a:fld>
-            <a:endParaRPr lang="en-US" smtClean="0"/>
-          </a:p>
-        </p:txBody>
-      </p:sp>
-      <p:sp>
-        <p:nvSpPr>
-          <p:cNvPr id="47109" name="Rectangle 2"/>
-          <p:cNvSpPr>
-            <a:spLocks noGrp="1" noRot="1" noChangeAspect="1" noChangeArrowheads="1" noTextEdit="1"/>
-          </p:cNvSpPr>
-          <p:nvPr>
-            <p:ph type="sldImg"/>
-          </p:nvPr>
-        </p:nvSpPr>
-        <p:spPr>
-          <a:xfrm>
-            <a:off x="1143000" y="450850"/>
-            <a:ext cx="4572000" cy="3429000"/>
-          </a:xfrm>
-          <a:ln/>
-        </p:spPr>
-      </p:sp>
-      <p:sp>
-        <p:nvSpPr>
-          <p:cNvPr id="47110" name="Rectangle 3"/>
-          <p:cNvSpPr>
-            <a:spLocks noGrp="1" noChangeArrowheads="1"/>
-          </p:cNvSpPr>
-          <p:nvPr>
-            <p:ph type="body" idx="1"/>
-          </p:nvPr>
-        </p:nvSpPr>
-        <p:spPr>
-          <a:xfrm>
-            <a:off x="307492" y="4130103"/>
-            <a:ext cx="6261652" cy="4593861"/>
-          </a:xfrm>
-          <a:noFill/>
-          <a:ln/>
-        </p:spPr>
-        <p:txBody>
-          <a:bodyPr/>
-          <a:lstStyle/>
-          <a:p>
-            <a:pPr>
-              <a:lnSpc>
-                <a:spcPct val="80000"/>
-              </a:lnSpc>
-              <a:buFontTx/>
-              <a:buNone/>
-            </a:pPr>
-            <a:endParaRPr lang="en-US" dirty="0" smtClean="0"/>
+            <a:endParaRPr lang="en-US"/>
           </a:p>
         </p:txBody>
       </p:sp>
     </p:spTree>
+    <p:extLst>
+      <p:ext uri="{BB962C8B-B14F-4D97-AF65-F5344CB8AC3E}">
+        <p14:creationId xmlns:p14="http://schemas.microsoft.com/office/powerpoint/2010/main" val="1700696251"/>
+      </p:ext>
+    </p:extLst>
   </p:cSld>
   <p:clrMapOvr>
     <a:masterClrMapping/>
@@ -6396,320 +4872,31 @@
         </p:nvSpPr>
         <p:spPr/>
         <p:txBody>
+          <a:bodyPr>
+            <a:normAutofit/>
+          </a:bodyPr>
+          <a:lstStyle/>
+          <a:p>
+            <a:endParaRPr lang="en-US" dirty="0"/>
+          </a:p>
+        </p:txBody>
+      </p:sp>
+      <p:sp>
+        <p:nvSpPr>
+          <p:cNvPr id="4" name="Slide Number Placeholder 3"/>
+          <p:cNvSpPr>
+            <a:spLocks noGrp="1"/>
+          </p:cNvSpPr>
+          <p:nvPr>
+            <p:ph type="sldNum" sz="quarter" idx="10"/>
+          </p:nvPr>
+        </p:nvSpPr>
+        <p:spPr/>
+        <p:txBody>
           <a:bodyPr/>
           <a:lstStyle/>
           <a:p>
-            <a:r>
-              <a:rPr lang="en-US" b="1" dirty="0" smtClean="0"/>
-              <a:t>Belkin </a:t>
-            </a:r>
-            <a:r>
-              <a:rPr lang="en-US" b="1" dirty="0" err="1" smtClean="0"/>
-              <a:t>Wemo</a:t>
-            </a:r>
-            <a:r>
-              <a:rPr lang="en-US" dirty="0" smtClean="0"/>
-              <a:t> - </a:t>
-            </a:r>
-            <a:r>
-              <a:rPr lang="en-US" sz="1200" b="0" i="0" kern="1200" dirty="0" smtClean="0">
-                <a:solidFill>
-                  <a:schemeClr val="tx1"/>
-                </a:solidFill>
-                <a:effectLst/>
-                <a:latin typeface="+mn-lt"/>
-                <a:ea typeface="+mn-ea"/>
-                <a:cs typeface="+mn-cs"/>
-              </a:rPr>
-              <a:t>Belkin's WeMo home automation system can monitor and control WeMo-branded smart wall switches and plugs, LED light bulbs, motion sensors and lighting devices, all from your browser or smartphone app.</a:t>
-            </a:r>
-          </a:p>
-          <a:p>
-            <a:pPr marL="0" marR="0" indent="0" algn="l" defTabSz="914400" rtl="0" eaLnBrk="1" fontAlgn="auto" latinLnBrk="0" hangingPunct="1">
-              <a:lnSpc>
-                <a:spcPct val="100000"/>
-              </a:lnSpc>
-              <a:spcBef>
-                <a:spcPts val="0"/>
-              </a:spcBef>
-              <a:spcAft>
-                <a:spcPts val="0"/>
-              </a:spcAft>
-              <a:buClrTx/>
-              <a:buSzTx/>
-              <a:buFontTx/>
-              <a:buNone/>
-              <a:tabLst/>
-              <a:defRPr/>
-            </a:pPr>
-            <a:r>
-              <a:rPr lang="en-US" sz="1200" b="1" i="0" kern="1200" dirty="0" smtClean="0">
-                <a:solidFill>
-                  <a:schemeClr val="tx1"/>
-                </a:solidFill>
-                <a:effectLst/>
-                <a:latin typeface="+mn-lt"/>
-                <a:ea typeface="+mn-ea"/>
-                <a:cs typeface="+mn-cs"/>
-              </a:rPr>
-              <a:t>Sense Mother</a:t>
-            </a:r>
-            <a:r>
-              <a:rPr lang="en-US" sz="1200" b="0" i="0" kern="1200" dirty="0" smtClean="0">
-                <a:solidFill>
-                  <a:schemeClr val="tx1"/>
-                </a:solidFill>
-                <a:effectLst/>
-                <a:latin typeface="+mn-lt"/>
-                <a:ea typeface="+mn-ea"/>
-                <a:cs typeface="+mn-cs"/>
-              </a:rPr>
-              <a:t> - Detect entry and presence in your home, measure physical activity and healthy habits such as brushing teeth etc.</a:t>
-            </a:r>
-          </a:p>
-          <a:p>
-            <a:pPr marL="0" marR="0" indent="0" algn="l" defTabSz="914400" rtl="0" eaLnBrk="1" fontAlgn="auto" latinLnBrk="0" hangingPunct="1">
-              <a:lnSpc>
-                <a:spcPct val="100000"/>
-              </a:lnSpc>
-              <a:spcBef>
-                <a:spcPts val="0"/>
-              </a:spcBef>
-              <a:spcAft>
-                <a:spcPts val="0"/>
-              </a:spcAft>
-              <a:buClrTx/>
-              <a:buSzTx/>
-              <a:buFontTx/>
-              <a:buNone/>
-              <a:tabLst/>
-              <a:defRPr/>
-            </a:pPr>
-            <a:r>
-              <a:rPr lang="en-US" sz="1200" b="1" i="0" kern="1200" dirty="0" err="1" smtClean="0">
-                <a:solidFill>
-                  <a:schemeClr val="tx1"/>
-                </a:solidFill>
-                <a:effectLst/>
-                <a:latin typeface="+mn-lt"/>
-                <a:ea typeface="+mn-ea"/>
-                <a:cs typeface="+mn-cs"/>
-              </a:rPr>
-              <a:t>Ivee</a:t>
-            </a:r>
-            <a:r>
-              <a:rPr lang="en-US" sz="1200" b="1" i="0" kern="1200" dirty="0" smtClean="0">
-                <a:solidFill>
-                  <a:schemeClr val="tx1"/>
-                </a:solidFill>
-                <a:effectLst/>
-                <a:latin typeface="+mn-lt"/>
-                <a:ea typeface="+mn-ea"/>
-                <a:cs typeface="+mn-cs"/>
-              </a:rPr>
-              <a:t> </a:t>
-            </a:r>
-            <a:r>
-              <a:rPr lang="en-US" sz="1200" b="0" i="0" kern="1200" dirty="0" smtClean="0">
-                <a:solidFill>
-                  <a:schemeClr val="tx1"/>
-                </a:solidFill>
-                <a:effectLst/>
-                <a:latin typeface="+mn-lt"/>
-                <a:ea typeface="+mn-ea"/>
-                <a:cs typeface="+mn-cs"/>
-              </a:rPr>
-              <a:t>-</a:t>
-            </a:r>
-            <a:r>
-              <a:rPr lang="en-US" sz="1200" b="0" i="0" kern="1200" baseline="0" dirty="0" smtClean="0">
-                <a:solidFill>
-                  <a:schemeClr val="tx1"/>
-                </a:solidFill>
-                <a:effectLst/>
-                <a:latin typeface="+mn-lt"/>
-                <a:ea typeface="+mn-ea"/>
-                <a:cs typeface="+mn-cs"/>
-              </a:rPr>
-              <a:t> V</a:t>
-            </a:r>
-            <a:r>
-              <a:rPr lang="en-US" sz="1200" b="0" i="0" kern="1200" dirty="0" smtClean="0">
-                <a:solidFill>
-                  <a:schemeClr val="tx1"/>
-                </a:solidFill>
-                <a:effectLst/>
-                <a:latin typeface="+mn-lt"/>
-                <a:ea typeface="+mn-ea"/>
-                <a:cs typeface="+mn-cs"/>
-              </a:rPr>
-              <a:t>oice-activated interface that let</a:t>
-            </a:r>
-            <a:r>
-              <a:rPr lang="en-US" sz="1200" b="0" i="0" kern="1200" baseline="0" dirty="0" smtClean="0">
-                <a:solidFill>
-                  <a:schemeClr val="tx1"/>
-                </a:solidFill>
-                <a:effectLst/>
-                <a:latin typeface="+mn-lt"/>
-                <a:ea typeface="+mn-ea"/>
-                <a:cs typeface="+mn-cs"/>
-              </a:rPr>
-              <a:t> you connect to your devices.</a:t>
-            </a:r>
-          </a:p>
-          <a:p>
-            <a:pPr marL="0" marR="0" indent="0" algn="l" defTabSz="914400" rtl="0" eaLnBrk="1" fontAlgn="auto" latinLnBrk="0" hangingPunct="1">
-              <a:lnSpc>
-                <a:spcPct val="100000"/>
-              </a:lnSpc>
-              <a:spcBef>
-                <a:spcPts val="0"/>
-              </a:spcBef>
-              <a:spcAft>
-                <a:spcPts val="0"/>
-              </a:spcAft>
-              <a:buClrTx/>
-              <a:buSzTx/>
-              <a:buFontTx/>
-              <a:buNone/>
-              <a:tabLst/>
-              <a:defRPr/>
-            </a:pPr>
-            <a:r>
-              <a:rPr lang="en-US" sz="1200" b="1" i="0" kern="1200" baseline="0" dirty="0" smtClean="0">
-                <a:solidFill>
-                  <a:schemeClr val="tx1"/>
-                </a:solidFill>
-                <a:effectLst/>
-                <a:latin typeface="+mn-lt"/>
-                <a:ea typeface="+mn-ea"/>
-                <a:cs typeface="+mn-cs"/>
-              </a:rPr>
-              <a:t>Lapa</a:t>
-            </a:r>
-            <a:r>
-              <a:rPr lang="en-US" sz="1200" b="0" i="0" kern="1200" baseline="0" dirty="0" smtClean="0">
-                <a:solidFill>
-                  <a:schemeClr val="tx1"/>
-                </a:solidFill>
-                <a:effectLst/>
-                <a:latin typeface="+mn-lt"/>
-                <a:ea typeface="+mn-ea"/>
-                <a:cs typeface="+mn-cs"/>
-              </a:rPr>
-              <a:t> - </a:t>
-            </a:r>
-            <a:r>
-              <a:rPr lang="en-US" sz="1200" b="0" i="0" kern="1200" dirty="0" smtClean="0">
-                <a:solidFill>
-                  <a:schemeClr val="tx1"/>
-                </a:solidFill>
-                <a:effectLst/>
-                <a:latin typeface="+mn-lt"/>
-                <a:ea typeface="+mn-ea"/>
-                <a:cs typeface="+mn-cs"/>
-              </a:rPr>
-              <a:t>helps you find misplaced things, it will alert you if you leave them behind</a:t>
-            </a:r>
-            <a:endParaRPr lang="en-US" sz="1200" b="1" i="0" kern="1200" dirty="0" smtClean="0">
-              <a:solidFill>
-                <a:schemeClr val="tx1"/>
-              </a:solidFill>
-              <a:effectLst/>
-              <a:latin typeface="+mn-lt"/>
-              <a:ea typeface="+mn-ea"/>
-              <a:cs typeface="+mn-cs"/>
-            </a:endParaRPr>
-          </a:p>
-          <a:p>
-            <a:pPr marL="0" marR="0" indent="0" algn="l" defTabSz="914400" rtl="0" eaLnBrk="1" fontAlgn="auto" latinLnBrk="0" hangingPunct="1">
-              <a:lnSpc>
-                <a:spcPct val="100000"/>
-              </a:lnSpc>
-              <a:spcBef>
-                <a:spcPts val="0"/>
-              </a:spcBef>
-              <a:spcAft>
-                <a:spcPts val="0"/>
-              </a:spcAft>
-              <a:buClrTx/>
-              <a:buSzTx/>
-              <a:buFontTx/>
-              <a:buNone/>
-              <a:tabLst/>
-              <a:defRPr/>
-            </a:pPr>
-            <a:endParaRPr lang="en-US" sz="1200" b="0" i="0" kern="1200" dirty="0" smtClean="0">
-              <a:solidFill>
-                <a:schemeClr val="tx1"/>
-              </a:solidFill>
-              <a:effectLst/>
-              <a:latin typeface="+mn-lt"/>
-              <a:ea typeface="+mn-ea"/>
-              <a:cs typeface="+mn-cs"/>
-            </a:endParaRPr>
-          </a:p>
-          <a:p>
-            <a:pPr marL="0" marR="0" indent="0" algn="l" defTabSz="914400" rtl="0" eaLnBrk="1" fontAlgn="auto" latinLnBrk="0" hangingPunct="1">
-              <a:lnSpc>
-                <a:spcPct val="100000"/>
-              </a:lnSpc>
-              <a:spcBef>
-                <a:spcPts val="0"/>
-              </a:spcBef>
-              <a:spcAft>
-                <a:spcPts val="0"/>
-              </a:spcAft>
-              <a:buClrTx/>
-              <a:buSzTx/>
-              <a:buFontTx/>
-              <a:buNone/>
-              <a:tabLst/>
-              <a:defRPr/>
-            </a:pPr>
-            <a:endParaRPr lang="en-US" sz="1200" b="0" i="0" kern="1200" dirty="0" smtClean="0">
-              <a:solidFill>
-                <a:schemeClr val="tx1"/>
-              </a:solidFill>
-              <a:effectLst/>
-              <a:latin typeface="+mn-lt"/>
-              <a:ea typeface="+mn-ea"/>
-              <a:cs typeface="+mn-cs"/>
-            </a:endParaRPr>
-          </a:p>
-          <a:p>
-            <a:endParaRPr lang="en-US" sz="1200" b="0" i="0" kern="1200" dirty="0" smtClean="0">
-              <a:solidFill>
-                <a:schemeClr val="tx1"/>
-              </a:solidFill>
-              <a:effectLst/>
-              <a:latin typeface="+mn-lt"/>
-              <a:ea typeface="+mn-ea"/>
-              <a:cs typeface="+mn-cs"/>
-            </a:endParaRPr>
-          </a:p>
-          <a:p>
-            <a:endParaRPr lang="en-US" dirty="0"/>
-          </a:p>
-        </p:txBody>
-      </p:sp>
-      <p:sp>
-        <p:nvSpPr>
-          <p:cNvPr id="4" name="Slide Number Placeholder 3"/>
-          <p:cNvSpPr>
-            <a:spLocks noGrp="1"/>
-          </p:cNvSpPr>
-          <p:nvPr>
-            <p:ph type="sldNum" sz="quarter" idx="10"/>
-          </p:nvPr>
-        </p:nvSpPr>
-        <p:spPr/>
-        <p:txBody>
-          <a:bodyPr/>
-          <a:lstStyle/>
-          <a:p>
-            <a:fld id="{75693FD4-8F83-4EF7-AC3F-0DC0388986B0}" type="slidenum">
+            <a:fld id="{EC6EAC7D-5A89-47C2-8ABA-56C9C2DEF7A4}" type="slidenum">
               <a:rPr lang="en-US" smtClean="0"/>
               <a:pPr/>
               <a:t>10</a:t>
@@ -6719,6 +4906,11 @@
         </p:txBody>
       </p:sp>
     </p:spTree>
+    <p:extLst>
+      <p:ext uri="{BB962C8B-B14F-4D97-AF65-F5344CB8AC3E}">
+        <p14:creationId xmlns:p14="http://schemas.microsoft.com/office/powerpoint/2010/main" val="1966868821"/>
+      </p:ext>
+    </p:extLst>
   </p:cSld>
   <p:clrMapOvr>
     <a:masterClrMapping/>
@@ -7310,7 +5502,7 @@
             <a:fld id="{757B281C-5159-4971-8228-52B9A72E9ED2}" type="datetimeFigureOut">
               <a:rPr lang="en-US" smtClean="0"/>
               <a:pPr/>
-              <a:t>3/9/2016</a:t>
+              <a:t>1/20/2017</a:t>
             </a:fld>
             <a:endParaRPr lang="en-US" dirty="0"/>
           </a:p>
@@ -7435,7 +5627,7 @@
             <a:fld id="{757B281C-5159-4971-8228-52B9A72E9ED2}" type="datetimeFigureOut">
               <a:rPr lang="en-US" smtClean="0"/>
               <a:pPr/>
-              <a:t>3/9/2016</a:t>
+              <a:t>1/20/2017</a:t>
             </a:fld>
             <a:endParaRPr lang="en-US" dirty="0"/>
           </a:p>
@@ -7537,7 +5729,7 @@
             <a:fld id="{757B281C-5159-4971-8228-52B9A72E9ED2}" type="datetimeFigureOut">
               <a:rPr lang="en-US" smtClean="0"/>
               <a:pPr/>
-              <a:t>3/9/2016</a:t>
+              <a:t>1/20/2017</a:t>
             </a:fld>
             <a:endParaRPr lang="en-US" dirty="0"/>
           </a:p>
@@ -7673,7 +5865,7 @@
             <a:fld id="{757B281C-5159-4971-8228-52B9A72E9ED2}" type="datetimeFigureOut">
               <a:rPr lang="en-US" smtClean="0"/>
               <a:pPr/>
-              <a:t>3/9/2016</a:t>
+              <a:t>1/20/2017</a:t>
             </a:fld>
             <a:endParaRPr lang="en-US" dirty="0"/>
           </a:p>
@@ -7879,7 +6071,7 @@
             <a:fld id="{757B281C-5159-4971-8228-52B9A72E9ED2}" type="datetimeFigureOut">
               <a:rPr lang="en-US" smtClean="0"/>
               <a:pPr/>
-              <a:t>3/9/2016</a:t>
+              <a:t>1/20/2017</a:t>
             </a:fld>
             <a:endParaRPr lang="en-US" dirty="0"/>
           </a:p>
@@ -8278,7 +6470,7 @@
             <a:fld id="{757B281C-5159-4971-8228-52B9A72E9ED2}" type="datetimeFigureOut">
               <a:rPr lang="en-US" smtClean="0"/>
               <a:pPr/>
-              <a:t>3/9/2016</a:t>
+              <a:t>1/20/2017</a:t>
             </a:fld>
             <a:endParaRPr lang="en-US" dirty="0"/>
           </a:p>
@@ -8578,7 +6770,7 @@
             <a:fld id="{757B281C-5159-4971-8228-52B9A72E9ED2}" type="datetimeFigureOut">
               <a:rPr lang="en-US" smtClean="0"/>
               <a:pPr/>
-              <a:t>3/9/2016</a:t>
+              <a:t>1/20/2017</a:t>
             </a:fld>
             <a:endParaRPr lang="en-US" dirty="0"/>
           </a:p>
@@ -9007,7 +7199,7 @@
             <a:fld id="{757B281C-5159-4971-8228-52B9A72E9ED2}" type="datetimeFigureOut">
               <a:rPr lang="en-US" smtClean="0"/>
               <a:pPr/>
-              <a:t>3/9/2016</a:t>
+              <a:t>1/20/2017</a:t>
             </a:fld>
             <a:endParaRPr lang="en-US" dirty="0"/>
           </a:p>
@@ -9284,7 +7476,7 @@
             <a:fld id="{757B281C-5159-4971-8228-52B9A72E9ED2}" type="datetimeFigureOut">
               <a:rPr lang="en-US" smtClean="0"/>
               <a:pPr/>
-              <a:t>3/9/2016</a:t>
+              <a:t>1/20/2017</a:t>
             </a:fld>
             <a:endParaRPr lang="en-US" dirty="0"/>
           </a:p>
@@ -9548,7 +7740,7 @@
             <a:fld id="{757B281C-5159-4971-8228-52B9A72E9ED2}" type="datetimeFigureOut">
               <a:rPr lang="en-US" smtClean="0"/>
               <a:pPr/>
-              <a:t>3/9/2016</a:t>
+              <a:t>1/20/2017</a:t>
             </a:fld>
             <a:endParaRPr lang="en-US" dirty="0"/>
           </a:p>
@@ -9718,7 +7910,7 @@
             <a:fld id="{757B281C-5159-4971-8228-52B9A72E9ED2}" type="datetimeFigureOut">
               <a:rPr lang="en-US" smtClean="0"/>
               <a:pPr/>
-              <a:t>3/9/2016</a:t>
+              <a:t>1/20/2017</a:t>
             </a:fld>
             <a:endParaRPr lang="en-US" dirty="0"/>
           </a:p>
@@ -9898,7 +8090,7 @@
             <a:fld id="{757B281C-5159-4971-8228-52B9A72E9ED2}" type="datetimeFigureOut">
               <a:rPr lang="en-US" smtClean="0"/>
               <a:pPr/>
-              <a:t>3/9/2016</a:t>
+              <a:t>1/20/2017</a:t>
             </a:fld>
             <a:endParaRPr lang="en-US" dirty="0"/>
           </a:p>
@@ -10140,7 +8332,7 @@
             <a:fld id="{757B281C-5159-4971-8228-52B9A72E9ED2}" type="datetimeFigureOut">
               <a:rPr lang="en-US" smtClean="0"/>
               <a:pPr/>
-              <a:t>3/9/2016</a:t>
+              <a:t>1/20/2017</a:t>
             </a:fld>
             <a:endParaRPr lang="en-US" dirty="0"/>
           </a:p>
@@ -10618,7 +8810,7 @@
               <a:rPr lang="en-US" sz="2400" dirty="0" smtClean="0">
                 <a:latin typeface="+mn-lt"/>
               </a:rPr>
-              <a:t>March 10, 2016</a:t>
+              <a:t>July 21, 2016</a:t>
             </a:r>
             <a:endParaRPr lang="en-US" sz="2400" dirty="0">
               <a:latin typeface="+mn-lt"/>
@@ -10679,8 +8871,8 @@
         </p:nvSpPr>
         <p:spPr>
           <a:xfrm>
-            <a:off x="838200" y="304800"/>
-            <a:ext cx="4267200" cy="1143000"/>
+            <a:off x="841248" y="152400"/>
+            <a:ext cx="5178552" cy="838200"/>
           </a:xfrm>
         </p:spPr>
         <p:txBody>
@@ -10689,7 +8881,7 @@
           <a:p>
             <a:r>
               <a:rPr lang="en-US" dirty="0" smtClean="0"/>
-              <a:t>Devices</a:t>
+              <a:t>Milk Pi Recipe</a:t>
             </a:r>
             <a:endParaRPr lang="en-US" dirty="0"/>
           </a:p>
@@ -10697,7 +8889,7 @@
       </p:sp>
       <p:pic>
         <p:nvPicPr>
-          <p:cNvPr id="6" name="Picture 5"/>
+          <p:cNvPr id="4" name="Picture 3"/>
           <p:cNvPicPr>
             <a:picLocks noChangeAspect="1"/>
           </p:cNvPicPr>
@@ -10716,349 +8908,24 @@
           </a:stretch>
         </p:blipFill>
         <p:spPr>
-          <a:xfrm rot="1795855">
-            <a:off x="6110620" y="454691"/>
-            <a:ext cx="2927488" cy="2052386"/>
+          <a:xfrm>
+            <a:off x="2895600" y="1447800"/>
+            <a:ext cx="3643713" cy="4577816"/>
           </a:xfrm>
           <a:prstGeom prst="rect">
             <a:avLst/>
           </a:prstGeom>
         </p:spPr>
       </p:pic>
-      <p:pic>
-        <p:nvPicPr>
-          <p:cNvPr id="9" name="Picture 8"/>
-          <p:cNvPicPr>
-            <a:picLocks noChangeAspect="1"/>
-          </p:cNvPicPr>
-          <p:nvPr/>
-        </p:nvPicPr>
-        <p:blipFill>
-          <a:blip r:embed="rId6" cstate="email">
-            <a:extLst>
-              <a:ext uri="{28A0092B-C50C-407E-A947-70E740481C1C}">
-                <a14:useLocalDpi xmlns:a14="http://schemas.microsoft.com/office/drawing/2010/main" val="0"/>
-              </a:ext>
-            </a:extLst>
-          </a:blip>
-          <a:stretch>
-            <a:fillRect/>
-          </a:stretch>
-        </p:blipFill>
-        <p:spPr>
-          <a:xfrm rot="20189360">
-            <a:off x="96187" y="1468958"/>
-            <a:ext cx="3520924" cy="1149448"/>
-          </a:xfrm>
-          <a:prstGeom prst="rect">
-            <a:avLst/>
-          </a:prstGeom>
-        </p:spPr>
-      </p:pic>
-      <p:pic>
-        <p:nvPicPr>
-          <p:cNvPr id="10" name="Picture 9"/>
-          <p:cNvPicPr>
-            <a:picLocks noChangeAspect="1"/>
-          </p:cNvPicPr>
-          <p:nvPr/>
-        </p:nvPicPr>
-        <p:blipFill>
-          <a:blip r:embed="rId7" cstate="email">
-            <a:extLst>
-              <a:ext uri="{28A0092B-C50C-407E-A947-70E740481C1C}">
-                <a14:useLocalDpi xmlns:a14="http://schemas.microsoft.com/office/drawing/2010/main" val="0"/>
-              </a:ext>
-            </a:extLst>
-          </a:blip>
-          <a:stretch>
-            <a:fillRect/>
-          </a:stretch>
-        </p:blipFill>
-        <p:spPr>
-          <a:xfrm>
-            <a:off x="6712129" y="3645847"/>
-            <a:ext cx="2273713" cy="1830785"/>
-          </a:xfrm>
-          <a:prstGeom prst="rect">
-            <a:avLst/>
-          </a:prstGeom>
-        </p:spPr>
-      </p:pic>
-      <p:pic>
-        <p:nvPicPr>
-          <p:cNvPr id="11" name="Picture 10"/>
-          <p:cNvPicPr>
-            <a:picLocks noChangeAspect="1"/>
-          </p:cNvPicPr>
-          <p:nvPr/>
-        </p:nvPicPr>
-        <p:blipFill>
-          <a:blip r:embed="rId8" cstate="email">
-            <a:extLst>
-              <a:ext uri="{28A0092B-C50C-407E-A947-70E740481C1C}">
-                <a14:useLocalDpi xmlns:a14="http://schemas.microsoft.com/office/drawing/2010/main" val="0"/>
-              </a:ext>
-            </a:extLst>
-          </a:blip>
-          <a:stretch>
-            <a:fillRect/>
-          </a:stretch>
-        </p:blipFill>
-        <p:spPr>
-          <a:xfrm>
-            <a:off x="3700237" y="1132007"/>
-            <a:ext cx="2243363" cy="2714259"/>
-          </a:xfrm>
-          <a:prstGeom prst="rect">
-            <a:avLst/>
-          </a:prstGeom>
-        </p:spPr>
-      </p:pic>
-      <p:sp>
-        <p:nvSpPr>
-          <p:cNvPr id="12" name="TextBox 11"/>
-          <p:cNvSpPr txBox="1"/>
-          <p:nvPr/>
-        </p:nvSpPr>
-        <p:spPr>
-          <a:xfrm rot="20189360">
-            <a:off x="1050223" y="2679600"/>
-            <a:ext cx="1905000" cy="369332"/>
-          </a:xfrm>
-          <a:prstGeom prst="rect">
-            <a:avLst/>
-          </a:prstGeom>
-          <a:noFill/>
-        </p:spPr>
-        <p:txBody>
-          <a:bodyPr wrap="square" rtlCol="0">
-            <a:spAutoFit/>
-          </a:bodyPr>
-          <a:lstStyle/>
-          <a:p>
-            <a:r>
-              <a:rPr lang="en-US" b="1" dirty="0" smtClean="0"/>
-              <a:t>Smart Bands</a:t>
-            </a:r>
-            <a:endParaRPr lang="en-US" b="1" dirty="0"/>
-          </a:p>
-        </p:txBody>
-      </p:sp>
-      <p:sp>
-        <p:nvSpPr>
-          <p:cNvPr id="13" name="TextBox 12"/>
-          <p:cNvSpPr txBox="1"/>
-          <p:nvPr/>
-        </p:nvSpPr>
-        <p:spPr>
-          <a:xfrm rot="1795855">
-            <a:off x="6360821" y="2513319"/>
-            <a:ext cx="1981200" cy="369332"/>
-          </a:xfrm>
-          <a:prstGeom prst="rect">
-            <a:avLst/>
-          </a:prstGeom>
-          <a:noFill/>
-        </p:spPr>
-        <p:txBody>
-          <a:bodyPr wrap="square" rtlCol="0">
-            <a:spAutoFit/>
-          </a:bodyPr>
-          <a:lstStyle/>
-          <a:p>
-            <a:r>
-              <a:rPr lang="en-US" b="1" dirty="0" smtClean="0"/>
-              <a:t>Belkin WeMo</a:t>
-            </a:r>
-            <a:endParaRPr lang="en-US" b="1" dirty="0"/>
-          </a:p>
-        </p:txBody>
-      </p:sp>
-      <p:sp>
-        <p:nvSpPr>
-          <p:cNvPr id="14" name="TextBox 13"/>
-          <p:cNvSpPr txBox="1"/>
-          <p:nvPr/>
-        </p:nvSpPr>
-        <p:spPr>
-          <a:xfrm>
-            <a:off x="3940514" y="3923211"/>
-            <a:ext cx="1545886" cy="369332"/>
-          </a:xfrm>
-          <a:prstGeom prst="rect">
-            <a:avLst/>
-          </a:prstGeom>
-          <a:noFill/>
-        </p:spPr>
-        <p:txBody>
-          <a:bodyPr wrap="square" rtlCol="0">
-            <a:spAutoFit/>
-          </a:bodyPr>
-          <a:lstStyle/>
-          <a:p>
-            <a:r>
-              <a:rPr lang="en-US" b="1" dirty="0" smtClean="0"/>
-              <a:t>Sense Mother</a:t>
-            </a:r>
-            <a:endParaRPr lang="en-US" b="1" dirty="0"/>
-          </a:p>
-        </p:txBody>
-      </p:sp>
-      <p:sp>
-        <p:nvSpPr>
-          <p:cNvPr id="15" name="TextBox 14"/>
-          <p:cNvSpPr txBox="1"/>
-          <p:nvPr/>
-        </p:nvSpPr>
-        <p:spPr>
-          <a:xfrm>
-            <a:off x="641352" y="3923211"/>
-            <a:ext cx="2144773" cy="369332"/>
-          </a:xfrm>
-          <a:prstGeom prst="rect">
-            <a:avLst/>
-          </a:prstGeom>
-          <a:noFill/>
-        </p:spPr>
-        <p:txBody>
-          <a:bodyPr wrap="square" rtlCol="0">
-            <a:spAutoFit/>
-          </a:bodyPr>
-          <a:lstStyle/>
-          <a:p>
-            <a:r>
-              <a:rPr lang="en-US" b="1" dirty="0" err="1" smtClean="0"/>
-              <a:t>Ivee</a:t>
-            </a:r>
-            <a:endParaRPr lang="en-US" b="1" dirty="0"/>
-          </a:p>
-        </p:txBody>
-      </p:sp>
-      <p:sp>
-        <p:nvSpPr>
-          <p:cNvPr id="16" name="TextBox 15"/>
-          <p:cNvSpPr txBox="1"/>
-          <p:nvPr/>
-        </p:nvSpPr>
-        <p:spPr>
-          <a:xfrm>
-            <a:off x="6928442" y="3167621"/>
-            <a:ext cx="2057400" cy="369332"/>
-          </a:xfrm>
-          <a:prstGeom prst="rect">
-            <a:avLst/>
-          </a:prstGeom>
-          <a:noFill/>
-        </p:spPr>
-        <p:txBody>
-          <a:bodyPr wrap="square" rtlCol="0">
-            <a:spAutoFit/>
-          </a:bodyPr>
-          <a:lstStyle/>
-          <a:p>
-            <a:r>
-              <a:rPr lang="en-US" b="1" dirty="0" smtClean="0"/>
-              <a:t>Lapa</a:t>
-            </a:r>
-            <a:endParaRPr lang="en-US" b="1" dirty="0"/>
-          </a:p>
-        </p:txBody>
-      </p:sp>
-      <p:pic>
-        <p:nvPicPr>
-          <p:cNvPr id="17" name="Picture 16"/>
-          <p:cNvPicPr>
-            <a:picLocks noChangeAspect="1"/>
-          </p:cNvPicPr>
-          <p:nvPr/>
-        </p:nvPicPr>
-        <p:blipFill>
-          <a:blip r:embed="rId9" cstate="email">
-            <a:extLst>
-              <a:ext uri="{28A0092B-C50C-407E-A947-70E740481C1C}">
-                <a14:useLocalDpi xmlns:a14="http://schemas.microsoft.com/office/drawing/2010/main" val="0"/>
-              </a:ext>
-            </a:extLst>
-          </a:blip>
-          <a:stretch>
-            <a:fillRect/>
-          </a:stretch>
-        </p:blipFill>
-        <p:spPr>
-          <a:xfrm>
-            <a:off x="604341" y="4352795"/>
-            <a:ext cx="2142075" cy="2247674"/>
-          </a:xfrm>
-          <a:prstGeom prst="rect">
-            <a:avLst/>
-          </a:prstGeom>
-        </p:spPr>
-      </p:pic>
-      <p:pic>
-        <p:nvPicPr>
-          <p:cNvPr id="18" name="Picture 17"/>
-          <p:cNvPicPr>
-            <a:picLocks noChangeAspect="1"/>
-          </p:cNvPicPr>
-          <p:nvPr/>
-        </p:nvPicPr>
-        <p:blipFill>
-          <a:blip r:embed="rId10" cstate="email">
-            <a:extLst>
-              <a:ext uri="{28A0092B-C50C-407E-A947-70E740481C1C}">
-                <a14:useLocalDpi xmlns:a14="http://schemas.microsoft.com/office/drawing/2010/main" val="0"/>
-              </a:ext>
-            </a:extLst>
-          </a:blip>
-          <a:stretch>
-            <a:fillRect/>
-          </a:stretch>
-        </p:blipFill>
-        <p:spPr>
-          <a:xfrm>
-            <a:off x="3189457" y="5183029"/>
-            <a:ext cx="3048000" cy="1659731"/>
-          </a:xfrm>
-          <a:prstGeom prst="rect">
-            <a:avLst/>
-          </a:prstGeom>
-        </p:spPr>
-      </p:pic>
-      <p:sp>
-        <p:nvSpPr>
-          <p:cNvPr id="19" name="TextBox 18"/>
-          <p:cNvSpPr txBox="1"/>
-          <p:nvPr/>
-        </p:nvSpPr>
-        <p:spPr>
-          <a:xfrm>
-            <a:off x="3505200" y="4876800"/>
-            <a:ext cx="2133600" cy="369332"/>
-          </a:xfrm>
-          <a:prstGeom prst="rect">
-            <a:avLst/>
-          </a:prstGeom>
-          <a:noFill/>
-        </p:spPr>
-        <p:txBody>
-          <a:bodyPr wrap="square" rtlCol="0">
-            <a:spAutoFit/>
-          </a:bodyPr>
-          <a:lstStyle/>
-          <a:p>
-            <a:r>
-              <a:rPr lang="en-US" b="1" dirty="0" smtClean="0"/>
-              <a:t>Google Glass</a:t>
-            </a:r>
-            <a:endParaRPr lang="en-US" b="1" dirty="0"/>
-          </a:p>
-        </p:txBody>
-      </p:sp>
     </p:spTree>
     <p:custDataLst>
       <p:tags r:id="rId1"/>
     </p:custDataLst>
+    <p:extLst>
+      <p:ext uri="{BB962C8B-B14F-4D97-AF65-F5344CB8AC3E}">
+        <p14:creationId xmlns:p14="http://schemas.microsoft.com/office/powerpoint/2010/main" val="3251382907"/>
+      </p:ext>
+    </p:extLst>
   </p:cSld>
   <p:clrMapOvr>
     <a:masterClrMapping/>
@@ -11101,16 +8968,24 @@
           </p:cNvSpPr>
           <p:nvPr>
             <p:ph type="title"/>
-          </p:nvPr>
-        </p:nvSpPr>
-        <p:spPr/>
+            <p:custDataLst>
+              <p:tags r:id="rId2"/>
+            </p:custDataLst>
+          </p:nvPr>
+        </p:nvSpPr>
+        <p:spPr>
+          <a:xfrm>
+            <a:off x="841248" y="152400"/>
+            <a:ext cx="5178552" cy="838200"/>
+          </a:xfrm>
+        </p:spPr>
         <p:txBody>
           <a:bodyPr/>
           <a:lstStyle/>
           <a:p>
             <a:r>
               <a:rPr lang="en-US" dirty="0" smtClean="0"/>
-              <a:t>Concerns</a:t>
+              <a:t>Checklist</a:t>
             </a:r>
             <a:endParaRPr lang="en-US" dirty="0"/>
           </a:p>
@@ -11118,57 +8993,129 @@
       </p:sp>
       <p:sp>
         <p:nvSpPr>
-          <p:cNvPr id="3" name="Content Placeholder 2"/>
-          <p:cNvSpPr>
-            <a:spLocks noGrp="1"/>
-          </p:cNvSpPr>
-          <p:nvPr>
-            <p:ph idx="1"/>
-          </p:nvPr>
-        </p:nvSpPr>
-        <p:spPr/>
-        <p:txBody>
-          <a:bodyPr/>
+          <p:cNvPr id="8" name="TextBox 7"/>
+          <p:cNvSpPr txBox="1"/>
+          <p:nvPr/>
+        </p:nvSpPr>
+        <p:spPr>
+          <a:xfrm>
+            <a:off x="609600" y="990600"/>
+            <a:ext cx="4724400" cy="1754326"/>
+          </a:xfrm>
+          <a:prstGeom prst="rect">
+            <a:avLst/>
+          </a:prstGeom>
+          <a:noFill/>
+        </p:spPr>
+        <p:txBody>
+          <a:bodyPr wrap="square" rtlCol="0">
+            <a:spAutoFit/>
+          </a:bodyPr>
           <a:lstStyle/>
           <a:p>
-            <a:r>
-              <a:rPr lang="en-US" dirty="0" smtClean="0"/>
-              <a:t>Energy</a:t>
-            </a:r>
-          </a:p>
-          <a:p>
-            <a:r>
-              <a:rPr lang="en-US" dirty="0" smtClean="0"/>
-              <a:t>Credibility</a:t>
-            </a:r>
-          </a:p>
-          <a:p>
-            <a:r>
-              <a:rPr lang="en-US" dirty="0" smtClean="0"/>
-              <a:t>Consumer privacy</a:t>
-            </a:r>
-          </a:p>
-          <a:p>
-            <a:r>
-              <a:rPr lang="en-US" dirty="0" smtClean="0"/>
-              <a:t>Data Storage</a:t>
-            </a:r>
-          </a:p>
-          <a:p>
-            <a:r>
-              <a:rPr lang="en-US" dirty="0" smtClean="0"/>
-              <a:t>Technology</a:t>
-            </a:r>
-          </a:p>
-          <a:p>
-            <a:endParaRPr lang="en-US" dirty="0"/>
-          </a:p>
-        </p:txBody>
-      </p:sp>
+            <a:pPr marL="285750" indent="-285750">
+              <a:buFont typeface="Arial" panose="020B0604020202020204" pitchFamily="34" charset="0"/>
+              <a:buChar char="•"/>
+            </a:pPr>
+            <a:r>
+              <a:rPr lang="en-GB" dirty="0" smtClean="0"/>
+              <a:t>Pi and Micro </a:t>
+            </a:r>
+            <a:r>
+              <a:rPr lang="en-GB" dirty="0"/>
+              <a:t>SD Card</a:t>
+            </a:r>
+          </a:p>
+          <a:p>
+            <a:pPr marL="285750" indent="-285750">
+              <a:buFont typeface="Arial" panose="020B0604020202020204" pitchFamily="34" charset="0"/>
+              <a:buChar char="•"/>
+            </a:pPr>
+            <a:r>
+              <a:rPr lang="en-GB" dirty="0" smtClean="0"/>
+              <a:t>A digital weighing scale with USB support </a:t>
+            </a:r>
+            <a:r>
+              <a:rPr lang="en-GB" dirty="0"/>
+              <a:t>(The </a:t>
+            </a:r>
+            <a:r>
+              <a:rPr lang="en-GB" dirty="0" err="1"/>
+              <a:t>Dymo</a:t>
+            </a:r>
+            <a:r>
+              <a:rPr lang="en-GB" dirty="0"/>
+              <a:t> M10 or </a:t>
+            </a:r>
+            <a:r>
+              <a:rPr lang="en-GB" dirty="0" err="1"/>
+              <a:t>Dymo</a:t>
+            </a:r>
+            <a:r>
+              <a:rPr lang="en-GB" dirty="0"/>
+              <a:t> M25 is recommended)</a:t>
+            </a:r>
+          </a:p>
+          <a:p>
+            <a:pPr marL="285750" indent="-285750">
+              <a:buFont typeface="Arial" panose="020B0604020202020204" pitchFamily="34" charset="0"/>
+              <a:buChar char="•"/>
+            </a:pPr>
+            <a:r>
+              <a:rPr lang="en-GB" dirty="0" smtClean="0"/>
+              <a:t>Milk Bottle</a:t>
+            </a:r>
+          </a:p>
+          <a:p>
+            <a:pPr marL="285750" indent="-285750">
+              <a:buFont typeface="Arial" panose="020B0604020202020204" pitchFamily="34" charset="0"/>
+              <a:buChar char="•"/>
+            </a:pPr>
+            <a:r>
+              <a:rPr lang="en-GB" dirty="0" smtClean="0"/>
+              <a:t>Java</a:t>
+            </a:r>
+            <a:endParaRPr lang="en-GB" dirty="0"/>
+          </a:p>
+        </p:txBody>
+      </p:sp>
+      <p:pic>
+        <p:nvPicPr>
+          <p:cNvPr id="3" name="Picture 2"/>
+          <p:cNvPicPr>
+            <a:picLocks noChangeAspect="1"/>
+          </p:cNvPicPr>
+          <p:nvPr/>
+        </p:nvPicPr>
+        <p:blipFill>
+          <a:blip r:embed="rId5">
+            <a:extLst>
+              <a:ext uri="{28A0092B-C50C-407E-A947-70E740481C1C}">
+                <a14:useLocalDpi xmlns:a14="http://schemas.microsoft.com/office/drawing/2010/main" val="0"/>
+              </a:ext>
+            </a:extLst>
+          </a:blip>
+          <a:stretch>
+            <a:fillRect/>
+          </a:stretch>
+        </p:blipFill>
+        <p:spPr>
+          <a:xfrm>
+            <a:off x="3505200" y="2514600"/>
+            <a:ext cx="5136096" cy="3633788"/>
+          </a:xfrm>
+          <a:prstGeom prst="rect">
+            <a:avLst/>
+          </a:prstGeom>
+        </p:spPr>
+      </p:pic>
     </p:spTree>
+    <p:custDataLst>
+      <p:tags r:id="rId1"/>
+    </p:custDataLst>
     <p:extLst>
       <p:ext uri="{BB962C8B-B14F-4D97-AF65-F5344CB8AC3E}">
-        <p14:creationId xmlns:p14="http://schemas.microsoft.com/office/powerpoint/2010/main" val="2821229507"/>
+        <p14:creationId xmlns:p14="http://schemas.microsoft.com/office/powerpoint/2010/main" val="1618410248"/>
       </p:ext>
     </p:extLst>
   </p:cSld>
@@ -11205,47 +9152,158 @@
           <a:chExt cx="0" cy="0"/>
         </a:xfrm>
       </p:grpSpPr>
-      <p:pic>
-        <p:nvPicPr>
-          <p:cNvPr id="4" name="Content Placeholder 3"/>
-          <p:cNvPicPr>
-            <a:picLocks noGrp="1" noChangeAspect="1"/>
-          </p:cNvPicPr>
-          <p:nvPr>
-            <p:ph idx="1"/>
-          </p:nvPr>
-        </p:nvPicPr>
-        <p:blipFill>
-          <a:blip r:embed="rId2">
-            <a:extLst>
-              <a:ext uri="{28A0092B-C50C-407E-A947-70E740481C1C}">
-                <a14:useLocalDpi xmlns:a14="http://schemas.microsoft.com/office/drawing/2010/main" val="0"/>
-              </a:ext>
-            </a:extLst>
-          </a:blip>
-          <a:stretch>
-            <a:fillRect/>
-          </a:stretch>
-        </p:blipFill>
+      <p:sp>
+        <p:nvSpPr>
+          <p:cNvPr id="627728" name="Rectangle 16"/>
+          <p:cNvSpPr>
+            <a:spLocks noGrp="1" noChangeArrowheads="1"/>
+          </p:cNvSpPr>
+          <p:nvPr>
+            <p:ph type="title"/>
+            <p:custDataLst>
+              <p:tags r:id="rId2"/>
+            </p:custDataLst>
+          </p:nvPr>
+        </p:nvSpPr>
         <p:spPr>
           <a:xfrm>
-            <a:off x="-76200" y="0"/>
-            <a:ext cx="9220200" cy="6869654"/>
+            <a:off x="841248" y="301752"/>
+            <a:ext cx="8077200" cy="1143000"/>
           </a:xfrm>
         </p:spPr>
-      </p:pic>
+        <p:txBody>
+          <a:bodyPr/>
+          <a:lstStyle/>
+          <a:p>
+            <a:pPr>
+              <a:defRPr/>
+            </a:pPr>
+            <a:r>
+              <a:rPr lang="en-US" dirty="0" smtClean="0"/>
+              <a:t>USB Scale</a:t>
+            </a:r>
+          </a:p>
+        </p:txBody>
+      </p:sp>
+      <p:sp>
+        <p:nvSpPr>
+          <p:cNvPr id="5" name="TextBox 4"/>
+          <p:cNvSpPr txBox="1"/>
+          <p:nvPr/>
+        </p:nvSpPr>
+        <p:spPr>
+          <a:xfrm>
+            <a:off x="990600" y="1524000"/>
+            <a:ext cx="7696200" cy="3416320"/>
+          </a:xfrm>
+          <a:prstGeom prst="rect">
+            <a:avLst/>
+          </a:prstGeom>
+          <a:noFill/>
+        </p:spPr>
+        <p:txBody>
+          <a:bodyPr wrap="square" rtlCol="0">
+            <a:spAutoFit/>
+          </a:bodyPr>
+          <a:lstStyle/>
+          <a:p>
+            <a:r>
+              <a:rPr lang="en-GB" dirty="0"/>
+              <a:t>For communication with our USB scale, we are going to use the usb4java Java library. This is an open-source, JSR 80–compliant implementation of the standard </a:t>
+            </a:r>
+            <a:r>
+              <a:rPr lang="en-GB" dirty="0" err="1"/>
+              <a:t>javax.usb</a:t>
+            </a:r>
+            <a:r>
+              <a:rPr lang="en-GB" dirty="0"/>
+              <a:t> specification that has support for ARM Linux </a:t>
+            </a:r>
+            <a:r>
+              <a:rPr lang="en-GB" dirty="0" smtClean="0"/>
+              <a:t>distributions. </a:t>
+            </a:r>
+            <a:r>
+              <a:rPr lang="en-GB" dirty="0"/>
+              <a:t>You can download the latest version of usb4java from the project website: http://usb4java.org/.</a:t>
+            </a:r>
+          </a:p>
+          <a:p>
+            <a:endParaRPr lang="en-GB" dirty="0"/>
+          </a:p>
+          <a:p>
+            <a:r>
+              <a:rPr lang="en-GB" dirty="0" smtClean="0"/>
+              <a:t>You </a:t>
+            </a:r>
+            <a:r>
+              <a:rPr lang="en-GB" dirty="0"/>
+              <a:t>will need to grab the following JAR files:</a:t>
+            </a:r>
+          </a:p>
+          <a:p>
+            <a:pPr marL="285750" indent="-285750">
+              <a:buFont typeface="Arial" panose="020B0604020202020204" pitchFamily="34" charset="0"/>
+              <a:buChar char="•"/>
+            </a:pPr>
+            <a:r>
+              <a:rPr lang="en-GB" dirty="0" smtClean="0"/>
+              <a:t>usb4java-1.2.0.jar</a:t>
+            </a:r>
+          </a:p>
+          <a:p>
+            <a:pPr marL="285750" indent="-285750">
+              <a:buFont typeface="Arial" panose="020B0604020202020204" pitchFamily="34" charset="0"/>
+              <a:buChar char="•"/>
+            </a:pPr>
+            <a:r>
+              <a:rPr lang="en-GB" dirty="0" smtClean="0"/>
+              <a:t>usb4java-1.2.0-linux-arm.jar</a:t>
+            </a:r>
+          </a:p>
+          <a:p>
+            <a:pPr marL="285750" indent="-285750">
+              <a:buFont typeface="Arial" panose="020B0604020202020204" pitchFamily="34" charset="0"/>
+              <a:buChar char="•"/>
+            </a:pPr>
+            <a:r>
+              <a:rPr lang="en-GB" dirty="0" smtClean="0"/>
+              <a:t>commons-lang3-3.2.1.jar</a:t>
+            </a:r>
+          </a:p>
+          <a:p>
+            <a:pPr marL="285750" indent="-285750">
+              <a:buFont typeface="Arial" panose="020B0604020202020204" pitchFamily="34" charset="0"/>
+              <a:buChar char="•"/>
+            </a:pPr>
+            <a:r>
+              <a:rPr lang="en-GB" dirty="0" smtClean="0"/>
+              <a:t>usb-api-1.0.2.jar</a:t>
+            </a:r>
+          </a:p>
+          <a:p>
+            <a:pPr marL="285750" indent="-285750">
+              <a:buFont typeface="Arial" panose="020B0604020202020204" pitchFamily="34" charset="0"/>
+              <a:buChar char="•"/>
+            </a:pPr>
+            <a:r>
+              <a:rPr lang="en-GB" dirty="0" smtClean="0"/>
+              <a:t>usb4java-javax-1.2.0.jar</a:t>
+            </a:r>
+            <a:endParaRPr lang="en-GB" dirty="0"/>
+          </a:p>
+        </p:txBody>
+      </p:sp>
     </p:spTree>
-    <p:extLst>
-      <p:ext uri="{BB962C8B-B14F-4D97-AF65-F5344CB8AC3E}">
-        <p14:creationId xmlns:p14="http://schemas.microsoft.com/office/powerpoint/2010/main" val="899909813"/>
-      </p:ext>
-    </p:extLst>
+    <p:custDataLst>
+      <p:tags r:id="rId1"/>
+    </p:custDataLst>
   </p:cSld>
   <p:clrMapOvr>
     <a:masterClrMapping/>
   </p:clrMapOvr>
-  <p:transition spd="slow">
-    <p:wipe dir="d"/>
+  <p:transition>
+    <p:fade/>
   </p:transition>
   <p:timing>
     <p:tnLst>
@@ -11276,231 +9334,81 @@
       </p:grpSpPr>
       <p:sp>
         <p:nvSpPr>
-          <p:cNvPr id="2" name="Title 1"/>
-          <p:cNvSpPr>
-            <a:spLocks noGrp="1"/>
+          <p:cNvPr id="629762" name="Rectangle 2"/>
+          <p:cNvSpPr>
+            <a:spLocks noGrp="1" noChangeArrowheads="1"/>
           </p:cNvSpPr>
           <p:nvPr>
             <p:ph type="title"/>
-          </p:nvPr>
-        </p:nvSpPr>
-        <p:spPr/>
+            <p:custDataLst>
+              <p:tags r:id="rId2"/>
+            </p:custDataLst>
+          </p:nvPr>
+        </p:nvSpPr>
+        <p:spPr>
+          <a:xfrm>
+            <a:off x="841249" y="304800"/>
+            <a:ext cx="7921752" cy="1143000"/>
+          </a:xfrm>
+        </p:spPr>
         <p:txBody>
           <a:bodyPr/>
           <a:lstStyle/>
           <a:p>
+            <a:pPr>
+              <a:defRPr/>
+            </a:pPr>
             <a:r>
               <a:rPr lang="en-US" dirty="0" smtClean="0"/>
-              <a:t>Technology</a:t>
-            </a:r>
-            <a:endParaRPr lang="en-US" dirty="0"/>
-          </a:p>
-        </p:txBody>
-      </p:sp>
-      <p:sp>
-        <p:nvSpPr>
-          <p:cNvPr id="3" name="Content Placeholder 2"/>
-          <p:cNvSpPr>
-            <a:spLocks noGrp="1"/>
-          </p:cNvSpPr>
-          <p:nvPr>
-            <p:ph idx="1"/>
-          </p:nvPr>
-        </p:nvSpPr>
-        <p:spPr/>
-        <p:txBody>
-          <a:bodyPr/>
-          <a:lstStyle/>
-          <a:p>
-            <a:pPr marL="0" indent="0">
-              <a:buNone/>
-            </a:pPr>
-            <a:r>
-              <a:rPr lang="en-US" dirty="0"/>
-              <a:t>Java, C#, C</a:t>
-            </a:r>
-            <a:r>
-              <a:rPr lang="en-US" dirty="0" smtClean="0"/>
-              <a:t>++, C, </a:t>
-            </a:r>
-            <a:r>
-              <a:rPr lang="en-US" dirty="0" err="1" smtClean="0"/>
-              <a:t>Javascript</a:t>
-            </a:r>
-            <a:r>
-              <a:rPr lang="en-US" dirty="0" smtClean="0"/>
-              <a:t>, Python, PHP, Go, iOS, </a:t>
-            </a:r>
-            <a:r>
-              <a:rPr lang="en-US" dirty="0" err="1" smtClean="0"/>
-              <a:t>Adroid</a:t>
-            </a:r>
-            <a:r>
-              <a:rPr lang="en-US" dirty="0" smtClean="0"/>
-              <a:t> etc.</a:t>
-            </a:r>
-            <a:endParaRPr lang="en-US" dirty="0"/>
-          </a:p>
-          <a:p>
-            <a:endParaRPr lang="en-US" dirty="0"/>
-          </a:p>
-        </p:txBody>
-      </p:sp>
+              <a:t>USB Codes</a:t>
+            </a:r>
+          </a:p>
+        </p:txBody>
+      </p:sp>
+      <p:pic>
+        <p:nvPicPr>
+          <p:cNvPr id="5" name="Content Placeholder 4"/>
+          <p:cNvPicPr>
+            <a:picLocks noGrp="1" noChangeAspect="1"/>
+          </p:cNvPicPr>
+          <p:nvPr>
+            <p:ph sz="half" idx="1"/>
+          </p:nvPr>
+        </p:nvPicPr>
+        <p:blipFill>
+          <a:blip r:embed="rId5">
+            <a:extLst>
+              <a:ext uri="{28A0092B-C50C-407E-A947-70E740481C1C}">
+                <a14:useLocalDpi xmlns:a14="http://schemas.microsoft.com/office/drawing/2010/main" val="0"/>
+              </a:ext>
+            </a:extLst>
+          </a:blip>
+          <a:stretch>
+            <a:fillRect/>
+          </a:stretch>
+        </p:blipFill>
+        <p:spPr>
+          <a:xfrm>
+            <a:off x="762000" y="1676400"/>
+            <a:ext cx="7321550" cy="2833687"/>
+          </a:xfrm>
+        </p:spPr>
+      </p:pic>
     </p:spTree>
-    <p:extLst>
-      <p:ext uri="{BB962C8B-B14F-4D97-AF65-F5344CB8AC3E}">
-        <p14:creationId xmlns:p14="http://schemas.microsoft.com/office/powerpoint/2010/main" val="1923701751"/>
-      </p:ext>
-    </p:extLst>
+    <p:custDataLst>
+      <p:tags r:id="rId1"/>
+    </p:custDataLst>
   </p:cSld>
   <p:clrMapOvr>
     <a:masterClrMapping/>
   </p:clrMapOvr>
-  <p:transition spd="slow">
-    <p:wipe dir="d"/>
+  <p:transition>
+    <p:fade/>
   </p:transition>
   <p:timing>
     <p:tnLst>
       <p:par>
-        <p:cTn id="1" dur="indefinite" restart="never" nodeType="tmRoot">
-          <p:childTnLst>
-            <p:seq concurrent="1" nextAc="seek">
-              <p:cTn id="2" dur="indefinite" nodeType="mainSeq">
-                <p:childTnLst>
-                  <p:par>
-                    <p:cTn id="3" fill="hold">
-                      <p:stCondLst>
-                        <p:cond delay="indefinite"/>
-                      </p:stCondLst>
-                      <p:childTnLst>
-                        <p:par>
-                          <p:cTn id="4" fill="hold">
-                            <p:stCondLst>
-                              <p:cond delay="0"/>
-                            </p:stCondLst>
-                            <p:childTnLst>
-                              <p:par>
-                                <p:cTn id="5" presetID="42" presetClass="entr" presetSubtype="0" fill="hold" nodeType="clickEffect">
-                                  <p:stCondLst>
-                                    <p:cond delay="0"/>
-                                  </p:stCondLst>
-                                  <p:childTnLst>
-                                    <p:set>
-                                      <p:cBhvr>
-                                        <p:cTn id="6" dur="1" fill="hold">
-                                          <p:stCondLst>
-                                            <p:cond delay="0"/>
-                                          </p:stCondLst>
-                                        </p:cTn>
-                                        <p:tgtEl>
-                                          <p:spTgt spid="3">
-                                            <p:txEl>
-                                              <p:pRg st="0" end="0"/>
-                                            </p:txEl>
-                                          </p:spTgt>
-                                        </p:tgtEl>
-                                        <p:attrNameLst>
-                                          <p:attrName>style.visibility</p:attrName>
-                                        </p:attrNameLst>
-                                      </p:cBhvr>
-                                      <p:to>
-                                        <p:strVal val="visible"/>
-                                      </p:to>
-                                    </p:set>
-                                    <p:animEffect transition="in" filter="fade">
-                                      <p:cBhvr>
-                                        <p:cTn id="7" dur="1000"/>
-                                        <p:tgtEl>
-                                          <p:spTgt spid="3">
-                                            <p:txEl>
-                                              <p:pRg st="0" end="0"/>
-                                            </p:txEl>
-                                          </p:spTgt>
-                                        </p:tgtEl>
-                                      </p:cBhvr>
-                                    </p:animEffect>
-                                    <p:anim calcmode="lin" valueType="num">
-                                      <p:cBhvr>
-                                        <p:cTn id="8" dur="1000" fill="hold"/>
-                                        <p:tgtEl>
-                                          <p:spTgt spid="3">
-                                            <p:txEl>
-                                              <p:pRg st="0" end="0"/>
-                                            </p:txEl>
-                                          </p:spTgt>
-                                        </p:tgtEl>
-                                        <p:attrNameLst>
-                                          <p:attrName>ppt_x</p:attrName>
-                                        </p:attrNameLst>
-                                      </p:cBhvr>
-                                      <p:tavLst>
-                                        <p:tav tm="0">
-                                          <p:val>
-                                            <p:strVal val="#ppt_x"/>
-                                          </p:val>
-                                        </p:tav>
-                                        <p:tav tm="100000">
-                                          <p:val>
-                                            <p:strVal val="#ppt_x"/>
-                                          </p:val>
-                                        </p:tav>
-                                      </p:tavLst>
-                                    </p:anim>
-                                    <p:anim calcmode="lin" valueType="num">
-                                      <p:cBhvr>
-                                        <p:cTn id="9" dur="1000" fill="hold"/>
-                                        <p:tgtEl>
-                                          <p:spTgt spid="3">
-                                            <p:txEl>
-                                              <p:pRg st="0" end="0"/>
-                                            </p:txEl>
-                                          </p:spTgt>
-                                        </p:tgtEl>
-                                        <p:attrNameLst>
-                                          <p:attrName>ppt_y</p:attrName>
-                                        </p:attrNameLst>
-                                      </p:cBhvr>
-                                      <p:tavLst>
-                                        <p:tav tm="0">
-                                          <p:val>
-                                            <p:strVal val="#ppt_y+.1"/>
-                                          </p:val>
-                                        </p:tav>
-                                        <p:tav tm="100000">
-                                          <p:val>
-                                            <p:strVal val="#ppt_y"/>
-                                          </p:val>
-                                        </p:tav>
-                                      </p:tavLst>
-                                    </p:anim>
-                                  </p:childTnLst>
-                                </p:cTn>
-                              </p:par>
-                            </p:childTnLst>
-                          </p:cTn>
-                        </p:par>
-                      </p:childTnLst>
-                    </p:cTn>
-                  </p:par>
-                </p:childTnLst>
-              </p:cTn>
-              <p:prevCondLst>
-                <p:cond evt="onPrev" delay="0">
-                  <p:tgtEl>
-                    <p:sldTgt/>
-                  </p:tgtEl>
-                </p:cond>
-              </p:prevCondLst>
-              <p:nextCondLst>
-                <p:cond evt="onNext" delay="0">
-                  <p:tgtEl>
-                    <p:sldTgt/>
-                  </p:tgtEl>
-                </p:cond>
-              </p:nextCondLst>
-            </p:seq>
-          </p:childTnLst>
-        </p:cTn>
+        <p:cTn id="1" dur="indefinite" restart="never" nodeType="tmRoot"/>
       </p:par>
     </p:tnLst>
   </p:timing>
@@ -11526,12 +9434,15 @@
       </p:grpSpPr>
       <p:sp>
         <p:nvSpPr>
-          <p:cNvPr id="2" name="Title 1"/>
-          <p:cNvSpPr>
-            <a:spLocks noGrp="1"/>
+          <p:cNvPr id="618498" name="Rectangle 2"/>
+          <p:cNvSpPr>
+            <a:spLocks noGrp="1" noChangeArrowheads="1"/>
           </p:cNvSpPr>
           <p:nvPr>
             <p:ph type="title"/>
+            <p:custDataLst>
+              <p:tags r:id="rId2"/>
+            </p:custDataLst>
           </p:nvPr>
         </p:nvSpPr>
         <p:spPr/>
@@ -11539,85 +9450,142 @@
           <a:bodyPr/>
           <a:lstStyle/>
           <a:p>
+            <a:pPr>
+              <a:defRPr/>
+            </a:pPr>
             <a:r>
               <a:rPr lang="en-US" dirty="0" smtClean="0"/>
-              <a:t>Platforms</a:t>
-            </a:r>
-            <a:endParaRPr lang="en-US" dirty="0"/>
-          </a:p>
-        </p:txBody>
-      </p:sp>
-      <p:sp>
-        <p:nvSpPr>
-          <p:cNvPr id="3" name="Content Placeholder 2"/>
-          <p:cNvSpPr>
-            <a:spLocks noGrp="1"/>
-          </p:cNvSpPr>
-          <p:nvPr>
-            <p:ph idx="1"/>
+              <a:t>References</a:t>
+            </a:r>
+          </a:p>
+        </p:txBody>
+      </p:sp>
+      <p:sp>
+        <p:nvSpPr>
+          <p:cNvPr id="618499" name="Rectangle 3"/>
+          <p:cNvSpPr>
+            <a:spLocks noGrp="1" noChangeArrowheads="1"/>
+          </p:cNvSpPr>
+          <p:nvPr>
+            <p:ph type="body" idx="1"/>
+            <p:custDataLst>
+              <p:tags r:id="rId3"/>
+            </p:custDataLst>
           </p:nvPr>
         </p:nvSpPr>
         <p:spPr/>
         <p:txBody>
-          <a:bodyPr/>
+          <a:bodyPr>
+            <a:normAutofit/>
+          </a:bodyPr>
           <a:lstStyle/>
           <a:p>
-            <a:r>
-              <a:rPr lang="en-US" dirty="0" smtClean="0"/>
-              <a:t>Google </a:t>
-            </a:r>
-            <a:r>
-              <a:rPr lang="en-US" dirty="0" err="1" smtClean="0"/>
-              <a:t>Brillo</a:t>
-            </a:r>
-            <a:endParaRPr lang="en-US" dirty="0" smtClean="0"/>
-          </a:p>
-          <a:p>
-            <a:r>
-              <a:rPr lang="en-US" dirty="0" smtClean="0"/>
-              <a:t>Apple Home Kit</a:t>
-            </a:r>
-          </a:p>
-          <a:p>
-            <a:r>
-              <a:rPr lang="en-US" dirty="0" smtClean="0"/>
-              <a:t>Microsoft Azure</a:t>
-            </a:r>
-          </a:p>
-          <a:p>
-            <a:r>
-              <a:rPr lang="en-US" dirty="0" err="1" smtClean="0"/>
-              <a:t>IoTivity</a:t>
-            </a:r>
-            <a:endParaRPr lang="en-US" dirty="0" smtClean="0"/>
-          </a:p>
-          <a:p>
-            <a:r>
-              <a:rPr lang="en-US" dirty="0" err="1"/>
-              <a:t>AllSeen</a:t>
-            </a:r>
+            <a:pPr>
+              <a:defRPr/>
+            </a:pPr>
+            <a:r>
+              <a:rPr lang="en-GB" dirty="0"/>
+              <a:t>Raspberry Pi with Java: Programming the Internet of Things (</a:t>
+            </a:r>
+            <a:r>
+              <a:rPr lang="en-GB" dirty="0" err="1"/>
+              <a:t>IoT</a:t>
+            </a:r>
+            <a:r>
+              <a:rPr lang="en-GB" dirty="0"/>
+              <a:t>)</a:t>
+            </a:r>
+          </a:p>
+          <a:p>
+            <a:pPr>
+              <a:defRPr/>
+            </a:pPr>
+            <a:r>
+              <a:rPr lang="en-US" u="sng" dirty="0">
+                <a:solidFill>
+                  <a:schemeClr val="tx2"/>
+                </a:solidFill>
+                <a:hlinkClick r:id="rId6"/>
+              </a:rPr>
+              <a:t>https://</a:t>
+            </a:r>
+            <a:r>
+              <a:rPr lang="en-US" u="sng" dirty="0" smtClean="0">
+                <a:solidFill>
+                  <a:schemeClr val="tx2"/>
+                </a:solidFill>
+                <a:hlinkClick r:id="rId6"/>
+              </a:rPr>
+              <a:t>blogs.oracle.com/java/brewing-java-with-the-raspberry-pi</a:t>
+            </a:r>
+            <a:endParaRPr lang="en-US" u="sng" dirty="0" smtClean="0">
+              <a:solidFill>
+                <a:schemeClr val="tx2"/>
+              </a:solidFill>
+            </a:endParaRPr>
+          </a:p>
+          <a:p>
+            <a:pPr>
+              <a:defRPr/>
+            </a:pPr>
             <a:r>
               <a:rPr lang="en-US" dirty="0"/>
-              <a:t> Alliance</a:t>
-            </a:r>
-          </a:p>
-          <a:p>
-            <a:endParaRPr lang="en-US" dirty="0"/>
+              <a:t>Code</a:t>
+            </a:r>
+            <a:r>
+              <a:rPr lang="en-US" dirty="0">
+                <a:solidFill>
+                  <a:schemeClr val="tx2"/>
+                </a:solidFill>
+              </a:rPr>
+              <a:t> - </a:t>
+            </a:r>
+            <a:r>
+              <a:rPr lang="en-US" dirty="0">
+                <a:solidFill>
+                  <a:schemeClr val="tx2"/>
+                </a:solidFill>
+                <a:hlinkClick r:id="rId7"/>
+              </a:rPr>
+              <a:t>https://</a:t>
+            </a:r>
+            <a:r>
+              <a:rPr lang="en-US" dirty="0" smtClean="0">
+                <a:solidFill>
+                  <a:schemeClr val="tx2"/>
+                </a:solidFill>
+                <a:hlinkClick r:id="rId7"/>
+              </a:rPr>
+              <a:t>github.com/GaurG/PiSample</a:t>
+            </a:r>
+            <a:endParaRPr lang="en-US" dirty="0" smtClean="0">
+              <a:solidFill>
+                <a:schemeClr val="tx2"/>
+              </a:solidFill>
+            </a:endParaRPr>
+          </a:p>
+          <a:p>
+            <a:pPr>
+              <a:defRPr/>
+            </a:pPr>
+            <a:endParaRPr lang="en-US" dirty="0" smtClean="0">
+              <a:solidFill>
+                <a:schemeClr val="tx2"/>
+              </a:solidFill>
+            </a:endParaRPr>
           </a:p>
         </p:txBody>
       </p:sp>
     </p:spTree>
-    <p:extLst>
-      <p:ext uri="{BB962C8B-B14F-4D97-AF65-F5344CB8AC3E}">
-        <p14:creationId xmlns:p14="http://schemas.microsoft.com/office/powerpoint/2010/main" val="381512046"/>
-      </p:ext>
-    </p:extLst>
+    <p:custDataLst>
+      <p:tags r:id="rId1"/>
+    </p:custDataLst>
   </p:cSld>
   <p:clrMapOvr>
     <a:masterClrMapping/>
   </p:clrMapOvr>
-  <p:transition spd="slow">
-    <p:wipe dir="d"/>
+  <p:transition>
+    <p:fade/>
   </p:transition>
   <p:timing>
     <p:tnLst>
@@ -11630,286 +9598,6 @@
 </file>
 
 <file path=ppt/slides/slide15.xml><?xml version="1.0" encoding="utf-8"?>
-<p:sld xmlns:a="http://schemas.openxmlformats.org/drawingml/2006/main" xmlns:r="http://schemas.openxmlformats.org/officeDocument/2006/relationships" xmlns:p="http://schemas.openxmlformats.org/presentationml/2006/main">
-  <p:cSld>
-    <p:spTree>
-      <p:nvGrpSpPr>
-        <p:cNvPr id="1" name=""/>
-        <p:cNvGrpSpPr/>
-        <p:nvPr/>
-      </p:nvGrpSpPr>
-      <p:grpSpPr>
-        <a:xfrm>
-          <a:off x="0" y="0"/>
-          <a:ext cx="0" cy="0"/>
-          <a:chOff x="0" y="0"/>
-          <a:chExt cx="0" cy="0"/>
-        </a:xfrm>
-      </p:grpSpPr>
-      <p:sp>
-        <p:nvSpPr>
-          <p:cNvPr id="2" name="Title 1"/>
-          <p:cNvSpPr>
-            <a:spLocks noGrp="1"/>
-          </p:cNvSpPr>
-          <p:nvPr>
-            <p:ph type="title"/>
-          </p:nvPr>
-        </p:nvSpPr>
-        <p:spPr/>
-        <p:txBody>
-          <a:bodyPr/>
-          <a:lstStyle/>
-          <a:p>
-            <a:r>
-              <a:rPr lang="en-US" dirty="0" smtClean="0"/>
-              <a:t>Getting Started</a:t>
-            </a:r>
-            <a:endParaRPr lang="en-US" dirty="0"/>
-          </a:p>
-        </p:txBody>
-      </p:sp>
-      <p:sp>
-        <p:nvSpPr>
-          <p:cNvPr id="3" name="Content Placeholder 2"/>
-          <p:cNvSpPr>
-            <a:spLocks noGrp="1"/>
-          </p:cNvSpPr>
-          <p:nvPr>
-            <p:ph idx="1"/>
-          </p:nvPr>
-        </p:nvSpPr>
-        <p:spPr/>
-        <p:txBody>
-          <a:bodyPr/>
-          <a:lstStyle/>
-          <a:p>
-            <a:r>
-              <a:rPr lang="en-US" dirty="0">
-                <a:hlinkClick r:id="rId2"/>
-              </a:rPr>
-              <a:t>https://www.hackster.io</a:t>
-            </a:r>
-            <a:r>
-              <a:rPr lang="en-US" dirty="0" smtClean="0">
-                <a:hlinkClick r:id="rId2"/>
-              </a:rPr>
-              <a:t>/</a:t>
-            </a:r>
-            <a:endParaRPr lang="en-US" dirty="0" smtClean="0"/>
-          </a:p>
-          <a:p>
-            <a:r>
-              <a:rPr lang="en-US" dirty="0">
-                <a:hlinkClick r:id="rId3"/>
-              </a:rPr>
-              <a:t>http://hackaday.com</a:t>
-            </a:r>
-            <a:r>
-              <a:rPr lang="en-US" dirty="0" smtClean="0">
-                <a:hlinkClick r:id="rId3"/>
-              </a:rPr>
-              <a:t>/</a:t>
-            </a:r>
-            <a:endParaRPr lang="en-US" dirty="0" smtClean="0"/>
-          </a:p>
-          <a:p>
-            <a:r>
-              <a:rPr lang="en-US" dirty="0">
-                <a:hlinkClick r:id="rId4"/>
-              </a:rPr>
-              <a:t>http://</a:t>
-            </a:r>
-            <a:r>
-              <a:rPr lang="en-US" dirty="0" smtClean="0">
-                <a:hlinkClick r:id="rId4"/>
-              </a:rPr>
-              <a:t>readwrite.com/2014/03/29/10-arduino-projects-microcontroller-electrical-engineering</a:t>
-            </a:r>
-            <a:endParaRPr lang="en-US" dirty="0" smtClean="0"/>
-          </a:p>
-          <a:p>
-            <a:r>
-              <a:rPr lang="en-US" dirty="0">
-                <a:hlinkClick r:id="rId5"/>
-              </a:rPr>
-              <a:t>http://www.instructables.com</a:t>
-            </a:r>
-            <a:r>
-              <a:rPr lang="en-US" dirty="0" smtClean="0">
-                <a:hlinkClick r:id="rId5"/>
-              </a:rPr>
-              <a:t>/</a:t>
-            </a:r>
-            <a:endParaRPr lang="en-US" dirty="0" smtClean="0"/>
-          </a:p>
-          <a:p>
-            <a:endParaRPr lang="en-US" dirty="0"/>
-          </a:p>
-        </p:txBody>
-      </p:sp>
-    </p:spTree>
-    <p:extLst>
-      <p:ext uri="{BB962C8B-B14F-4D97-AF65-F5344CB8AC3E}">
-        <p14:creationId xmlns:p14="http://schemas.microsoft.com/office/powerpoint/2010/main" val="1832956679"/>
-      </p:ext>
-    </p:extLst>
-  </p:cSld>
-  <p:clrMapOvr>
-    <a:masterClrMapping/>
-  </p:clrMapOvr>
-  <p:transition spd="slow">
-    <p:wipe dir="d"/>
-  </p:transition>
-  <p:timing>
-    <p:tnLst>
-      <p:par>
-        <p:cTn id="1" dur="indefinite" restart="never" nodeType="tmRoot"/>
-      </p:par>
-    </p:tnLst>
-  </p:timing>
-</p:sld>
-</file>
-
-<file path=ppt/slides/slide16.xml><?xml version="1.0" encoding="utf-8"?>
-<p:sld xmlns:a="http://schemas.openxmlformats.org/drawingml/2006/main" xmlns:r="http://schemas.openxmlformats.org/officeDocument/2006/relationships" xmlns:p="http://schemas.openxmlformats.org/presentationml/2006/main">
-  <p:cSld>
-    <p:spTree>
-      <p:nvGrpSpPr>
-        <p:cNvPr id="1" name=""/>
-        <p:cNvGrpSpPr/>
-        <p:nvPr/>
-      </p:nvGrpSpPr>
-      <p:grpSpPr>
-        <a:xfrm>
-          <a:off x="0" y="0"/>
-          <a:ext cx="0" cy="0"/>
-          <a:chOff x="0" y="0"/>
-          <a:chExt cx="0" cy="0"/>
-        </a:xfrm>
-      </p:grpSpPr>
-      <p:sp>
-        <p:nvSpPr>
-          <p:cNvPr id="2" name="Title 1"/>
-          <p:cNvSpPr>
-            <a:spLocks noGrp="1"/>
-          </p:cNvSpPr>
-          <p:nvPr>
-            <p:ph type="title"/>
-          </p:nvPr>
-        </p:nvSpPr>
-        <p:spPr/>
-        <p:txBody>
-          <a:bodyPr/>
-          <a:lstStyle/>
-          <a:p>
-            <a:r>
-              <a:rPr lang="en-US" dirty="0" smtClean="0"/>
-              <a:t>Start Up Kits</a:t>
-            </a:r>
-            <a:endParaRPr lang="en-US" dirty="0"/>
-          </a:p>
-        </p:txBody>
-      </p:sp>
-      <p:sp>
-        <p:nvSpPr>
-          <p:cNvPr id="3" name="Content Placeholder 2"/>
-          <p:cNvSpPr>
-            <a:spLocks noGrp="1"/>
-          </p:cNvSpPr>
-          <p:nvPr>
-            <p:ph idx="1"/>
-          </p:nvPr>
-        </p:nvSpPr>
-        <p:spPr/>
-        <p:txBody>
-          <a:bodyPr/>
-          <a:lstStyle/>
-          <a:p>
-            <a:r>
-              <a:rPr lang="en-US" dirty="0" smtClean="0"/>
-              <a:t>Raspberry </a:t>
-            </a:r>
-            <a:r>
-              <a:rPr lang="en-US" dirty="0"/>
-              <a:t>pi starter kit</a:t>
-            </a:r>
-          </a:p>
-          <a:p>
-            <a:r>
-              <a:rPr lang="en-US" dirty="0" smtClean="0"/>
-              <a:t>Arduino </a:t>
-            </a:r>
-            <a:r>
-              <a:rPr lang="en-US" dirty="0"/>
-              <a:t>starter kit</a:t>
-            </a:r>
-          </a:p>
-          <a:p>
-            <a:r>
-              <a:rPr lang="en-US" dirty="0" smtClean="0"/>
-              <a:t>Intel </a:t>
-            </a:r>
-            <a:r>
-              <a:rPr lang="en-US" dirty="0"/>
-              <a:t>Galileo developer </a:t>
-            </a:r>
-            <a:r>
-              <a:rPr lang="en-US" dirty="0" smtClean="0"/>
-              <a:t>kit</a:t>
-            </a:r>
-          </a:p>
-          <a:p>
-            <a:r>
-              <a:rPr lang="en-US" dirty="0"/>
-              <a:t>ARM </a:t>
-            </a:r>
-            <a:r>
-              <a:rPr lang="en-US" dirty="0" err="1"/>
-              <a:t>mbed</a:t>
-            </a:r>
-            <a:r>
-              <a:rPr lang="en-US" dirty="0"/>
-              <a:t> </a:t>
-            </a:r>
-            <a:r>
-              <a:rPr lang="en-US" dirty="0" err="1"/>
-              <a:t>IoT</a:t>
-            </a:r>
-            <a:r>
-              <a:rPr lang="en-US" dirty="0"/>
-              <a:t> Starter Kit</a:t>
-            </a:r>
-          </a:p>
-          <a:p>
-            <a:endParaRPr lang="en-US" dirty="0"/>
-          </a:p>
-        </p:txBody>
-      </p:sp>
-    </p:spTree>
-    <p:extLst>
-      <p:ext uri="{BB962C8B-B14F-4D97-AF65-F5344CB8AC3E}">
-        <p14:creationId xmlns:p14="http://schemas.microsoft.com/office/powerpoint/2010/main" val="2267351929"/>
-      </p:ext>
-    </p:extLst>
-  </p:cSld>
-  <p:clrMapOvr>
-    <a:masterClrMapping/>
-  </p:clrMapOvr>
-  <p:transition spd="slow">
-    <p:wipe dir="d"/>
-  </p:transition>
-  <p:timing>
-    <p:tnLst>
-      <p:par>
-        <p:cTn id="1" dur="indefinite" restart="never" nodeType="tmRoot"/>
-      </p:par>
-    </p:tnLst>
-  </p:timing>
-</p:sld>
-</file>
-
-<file path=ppt/slides/slide17.xml><?xml version="1.0" encoding="utf-8"?>
 <p:sld xmlns:a="http://schemas.openxmlformats.org/drawingml/2006/main" xmlns:r="http://schemas.openxmlformats.org/officeDocument/2006/relationships" xmlns:p="http://schemas.openxmlformats.org/presentationml/2006/main">
   <p:cSld>
     <p:spTree>
@@ -12311,7 +9999,7 @@
           <p:nvPr>
             <p:extLst>
               <p:ext uri="{D42A27DB-BD31-4B8C-83A1-F6EECF244321}">
-                <p14:modId xmlns:p14="http://schemas.microsoft.com/office/powerpoint/2010/main" val="1713844231"/>
+                <p14:modId xmlns:p14="http://schemas.microsoft.com/office/powerpoint/2010/main" val="4202370729"/>
               </p:ext>
             </p:extLst>
           </p:nvPr>
@@ -12764,7 +10452,7 @@
                                         <p:tgtEl>
                                           <p:spTgt spid="3">
                                             <p:graphicEl>
-                                              <a:dgm id="{953D79A1-F583-4C99-9EA1-00C886685091}"/>
+                                              <a:dgm id="{584C9453-C0F3-4033-8FCB-3EFFFC643335}"/>
                                             </p:graphicEl>
                                           </p:spTgt>
                                         </p:tgtEl>
@@ -12782,7 +10470,7 @@
                                         <p:tgtEl>
                                           <p:spTgt spid="3">
                                             <p:graphicEl>
-                                              <a:dgm id="{953D79A1-F583-4C99-9EA1-00C886685091}"/>
+                                              <a:dgm id="{584C9453-C0F3-4033-8FCB-3EFFFC643335}"/>
                                             </p:graphicEl>
                                           </p:spTgt>
                                         </p:tgtEl>
@@ -12825,7 +10513,7 @@
                                         <p:tgtEl>
                                           <p:spTgt spid="3">
                                             <p:graphicEl>
-                                              <a:dgm id="{F90B9516-CD69-4131-B576-842C3D01AD54}"/>
+                                              <a:dgm id="{F8C9DB1A-BC70-4A90-80C0-94B987DE21A6}"/>
                                             </p:graphicEl>
                                           </p:spTgt>
                                         </p:tgtEl>
@@ -12843,373 +10531,7 @@
                                         <p:tgtEl>
                                           <p:spTgt spid="3">
                                             <p:graphicEl>
-                                              <a:dgm id="{F90B9516-CD69-4131-B576-842C3D01AD54}"/>
-                                            </p:graphicEl>
-                                          </p:spTgt>
-                                        </p:tgtEl>
-                                      </p:cBhvr>
-                                    </p:animEffect>
-                                  </p:childTnLst>
-                                </p:cTn>
-                              </p:par>
-                            </p:childTnLst>
-                          </p:cTn>
-                        </p:par>
-                      </p:childTnLst>
-                    </p:cTn>
-                  </p:par>
-                  <p:par>
-                    <p:cTn id="43" fill="hold">
-                      <p:stCondLst>
-                        <p:cond delay="indefinite"/>
-                      </p:stCondLst>
-                      <p:childTnLst>
-                        <p:par>
-                          <p:cTn id="44" fill="hold">
-                            <p:stCondLst>
-                              <p:cond delay="0"/>
-                            </p:stCondLst>
-                            <p:childTnLst>
-                              <p:par>
-                                <p:cTn id="45" presetID="22" presetClass="entr" presetSubtype="8" fill="hold" grpId="0" nodeType="clickEffect">
-                                  <p:stCondLst>
-                                    <p:cond delay="0"/>
-                                  </p:stCondLst>
-                                  <p:childTnLst>
-                                    <p:set>
-                                      <p:cBhvr>
-                                        <p:cTn id="46" dur="1" fill="hold">
-                                          <p:stCondLst>
-                                            <p:cond delay="0"/>
-                                          </p:stCondLst>
-                                        </p:cTn>
-                                        <p:tgtEl>
-                                          <p:spTgt spid="3">
-                                            <p:graphicEl>
-                                              <a:dgm id="{F99C5C04-4C89-4FA8-AC74-1C9DCE0EBF16}"/>
-                                            </p:graphicEl>
-                                          </p:spTgt>
-                                        </p:tgtEl>
-                                        <p:attrNameLst>
-                                          <p:attrName>style.visibility</p:attrName>
-                                        </p:attrNameLst>
-                                      </p:cBhvr>
-                                      <p:to>
-                                        <p:strVal val="visible"/>
-                                      </p:to>
-                                    </p:set>
-                                    <p:animEffect transition="in" filter="wipe(left)">
-                                      <p:cBhvr>
-                                        <p:cTn id="47" dur="500"/>
-                                        <p:tgtEl>
-                                          <p:spTgt spid="3">
-                                            <p:graphicEl>
-                                              <a:dgm id="{F99C5C04-4C89-4FA8-AC74-1C9DCE0EBF16}"/>
-                                            </p:graphicEl>
-                                          </p:spTgt>
-                                        </p:tgtEl>
-                                      </p:cBhvr>
-                                    </p:animEffect>
-                                  </p:childTnLst>
-                                </p:cTn>
-                              </p:par>
-                            </p:childTnLst>
-                          </p:cTn>
-                        </p:par>
-                      </p:childTnLst>
-                    </p:cTn>
-                  </p:par>
-                  <p:par>
-                    <p:cTn id="48" fill="hold">
-                      <p:stCondLst>
-                        <p:cond delay="indefinite"/>
-                      </p:stCondLst>
-                      <p:childTnLst>
-                        <p:par>
-                          <p:cTn id="49" fill="hold">
-                            <p:stCondLst>
-                              <p:cond delay="0"/>
-                            </p:stCondLst>
-                            <p:childTnLst>
-                              <p:par>
-                                <p:cTn id="50" presetID="22" presetClass="entr" presetSubtype="8" fill="hold" grpId="0" nodeType="clickEffect">
-                                  <p:stCondLst>
-                                    <p:cond delay="0"/>
-                                  </p:stCondLst>
-                                  <p:childTnLst>
-                                    <p:set>
-                                      <p:cBhvr>
-                                        <p:cTn id="51" dur="1" fill="hold">
-                                          <p:stCondLst>
-                                            <p:cond delay="0"/>
-                                          </p:stCondLst>
-                                        </p:cTn>
-                                        <p:tgtEl>
-                                          <p:spTgt spid="3">
-                                            <p:graphicEl>
-                                              <a:dgm id="{F3A37752-91C4-4857-8DD1-EB50F27F42F0}"/>
-                                            </p:graphicEl>
-                                          </p:spTgt>
-                                        </p:tgtEl>
-                                        <p:attrNameLst>
-                                          <p:attrName>style.visibility</p:attrName>
-                                        </p:attrNameLst>
-                                      </p:cBhvr>
-                                      <p:to>
-                                        <p:strVal val="visible"/>
-                                      </p:to>
-                                    </p:set>
-                                    <p:animEffect transition="in" filter="wipe(left)">
-                                      <p:cBhvr>
-                                        <p:cTn id="52" dur="500"/>
-                                        <p:tgtEl>
-                                          <p:spTgt spid="3">
-                                            <p:graphicEl>
-                                              <a:dgm id="{F3A37752-91C4-4857-8DD1-EB50F27F42F0}"/>
-                                            </p:graphicEl>
-                                          </p:spTgt>
-                                        </p:tgtEl>
-                                      </p:cBhvr>
-                                    </p:animEffect>
-                                  </p:childTnLst>
-                                </p:cTn>
-                              </p:par>
-                            </p:childTnLst>
-                          </p:cTn>
-                        </p:par>
-                      </p:childTnLst>
-                    </p:cTn>
-                  </p:par>
-                  <p:par>
-                    <p:cTn id="53" fill="hold">
-                      <p:stCondLst>
-                        <p:cond delay="indefinite"/>
-                      </p:stCondLst>
-                      <p:childTnLst>
-                        <p:par>
-                          <p:cTn id="54" fill="hold">
-                            <p:stCondLst>
-                              <p:cond delay="0"/>
-                            </p:stCondLst>
-                            <p:childTnLst>
-                              <p:par>
-                                <p:cTn id="55" presetID="22" presetClass="entr" presetSubtype="8" fill="hold" grpId="0" nodeType="clickEffect">
-                                  <p:stCondLst>
-                                    <p:cond delay="0"/>
-                                  </p:stCondLst>
-                                  <p:childTnLst>
-                                    <p:set>
-                                      <p:cBhvr>
-                                        <p:cTn id="56" dur="1" fill="hold">
-                                          <p:stCondLst>
-                                            <p:cond delay="0"/>
-                                          </p:stCondLst>
-                                        </p:cTn>
-                                        <p:tgtEl>
-                                          <p:spTgt spid="3">
-                                            <p:graphicEl>
-                                              <a:dgm id="{2FDD53B2-E7DB-4401-9CCC-37A250D6B3BF}"/>
-                                            </p:graphicEl>
-                                          </p:spTgt>
-                                        </p:tgtEl>
-                                        <p:attrNameLst>
-                                          <p:attrName>style.visibility</p:attrName>
-                                        </p:attrNameLst>
-                                      </p:cBhvr>
-                                      <p:to>
-                                        <p:strVal val="visible"/>
-                                      </p:to>
-                                    </p:set>
-                                    <p:animEffect transition="in" filter="wipe(left)">
-                                      <p:cBhvr>
-                                        <p:cTn id="57" dur="500"/>
-                                        <p:tgtEl>
-                                          <p:spTgt spid="3">
-                                            <p:graphicEl>
-                                              <a:dgm id="{2FDD53B2-E7DB-4401-9CCC-37A250D6B3BF}"/>
-                                            </p:graphicEl>
-                                          </p:spTgt>
-                                        </p:tgtEl>
-                                      </p:cBhvr>
-                                    </p:animEffect>
-                                  </p:childTnLst>
-                                </p:cTn>
-                              </p:par>
-                            </p:childTnLst>
-                          </p:cTn>
-                        </p:par>
-                      </p:childTnLst>
-                    </p:cTn>
-                  </p:par>
-                  <p:par>
-                    <p:cTn id="58" fill="hold">
-                      <p:stCondLst>
-                        <p:cond delay="indefinite"/>
-                      </p:stCondLst>
-                      <p:childTnLst>
-                        <p:par>
-                          <p:cTn id="59" fill="hold">
-                            <p:stCondLst>
-                              <p:cond delay="0"/>
-                            </p:stCondLst>
-                            <p:childTnLst>
-                              <p:par>
-                                <p:cTn id="60" presetID="22" presetClass="entr" presetSubtype="8" fill="hold" grpId="0" nodeType="clickEffect">
-                                  <p:stCondLst>
-                                    <p:cond delay="0"/>
-                                  </p:stCondLst>
-                                  <p:childTnLst>
-                                    <p:set>
-                                      <p:cBhvr>
-                                        <p:cTn id="61" dur="1" fill="hold">
-                                          <p:stCondLst>
-                                            <p:cond delay="0"/>
-                                          </p:stCondLst>
-                                        </p:cTn>
-                                        <p:tgtEl>
-                                          <p:spTgt spid="3">
-                                            <p:graphicEl>
-                                              <a:dgm id="{93708E6B-2455-4F8D-BE62-B7332F0FAB2A}"/>
-                                            </p:graphicEl>
-                                          </p:spTgt>
-                                        </p:tgtEl>
-                                        <p:attrNameLst>
-                                          <p:attrName>style.visibility</p:attrName>
-                                        </p:attrNameLst>
-                                      </p:cBhvr>
-                                      <p:to>
-                                        <p:strVal val="visible"/>
-                                      </p:to>
-                                    </p:set>
-                                    <p:animEffect transition="in" filter="wipe(left)">
-                                      <p:cBhvr>
-                                        <p:cTn id="62" dur="500"/>
-                                        <p:tgtEl>
-                                          <p:spTgt spid="3">
-                                            <p:graphicEl>
-                                              <a:dgm id="{93708E6B-2455-4F8D-BE62-B7332F0FAB2A}"/>
-                                            </p:graphicEl>
-                                          </p:spTgt>
-                                        </p:tgtEl>
-                                      </p:cBhvr>
-                                    </p:animEffect>
-                                  </p:childTnLst>
-                                </p:cTn>
-                              </p:par>
-                            </p:childTnLst>
-                          </p:cTn>
-                        </p:par>
-                      </p:childTnLst>
-                    </p:cTn>
-                  </p:par>
-                  <p:par>
-                    <p:cTn id="63" fill="hold">
-                      <p:stCondLst>
-                        <p:cond delay="indefinite"/>
-                      </p:stCondLst>
-                      <p:childTnLst>
-                        <p:par>
-                          <p:cTn id="64" fill="hold">
-                            <p:stCondLst>
-                              <p:cond delay="0"/>
-                            </p:stCondLst>
-                            <p:childTnLst>
-                              <p:par>
-                                <p:cTn id="65" presetID="22" presetClass="entr" presetSubtype="8" fill="hold" grpId="0" nodeType="clickEffect">
-                                  <p:stCondLst>
-                                    <p:cond delay="0"/>
-                                  </p:stCondLst>
-                                  <p:childTnLst>
-                                    <p:set>
-                                      <p:cBhvr>
-                                        <p:cTn id="66" dur="1" fill="hold">
-                                          <p:stCondLst>
-                                            <p:cond delay="0"/>
-                                          </p:stCondLst>
-                                        </p:cTn>
-                                        <p:tgtEl>
-                                          <p:spTgt spid="3">
-                                            <p:graphicEl>
-                                              <a:dgm id="{3306F71B-8A80-4A7E-9D5F-2E1016E22986}"/>
-                                            </p:graphicEl>
-                                          </p:spTgt>
-                                        </p:tgtEl>
-                                        <p:attrNameLst>
-                                          <p:attrName>style.visibility</p:attrName>
-                                        </p:attrNameLst>
-                                      </p:cBhvr>
-                                      <p:to>
-                                        <p:strVal val="visible"/>
-                                      </p:to>
-                                    </p:set>
-                                    <p:animEffect transition="in" filter="wipe(left)">
-                                      <p:cBhvr>
-                                        <p:cTn id="67" dur="500"/>
-                                        <p:tgtEl>
-                                          <p:spTgt spid="3">
-                                            <p:graphicEl>
-                                              <a:dgm id="{3306F71B-8A80-4A7E-9D5F-2E1016E22986}"/>
-                                            </p:graphicEl>
-                                          </p:spTgt>
-                                        </p:tgtEl>
-                                      </p:cBhvr>
-                                    </p:animEffect>
-                                  </p:childTnLst>
-                                </p:cTn>
-                              </p:par>
-                            </p:childTnLst>
-                          </p:cTn>
-                        </p:par>
-                      </p:childTnLst>
-                    </p:cTn>
-                  </p:par>
-                  <p:par>
-                    <p:cTn id="68" fill="hold">
-                      <p:stCondLst>
-                        <p:cond delay="indefinite"/>
-                      </p:stCondLst>
-                      <p:childTnLst>
-                        <p:par>
-                          <p:cTn id="69" fill="hold">
-                            <p:stCondLst>
-                              <p:cond delay="0"/>
-                            </p:stCondLst>
-                            <p:childTnLst>
-                              <p:par>
-                                <p:cTn id="70" presetID="22" presetClass="entr" presetSubtype="8" fill="hold" grpId="0" nodeType="clickEffect">
-                                  <p:stCondLst>
-                                    <p:cond delay="0"/>
-                                  </p:stCondLst>
-                                  <p:childTnLst>
-                                    <p:set>
-                                      <p:cBhvr>
-                                        <p:cTn id="71" dur="1" fill="hold">
-                                          <p:stCondLst>
-                                            <p:cond delay="0"/>
-                                          </p:stCondLst>
-                                        </p:cTn>
-                                        <p:tgtEl>
-                                          <p:spTgt spid="3">
-                                            <p:graphicEl>
-                                              <a:dgm id="{FA9CD9E2-ACB9-4012-977C-AAB106F8CB5F}"/>
-                                            </p:graphicEl>
-                                          </p:spTgt>
-                                        </p:tgtEl>
-                                        <p:attrNameLst>
-                                          <p:attrName>style.visibility</p:attrName>
-                                        </p:attrNameLst>
-                                      </p:cBhvr>
-                                      <p:to>
-                                        <p:strVal val="visible"/>
-                                      </p:to>
-                                    </p:set>
-                                    <p:animEffect transition="in" filter="wipe(left)">
-                                      <p:cBhvr>
-                                        <p:cTn id="72" dur="500"/>
-                                        <p:tgtEl>
-                                          <p:spTgt spid="3">
-                                            <p:graphicEl>
-                                              <a:dgm id="{FA9CD9E2-ACB9-4012-977C-AAB106F8CB5F}"/>
+                                              <a:dgm id="{F8C9DB1A-BC70-4A90-80C0-94B987DE21A6}"/>
                                             </p:graphicEl>
                                           </p:spTgt>
                                         </p:tgtEl>
@@ -13273,77 +10595,78 @@
           <a:chExt cx="0" cy="0"/>
         </a:xfrm>
       </p:grpSpPr>
+      <p:sp>
+        <p:nvSpPr>
+          <p:cNvPr id="2" name="Title 1"/>
+          <p:cNvSpPr>
+            <a:spLocks noGrp="1"/>
+          </p:cNvSpPr>
+          <p:nvPr>
+            <p:ph type="title"/>
+            <p:custDataLst>
+              <p:tags r:id="rId2"/>
+            </p:custDataLst>
+          </p:nvPr>
+        </p:nvSpPr>
+        <p:spPr>
+          <a:xfrm>
+            <a:off x="841248" y="152400"/>
+            <a:ext cx="5178552" cy="838200"/>
+          </a:xfrm>
+        </p:spPr>
+        <p:txBody>
+          <a:bodyPr/>
+          <a:lstStyle/>
+          <a:p>
+            <a:r>
+              <a:rPr lang="en-US" dirty="0" smtClean="0"/>
+              <a:t>Raspberry Pi</a:t>
+            </a:r>
+            <a:endParaRPr lang="en-US" dirty="0"/>
+          </a:p>
+        </p:txBody>
+      </p:sp>
       <p:pic>
         <p:nvPicPr>
-          <p:cNvPr id="1027" name="Picture 3"/>
+          <p:cNvPr id="5" name="Picture 4"/>
           <p:cNvPicPr>
-            <a:picLocks noChangeAspect="1" noChangeArrowheads="1"/>
+            <a:picLocks noChangeAspect="1"/>
           </p:cNvPicPr>
           <p:nvPr/>
         </p:nvPicPr>
         <p:blipFill>
-          <a:blip r:embed="rId3">
+          <a:blip r:embed="rId5">
             <a:extLst>
               <a:ext uri="{28A0092B-C50C-407E-A947-70E740481C1C}">
                 <a14:useLocalDpi xmlns:a14="http://schemas.microsoft.com/office/drawing/2010/main" val="0"/>
               </a:ext>
             </a:extLst>
           </a:blip>
-          <a:srcRect/>
           <a:stretch>
             <a:fillRect/>
           </a:stretch>
         </p:blipFill>
-        <p:spPr bwMode="auto">
+        <p:spPr>
           <a:xfrm>
-            <a:off x="-228600" y="0"/>
-            <a:ext cx="9735562" cy="6888480"/>
+            <a:off x="609600" y="76200"/>
+            <a:ext cx="8458200" cy="6667919"/>
           </a:xfrm>
           <a:prstGeom prst="rect">
             <a:avLst/>
           </a:prstGeom>
-          <a:noFill/>
-          <a:ln>
-            <a:noFill/>
-          </a:ln>
-          <a:extLst>
-            <a:ext uri="{909E8E84-426E-40DD-AFC4-6F175D3DCCD1}">
-              <a14:hiddenFill xmlns:a14="http://schemas.microsoft.com/office/drawing/2010/main">
-                <a:solidFill>
-                  <a:schemeClr val="accent1"/>
-                </a:solidFill>
-              </a14:hiddenFill>
-            </a:ext>
-            <a:ext uri="{91240B29-F687-4F45-9708-019B960494DF}">
-              <a14:hiddenLine xmlns:a14="http://schemas.microsoft.com/office/drawing/2010/main" w="9525">
-                <a:solidFill>
-                  <a:schemeClr val="tx1"/>
-                </a:solidFill>
-                <a:miter lim="800000"/>
-                <a:headEnd/>
-                <a:tailEnd/>
-              </a14:hiddenLine>
-            </a:ext>
-          </a:extLst>
         </p:spPr>
       </p:pic>
     </p:spTree>
+    <p:custDataLst>
+      <p:tags r:id="rId1"/>
+    </p:custDataLst>
   </p:cSld>
   <p:clrMapOvr>
     <a:masterClrMapping/>
   </p:clrMapOvr>
-  <mc:AlternateContent xmlns:mc="http://schemas.openxmlformats.org/markup-compatibility/2006" xmlns:p14="http://schemas.microsoft.com/office/powerpoint/2010/main">
-    <mc:Choice Requires="p14">
-      <p:transition spd="slow" p14:dur="1600">
-        <p14:gallery dir="l"/>
-      </p:transition>
-    </mc:Choice>
-    <mc:Fallback xmlns="">
-      <p:transition spd="slow">
-        <p:fade/>
-      </p:transition>
-    </mc:Fallback>
-  </mc:AlternateContent>
+  <p:transition spd="slow">
+    <p:wipe dir="d"/>
+  </p:transition>
   <p:timing>
     <p:tnLst>
       <p:par>
@@ -13395,25 +10718,161 @@
           <a:lstStyle/>
           <a:p>
             <a:r>
-              <a:rPr lang="en-US" dirty="0" err="1" smtClean="0"/>
-              <a:t>IoT</a:t>
+              <a:rPr lang="en-US" dirty="0" smtClean="0"/>
+              <a:t>Checklist</a:t>
             </a:r>
             <a:endParaRPr lang="en-US" dirty="0"/>
+          </a:p>
+        </p:txBody>
+      </p:sp>
+      <p:sp>
+        <p:nvSpPr>
+          <p:cNvPr id="8" name="TextBox 7"/>
+          <p:cNvSpPr txBox="1"/>
+          <p:nvPr/>
+        </p:nvSpPr>
+        <p:spPr>
+          <a:xfrm>
+            <a:off x="609600" y="990600"/>
+            <a:ext cx="4724400" cy="2862322"/>
+          </a:xfrm>
+          <a:prstGeom prst="rect">
+            <a:avLst/>
+          </a:prstGeom>
+          <a:noFill/>
+        </p:spPr>
+        <p:txBody>
+          <a:bodyPr wrap="square" rtlCol="0">
+            <a:spAutoFit/>
+          </a:bodyPr>
+          <a:lstStyle/>
+          <a:p>
+            <a:pPr marL="285750" indent="-285750">
+              <a:buFont typeface="Arial" panose="020B0604020202020204" pitchFamily="34" charset="0"/>
+              <a:buChar char="•"/>
+            </a:pPr>
+            <a:r>
+              <a:rPr lang="en-GB" dirty="0" smtClean="0"/>
+              <a:t>Pi </a:t>
+            </a:r>
+            <a:r>
+              <a:rPr lang="en-GB" dirty="0"/>
+              <a:t>- seems </a:t>
+            </a:r>
+            <a:r>
+              <a:rPr lang="en-GB" dirty="0" smtClean="0"/>
+              <a:t>obvious</a:t>
+            </a:r>
+          </a:p>
+          <a:p>
+            <a:pPr marL="285750" indent="-285750">
+              <a:buFont typeface="Arial" panose="020B0604020202020204" pitchFamily="34" charset="0"/>
+              <a:buChar char="•"/>
+            </a:pPr>
+            <a:r>
+              <a:rPr lang="en-GB" dirty="0" smtClean="0"/>
+              <a:t>Micro </a:t>
+            </a:r>
+            <a:r>
+              <a:rPr lang="en-GB" dirty="0"/>
+              <a:t>SD Card</a:t>
+            </a:r>
+          </a:p>
+          <a:p>
+            <a:pPr marL="285750" indent="-285750">
+              <a:buFont typeface="Arial" panose="020B0604020202020204" pitchFamily="34" charset="0"/>
+              <a:buChar char="•"/>
+            </a:pPr>
+            <a:r>
+              <a:rPr lang="en-GB" dirty="0"/>
+              <a:t>Some kind of adapter for SD to Micro SD and then probably that to USB</a:t>
+            </a:r>
+          </a:p>
+          <a:p>
+            <a:pPr marL="285750" indent="-285750">
+              <a:buFont typeface="Arial" panose="020B0604020202020204" pitchFamily="34" charset="0"/>
+              <a:buChar char="•"/>
+            </a:pPr>
+            <a:r>
+              <a:rPr lang="en-GB" dirty="0"/>
+              <a:t>Power </a:t>
+            </a:r>
+            <a:r>
+              <a:rPr lang="en-GB" dirty="0" smtClean="0"/>
+              <a:t>adapter. </a:t>
+            </a:r>
+            <a:r>
+              <a:rPr lang="en-GB" dirty="0"/>
+              <a:t>Pi has micro USB style port BUT not all charges have enough </a:t>
+            </a:r>
+            <a:r>
+              <a:rPr lang="en-GB" dirty="0" err="1"/>
+              <a:t>umpf</a:t>
+            </a:r>
+            <a:r>
+              <a:rPr lang="en-GB" dirty="0"/>
+              <a:t> to get it going so </a:t>
+            </a:r>
+            <a:r>
+              <a:rPr lang="en-GB" dirty="0" smtClean="0"/>
+              <a:t>use an appropriate one.</a:t>
+            </a:r>
+            <a:endParaRPr lang="en-GB" dirty="0"/>
+          </a:p>
+          <a:p>
+            <a:pPr marL="285750" indent="-285750">
+              <a:buFont typeface="Arial" panose="020B0604020202020204" pitchFamily="34" charset="0"/>
+              <a:buChar char="•"/>
+            </a:pPr>
+            <a:r>
+              <a:rPr lang="en-GB" dirty="0" err="1"/>
+              <a:t>WiFi</a:t>
+            </a:r>
+            <a:r>
+              <a:rPr lang="en-GB" dirty="0"/>
+              <a:t> USB </a:t>
+            </a:r>
+            <a:r>
+              <a:rPr lang="en-GB" dirty="0" smtClean="0"/>
+              <a:t>plug or wired </a:t>
+            </a:r>
+            <a:r>
+              <a:rPr lang="en-GB" dirty="0"/>
+              <a:t>internet connection</a:t>
+            </a:r>
+          </a:p>
+          <a:p>
+            <a:pPr marL="285750" indent="-285750">
+              <a:buFont typeface="Arial" panose="020B0604020202020204" pitchFamily="34" charset="0"/>
+              <a:buChar char="•"/>
+            </a:pPr>
+            <a:r>
+              <a:rPr lang="en-GB" dirty="0"/>
+              <a:t>USB Mouse and Keyboard</a:t>
+            </a:r>
+          </a:p>
+          <a:p>
+            <a:pPr marL="285750" indent="-285750">
+              <a:buFont typeface="Arial" panose="020B0604020202020204" pitchFamily="34" charset="0"/>
+              <a:buChar char="•"/>
+            </a:pPr>
+            <a:r>
+              <a:rPr lang="en-GB" dirty="0"/>
+              <a:t>Some kind of HDMI device.</a:t>
+            </a:r>
           </a:p>
         </p:txBody>
       </p:sp>
       <p:pic>
         <p:nvPicPr>
-          <p:cNvPr id="7" name="Content Placeholder 6"/>
+          <p:cNvPr id="5" name="Picture 4"/>
           <p:cNvPicPr>
-            <a:picLocks noGrp="1" noChangeAspect="1"/>
+            <a:picLocks noChangeAspect="1"/>
           </p:cNvPicPr>
-          <p:nvPr>
-            <p:ph idx="1"/>
-          </p:nvPr>
+          <p:nvPr/>
         </p:nvPicPr>
         <p:blipFill>
-          <a:blip r:embed="rId5" cstate="print">
+          <a:blip r:embed="rId5" cstate="email">
             <a:extLst>
               <a:ext uri="{28A0092B-C50C-407E-A947-70E740481C1C}">
                 <a14:useLocalDpi xmlns:a14="http://schemas.microsoft.com/office/drawing/2010/main" val="0"/>
@@ -13426,92 +10885,23 @@
         </p:blipFill>
         <p:spPr>
           <a:xfrm>
-            <a:off x="5410200" y="0"/>
-            <a:ext cx="3733800" cy="6858000"/>
-          </a:xfrm>
-        </p:spPr>
-      </p:pic>
-      <p:sp>
-        <p:nvSpPr>
-          <p:cNvPr id="8" name="TextBox 7"/>
-          <p:cNvSpPr txBox="1"/>
-          <p:nvPr/>
-        </p:nvSpPr>
-        <p:spPr>
-          <a:xfrm>
-            <a:off x="609600" y="990600"/>
-            <a:ext cx="4724400" cy="5355312"/>
+            <a:off x="5290440" y="685800"/>
+            <a:ext cx="3578433" cy="4495800"/>
           </a:xfrm>
           <a:prstGeom prst="rect">
             <a:avLst/>
           </a:prstGeom>
-          <a:noFill/>
         </p:spPr>
-        <p:txBody>
-          <a:bodyPr wrap="square" rtlCol="0">
-            <a:spAutoFit/>
-          </a:bodyPr>
-          <a:lstStyle/>
-          <a:p>
-            <a:pPr marL="285750" indent="-285750">
-              <a:buFont typeface="Arial" panose="020B0604020202020204" pitchFamily="34" charset="0"/>
-              <a:buChar char="•"/>
-            </a:pPr>
-            <a:r>
-              <a:rPr lang="en-US" i="1" u="sng" dirty="0" smtClean="0"/>
-              <a:t>Oxford Dictionary </a:t>
-            </a:r>
-            <a:r>
-              <a:rPr lang="en-US" dirty="0"/>
-              <a:t>- The interconnection via the Internet of computing devices embedded in everyday objects, enabling them to send and receive data</a:t>
-            </a:r>
-            <a:r>
-              <a:rPr lang="en-US" dirty="0" smtClean="0"/>
-              <a:t>.</a:t>
-            </a:r>
-          </a:p>
-          <a:p>
-            <a:pPr marL="285750" indent="-285750">
-              <a:buFont typeface="Arial" panose="020B0604020202020204" pitchFamily="34" charset="0"/>
-              <a:buChar char="•"/>
-            </a:pPr>
-            <a:r>
-              <a:rPr lang="en-US" i="1" u="sng" dirty="0"/>
-              <a:t>Wikipedia</a:t>
-            </a:r>
-            <a:r>
-              <a:rPr lang="en-US" dirty="0"/>
-              <a:t> - The network of physical objects—devices, vehicles, buildings and other items embedded with electronics, software, sensors, and network connectivity—that enables these objects to collect and exchange data</a:t>
-            </a:r>
-            <a:r>
-              <a:rPr lang="en-US" dirty="0" smtClean="0"/>
-              <a:t>.</a:t>
-            </a:r>
-          </a:p>
-          <a:p>
-            <a:pPr marL="285750" indent="-285750">
-              <a:buFont typeface="Arial" panose="020B0604020202020204" pitchFamily="34" charset="0"/>
-              <a:buChar char="•"/>
-            </a:pPr>
-            <a:r>
-              <a:rPr lang="en-US" i="1" u="sng" dirty="0" smtClean="0"/>
-              <a:t>SAP</a:t>
-            </a:r>
-            <a:r>
-              <a:rPr lang="en-US" dirty="0" smtClean="0"/>
-              <a:t> - </a:t>
-            </a:r>
-            <a:r>
-              <a:rPr lang="en-US" dirty="0"/>
-              <a:t>A world where physical objects are seamlessly integrated into the information network, and where the physical objects can become active participants in business processes. Services are available to interact with these 'smart objects' over the Internet, query and change their state and any information associated with them, taking into account security and privacy issues.</a:t>
-            </a:r>
-          </a:p>
-        </p:txBody>
-      </p:sp>
+      </p:pic>
     </p:spTree>
     <p:custDataLst>
       <p:tags r:id="rId1"/>
     </p:custDataLst>
+    <p:extLst>
+      <p:ext uri="{BB962C8B-B14F-4D97-AF65-F5344CB8AC3E}">
+        <p14:creationId xmlns:p14="http://schemas.microsoft.com/office/powerpoint/2010/main" val="2947393767"/>
+      </p:ext>
+    </p:extLst>
   </p:cSld>
   <p:clrMapOvr>
     <a:masterClrMapping/>
@@ -13546,39 +10936,252 @@
           <a:chExt cx="0" cy="0"/>
         </a:xfrm>
       </p:grpSpPr>
-      <p:pic>
-        <p:nvPicPr>
-          <p:cNvPr id="4" name="Content Placeholder 3"/>
-          <p:cNvPicPr>
-            <a:picLocks noGrp="1" noChangeAspect="1"/>
-          </p:cNvPicPr>
-          <p:nvPr>
-            <p:ph idx="1"/>
-          </p:nvPr>
-        </p:nvPicPr>
-        <p:blipFill>
-          <a:blip r:embed="rId2" cstate="email">
-            <a:extLst>
-              <a:ext uri="{28A0092B-C50C-407E-A947-70E740481C1C}">
-                <a14:useLocalDpi xmlns:a14="http://schemas.microsoft.com/office/drawing/2010/main" val="0"/>
-              </a:ext>
-            </a:extLst>
-          </a:blip>
-          <a:stretch>
-            <a:fillRect/>
-          </a:stretch>
-        </p:blipFill>
+      <p:sp>
+        <p:nvSpPr>
+          <p:cNvPr id="8" name="TextBox 7"/>
+          <p:cNvSpPr txBox="1"/>
+          <p:nvPr/>
+        </p:nvSpPr>
         <p:spPr>
           <a:xfrm>
-            <a:off x="-152400" y="0"/>
-            <a:ext cx="9525000" cy="6858000"/>
+            <a:off x="609600" y="152400"/>
+            <a:ext cx="8534400" cy="6309420"/>
           </a:xfrm>
+          <a:prstGeom prst="rect">
+            <a:avLst/>
+          </a:prstGeom>
+          <a:noFill/>
         </p:spPr>
-      </p:pic>
+        <p:txBody>
+          <a:bodyPr wrap="square" rtlCol="0">
+            <a:spAutoFit/>
+          </a:bodyPr>
+          <a:lstStyle/>
+          <a:p>
+            <a:r>
+              <a:rPr lang="en-GB" sz="4400" dirty="0">
+                <a:latin typeface="+mj-lt"/>
+                <a:ea typeface="+mj-ea"/>
+                <a:cs typeface="+mj-cs"/>
+              </a:rPr>
+              <a:t>Baking the Pi</a:t>
+            </a:r>
+          </a:p>
+          <a:p>
+            <a:pPr marL="285750" indent="-285750">
+              <a:buFont typeface="Arial" panose="020B0604020202020204" pitchFamily="34" charset="0"/>
+              <a:buChar char="•"/>
+            </a:pPr>
+            <a:endParaRPr lang="en-GB" i="1" dirty="0"/>
+          </a:p>
+          <a:p>
+            <a:pPr marL="285750" indent="-285750">
+              <a:buFont typeface="Arial" panose="020B0604020202020204" pitchFamily="34" charset="0"/>
+              <a:buChar char="•"/>
+            </a:pPr>
+            <a:r>
+              <a:rPr lang="en-GB" i="1" dirty="0" smtClean="0"/>
+              <a:t>Head </a:t>
+            </a:r>
+            <a:r>
+              <a:rPr lang="en-GB" i="1" dirty="0"/>
+              <a:t>over to https://www.raspberrypi.org/downloads/ and download </a:t>
+            </a:r>
+            <a:r>
+              <a:rPr lang="en-GB" i="1" dirty="0" err="1"/>
+              <a:t>Raspbian</a:t>
+            </a:r>
+            <a:r>
+              <a:rPr lang="en-GB" i="1" dirty="0"/>
+              <a:t> (current build is 5th of May 2015 - Take the ZIP unless you want some torrent activity on your machine. It's around 1 gig</a:t>
+            </a:r>
+          </a:p>
+          <a:p>
+            <a:pPr marL="285750" indent="-285750">
+              <a:buFont typeface="Arial" panose="020B0604020202020204" pitchFamily="34" charset="0"/>
+              <a:buChar char="•"/>
+            </a:pPr>
+            <a:endParaRPr lang="en-GB" i="1" dirty="0" smtClean="0"/>
+          </a:p>
+          <a:p>
+            <a:pPr marL="285750" indent="-285750">
+              <a:buFont typeface="Arial" panose="020B0604020202020204" pitchFamily="34" charset="0"/>
+              <a:buChar char="•"/>
+            </a:pPr>
+            <a:r>
+              <a:rPr lang="en-GB" i="1" dirty="0" smtClean="0"/>
+              <a:t>Next </a:t>
+            </a:r>
+            <a:r>
+              <a:rPr lang="en-GB" i="1" dirty="0"/>
+              <a:t>you are going to need to configure the SD card, you can just drop the ZIP contents on it in theory but in reality I could never get this to work so you require configuration 'stuff'</a:t>
+            </a:r>
+          </a:p>
+          <a:p>
+            <a:pPr marL="742950" lvl="1" indent="-285750">
+              <a:buFont typeface="Courier New" panose="02070309020205020404" pitchFamily="49" charset="0"/>
+              <a:buChar char="o"/>
+            </a:pPr>
+            <a:r>
+              <a:rPr lang="en-GB" i="1" dirty="0" smtClean="0"/>
+              <a:t>	Linux/Unix </a:t>
+            </a:r>
+            <a:r>
+              <a:rPr lang="en-GB" i="1" dirty="0"/>
+              <a:t>- Follow these commands here </a:t>
+            </a:r>
+            <a:r>
+              <a:rPr lang="en-GB" i="1" dirty="0" smtClean="0"/>
+              <a:t>	</a:t>
+            </a:r>
+            <a:r>
+              <a:rPr lang="en-GB" i="1" dirty="0" smtClean="0">
+                <a:hlinkClick r:id="rId4"/>
+              </a:rPr>
+              <a:t>https</a:t>
+            </a:r>
+            <a:r>
+              <a:rPr lang="en-GB" i="1" dirty="0">
+                <a:hlinkClick r:id="rId4"/>
+              </a:rPr>
+              <a:t>://</a:t>
+            </a:r>
+            <a:r>
+              <a:rPr lang="en-GB" i="1" dirty="0" smtClean="0">
+                <a:hlinkClick r:id="rId4"/>
+              </a:rPr>
+              <a:t>www.raspberrypi.org/documentation/installation/installing-</a:t>
+            </a:r>
+            <a:r>
+              <a:rPr lang="en-GB" i="1" dirty="0" smtClean="0"/>
+              <a:t>	images/linux.md</a:t>
+            </a:r>
+            <a:endParaRPr lang="en-GB" i="1" dirty="0"/>
+          </a:p>
+          <a:p>
+            <a:pPr marL="742950" lvl="1" indent="-285750">
+              <a:buFont typeface="Courier New" panose="02070309020205020404" pitchFamily="49" charset="0"/>
+              <a:buChar char="o"/>
+            </a:pPr>
+            <a:r>
+              <a:rPr lang="en-GB" i="1" dirty="0" smtClean="0"/>
+              <a:t>	Windows </a:t>
+            </a:r>
+            <a:r>
+              <a:rPr lang="en-GB" i="1" dirty="0"/>
+              <a:t>- </a:t>
+            </a:r>
+            <a:r>
+              <a:rPr lang="en-GB" i="1" dirty="0">
+                <a:hlinkClick r:id="rId5"/>
+              </a:rPr>
+              <a:t>https://</a:t>
+            </a:r>
+            <a:r>
+              <a:rPr lang="en-GB" i="1" dirty="0" smtClean="0">
+                <a:hlinkClick r:id="rId5"/>
+              </a:rPr>
+              <a:t>www.raspberrypi.org/documentation/installation/installing-i</a:t>
+            </a:r>
+            <a:r>
+              <a:rPr lang="en-GB" i="1" dirty="0" smtClean="0"/>
+              <a:t>	mages/windows.md </a:t>
+            </a:r>
+            <a:r>
+              <a:rPr lang="en-GB" i="1" dirty="0"/>
+              <a:t>You'll need Win32DiskImager but that is included in the </a:t>
+            </a:r>
+            <a:r>
+              <a:rPr lang="en-GB" i="1" dirty="0" smtClean="0"/>
+              <a:t>	instructions </a:t>
+            </a:r>
+            <a:r>
+              <a:rPr lang="en-GB" i="1" dirty="0"/>
+              <a:t>and guide.</a:t>
+            </a:r>
+          </a:p>
+          <a:p>
+            <a:pPr marL="742950" lvl="1" indent="-285750">
+              <a:buFont typeface="Courier New" panose="02070309020205020404" pitchFamily="49" charset="0"/>
+              <a:buChar char="o"/>
+            </a:pPr>
+            <a:r>
+              <a:rPr lang="en-GB" i="1" dirty="0" smtClean="0"/>
+              <a:t>	Apple </a:t>
+            </a:r>
+            <a:r>
+              <a:rPr lang="en-GB" i="1" dirty="0"/>
+              <a:t>- </a:t>
+            </a:r>
+            <a:r>
+              <a:rPr lang="en-GB" i="1" dirty="0">
+                <a:hlinkClick r:id="rId4"/>
+              </a:rPr>
+              <a:t>https://</a:t>
+            </a:r>
+            <a:r>
+              <a:rPr lang="en-GB" i="1" dirty="0" smtClean="0">
+                <a:hlinkClick r:id="rId4"/>
+              </a:rPr>
+              <a:t>www.raspberrypi.org/documentation/installation/installing-</a:t>
+            </a:r>
+            <a:r>
+              <a:rPr lang="en-GB" i="1" dirty="0" smtClean="0"/>
+              <a:t>	images/mac.md</a:t>
+            </a:r>
+            <a:endParaRPr lang="en-GB" i="1" dirty="0"/>
+          </a:p>
+          <a:p>
+            <a:pPr marL="742950" lvl="1" indent="-285750">
+              <a:buFont typeface="Courier New" panose="02070309020205020404" pitchFamily="49" charset="0"/>
+              <a:buChar char="o"/>
+            </a:pPr>
+            <a:r>
+              <a:rPr lang="en-GB" i="1" dirty="0" smtClean="0"/>
+              <a:t>	Of </a:t>
+            </a:r>
+            <a:r>
+              <a:rPr lang="en-GB" i="1" dirty="0"/>
+              <a:t>the 3 the Windows is way more 'visual' and GUI based but the choice is yours. </a:t>
+            </a:r>
+          </a:p>
+          <a:p>
+            <a:pPr marL="285750" indent="-285750">
+              <a:buFont typeface="Arial" panose="020B0604020202020204" pitchFamily="34" charset="0"/>
+              <a:buChar char="•"/>
+            </a:pPr>
+            <a:endParaRPr lang="en-GB" i="1" dirty="0" smtClean="0"/>
+          </a:p>
+          <a:p>
+            <a:pPr marL="285750" indent="-285750">
+              <a:buFont typeface="Arial" panose="020B0604020202020204" pitchFamily="34" charset="0"/>
+              <a:buChar char="•"/>
+            </a:pPr>
+            <a:r>
+              <a:rPr lang="en-GB" i="1" dirty="0" smtClean="0"/>
+              <a:t>Once </a:t>
+            </a:r>
+            <a:r>
+              <a:rPr lang="en-GB" i="1" dirty="0"/>
+              <a:t>the SD card is formatted open the ZIP and drop the contents of it onto the root.</a:t>
+            </a:r>
+          </a:p>
+          <a:p>
+            <a:pPr marL="285750" indent="-285750">
+              <a:buFont typeface="Arial" panose="020B0604020202020204" pitchFamily="34" charset="0"/>
+              <a:buChar char="•"/>
+            </a:pPr>
+            <a:endParaRPr lang="en-GB" i="1" dirty="0" smtClean="0"/>
+          </a:p>
+        </p:txBody>
+      </p:sp>
     </p:spTree>
+    <p:custDataLst>
+      <p:tags r:id="rId1"/>
+    </p:custDataLst>
     <p:extLst>
       <p:ext uri="{BB962C8B-B14F-4D97-AF65-F5344CB8AC3E}">
-        <p14:creationId xmlns:p14="http://schemas.microsoft.com/office/powerpoint/2010/main" val="4021639927"/>
+        <p14:creationId xmlns:p14="http://schemas.microsoft.com/office/powerpoint/2010/main" val="22584947"/>
       </p:ext>
     </p:extLst>
   </p:cSld>
@@ -13615,39 +11218,238 @@
           <a:chExt cx="0" cy="0"/>
         </a:xfrm>
       </p:grpSpPr>
-      <p:pic>
-        <p:nvPicPr>
-          <p:cNvPr id="6" name="Content Placeholder 5"/>
-          <p:cNvPicPr>
-            <a:picLocks noGrp="1" noChangeAspect="1"/>
-          </p:cNvPicPr>
-          <p:nvPr>
-            <p:ph idx="1"/>
-          </p:nvPr>
-        </p:nvPicPr>
-        <p:blipFill>
-          <a:blip r:embed="rId4" cstate="email">
-            <a:extLst>
-              <a:ext uri="{28A0092B-C50C-407E-A947-70E740481C1C}">
-                <a14:useLocalDpi xmlns:a14="http://schemas.microsoft.com/office/drawing/2010/main" val="0"/>
-              </a:ext>
-            </a:extLst>
-          </a:blip>
-          <a:stretch>
-            <a:fillRect/>
-          </a:stretch>
-        </p:blipFill>
+      <p:sp>
+        <p:nvSpPr>
+          <p:cNvPr id="8" name="TextBox 7"/>
+          <p:cNvSpPr txBox="1"/>
+          <p:nvPr/>
+        </p:nvSpPr>
         <p:spPr>
           <a:xfrm>
-            <a:off x="-76200" y="0"/>
-            <a:ext cx="9179441" cy="6934200"/>
+            <a:off x="609600" y="152400"/>
+            <a:ext cx="8534400" cy="6586418"/>
           </a:xfrm>
+          <a:prstGeom prst="rect">
+            <a:avLst/>
+          </a:prstGeom>
+          <a:noFill/>
         </p:spPr>
-      </p:pic>
+        <p:txBody>
+          <a:bodyPr wrap="square" rtlCol="0">
+            <a:spAutoFit/>
+          </a:bodyPr>
+          <a:lstStyle/>
+          <a:p>
+            <a:r>
+              <a:rPr lang="en-GB" sz="4400" dirty="0">
+                <a:latin typeface="+mj-lt"/>
+                <a:ea typeface="+mj-ea"/>
+                <a:cs typeface="+mj-cs"/>
+              </a:rPr>
+              <a:t>Baking the Pi</a:t>
+            </a:r>
+          </a:p>
+          <a:p>
+            <a:pPr marL="285750" indent="-285750">
+              <a:buFont typeface="Arial" panose="020B0604020202020204" pitchFamily="34" charset="0"/>
+              <a:buChar char="•"/>
+            </a:pPr>
+            <a:endParaRPr lang="en-GB" i="1" dirty="0"/>
+          </a:p>
+          <a:p>
+            <a:pPr marL="285750" indent="-285750">
+              <a:buFont typeface="Arial" panose="020B0604020202020204" pitchFamily="34" charset="0"/>
+              <a:buChar char="•"/>
+            </a:pPr>
+            <a:r>
+              <a:rPr lang="en-GB" i="1" dirty="0"/>
+              <a:t>Start connecting up the PI, leave the power until last. First off Ethernet, Keyboard, Mouse and HDMI Don't bother with </a:t>
+            </a:r>
+            <a:r>
+              <a:rPr lang="en-GB" i="1" dirty="0" err="1"/>
+              <a:t>WiFi</a:t>
+            </a:r>
+            <a:r>
+              <a:rPr lang="en-GB" i="1" dirty="0"/>
+              <a:t> yet.</a:t>
+            </a:r>
+          </a:p>
+          <a:p>
+            <a:pPr marL="285750" indent="-285750">
+              <a:buFont typeface="Arial" panose="020B0604020202020204" pitchFamily="34" charset="0"/>
+              <a:buChar char="•"/>
+            </a:pPr>
+            <a:endParaRPr lang="en-GB" i="1" dirty="0" smtClean="0"/>
+          </a:p>
+          <a:p>
+            <a:pPr marL="285750" indent="-285750">
+              <a:buFont typeface="Arial" panose="020B0604020202020204" pitchFamily="34" charset="0"/>
+              <a:buChar char="•"/>
+            </a:pPr>
+            <a:r>
+              <a:rPr lang="en-GB" i="1" dirty="0" smtClean="0"/>
+              <a:t>HDMI </a:t>
+            </a:r>
+            <a:r>
+              <a:rPr lang="en-GB" i="1" dirty="0"/>
+              <a:t>to the TV/Display and power that up ensuring the input is correct (HDMI 2 on most of the LGs in the DDCN)</a:t>
+            </a:r>
+          </a:p>
+          <a:p>
+            <a:pPr marL="285750" indent="-285750">
+              <a:buFont typeface="Arial" panose="020B0604020202020204" pitchFamily="34" charset="0"/>
+              <a:buChar char="•"/>
+            </a:pPr>
+            <a:endParaRPr lang="en-GB" i="1" dirty="0" smtClean="0"/>
+          </a:p>
+          <a:p>
+            <a:pPr marL="285750" indent="-285750">
+              <a:buFont typeface="Arial" panose="020B0604020202020204" pitchFamily="34" charset="0"/>
+              <a:buChar char="•"/>
+            </a:pPr>
+            <a:r>
+              <a:rPr lang="en-GB" i="1" dirty="0" smtClean="0"/>
+              <a:t>Last </a:t>
+            </a:r>
+            <a:r>
+              <a:rPr lang="en-GB" i="1" dirty="0"/>
+              <a:t>plug the power in, If all goes well you should see the following:</a:t>
+            </a:r>
+          </a:p>
+          <a:p>
+            <a:pPr marL="285750" indent="-285750">
+              <a:buFont typeface="Arial" panose="020B0604020202020204" pitchFamily="34" charset="0"/>
+              <a:buChar char="•"/>
+            </a:pPr>
+            <a:endParaRPr lang="en-GB" i="1" dirty="0" smtClean="0"/>
+          </a:p>
+          <a:p>
+            <a:pPr marL="285750" indent="-285750">
+              <a:buFont typeface="Arial" panose="020B0604020202020204" pitchFamily="34" charset="0"/>
+              <a:buChar char="•"/>
+            </a:pPr>
+            <a:r>
+              <a:rPr lang="en-GB" i="1" dirty="0" smtClean="0"/>
+              <a:t>After </a:t>
+            </a:r>
+            <a:r>
+              <a:rPr lang="en-GB" i="1" dirty="0"/>
+              <a:t>this quick flash of multi colour screen you should then get either login request or a scrolling set of text detailing various installs.</a:t>
+            </a:r>
+          </a:p>
+          <a:p>
+            <a:pPr marL="285750" indent="-285750">
+              <a:buFont typeface="Arial" panose="020B0604020202020204" pitchFamily="34" charset="0"/>
+              <a:buChar char="•"/>
+            </a:pPr>
+            <a:endParaRPr lang="en-GB" i="1" dirty="0" smtClean="0"/>
+          </a:p>
+          <a:p>
+            <a:pPr marL="285750" indent="-285750">
+              <a:buFont typeface="Arial" panose="020B0604020202020204" pitchFamily="34" charset="0"/>
+              <a:buChar char="•"/>
+            </a:pPr>
+            <a:r>
+              <a:rPr lang="en-GB" i="1" dirty="0" smtClean="0"/>
+              <a:t>At </a:t>
+            </a:r>
+            <a:r>
+              <a:rPr lang="en-GB" i="1" dirty="0"/>
+              <a:t>some point the boot will begin pulling any dependencies it needs (assuming you remembered to connect the Ethernet cable).</a:t>
+            </a:r>
+          </a:p>
+          <a:p>
+            <a:pPr marL="285750" indent="-285750">
+              <a:buFont typeface="Arial" panose="020B0604020202020204" pitchFamily="34" charset="0"/>
+              <a:buChar char="•"/>
+            </a:pPr>
+            <a:endParaRPr lang="en-GB" i="1" dirty="0" smtClean="0"/>
+          </a:p>
+          <a:p>
+            <a:pPr marL="285750" indent="-285750">
+              <a:buFont typeface="Arial" panose="020B0604020202020204" pitchFamily="34" charset="0"/>
+              <a:buChar char="•"/>
+            </a:pPr>
+            <a:r>
+              <a:rPr lang="en-GB" i="1" dirty="0" smtClean="0"/>
+              <a:t>When </a:t>
+            </a:r>
+            <a:r>
+              <a:rPr lang="en-GB" i="1" dirty="0"/>
+              <a:t>asked for a username and password use the following: </a:t>
+            </a:r>
+          </a:p>
+          <a:p>
+            <a:r>
+              <a:rPr lang="en-GB" i="1" dirty="0" smtClean="0"/>
+              <a:t>	Pi </a:t>
+            </a:r>
+            <a:r>
+              <a:rPr lang="en-GB" i="1" dirty="0"/>
+              <a:t>Login details</a:t>
+            </a:r>
+          </a:p>
+          <a:p>
+            <a:r>
+              <a:rPr lang="en-GB" i="1" dirty="0" smtClean="0"/>
+              <a:t>	username</a:t>
+            </a:r>
+            <a:r>
+              <a:rPr lang="en-GB" i="1" dirty="0"/>
+              <a:t>: pi</a:t>
+            </a:r>
+          </a:p>
+          <a:p>
+            <a:r>
+              <a:rPr lang="en-GB" i="1" dirty="0" smtClean="0"/>
+              <a:t>	password</a:t>
+            </a:r>
+            <a:r>
+              <a:rPr lang="en-GB" i="1" dirty="0"/>
+              <a:t>: raspberry </a:t>
+            </a:r>
+          </a:p>
+          <a:p>
+            <a:pPr marL="285750" indent="-285750">
+              <a:buFont typeface="Arial" panose="020B0604020202020204" pitchFamily="34" charset="0"/>
+              <a:buChar char="•"/>
+            </a:pPr>
+            <a:endParaRPr lang="en-GB" i="1" dirty="0" smtClean="0"/>
+          </a:p>
+          <a:p>
+            <a:pPr marL="285750" indent="-285750">
+              <a:buFont typeface="Arial" panose="020B0604020202020204" pitchFamily="34" charset="0"/>
+              <a:buChar char="•"/>
+            </a:pPr>
+            <a:r>
+              <a:rPr lang="en-GB" i="1" dirty="0" smtClean="0"/>
+              <a:t>If </a:t>
+            </a:r>
+            <a:r>
+              <a:rPr lang="en-GB" i="1" dirty="0"/>
+              <a:t>this has all worked you should see a command line prompt '</a:t>
+            </a:r>
+            <a:r>
+              <a:rPr lang="en-GB" i="1" dirty="0" err="1"/>
+              <a:t>pi@raspberrypi</a:t>
+            </a:r>
+            <a:r>
+              <a:rPr lang="en-GB" i="1" dirty="0" smtClean="0"/>
+              <a:t>~$'</a:t>
+            </a:r>
+            <a:endParaRPr lang="en-GB" i="1" dirty="0"/>
+          </a:p>
+        </p:txBody>
+      </p:sp>
     </p:spTree>
     <p:custDataLst>
       <p:tags r:id="rId1"/>
     </p:custDataLst>
+    <p:extLst>
+      <p:ext uri="{BB962C8B-B14F-4D97-AF65-F5344CB8AC3E}">
+        <p14:creationId xmlns:p14="http://schemas.microsoft.com/office/powerpoint/2010/main" val="3267847009"/>
+      </p:ext>
+    </p:extLst>
   </p:cSld>
   <p:clrMapOvr>
     <a:masterClrMapping/>
@@ -13682,46 +11484,211 @@
           <a:chExt cx="0" cy="0"/>
         </a:xfrm>
       </p:grpSpPr>
-      <p:pic>
-        <p:nvPicPr>
-          <p:cNvPr id="3" name="Picture 2"/>
-          <p:cNvPicPr>
-            <a:picLocks noChangeAspect="1"/>
-          </p:cNvPicPr>
+      <p:sp>
+        <p:nvSpPr>
+          <p:cNvPr id="8" name="TextBox 7"/>
+          <p:cNvSpPr txBox="1"/>
           <p:nvPr/>
-        </p:nvPicPr>
-        <p:blipFill>
-          <a:blip r:embed="rId4" cstate="email">
-            <a:extLst>
-              <a:ext uri="{28A0092B-C50C-407E-A947-70E740481C1C}">
-                <a14:useLocalDpi xmlns:a14="http://schemas.microsoft.com/office/drawing/2010/main" val="0"/>
-              </a:ext>
-            </a:extLst>
-          </a:blip>
-          <a:stretch>
-            <a:fillRect/>
-          </a:stretch>
-        </p:blipFill>
+        </p:nvSpPr>
         <p:spPr>
           <a:xfrm>
-            <a:off x="-152400" y="0"/>
-            <a:ext cx="9654139" cy="6934200"/>
+            <a:off x="609600" y="152400"/>
+            <a:ext cx="8534400" cy="3816429"/>
           </a:xfrm>
           <a:prstGeom prst="rect">
             <a:avLst/>
           </a:prstGeom>
+          <a:noFill/>
         </p:spPr>
-      </p:pic>
+        <p:txBody>
+          <a:bodyPr wrap="square" rtlCol="0">
+            <a:spAutoFit/>
+          </a:bodyPr>
+          <a:lstStyle/>
+          <a:p>
+            <a:r>
+              <a:rPr lang="en-GB" sz="4400" dirty="0">
+                <a:latin typeface="+mj-lt"/>
+                <a:ea typeface="+mj-ea"/>
+                <a:cs typeface="+mj-cs"/>
+              </a:rPr>
+              <a:t>Baking the </a:t>
+            </a:r>
+            <a:r>
+              <a:rPr lang="en-GB" sz="4400" dirty="0" smtClean="0">
+                <a:latin typeface="+mj-lt"/>
+                <a:ea typeface="+mj-ea"/>
+                <a:cs typeface="+mj-cs"/>
+              </a:rPr>
+              <a:t>Pi</a:t>
+            </a:r>
+            <a:endParaRPr lang="en-GB" sz="4400" dirty="0">
+              <a:latin typeface="+mj-lt"/>
+              <a:ea typeface="+mj-ea"/>
+              <a:cs typeface="+mj-cs"/>
+            </a:endParaRPr>
+          </a:p>
+          <a:p>
+            <a:pPr marL="285750" indent="-285750">
+              <a:buFont typeface="Arial" panose="020B0604020202020204" pitchFamily="34" charset="0"/>
+              <a:buChar char="•"/>
+            </a:pPr>
+            <a:endParaRPr lang="en-GB" i="1" dirty="0" smtClean="0"/>
+          </a:p>
+          <a:p>
+            <a:pPr marL="285750" indent="-285750">
+              <a:buFont typeface="Arial" panose="020B0604020202020204" pitchFamily="34" charset="0"/>
+              <a:buChar char="•"/>
+            </a:pPr>
+            <a:r>
+              <a:rPr lang="en-GB" i="1" dirty="0" smtClean="0"/>
+              <a:t>Now </a:t>
+            </a:r>
+            <a:r>
+              <a:rPr lang="en-GB" i="1" dirty="0"/>
+              <a:t>we need to get to a desktop, so type the below and hit return</a:t>
+            </a:r>
+          </a:p>
+          <a:p>
+            <a:r>
+              <a:rPr lang="en-GB" i="1" dirty="0" smtClean="0"/>
+              <a:t>	Pi </a:t>
+            </a:r>
+            <a:r>
+              <a:rPr lang="en-GB" i="1" dirty="0"/>
+              <a:t>GUI/Desktop</a:t>
+            </a:r>
+          </a:p>
+          <a:p>
+            <a:r>
+              <a:rPr lang="en-GB" i="1" dirty="0" smtClean="0"/>
+              <a:t>	</a:t>
+            </a:r>
+            <a:r>
+              <a:rPr lang="en-GB" i="1" dirty="0" err="1" smtClean="0"/>
+              <a:t>startx</a:t>
+            </a:r>
+            <a:endParaRPr lang="en-GB" i="1" dirty="0"/>
+          </a:p>
+          <a:p>
+            <a:pPr marL="285750" indent="-285750">
+              <a:buFont typeface="Arial" panose="020B0604020202020204" pitchFamily="34" charset="0"/>
+              <a:buChar char="•"/>
+            </a:pPr>
+            <a:endParaRPr lang="en-GB" i="1" dirty="0" smtClean="0"/>
+          </a:p>
+          <a:p>
+            <a:pPr marL="285750" indent="-285750">
+              <a:buFont typeface="Arial" panose="020B0604020202020204" pitchFamily="34" charset="0"/>
+              <a:buChar char="•"/>
+            </a:pPr>
+            <a:r>
+              <a:rPr lang="en-GB" i="1" dirty="0" smtClean="0"/>
+              <a:t>Once </a:t>
+            </a:r>
+            <a:r>
+              <a:rPr lang="en-GB" i="1" dirty="0"/>
+              <a:t>all the above has run you should now have a desktop.</a:t>
+            </a:r>
+          </a:p>
+          <a:p>
+            <a:pPr marL="285750" indent="-285750">
+              <a:buFont typeface="Arial" panose="020B0604020202020204" pitchFamily="34" charset="0"/>
+              <a:buChar char="•"/>
+            </a:pPr>
+            <a:endParaRPr lang="en-GB" i="1" dirty="0" smtClean="0"/>
+          </a:p>
+          <a:p>
+            <a:pPr marL="285750" indent="-285750">
+              <a:buFont typeface="Arial" panose="020B0604020202020204" pitchFamily="34" charset="0"/>
+              <a:buChar char="•"/>
+            </a:pPr>
+            <a:r>
+              <a:rPr lang="en-GB" i="1" dirty="0" smtClean="0"/>
+              <a:t>Plug </a:t>
+            </a:r>
+            <a:r>
+              <a:rPr lang="en-GB" i="1" dirty="0"/>
+              <a:t>the </a:t>
+            </a:r>
+            <a:r>
+              <a:rPr lang="en-GB" i="1" dirty="0" err="1"/>
+              <a:t>wifi</a:t>
+            </a:r>
+            <a:r>
+              <a:rPr lang="en-GB" i="1" dirty="0"/>
+              <a:t> USB device in, in the top left menu -&gt; Preferences -&gt; </a:t>
+            </a:r>
+            <a:r>
+              <a:rPr lang="en-GB" i="1" dirty="0" err="1"/>
+              <a:t>WiFi</a:t>
+            </a:r>
+            <a:r>
+              <a:rPr lang="en-GB" i="1" dirty="0"/>
+              <a:t> and scan for the </a:t>
+            </a:r>
+            <a:r>
+              <a:rPr lang="en-GB" i="1" dirty="0" smtClean="0"/>
+              <a:t>preferred </a:t>
+            </a:r>
+            <a:r>
+              <a:rPr lang="en-GB" i="1" dirty="0" err="1" smtClean="0"/>
+              <a:t>WiFi</a:t>
+            </a:r>
+            <a:r>
+              <a:rPr lang="en-GB" i="1" dirty="0" smtClean="0"/>
+              <a:t>. </a:t>
+            </a:r>
+            <a:r>
+              <a:rPr lang="en-GB" i="1" dirty="0"/>
+              <a:t>If either the system doesn't scan, </a:t>
+            </a:r>
+            <a:r>
+              <a:rPr lang="en-GB" i="1" dirty="0" err="1"/>
+              <a:t>WiFi</a:t>
+            </a:r>
+            <a:r>
+              <a:rPr lang="en-GB" i="1" dirty="0"/>
+              <a:t> isn't available or another fail go for Menu -&gt; Log off -&gt; reboot (leaving the </a:t>
+            </a:r>
+            <a:r>
+              <a:rPr lang="en-GB" i="1" dirty="0" err="1"/>
+              <a:t>wifi</a:t>
+            </a:r>
+            <a:r>
+              <a:rPr lang="en-GB" i="1" dirty="0"/>
+              <a:t> USB in place</a:t>
+            </a:r>
+            <a:r>
+              <a:rPr lang="en-GB" i="1" dirty="0" smtClean="0"/>
+              <a:t>)</a:t>
+            </a:r>
+            <a:endParaRPr lang="en-GB" i="1" dirty="0"/>
+          </a:p>
+          <a:p>
+            <a:pPr marL="285750" indent="-285750">
+              <a:buFont typeface="Arial" panose="020B0604020202020204" pitchFamily="34" charset="0"/>
+              <a:buChar char="•"/>
+            </a:pPr>
+            <a:endParaRPr lang="en-GB" i="1" dirty="0"/>
+          </a:p>
+        </p:txBody>
+      </p:sp>
     </p:spTree>
     <p:custDataLst>
       <p:tags r:id="rId1"/>
     </p:custDataLst>
+    <p:extLst>
+      <p:ext uri="{BB962C8B-B14F-4D97-AF65-F5344CB8AC3E}">
+        <p14:creationId xmlns:p14="http://schemas.microsoft.com/office/powerpoint/2010/main" val="2003863919"/>
+      </p:ext>
+    </p:extLst>
   </p:cSld>
   <p:clrMapOvr>
     <a:masterClrMapping/>
   </p:clrMapOvr>
-  <p:transition>
-    <p:fade/>
+  <p:transition spd="slow">
+    <p:wipe dir="d"/>
   </p:transition>
   <p:timing>
     <p:tnLst>
@@ -13750,70 +11717,90 @@
           <a:chExt cx="0" cy="0"/>
         </a:xfrm>
       </p:grpSpPr>
-      <p:pic>
-        <p:nvPicPr>
-          <p:cNvPr id="1026" name="Picture 2"/>
-          <p:cNvPicPr>
-            <a:picLocks noChangeAspect="1" noChangeArrowheads="1"/>
-          </p:cNvPicPr>
-          <p:nvPr/>
-        </p:nvPicPr>
-        <p:blipFill>
-          <a:blip r:embed="rId4">
-            <a:extLst>
-              <a:ext uri="{28A0092B-C50C-407E-A947-70E740481C1C}">
-                <a14:useLocalDpi xmlns:a14="http://schemas.microsoft.com/office/drawing/2010/main" val="0"/>
-              </a:ext>
-            </a:extLst>
-          </a:blip>
-          <a:srcRect/>
-          <a:stretch>
-            <a:fillRect/>
-          </a:stretch>
-        </p:blipFill>
-        <p:spPr bwMode="auto">
-          <a:xfrm>
-            <a:off x="-76200" y="-26127"/>
-            <a:ext cx="9220200" cy="6954703"/>
-          </a:xfrm>
-          <a:prstGeom prst="rect">
-            <a:avLst/>
-          </a:prstGeom>
-          <a:noFill/>
-          <a:ln>
-            <a:noFill/>
-          </a:ln>
-          <a:extLst>
-            <a:ext uri="{909E8E84-426E-40DD-AFC4-6F175D3DCCD1}">
-              <a14:hiddenFill xmlns:a14="http://schemas.microsoft.com/office/drawing/2010/main">
-                <a:solidFill>
-                  <a:schemeClr val="accent1"/>
-                </a:solidFill>
-              </a14:hiddenFill>
-            </a:ext>
-            <a:ext uri="{91240B29-F687-4F45-9708-019B960494DF}">
-              <a14:hiddenLine xmlns:a14="http://schemas.microsoft.com/office/drawing/2010/main" w="9525">
-                <a:solidFill>
-                  <a:schemeClr val="tx1"/>
-                </a:solidFill>
-                <a:miter lim="800000"/>
-                <a:headEnd/>
-                <a:tailEnd/>
-              </a14:hiddenLine>
-            </a:ext>
-          </a:extLst>
-        </p:spPr>
-      </p:pic>
+      <p:sp>
+        <p:nvSpPr>
+          <p:cNvPr id="2" name="Title 1"/>
+          <p:cNvSpPr>
+            <a:spLocks noGrp="1"/>
+          </p:cNvSpPr>
+          <p:nvPr>
+            <p:ph type="title"/>
+          </p:nvPr>
+        </p:nvSpPr>
+        <p:spPr/>
+        <p:txBody>
+          <a:bodyPr>
+            <a:normAutofit/>
+          </a:bodyPr>
+          <a:lstStyle/>
+          <a:p>
+            <a:r>
+              <a:rPr lang="en-GB" dirty="0" smtClean="0"/>
+              <a:t>Networking Your Pi</a:t>
+            </a:r>
+            <a:endParaRPr lang="en-GB" dirty="0"/>
+          </a:p>
+        </p:txBody>
+      </p:sp>
+      <p:sp>
+        <p:nvSpPr>
+          <p:cNvPr id="3" name="Content Placeholder 2"/>
+          <p:cNvSpPr>
+            <a:spLocks noGrp="1"/>
+          </p:cNvSpPr>
+          <p:nvPr>
+            <p:ph idx="1"/>
+          </p:nvPr>
+        </p:nvSpPr>
+        <p:spPr/>
+        <p:txBody>
+          <a:bodyPr/>
+          <a:lstStyle/>
+          <a:p>
+            <a:r>
+              <a:rPr lang="en-GB" dirty="0" smtClean="0"/>
+              <a:t>Connecting via Ethernet</a:t>
+            </a:r>
+          </a:p>
+          <a:p>
+            <a:r>
+              <a:rPr lang="en-GB" dirty="0" smtClean="0"/>
+              <a:t>Connecting via LAN</a:t>
+            </a:r>
+          </a:p>
+          <a:p>
+            <a:r>
+              <a:rPr lang="en-GB" dirty="0" smtClean="0"/>
+              <a:t>Connecting via WAN</a:t>
+            </a:r>
+          </a:p>
+          <a:p>
+            <a:endParaRPr lang="en-GB" dirty="0"/>
+          </a:p>
+          <a:p>
+            <a:pPr marL="0" indent="0">
+              <a:buNone/>
+            </a:pPr>
+            <a:r>
+              <a:rPr lang="en-GB" dirty="0" smtClean="0"/>
+              <a:t>Once your connection is established connect the Pi via SSH</a:t>
+            </a:r>
+            <a:endParaRPr lang="en-GB" dirty="0"/>
+          </a:p>
+        </p:txBody>
+      </p:sp>
     </p:spTree>
-    <p:custDataLst>
-      <p:tags r:id="rId1"/>
-    </p:custDataLst>
+    <p:extLst>
+      <p:ext uri="{BB962C8B-B14F-4D97-AF65-F5344CB8AC3E}">
+        <p14:creationId xmlns:p14="http://schemas.microsoft.com/office/powerpoint/2010/main" val="2497996590"/>
+      </p:ext>
+    </p:extLst>
   </p:cSld>
   <p:clrMapOvr>
     <a:masterClrMapping/>
   </p:clrMapOvr>
-  <p:transition>
-    <p:fade/>
+  <p:transition spd="slow">
+    <p:wipe dir="d"/>
   </p:transition>
   <p:timing>
     <p:tnLst>
@@ -13833,25 +11820,91 @@
 
 <file path=ppt/tags/tag10.xml><?xml version="1.0" encoding="utf-8"?>
 <p:tagLst xmlns:a="http://schemas.openxmlformats.org/drawingml/2006/main" xmlns:r="http://schemas.openxmlformats.org/officeDocument/2006/relationships" xmlns:p="http://schemas.openxmlformats.org/presentationml/2006/main">
-  <p:tag name="DVSHAPEID" val="7C7AXHsIfcZM0GIL5sI0jk"/>
+  <p:tag name="DVSECTIONID" val="FpChuQ9mrn7ncHkUb4wJDg"/>
 </p:tagLst>
 </file>
 
 <file path=ppt/tags/tag11.xml><?xml version="1.0" encoding="utf-8"?>
 <p:tagLst xmlns:a="http://schemas.openxmlformats.org/drawingml/2006/main" xmlns:r="http://schemas.openxmlformats.org/officeDocument/2006/relationships" xmlns:p="http://schemas.openxmlformats.org/presentationml/2006/main">
-  <p:tag name="DVSECTIONID" val="ezdaKHeWyBnZyZ2cDqRSoa"/>
+  <p:tag name="DVSECTIONID" val="FpChuQ9mrn7ncHkUb4wJDg"/>
 </p:tagLst>
 </file>
 
 <file path=ppt/tags/tag12.xml><?xml version="1.0" encoding="utf-8"?>
 <p:tagLst xmlns:a="http://schemas.openxmlformats.org/drawingml/2006/main" xmlns:r="http://schemas.openxmlformats.org/officeDocument/2006/relationships" xmlns:p="http://schemas.openxmlformats.org/presentationml/2006/main">
-  <p:tag name="DVSHAPEID" val="LRMR96J2MVd0CGe2e5htjk"/>
+  <p:tag name="DVSHAPEID" val="gLAHFkz1Wny4DLE3ZEH9AS"/>
+</p:tagLst>
+</file>
+
+<file path=ppt/tags/tag13.xml><?xml version="1.0" encoding="utf-8"?>
+<p:tagLst xmlns:a="http://schemas.openxmlformats.org/drawingml/2006/main" xmlns:r="http://schemas.openxmlformats.org/officeDocument/2006/relationships" xmlns:p="http://schemas.openxmlformats.org/presentationml/2006/main">
+  <p:tag name="DVSECTIONID" val="FpChuQ9mrn7ncHkUb4wJDg"/>
+</p:tagLst>
+</file>
+
+<file path=ppt/tags/tag14.xml><?xml version="1.0" encoding="utf-8"?>
+<p:tagLst xmlns:a="http://schemas.openxmlformats.org/drawingml/2006/main" xmlns:r="http://schemas.openxmlformats.org/officeDocument/2006/relationships" xmlns:p="http://schemas.openxmlformats.org/presentationml/2006/main">
+  <p:tag name="DVSHAPEID" val="gLAHFkz1Wny4DLE3ZEH9AS"/>
+</p:tagLst>
+</file>
+
+<file path=ppt/tags/tag15.xml><?xml version="1.0" encoding="utf-8"?>
+<p:tagLst xmlns:a="http://schemas.openxmlformats.org/drawingml/2006/main" xmlns:r="http://schemas.openxmlformats.org/officeDocument/2006/relationships" xmlns:p="http://schemas.openxmlformats.org/presentationml/2006/main">
+  <p:tag name="DVSECTIONID" val="7wNinuYvMzfZ5U1vBqhNhA"/>
+</p:tagLst>
+</file>
+
+<file path=ppt/tags/tag16.xml><?xml version="1.0" encoding="utf-8"?>
+<p:tagLst xmlns:a="http://schemas.openxmlformats.org/drawingml/2006/main" xmlns:r="http://schemas.openxmlformats.org/officeDocument/2006/relationships" xmlns:p="http://schemas.openxmlformats.org/presentationml/2006/main">
+  <p:tag name="DVSHAPEID" val="xiNleKja73hohXWjuz775t"/>
+</p:tagLst>
+</file>
+
+<file path=ppt/tags/tag17.xml><?xml version="1.0" encoding="utf-8"?>
+<p:tagLst xmlns:a="http://schemas.openxmlformats.org/drawingml/2006/main" xmlns:r="http://schemas.openxmlformats.org/officeDocument/2006/relationships" xmlns:p="http://schemas.openxmlformats.org/presentationml/2006/main">
+  <p:tag name="DVSECTIONID" val="HsVeI2TwAzQM9S4tQjLvMM"/>
+</p:tagLst>
+</file>
+
+<file path=ppt/tags/tag18.xml><?xml version="1.0" encoding="utf-8"?>
+<p:tagLst xmlns:a="http://schemas.openxmlformats.org/drawingml/2006/main" xmlns:r="http://schemas.openxmlformats.org/officeDocument/2006/relationships" xmlns:p="http://schemas.openxmlformats.org/presentationml/2006/main">
+  <p:tag name="DVSHAPEID" val="ulJFhM9s1uk4SUavhm7qdN"/>
+</p:tagLst>
+</file>
+
+<file path=ppt/tags/tag19.xml><?xml version="1.0" encoding="utf-8"?>
+<p:tagLst xmlns:a="http://schemas.openxmlformats.org/drawingml/2006/main" xmlns:r="http://schemas.openxmlformats.org/officeDocument/2006/relationships" xmlns:p="http://schemas.openxmlformats.org/presentationml/2006/main">
+  <p:tag name="DVSECTIONID" val="OOKFAmQ6LnTdkKqqzhwoax"/>
 </p:tagLst>
 </file>
 
 <file path=ppt/tags/tag2.xml><?xml version="1.0" encoding="utf-8"?>
 <p:tagLst xmlns:a="http://schemas.openxmlformats.org/drawingml/2006/main" xmlns:r="http://schemas.openxmlformats.org/officeDocument/2006/relationships" xmlns:p="http://schemas.openxmlformats.org/presentationml/2006/main">
   <p:tag name="DVSHAPEID" val="HAGzTPKJNXuuOK4v20iPS7"/>
+</p:tagLst>
+</file>
+
+<file path=ppt/tags/tag20.xml><?xml version="1.0" encoding="utf-8"?>
+<p:tagLst xmlns:a="http://schemas.openxmlformats.org/drawingml/2006/main" xmlns:r="http://schemas.openxmlformats.org/officeDocument/2006/relationships" xmlns:p="http://schemas.openxmlformats.org/presentationml/2006/main">
+  <p:tag name="DVSHAPEID" val="XuPQogmzKvTp1YV9ymQ2ZW"/>
+</p:tagLst>
+</file>
+
+<file path=ppt/tags/tag21.xml><?xml version="1.0" encoding="utf-8"?>
+<p:tagLst xmlns:a="http://schemas.openxmlformats.org/drawingml/2006/main" xmlns:r="http://schemas.openxmlformats.org/officeDocument/2006/relationships" xmlns:p="http://schemas.openxmlformats.org/presentationml/2006/main">
+  <p:tag name="DVSHAPEID" val="S8Cm1higbyIl35Abad2Rjv"/>
+</p:tagLst>
+</file>
+
+<file path=ppt/tags/tag22.xml><?xml version="1.0" encoding="utf-8"?>
+<p:tagLst xmlns:a="http://schemas.openxmlformats.org/drawingml/2006/main" xmlns:r="http://schemas.openxmlformats.org/officeDocument/2006/relationships" xmlns:p="http://schemas.openxmlformats.org/presentationml/2006/main">
+  <p:tag name="DVSECTIONID" val="ezdaKHeWyBnZyZ2cDqRSoa"/>
+</p:tagLst>
+</file>
+
+<file path=ppt/tags/tag23.xml><?xml version="1.0" encoding="utf-8"?>
+<p:tagLst xmlns:a="http://schemas.openxmlformats.org/drawingml/2006/main" xmlns:r="http://schemas.openxmlformats.org/officeDocument/2006/relationships" xmlns:p="http://schemas.openxmlformats.org/presentationml/2006/main">
+  <p:tag name="DVSHAPEID" val="LRMR96J2MVd0CGe2e5htjk"/>
 </p:tagLst>
 </file>
 
@@ -13881,19 +11934,19 @@
 
 <file path=ppt/tags/tag7.xml><?xml version="1.0" encoding="utf-8"?>
 <p:tagLst xmlns:a="http://schemas.openxmlformats.org/drawingml/2006/main" xmlns:r="http://schemas.openxmlformats.org/officeDocument/2006/relationships" xmlns:p="http://schemas.openxmlformats.org/presentationml/2006/main">
-  <p:tag name="DVSECTIONID" val="7wNinuYvMzfZ5U1vBqhNhA"/>
+  <p:tag name="DVSHAPEID" val="gLAHFkz1Wny4DLE3ZEH9AS"/>
 </p:tagLst>
 </file>
 
 <file path=ppt/tags/tag8.xml><?xml version="1.0" encoding="utf-8"?>
 <p:tagLst xmlns:a="http://schemas.openxmlformats.org/drawingml/2006/main" xmlns:r="http://schemas.openxmlformats.org/officeDocument/2006/relationships" xmlns:p="http://schemas.openxmlformats.org/presentationml/2006/main">
-  <p:tag name="DVSECTIONID" val="HsVeI2TwAzQM9S4tQjLvMM"/>
+  <p:tag name="DVSECTIONID" val="FpChuQ9mrn7ncHkUb4wJDg"/>
 </p:tagLst>
 </file>
 
 <file path=ppt/tags/tag9.xml><?xml version="1.0" encoding="utf-8"?>
 <p:tagLst xmlns:a="http://schemas.openxmlformats.org/drawingml/2006/main" xmlns:r="http://schemas.openxmlformats.org/officeDocument/2006/relationships" xmlns:p="http://schemas.openxmlformats.org/presentationml/2006/main">
-  <p:tag name="DVSECTIONID" val="CdIAG7WhWjupCZ4n8F2Kse"/>
+  <p:tag name="DVSECTIONID" val="FpChuQ9mrn7ncHkUb4wJDg"/>
 </p:tagLst>
 </file>
 

--- a/IoT.pptx
+++ b/IoT.pptx
@@ -5,27 +5,29 @@
     <p:sldMasterId id="2147483648" r:id="rId1"/>
   </p:sldMasterIdLst>
   <p:notesMasterIdLst>
-    <p:notesMasterId r:id="rId17"/>
+    <p:notesMasterId r:id="rId19"/>
   </p:notesMasterIdLst>
   <p:handoutMasterIdLst>
-    <p:handoutMasterId r:id="rId18"/>
+    <p:handoutMasterId r:id="rId20"/>
   </p:handoutMasterIdLst>
   <p:sldIdLst>
     <p:sldId id="259" r:id="rId2"/>
     <p:sldId id="284" r:id="rId3"/>
     <p:sldId id="262" r:id="rId4"/>
-    <p:sldId id="267" r:id="rId5"/>
-    <p:sldId id="289" r:id="rId6"/>
-    <p:sldId id="290" r:id="rId7"/>
-    <p:sldId id="291" r:id="rId8"/>
-    <p:sldId id="292" r:id="rId9"/>
-    <p:sldId id="293" r:id="rId10"/>
-    <p:sldId id="294" r:id="rId11"/>
-    <p:sldId id="295" r:id="rId12"/>
-    <p:sldId id="269" r:id="rId13"/>
-    <p:sldId id="270" r:id="rId14"/>
-    <p:sldId id="276" r:id="rId15"/>
-    <p:sldId id="277" r:id="rId16"/>
+    <p:sldId id="286" r:id="rId5"/>
+    <p:sldId id="267" r:id="rId6"/>
+    <p:sldId id="288" r:id="rId7"/>
+    <p:sldId id="268" r:id="rId8"/>
+    <p:sldId id="269" r:id="rId9"/>
+    <p:sldId id="270" r:id="rId10"/>
+    <p:sldId id="272" r:id="rId11"/>
+    <p:sldId id="289" r:id="rId12"/>
+    <p:sldId id="290" r:id="rId13"/>
+    <p:sldId id="291" r:id="rId14"/>
+    <p:sldId id="292" r:id="rId15"/>
+    <p:sldId id="294" r:id="rId16"/>
+    <p:sldId id="293" r:id="rId17"/>
+    <p:sldId id="277" r:id="rId18"/>
   </p:sldIdLst>
   <p:sldSz cx="9144000" cy="6858000" type="screen4x3"/>
   <p:notesSz cx="6858000" cy="9144000"/>
@@ -138,62 +140,49 @@
             <p14:sldId id="262"/>
           </p14:sldIdLst>
         </p14:section>
-        <p14:section name="Baking Your Pi" id="{6D9936A3-3945-4757-BC8B-B5C252D8E036}">
+        <p14:section name="What is IoT" id="{6D9936A3-3945-4757-BC8B-B5C252D8E036}">
           <p14:sldIdLst>
+            <p14:sldId id="286"/>
             <p14:sldId id="267"/>
+          </p14:sldIdLst>
+        </p14:section>
+        <p14:section name="Market Players of IoT" id="{BAB3A466-96C9-4230-9978-795378D75699}">
+          <p14:sldIdLst>
+            <p14:sldId id="288"/>
+            <p14:sldId id="268"/>
+            <p14:sldId id="269"/>
+          </p14:sldIdLst>
+        </p14:section>
+        <p14:section name="Case Study" id="{8C0305C9-B152-4FBA-A789-FE1976D53990}">
+          <p14:sldIdLst>
+            <p14:sldId id="270"/>
+            <p14:sldId id="272"/>
+          </p14:sldIdLst>
+        </p14:section>
+        <p14:section name="concerns" id="{4AD6EC23-D1DD-48DD-9F0F-D09CB679F5C2}">
+          <p14:sldIdLst>
             <p14:sldId id="289"/>
             <p14:sldId id="290"/>
+          </p14:sldIdLst>
+        </p14:section>
+        <p14:section name="Technology" id="{4CE7CDF6-A438-47A3-B4BA-DC05690A84E1}">
+          <p14:sldIdLst>
             <p14:sldId id="291"/>
             <p14:sldId id="292"/>
-            <p14:sldId id="293"/>
           </p14:sldIdLst>
         </p14:section>
-        <p14:section name="Milk Pi Recipe" id="{BAB3A466-96C9-4230-9978-795378D75699}">
+        <p14:section name="Getting Started" id="{3DD1A5B0-0ACB-4A2E-A0D3-2941E722CA63}">
           <p14:sldIdLst>
             <p14:sldId id="294"/>
-            <p14:sldId id="295"/>
-            <p14:sldId id="269"/>
-            <p14:sldId id="270"/>
+            <p14:sldId id="293"/>
           </p14:sldIdLst>
         </p14:section>
         <p14:section name="Conclusion and Summary" id="{790CEF5B-569A-4C2F-BED5-750B08C0E5AD}">
           <p14:sldIdLst>
-            <p14:sldId id="276"/>
             <p14:sldId id="277"/>
           </p14:sldIdLst>
         </p14:section>
-        <p14:section name="Appendix" id="{3F78B471-41DA-46F2-A8E4-97E471896AB3}">
-          <p14:sldIdLst/>
-        </p14:section>
       </p14:sectionLst>
-    </p:ext>
-    <p:ext uri="{EFAFB233-063F-42B5-8137-9DF3F51BA10A}">
-      <p15:sldGuideLst xmlns:p15="http://schemas.microsoft.com/office/powerpoint/2012/main">
-        <p15:guide id="1" orient="horz" pos="2160">
-          <p15:clr>
-            <a:srgbClr val="A4A3A4"/>
-          </p15:clr>
-        </p15:guide>
-        <p15:guide id="2" pos="2880">
-          <p15:clr>
-            <a:srgbClr val="A4A3A4"/>
-          </p15:clr>
-        </p15:guide>
-      </p15:sldGuideLst>
-    </p:ext>
-    <p:ext uri="{2D200454-40CA-4A62-9FC3-DE9A4176ACB9}">
-      <p15:notesGuideLst xmlns:p15="http://schemas.microsoft.com/office/powerpoint/2012/main">
-        <p15:guide id="1" orient="horz" pos="2880">
-          <p15:clr>
-            <a:srgbClr val="A4A3A4"/>
-          </p15:clr>
-        </p15:guide>
-        <p15:guide id="2" pos="2160">
-          <p15:clr>
-            <a:srgbClr val="A4A3A4"/>
-          </p15:clr>
-        </p15:guide>
-      </p15:notesGuideLst>
     </p:ext>
   </p:extLst>
 </p:presentation>
@@ -1106,6 +1095,218 @@
         </a:p>
       </dgm:t>
     </dgm:pt>
+    <dgm:pt modelId="{6BE4E373-0656-4EDC-821E-BE09C952B1F6}">
+      <dgm:prSet phldrT="[Text]" custT="1"/>
+      <dgm:spPr/>
+      <dgm:t>
+        <a:bodyPr/>
+        <a:lstStyle/>
+        <a:p>
+          <a:r>
+            <a:rPr lang="en-US" sz="2400" dirty="0" smtClean="0">
+              <a:effectLst>
+                <a:outerShdw blurRad="38100" dist="38100" dir="2700000" algn="tl">
+                  <a:srgbClr val="000000">
+                    <a:alpha val="43137"/>
+                  </a:srgbClr>
+                </a:outerShdw>
+              </a:effectLst>
+            </a:rPr>
+            <a:t>Devices</a:t>
+          </a:r>
+          <a:endParaRPr lang="en-US" sz="2400" dirty="0">
+            <a:effectLst>
+              <a:outerShdw blurRad="38100" dist="38100" dir="2700000" algn="tl">
+                <a:srgbClr val="000000">
+                  <a:alpha val="43137"/>
+                </a:srgbClr>
+              </a:outerShdw>
+            </a:effectLst>
+          </a:endParaRPr>
+        </a:p>
+      </dgm:t>
+    </dgm:pt>
+    <dgm:pt modelId="{34218063-BF94-4304-99BD-B3F7BA4D3C8F}" type="parTrans" cxnId="{119690D4-400B-468B-8BA0-5C9C9E2AFEAF}">
+      <dgm:prSet/>
+      <dgm:spPr/>
+      <dgm:t>
+        <a:bodyPr/>
+        <a:lstStyle/>
+        <a:p>
+          <a:endParaRPr lang="en-US" sz="3200"/>
+        </a:p>
+      </dgm:t>
+    </dgm:pt>
+    <dgm:pt modelId="{E17B9BF1-2948-497F-8EC7-3BF734D839DB}" type="sibTrans" cxnId="{119690D4-400B-468B-8BA0-5C9C9E2AFEAF}">
+      <dgm:prSet/>
+      <dgm:spPr/>
+      <dgm:t>
+        <a:bodyPr/>
+        <a:lstStyle/>
+        <a:p>
+          <a:endParaRPr lang="en-US" sz="3200"/>
+        </a:p>
+      </dgm:t>
+    </dgm:pt>
+    <dgm:pt modelId="{2972E30A-4EDE-45A1-8BE3-AB2801325EA1}">
+      <dgm:prSet phldrT="[Text]" custT="1"/>
+      <dgm:spPr/>
+      <dgm:t>
+        <a:bodyPr/>
+        <a:lstStyle/>
+        <a:p>
+          <a:r>
+            <a:rPr lang="en-US" sz="3200" dirty="0" smtClean="0">
+              <a:effectLst>
+                <a:outerShdw blurRad="38100" dist="38100" dir="2700000" algn="tl">
+                  <a:srgbClr val="000000">
+                    <a:alpha val="43137"/>
+                  </a:srgbClr>
+                </a:outerShdw>
+              </a:effectLst>
+            </a:rPr>
+            <a:t>4 </a:t>
+          </a:r>
+          <a:endParaRPr lang="en-US" sz="3200" dirty="0">
+            <a:effectLst>
+              <a:outerShdw blurRad="38100" dist="38100" dir="2700000" algn="tl">
+                <a:srgbClr val="000000">
+                  <a:alpha val="43137"/>
+                </a:srgbClr>
+              </a:outerShdw>
+            </a:effectLst>
+          </a:endParaRPr>
+        </a:p>
+      </dgm:t>
+    </dgm:pt>
+    <dgm:pt modelId="{ED06C135-0A39-4980-AFD1-6F0A8885394F}" type="parTrans" cxnId="{A554ADF5-352F-45B0-84A7-CF1D0B399C1A}">
+      <dgm:prSet/>
+      <dgm:spPr/>
+      <dgm:t>
+        <a:bodyPr/>
+        <a:lstStyle/>
+        <a:p>
+          <a:endParaRPr lang="en-US"/>
+        </a:p>
+      </dgm:t>
+    </dgm:pt>
+    <dgm:pt modelId="{E5FEEAFE-041A-4D3C-92FE-EA25A36F23BB}" type="sibTrans" cxnId="{A554ADF5-352F-45B0-84A7-CF1D0B399C1A}">
+      <dgm:prSet/>
+      <dgm:spPr/>
+      <dgm:t>
+        <a:bodyPr/>
+        <a:lstStyle/>
+        <a:p>
+          <a:endParaRPr lang="en-US"/>
+        </a:p>
+      </dgm:t>
+    </dgm:pt>
+    <dgm:pt modelId="{C54FDE5A-1A04-4BE4-963D-565044A45FD5}">
+      <dgm:prSet phldrT="[Text]" custT="1"/>
+      <dgm:spPr/>
+      <dgm:t>
+        <a:bodyPr/>
+        <a:lstStyle/>
+        <a:p>
+          <a:r>
+            <a:rPr lang="en-US" sz="2400" dirty="0" smtClean="0">
+              <a:effectLst>
+                <a:outerShdw blurRad="38100" dist="38100" dir="2700000" algn="tl">
+                  <a:srgbClr val="000000">
+                    <a:alpha val="43137"/>
+                  </a:srgbClr>
+                </a:outerShdw>
+              </a:effectLst>
+            </a:rPr>
+            <a:t>Concerns</a:t>
+          </a:r>
+          <a:endParaRPr lang="en-US" sz="2400" dirty="0">
+            <a:effectLst>
+              <a:outerShdw blurRad="38100" dist="38100" dir="2700000" algn="tl">
+                <a:srgbClr val="000000">
+                  <a:alpha val="43137"/>
+                </a:srgbClr>
+              </a:outerShdw>
+            </a:effectLst>
+          </a:endParaRPr>
+        </a:p>
+      </dgm:t>
+    </dgm:pt>
+    <dgm:pt modelId="{54EB2192-520C-4203-9A21-35A6A1ADA5BD}" type="parTrans" cxnId="{FC1D7F87-1C29-4C43-A592-3E43EC6C7115}">
+      <dgm:prSet/>
+      <dgm:spPr/>
+      <dgm:t>
+        <a:bodyPr/>
+        <a:lstStyle/>
+        <a:p>
+          <a:endParaRPr lang="en-US"/>
+        </a:p>
+      </dgm:t>
+    </dgm:pt>
+    <dgm:pt modelId="{969BC5A1-A7A5-4C17-BA41-44ECF603B445}" type="sibTrans" cxnId="{FC1D7F87-1C29-4C43-A592-3E43EC6C7115}">
+      <dgm:prSet/>
+      <dgm:spPr/>
+      <dgm:t>
+        <a:bodyPr/>
+        <a:lstStyle/>
+        <a:p>
+          <a:endParaRPr lang="en-US"/>
+        </a:p>
+      </dgm:t>
+    </dgm:pt>
+    <dgm:pt modelId="{22CCDE6B-0CB0-4FA7-BA61-B17CD6924CD2}">
+      <dgm:prSet phldrT="[Text]" custT="1"/>
+      <dgm:spPr/>
+      <dgm:t>
+        <a:bodyPr/>
+        <a:lstStyle/>
+        <a:p>
+          <a:r>
+            <a:rPr lang="en-US" sz="2400" dirty="0" smtClean="0">
+              <a:effectLst>
+                <a:outerShdw blurRad="38100" dist="38100" dir="2700000" algn="tl">
+                  <a:srgbClr val="000000">
+                    <a:alpha val="43137"/>
+                  </a:srgbClr>
+                </a:outerShdw>
+              </a:effectLst>
+            </a:rPr>
+            <a:t>Getting Started</a:t>
+          </a:r>
+          <a:endParaRPr lang="en-US" sz="2400" dirty="0">
+            <a:effectLst>
+              <a:outerShdw blurRad="38100" dist="38100" dir="2700000" algn="tl">
+                <a:srgbClr val="000000">
+                  <a:alpha val="43137"/>
+                </a:srgbClr>
+              </a:outerShdw>
+            </a:effectLst>
+          </a:endParaRPr>
+        </a:p>
+      </dgm:t>
+    </dgm:pt>
+    <dgm:pt modelId="{3ADA9B80-9F0C-4E88-B051-A4E2D4C89657}" type="parTrans" cxnId="{3059AE06-1D72-4B86-AABF-15C037A96285}">
+      <dgm:prSet/>
+      <dgm:spPr/>
+      <dgm:t>
+        <a:bodyPr/>
+        <a:lstStyle/>
+        <a:p>
+          <a:endParaRPr lang="en-US"/>
+        </a:p>
+      </dgm:t>
+    </dgm:pt>
+    <dgm:pt modelId="{BBFCF834-F194-4B90-BF90-CCE871A0F558}" type="sibTrans" cxnId="{3059AE06-1D72-4B86-AABF-15C037A96285}">
+      <dgm:prSet/>
+      <dgm:spPr/>
+      <dgm:t>
+        <a:bodyPr/>
+        <a:lstStyle/>
+        <a:p>
+          <a:endParaRPr lang="en-US"/>
+        </a:p>
+      </dgm:t>
+    </dgm:pt>
     <dgm:pt modelId="{19FE8075-91E7-4197-AA45-FFC5E4CC05E3}">
       <dgm:prSet phldrT="[Text]" custT="1"/>
       <dgm:spPr/>
@@ -1114,8 +1315,16 @@
         <a:lstStyle/>
         <a:p>
           <a:r>
-            <a:rPr lang="en-GB" sz="2400" dirty="0" smtClean="0"/>
-            <a:t>Baking Your Pi</a:t>
+            <a:rPr lang="en-US" sz="2400" dirty="0" smtClean="0">
+              <a:effectLst>
+                <a:outerShdw blurRad="38100" dist="38100" dir="2700000" algn="tl">
+                  <a:srgbClr val="000000">
+                    <a:alpha val="43137"/>
+                  </a:srgbClr>
+                </a:outerShdw>
+              </a:effectLst>
+            </a:rPr>
+            <a:t>What is IOT?</a:t>
           </a:r>
           <a:endParaRPr lang="en-US" sz="2400" dirty="0"/>
         </a:p>
@@ -1143,6 +1352,271 @@
         </a:p>
       </dgm:t>
     </dgm:pt>
+    <dgm:pt modelId="{1E776C6D-C203-40BB-BFCB-C1CA35D9FDF8}">
+      <dgm:prSet phldrT="[Text]" custT="1"/>
+      <dgm:spPr/>
+      <dgm:t>
+        <a:bodyPr/>
+        <a:lstStyle/>
+        <a:p>
+          <a:r>
+            <a:rPr lang="en-US" sz="3200" dirty="0" smtClean="0">
+              <a:effectLst>
+                <a:outerShdw blurRad="38100" dist="38100" dir="2700000" algn="tl">
+                  <a:srgbClr val="000000">
+                    <a:alpha val="43137"/>
+                  </a:srgbClr>
+                </a:outerShdw>
+              </a:effectLst>
+            </a:rPr>
+            <a:t>7</a:t>
+          </a:r>
+          <a:endParaRPr lang="en-US" sz="3200" dirty="0">
+            <a:effectLst>
+              <a:outerShdw blurRad="38100" dist="38100" dir="2700000" algn="tl">
+                <a:srgbClr val="000000">
+                  <a:alpha val="43137"/>
+                </a:srgbClr>
+              </a:outerShdw>
+            </a:effectLst>
+          </a:endParaRPr>
+        </a:p>
+      </dgm:t>
+    </dgm:pt>
+    <dgm:pt modelId="{067D20B7-A4EF-45B1-A116-967078F5C1DE}" type="parTrans" cxnId="{66F80C90-8BB1-4525-8B99-21E1EB483015}">
+      <dgm:prSet/>
+      <dgm:spPr/>
+      <dgm:t>
+        <a:bodyPr/>
+        <a:lstStyle/>
+        <a:p>
+          <a:endParaRPr lang="en-US"/>
+        </a:p>
+      </dgm:t>
+    </dgm:pt>
+    <dgm:pt modelId="{EB0B183B-7E74-489F-B2C6-508D2F7FED53}" type="sibTrans" cxnId="{66F80C90-8BB1-4525-8B99-21E1EB483015}">
+      <dgm:prSet/>
+      <dgm:spPr/>
+      <dgm:t>
+        <a:bodyPr/>
+        <a:lstStyle/>
+        <a:p>
+          <a:endParaRPr lang="en-US"/>
+        </a:p>
+      </dgm:t>
+    </dgm:pt>
+    <dgm:pt modelId="{0891671D-D42F-4B4F-AAAB-8C634AA6502D}">
+      <dgm:prSet phldrT="[Text]" custT="1"/>
+      <dgm:spPr/>
+      <dgm:t>
+        <a:bodyPr/>
+        <a:lstStyle/>
+        <a:p>
+          <a:r>
+            <a:rPr lang="en-US" sz="2400" dirty="0" smtClean="0">
+              <a:effectLst>
+                <a:outerShdw blurRad="38100" dist="38100" dir="2700000" algn="tl">
+                  <a:srgbClr val="000000">
+                    <a:alpha val="43137"/>
+                  </a:srgbClr>
+                </a:outerShdw>
+              </a:effectLst>
+            </a:rPr>
+            <a:t>Ques and comments</a:t>
+          </a:r>
+          <a:endParaRPr lang="en-US" sz="2400" dirty="0">
+            <a:effectLst>
+              <a:outerShdw blurRad="38100" dist="38100" dir="2700000" algn="tl">
+                <a:srgbClr val="000000">
+                  <a:alpha val="43137"/>
+                </a:srgbClr>
+              </a:outerShdw>
+            </a:effectLst>
+          </a:endParaRPr>
+        </a:p>
+      </dgm:t>
+    </dgm:pt>
+    <dgm:pt modelId="{371AAA77-AEF6-4CF8-A4B2-7E6EA33F60EB}" type="parTrans" cxnId="{D1F8BFEC-4439-4152-BDF0-168F9EE47F4F}">
+      <dgm:prSet/>
+      <dgm:spPr/>
+      <dgm:t>
+        <a:bodyPr/>
+        <a:lstStyle/>
+        <a:p>
+          <a:endParaRPr lang="en-US"/>
+        </a:p>
+      </dgm:t>
+    </dgm:pt>
+    <dgm:pt modelId="{64EAD307-6510-4F57-9322-FE689FFA1BD7}" type="sibTrans" cxnId="{D1F8BFEC-4439-4152-BDF0-168F9EE47F4F}">
+      <dgm:prSet/>
+      <dgm:spPr/>
+      <dgm:t>
+        <a:bodyPr/>
+        <a:lstStyle/>
+        <a:p>
+          <a:endParaRPr lang="en-US"/>
+        </a:p>
+      </dgm:t>
+    </dgm:pt>
+    <dgm:pt modelId="{0502EAAC-6A18-4FC1-BC7E-53CB2AD89FC4}">
+      <dgm:prSet phldrT="[Text]" custT="1"/>
+      <dgm:spPr/>
+      <dgm:t>
+        <a:bodyPr/>
+        <a:lstStyle/>
+        <a:p>
+          <a:r>
+            <a:rPr lang="en-US" sz="2400" dirty="0" smtClean="0">
+              <a:effectLst>
+                <a:outerShdw blurRad="38100" dist="38100" dir="2700000" algn="tl">
+                  <a:srgbClr val="000000">
+                    <a:alpha val="43137"/>
+                  </a:srgbClr>
+                </a:outerShdw>
+              </a:effectLst>
+            </a:rPr>
+            <a:t>Technologies</a:t>
+          </a:r>
+          <a:endParaRPr lang="en-US" sz="2400" dirty="0">
+            <a:effectLst>
+              <a:outerShdw blurRad="38100" dist="38100" dir="2700000" algn="tl">
+                <a:srgbClr val="000000">
+                  <a:alpha val="43137"/>
+                </a:srgbClr>
+              </a:outerShdw>
+            </a:effectLst>
+          </a:endParaRPr>
+        </a:p>
+      </dgm:t>
+    </dgm:pt>
+    <dgm:pt modelId="{6D9A8545-D8B2-49EA-B6BC-610F5F619BC1}" type="parTrans" cxnId="{E45C03E8-0DEF-460E-B315-02E44B29ED6C}">
+      <dgm:prSet/>
+      <dgm:spPr/>
+      <dgm:t>
+        <a:bodyPr/>
+        <a:lstStyle/>
+        <a:p>
+          <a:endParaRPr lang="en-US"/>
+        </a:p>
+      </dgm:t>
+    </dgm:pt>
+    <dgm:pt modelId="{77F901D3-C958-420F-B293-B66088DC99A2}" type="sibTrans" cxnId="{E45C03E8-0DEF-460E-B315-02E44B29ED6C}">
+      <dgm:prSet/>
+      <dgm:spPr/>
+      <dgm:t>
+        <a:bodyPr/>
+        <a:lstStyle/>
+        <a:p>
+          <a:endParaRPr lang="en-US"/>
+        </a:p>
+      </dgm:t>
+    </dgm:pt>
+    <dgm:pt modelId="{D11DF5B1-ED3B-4158-A54E-51D2C185AB6D}">
+      <dgm:prSet phldrT="[Text]" custT="1"/>
+      <dgm:spPr/>
+      <dgm:t>
+        <a:bodyPr/>
+        <a:lstStyle/>
+        <a:p>
+          <a:r>
+            <a:rPr lang="en-US" sz="3200" dirty="0" smtClean="0">
+              <a:effectLst>
+                <a:outerShdw blurRad="38100" dist="38100" dir="2700000" algn="tl">
+                  <a:srgbClr val="000000">
+                    <a:alpha val="43137"/>
+                  </a:srgbClr>
+                </a:outerShdw>
+              </a:effectLst>
+            </a:rPr>
+            <a:t>6</a:t>
+          </a:r>
+          <a:endParaRPr lang="en-US" sz="3200" dirty="0">
+            <a:effectLst>
+              <a:outerShdw blurRad="38100" dist="38100" dir="2700000" algn="tl">
+                <a:srgbClr val="000000">
+                  <a:alpha val="43137"/>
+                </a:srgbClr>
+              </a:outerShdw>
+            </a:effectLst>
+          </a:endParaRPr>
+        </a:p>
+      </dgm:t>
+    </dgm:pt>
+    <dgm:pt modelId="{621AA215-3A51-4E4D-8810-A5643B803005}" type="sibTrans" cxnId="{6273D150-C67B-472D-95FA-6A120BD98F27}">
+      <dgm:prSet/>
+      <dgm:spPr/>
+      <dgm:t>
+        <a:bodyPr/>
+        <a:lstStyle/>
+        <a:p>
+          <a:endParaRPr lang="en-US"/>
+        </a:p>
+      </dgm:t>
+    </dgm:pt>
+    <dgm:pt modelId="{7EBC7496-A678-4693-86CB-A2B711D333AD}" type="parTrans" cxnId="{6273D150-C67B-472D-95FA-6A120BD98F27}">
+      <dgm:prSet/>
+      <dgm:spPr/>
+      <dgm:t>
+        <a:bodyPr/>
+        <a:lstStyle/>
+        <a:p>
+          <a:endParaRPr lang="en-US"/>
+        </a:p>
+      </dgm:t>
+    </dgm:pt>
+    <dgm:pt modelId="{1BB0736A-AC9E-49D5-A82D-32785BA2E2ED}">
+      <dgm:prSet phldrT="[Text]" custT="1"/>
+      <dgm:spPr/>
+      <dgm:t>
+        <a:bodyPr/>
+        <a:lstStyle/>
+        <a:p>
+          <a:r>
+            <a:rPr lang="en-US" sz="3200" dirty="0" smtClean="0">
+              <a:effectLst>
+                <a:outerShdw blurRad="38100" dist="38100" dir="2700000" algn="tl">
+                  <a:srgbClr val="000000">
+                    <a:alpha val="43137"/>
+                  </a:srgbClr>
+                </a:outerShdw>
+              </a:effectLst>
+            </a:rPr>
+            <a:t>5</a:t>
+          </a:r>
+          <a:endParaRPr lang="en-US" sz="3200" dirty="0">
+            <a:effectLst>
+              <a:outerShdw blurRad="38100" dist="38100" dir="2700000" algn="tl">
+                <a:srgbClr val="000000">
+                  <a:alpha val="43137"/>
+                </a:srgbClr>
+              </a:outerShdw>
+            </a:effectLst>
+          </a:endParaRPr>
+        </a:p>
+      </dgm:t>
+    </dgm:pt>
+    <dgm:pt modelId="{618F8A3C-E240-403C-8432-18CCE691AB91}" type="sibTrans" cxnId="{00EA8034-866E-4E96-92E7-F13ABBF3BF59}">
+      <dgm:prSet/>
+      <dgm:spPr/>
+      <dgm:t>
+        <a:bodyPr/>
+        <a:lstStyle/>
+        <a:p>
+          <a:endParaRPr lang="en-US"/>
+        </a:p>
+      </dgm:t>
+    </dgm:pt>
+    <dgm:pt modelId="{CDC6E90D-9C42-4E4C-B7C8-365938E8B265}" type="parTrans" cxnId="{00EA8034-866E-4E96-92E7-F13ABBF3BF59}">
+      <dgm:prSet/>
+      <dgm:spPr/>
+      <dgm:t>
+        <a:bodyPr/>
+        <a:lstStyle/>
+        <a:p>
+          <a:endParaRPr lang="en-US"/>
+        </a:p>
+      </dgm:t>
+    </dgm:pt>
     <dgm:pt modelId="{DE55C01F-75D7-4D14-8E2C-B62A77A926BC}">
       <dgm:prSet phldrT="[Text]" custT="1"/>
       <dgm:spPr/>
@@ -1151,8 +1625,16 @@
         <a:lstStyle/>
         <a:p>
           <a:r>
-            <a:rPr lang="en-GB" sz="2400" dirty="0" smtClean="0"/>
-            <a:t>Milk Pi Recipe</a:t>
+            <a:rPr lang="en-US" sz="2400" dirty="0" smtClean="0">
+              <a:effectLst>
+                <a:outerShdw blurRad="38100" dist="38100" dir="2700000" algn="tl">
+                  <a:srgbClr val="000000">
+                    <a:alpha val="43137"/>
+                  </a:srgbClr>
+                </a:outerShdw>
+              </a:effectLst>
+            </a:rPr>
+            <a:t>Market players of IOT</a:t>
           </a:r>
           <a:endParaRPr lang="en-US" sz="2400" dirty="0"/>
         </a:p>
@@ -1177,165 +1659,6 @@
         <a:lstStyle/>
         <a:p>
           <a:endParaRPr lang="en-US"/>
-        </a:p>
-      </dgm:t>
-    </dgm:pt>
-    <dgm:pt modelId="{5CAC8212-B514-4E75-998A-8A6E0E6476DB}">
-      <dgm:prSet phldrT="[Text]" custT="1"/>
-      <dgm:spPr/>
-      <dgm:t>
-        <a:bodyPr/>
-        <a:lstStyle/>
-        <a:p>
-          <a:r>
-            <a:rPr lang="en-US" sz="2400" dirty="0" smtClean="0">
-              <a:effectLst>
-                <a:outerShdw blurRad="38100" dist="38100" dir="2700000" algn="tl">
-                  <a:srgbClr val="000000">
-                    <a:alpha val="43137"/>
-                  </a:srgbClr>
-                </a:outerShdw>
-              </a:effectLst>
-            </a:rPr>
-            <a:t>4</a:t>
-          </a:r>
-          <a:endParaRPr lang="en-US" sz="2400" dirty="0">
-            <a:effectLst>
-              <a:outerShdw blurRad="38100" dist="38100" dir="2700000" algn="tl">
-                <a:srgbClr val="000000">
-                  <a:alpha val="43137"/>
-                </a:srgbClr>
-              </a:outerShdw>
-            </a:effectLst>
-          </a:endParaRPr>
-        </a:p>
-      </dgm:t>
-    </dgm:pt>
-    <dgm:pt modelId="{8B65D6AA-2543-4D86-9836-07E792929321}" type="parTrans" cxnId="{94985356-8FB6-4846-835B-7CC566D6F453}">
-      <dgm:prSet/>
-      <dgm:spPr/>
-      <dgm:t>
-        <a:bodyPr/>
-        <a:lstStyle/>
-        <a:p>
-          <a:endParaRPr lang="en-GB"/>
-        </a:p>
-      </dgm:t>
-    </dgm:pt>
-    <dgm:pt modelId="{A5F953CA-BC98-482C-B9FC-F61F7D4623D5}" type="sibTrans" cxnId="{94985356-8FB6-4846-835B-7CC566D6F453}">
-      <dgm:prSet/>
-      <dgm:spPr/>
-      <dgm:t>
-        <a:bodyPr/>
-        <a:lstStyle/>
-        <a:p>
-          <a:endParaRPr lang="en-GB"/>
-        </a:p>
-      </dgm:t>
-    </dgm:pt>
-    <dgm:pt modelId="{B97D7F14-B7F8-4D8C-A816-2C0A238FC389}">
-      <dgm:prSet phldrT="[Text]" custT="1"/>
-      <dgm:spPr/>
-      <dgm:t>
-        <a:bodyPr/>
-        <a:lstStyle/>
-        <a:p>
-          <a:r>
-            <a:rPr lang="en-US" sz="2400" smtClean="0">
-              <a:effectLst>
-                <a:outerShdw blurRad="38100" dist="38100" dir="2700000" algn="tl">
-                  <a:srgbClr val="000000">
-                    <a:alpha val="43137"/>
-                  </a:srgbClr>
-                </a:outerShdw>
-              </a:effectLst>
-            </a:rPr>
-            <a:t>Ques and comments</a:t>
-          </a:r>
-          <a:endParaRPr lang="en-US" sz="2400" dirty="0">
-            <a:effectLst>
-              <a:outerShdw blurRad="38100" dist="38100" dir="2700000" algn="tl">
-                <a:srgbClr val="000000">
-                  <a:alpha val="43137"/>
-                </a:srgbClr>
-              </a:outerShdw>
-            </a:effectLst>
-          </a:endParaRPr>
-        </a:p>
-      </dgm:t>
-    </dgm:pt>
-    <dgm:pt modelId="{FC0BF4D8-2A00-48C1-8026-2FB06158C1F8}" type="parTrans" cxnId="{77BC8576-A2F3-428A-9DB4-29C0C244482F}">
-      <dgm:prSet/>
-      <dgm:spPr/>
-      <dgm:t>
-        <a:bodyPr/>
-        <a:lstStyle/>
-        <a:p>
-          <a:endParaRPr lang="en-GB"/>
-        </a:p>
-      </dgm:t>
-    </dgm:pt>
-    <dgm:pt modelId="{258373D3-7973-4CE2-A72E-0B18F16770DE}" type="sibTrans" cxnId="{77BC8576-A2F3-428A-9DB4-29C0C244482F}">
-      <dgm:prSet/>
-      <dgm:spPr/>
-      <dgm:t>
-        <a:bodyPr/>
-        <a:lstStyle/>
-        <a:p>
-          <a:endParaRPr lang="en-GB"/>
-        </a:p>
-      </dgm:t>
-    </dgm:pt>
-    <dgm:pt modelId="{6BE4E373-0656-4EDC-821E-BE09C952B1F6}">
-      <dgm:prSet phldrT="[Text]" custT="1"/>
-      <dgm:spPr/>
-      <dgm:t>
-        <a:bodyPr/>
-        <a:lstStyle/>
-        <a:p>
-          <a:r>
-            <a:rPr lang="en-US" sz="2400" dirty="0" smtClean="0">
-              <a:effectLst>
-                <a:outerShdw blurRad="38100" dist="38100" dir="2700000" algn="tl">
-                  <a:srgbClr val="000000">
-                    <a:alpha val="43137"/>
-                  </a:srgbClr>
-                </a:outerShdw>
-              </a:effectLst>
-            </a:rPr>
-            <a:t>References</a:t>
-          </a:r>
-          <a:endParaRPr lang="en-US" sz="2400" dirty="0">
-            <a:effectLst>
-              <a:outerShdw blurRad="38100" dist="38100" dir="2700000" algn="tl">
-                <a:srgbClr val="000000">
-                  <a:alpha val="43137"/>
-                </a:srgbClr>
-              </a:outerShdw>
-            </a:effectLst>
-          </a:endParaRPr>
-        </a:p>
-      </dgm:t>
-    </dgm:pt>
-    <dgm:pt modelId="{E17B9BF1-2948-497F-8EC7-3BF734D839DB}" type="sibTrans" cxnId="{119690D4-400B-468B-8BA0-5C9C9E2AFEAF}">
-      <dgm:prSet/>
-      <dgm:spPr/>
-      <dgm:t>
-        <a:bodyPr/>
-        <a:lstStyle/>
-        <a:p>
-          <a:endParaRPr lang="en-US" sz="3200"/>
-        </a:p>
-      </dgm:t>
-    </dgm:pt>
-    <dgm:pt modelId="{34218063-BF94-4304-99BD-B3F7BA4D3C8F}" type="parTrans" cxnId="{119690D4-400B-468B-8BA0-5C9C9E2AFEAF}">
-      <dgm:prSet/>
-      <dgm:spPr/>
-      <dgm:t>
-        <a:bodyPr/>
-        <a:lstStyle/>
-        <a:p>
-          <a:endParaRPr lang="en-US" sz="3200"/>
         </a:p>
       </dgm:t>
     </dgm:pt>
@@ -1368,7 +1691,7 @@
       </dgm:t>
     </dgm:pt>
     <dgm:pt modelId="{7E429971-BC57-430F-BB25-C0574E5E39E3}" type="pres">
-      <dgm:prSet presAssocID="{74EE5CD8-078F-4590-BF9C-A341A294A016}" presName="parentText" presStyleLbl="node1" presStyleIdx="0" presStyleCnt="4" custLinFactNeighborY="-15667">
+      <dgm:prSet presAssocID="{74EE5CD8-078F-4590-BF9C-A341A294A016}" presName="parentText" presStyleLbl="node1" presStyleIdx="0" presStyleCnt="7" custLinFactNeighborY="-15667">
         <dgm:presLayoutVars>
           <dgm:chMax val="1"/>
           <dgm:bulletEnabled val="1"/>
@@ -1388,7 +1711,7 @@
       </dgm:t>
     </dgm:pt>
     <dgm:pt modelId="{D54B1729-BC98-42C1-9C6C-D65DCBA4358F}" type="pres">
-      <dgm:prSet presAssocID="{74EE5CD8-078F-4590-BF9C-A341A294A016}" presName="descendantText" presStyleLbl="alignAccFollowNode1" presStyleIdx="0" presStyleCnt="4" custScaleX="259632">
+      <dgm:prSet presAssocID="{74EE5CD8-078F-4590-BF9C-A341A294A016}" presName="descendantText" presStyleLbl="alignAccFollowNode1" presStyleIdx="0" presStyleCnt="7" custScaleX="259632">
         <dgm:presLayoutVars>
           <dgm:bulletEnabled val="1"/>
         </dgm:presLayoutVars>
@@ -1429,7 +1752,7 @@
       </dgm:t>
     </dgm:pt>
     <dgm:pt modelId="{C04276DC-EE64-470A-B8BC-09067B8045FA}" type="pres">
-      <dgm:prSet presAssocID="{AA046201-5C4D-445E-BF0B-5C6D2B0A1945}" presName="parentText" presStyleLbl="node1" presStyleIdx="1" presStyleCnt="4">
+      <dgm:prSet presAssocID="{AA046201-5C4D-445E-BF0B-5C6D2B0A1945}" presName="parentText" presStyleLbl="node1" presStyleIdx="1" presStyleCnt="7">
         <dgm:presLayoutVars>
           <dgm:chMax val="1"/>
           <dgm:bulletEnabled val="1"/>
@@ -1449,7 +1772,7 @@
       </dgm:t>
     </dgm:pt>
     <dgm:pt modelId="{B37A5355-225B-4C6F-AED7-6C620F99EECC}" type="pres">
-      <dgm:prSet presAssocID="{AA046201-5C4D-445E-BF0B-5C6D2B0A1945}" presName="descendantText" presStyleLbl="alignAccFollowNode1" presStyleIdx="1" presStyleCnt="4" custScaleX="259632">
+      <dgm:prSet presAssocID="{AA046201-5C4D-445E-BF0B-5C6D2B0A1945}" presName="descendantText" presStyleLbl="alignAccFollowNode1" presStyleIdx="1" presStyleCnt="7" custScaleX="259632">
         <dgm:presLayoutVars>
           <dgm:bulletEnabled val="1"/>
         </dgm:presLayoutVars>
@@ -1490,7 +1813,7 @@
       </dgm:t>
     </dgm:pt>
     <dgm:pt modelId="{F5034101-5B7D-4FE7-B47A-5A48CF39606B}" type="pres">
-      <dgm:prSet presAssocID="{D1776C8F-2B10-4075-8DF7-7F65AB725ED5}" presName="parentText" presStyleLbl="node1" presStyleIdx="2" presStyleCnt="4">
+      <dgm:prSet presAssocID="{D1776C8F-2B10-4075-8DF7-7F65AB725ED5}" presName="parentText" presStyleLbl="node1" presStyleIdx="2" presStyleCnt="7">
         <dgm:presLayoutVars>
           <dgm:chMax val="1"/>
           <dgm:bulletEnabled val="1"/>
@@ -1510,7 +1833,7 @@
       </dgm:t>
     </dgm:pt>
     <dgm:pt modelId="{C7C3E6FD-D83F-4BDA-907E-B5EE041DA931}" type="pres">
-      <dgm:prSet presAssocID="{D1776C8F-2B10-4075-8DF7-7F65AB725ED5}" presName="descendantText" presStyleLbl="alignAccFollowNode1" presStyleIdx="2" presStyleCnt="4" custScaleX="259632">
+      <dgm:prSet presAssocID="{D1776C8F-2B10-4075-8DF7-7F65AB725ED5}" presName="descendantText" presStyleLbl="alignAccFollowNode1" presStyleIdx="2" presStyleCnt="7" custScaleX="259632">
         <dgm:presLayoutVars>
           <dgm:bulletEnabled val="1"/>
         </dgm:presLayoutVars>
@@ -1532,12 +1855,12 @@
       <dgm:prSet presAssocID="{88B75C29-8054-417D-BCE3-878A55118F6D}" presName="sp" presStyleCnt="0"/>
       <dgm:spPr/>
     </dgm:pt>
-    <dgm:pt modelId="{8C7950BD-4E11-40FE-9D05-8F3449B393E4}" type="pres">
-      <dgm:prSet presAssocID="{5CAC8212-B514-4E75-998A-8A6E0E6476DB}" presName="linNode" presStyleCnt="0"/>
+    <dgm:pt modelId="{CD730B35-7A90-4EE5-8485-5758E9AD8C37}" type="pres">
+      <dgm:prSet presAssocID="{2972E30A-4EDE-45A1-8BE3-AB2801325EA1}" presName="linNode" presStyleCnt="0"/>
       <dgm:spPr/>
     </dgm:pt>
-    <dgm:pt modelId="{584C9453-C0F3-4033-8FCB-3EFFFC643335}" type="pres">
-      <dgm:prSet presAssocID="{5CAC8212-B514-4E75-998A-8A6E0E6476DB}" presName="parentText" presStyleLbl="node1" presStyleIdx="3" presStyleCnt="4">
+    <dgm:pt modelId="{953D79A1-F583-4C99-9EA1-00C886685091}" type="pres">
+      <dgm:prSet presAssocID="{2972E30A-4EDE-45A1-8BE3-AB2801325EA1}" presName="parentText" presStyleLbl="node1" presStyleIdx="3" presStyleCnt="7" custScaleX="55215">
         <dgm:presLayoutVars>
           <dgm:chMax val="1"/>
           <dgm:bulletEnabled val="1"/>
@@ -1548,12 +1871,12 @@
         <a:bodyPr/>
         <a:lstStyle/>
         <a:p>
-          <a:endParaRPr lang="en-GB"/>
+          <a:endParaRPr lang="en-US"/>
         </a:p>
       </dgm:t>
     </dgm:pt>
-    <dgm:pt modelId="{F8C9DB1A-BC70-4A90-80C0-94B987DE21A6}" type="pres">
-      <dgm:prSet presAssocID="{5CAC8212-B514-4E75-998A-8A6E0E6476DB}" presName="descendantText" presStyleLbl="alignAccFollowNode1" presStyleIdx="3" presStyleCnt="4" custScaleX="247906">
+    <dgm:pt modelId="{F90B9516-CD69-4131-B576-842C3D01AD54}" type="pres">
+      <dgm:prSet presAssocID="{2972E30A-4EDE-45A1-8BE3-AB2801325EA1}" presName="descendantText" presStyleLbl="alignAccFollowNode1" presStyleIdx="3" presStyleCnt="7" custScaleX="141294">
         <dgm:presLayoutVars>
           <dgm:bulletEnabled val="1"/>
         </dgm:presLayoutVars>
@@ -1563,29 +1886,158 @@
         <a:bodyPr/>
         <a:lstStyle/>
         <a:p>
-          <a:endParaRPr lang="en-GB"/>
+          <a:endParaRPr lang="en-US"/>
+        </a:p>
+      </dgm:t>
+    </dgm:pt>
+    <dgm:pt modelId="{84D6F1A3-141F-47F6-B01C-A03659D1A424}" type="pres">
+      <dgm:prSet presAssocID="{E5FEEAFE-041A-4D3C-92FE-EA25A36F23BB}" presName="sp" presStyleCnt="0"/>
+      <dgm:spPr/>
+    </dgm:pt>
+    <dgm:pt modelId="{C1B1014B-9B71-407A-818F-00831DB8FE5C}" type="pres">
+      <dgm:prSet presAssocID="{1BB0736A-AC9E-49D5-A82D-32785BA2E2ED}" presName="linNode" presStyleCnt="0"/>
+      <dgm:spPr/>
+    </dgm:pt>
+    <dgm:pt modelId="{F99C5C04-4C89-4FA8-AC74-1C9DCE0EBF16}" type="pres">
+      <dgm:prSet presAssocID="{1BB0736A-AC9E-49D5-A82D-32785BA2E2ED}" presName="parentText" presStyleLbl="node1" presStyleIdx="4" presStyleCnt="7" custScaleX="51379">
+        <dgm:presLayoutVars>
+          <dgm:chMax val="1"/>
+          <dgm:bulletEnabled val="1"/>
+        </dgm:presLayoutVars>
+      </dgm:prSet>
+      <dgm:spPr/>
+      <dgm:t>
+        <a:bodyPr/>
+        <a:lstStyle/>
+        <a:p>
+          <a:endParaRPr lang="en-US"/>
+        </a:p>
+      </dgm:t>
+    </dgm:pt>
+    <dgm:pt modelId="{F3A37752-91C4-4857-8DD1-EB50F27F42F0}" type="pres">
+      <dgm:prSet presAssocID="{1BB0736A-AC9E-49D5-A82D-32785BA2E2ED}" presName="descendantText" presStyleLbl="alignAccFollowNode1" presStyleIdx="4" presStyleCnt="7" custScaleX="127479">
+        <dgm:presLayoutVars>
+          <dgm:bulletEnabled val="1"/>
+        </dgm:presLayoutVars>
+      </dgm:prSet>
+      <dgm:spPr/>
+      <dgm:t>
+        <a:bodyPr/>
+        <a:lstStyle/>
+        <a:p>
+          <a:endParaRPr lang="en-US"/>
+        </a:p>
+      </dgm:t>
+    </dgm:pt>
+    <dgm:pt modelId="{43FF6A8B-5992-45C5-B952-EE0D4433C4D3}" type="pres">
+      <dgm:prSet presAssocID="{618F8A3C-E240-403C-8432-18CCE691AB91}" presName="sp" presStyleCnt="0"/>
+      <dgm:spPr/>
+    </dgm:pt>
+    <dgm:pt modelId="{C9835925-8AA0-4658-B06E-7A33C742AF0B}" type="pres">
+      <dgm:prSet presAssocID="{D11DF5B1-ED3B-4158-A54E-51D2C185AB6D}" presName="linNode" presStyleCnt="0"/>
+      <dgm:spPr/>
+    </dgm:pt>
+    <dgm:pt modelId="{2FDD53B2-E7DB-4401-9CCC-37A250D6B3BF}" type="pres">
+      <dgm:prSet presAssocID="{D11DF5B1-ED3B-4158-A54E-51D2C185AB6D}" presName="parentText" presStyleLbl="node1" presStyleIdx="5" presStyleCnt="7" custScaleX="54347">
+        <dgm:presLayoutVars>
+          <dgm:chMax val="1"/>
+          <dgm:bulletEnabled val="1"/>
+        </dgm:presLayoutVars>
+      </dgm:prSet>
+      <dgm:spPr/>
+      <dgm:t>
+        <a:bodyPr/>
+        <a:lstStyle/>
+        <a:p>
+          <a:endParaRPr lang="en-US"/>
+        </a:p>
+      </dgm:t>
+    </dgm:pt>
+    <dgm:pt modelId="{93708E6B-2455-4F8D-BE62-B7332F0FAB2A}" type="pres">
+      <dgm:prSet presAssocID="{D11DF5B1-ED3B-4158-A54E-51D2C185AB6D}" presName="descendantText" presStyleLbl="alignAccFollowNode1" presStyleIdx="5" presStyleCnt="7" custScaleX="127479">
+        <dgm:presLayoutVars>
+          <dgm:bulletEnabled val="1"/>
+        </dgm:presLayoutVars>
+      </dgm:prSet>
+      <dgm:spPr/>
+      <dgm:t>
+        <a:bodyPr/>
+        <a:lstStyle/>
+        <a:p>
+          <a:endParaRPr lang="en-US"/>
+        </a:p>
+      </dgm:t>
+    </dgm:pt>
+    <dgm:pt modelId="{7371017E-0639-499B-80E9-45EAADDBD359}" type="pres">
+      <dgm:prSet presAssocID="{621AA215-3A51-4E4D-8810-A5643B803005}" presName="sp" presStyleCnt="0"/>
+      <dgm:spPr/>
+    </dgm:pt>
+    <dgm:pt modelId="{AC2F8476-C4F0-468B-B474-CCD510B663FA}" type="pres">
+      <dgm:prSet presAssocID="{1E776C6D-C203-40BB-BFCB-C1CA35D9FDF8}" presName="linNode" presStyleCnt="0"/>
+      <dgm:spPr/>
+    </dgm:pt>
+    <dgm:pt modelId="{3306F71B-8A80-4A7E-9D5F-2E1016E22986}" type="pres">
+      <dgm:prSet presAssocID="{1E776C6D-C203-40BB-BFCB-C1CA35D9FDF8}" presName="parentText" presStyleLbl="node1" presStyleIdx="6" presStyleCnt="7" custScaleX="78868">
+        <dgm:presLayoutVars>
+          <dgm:chMax val="1"/>
+          <dgm:bulletEnabled val="1"/>
+        </dgm:presLayoutVars>
+      </dgm:prSet>
+      <dgm:spPr/>
+      <dgm:t>
+        <a:bodyPr/>
+        <a:lstStyle/>
+        <a:p>
+          <a:endParaRPr lang="en-US"/>
+        </a:p>
+      </dgm:t>
+    </dgm:pt>
+    <dgm:pt modelId="{FA9CD9E2-ACB9-4012-977C-AAB106F8CB5F}" type="pres">
+      <dgm:prSet presAssocID="{1E776C6D-C203-40BB-BFCB-C1CA35D9FDF8}" presName="descendantText" presStyleLbl="alignAccFollowNode1" presStyleIdx="6" presStyleCnt="7" custScaleX="183164">
+        <dgm:presLayoutVars>
+          <dgm:bulletEnabled val="1"/>
+        </dgm:presLayoutVars>
+      </dgm:prSet>
+      <dgm:spPr/>
+      <dgm:t>
+        <a:bodyPr/>
+        <a:lstStyle/>
+        <a:p>
+          <a:endParaRPr lang="en-US"/>
         </a:p>
       </dgm:t>
     </dgm:pt>
   </dgm:ptLst>
   <dgm:cxnLst>
+    <dgm:cxn modelId="{AFF7133D-5E9D-4613-9299-006F9E49301B}" type="presOf" srcId="{AA046201-5C4D-445E-BF0B-5C6D2B0A1945}" destId="{C04276DC-EE64-470A-B8BC-09067B8045FA}" srcOrd="0" destOrd="0" presId="urn:microsoft.com/office/officeart/2005/8/layout/vList5"/>
+    <dgm:cxn modelId="{FC1D7F87-1C29-4C43-A592-3E43EC6C7115}" srcId="{2972E30A-4EDE-45A1-8BE3-AB2801325EA1}" destId="{C54FDE5A-1A04-4BE4-963D-565044A45FD5}" srcOrd="0" destOrd="0" parTransId="{54EB2192-520C-4203-9A21-35A6A1ADA5BD}" sibTransId="{969BC5A1-A7A5-4C17-BA41-44ECF603B445}"/>
+    <dgm:cxn modelId="{3059AE06-1D72-4B86-AABF-15C037A96285}" srcId="{D11DF5B1-ED3B-4158-A54E-51D2C185AB6D}" destId="{22CCDE6B-0CB0-4FA7-BA61-B17CD6924CD2}" srcOrd="0" destOrd="0" parTransId="{3ADA9B80-9F0C-4E88-B051-A4E2D4C89657}" sibTransId="{BBFCF834-F194-4B90-BF90-CCE871A0F558}"/>
+    <dgm:cxn modelId="{4FDBB996-EDA8-4419-875E-D20B797361DA}" srcId="{74EE5CD8-078F-4590-BF9C-A341A294A016}" destId="{19FE8075-91E7-4197-AA45-FFC5E4CC05E3}" srcOrd="0" destOrd="0" parTransId="{7C51026A-B9A4-4328-9177-92BE57E78E73}" sibTransId="{E9D39590-86A9-43FC-B564-FF0214377D38}"/>
+    <dgm:cxn modelId="{D1F8BFEC-4439-4152-BDF0-168F9EE47F4F}" srcId="{1E776C6D-C203-40BB-BFCB-C1CA35D9FDF8}" destId="{0891671D-D42F-4B4F-AAAB-8C634AA6502D}" srcOrd="0" destOrd="0" parTransId="{371AAA77-AEF6-4CF8-A4B2-7E6EA33F60EB}" sibTransId="{64EAD307-6510-4F57-9322-FE689FFA1BD7}"/>
+    <dgm:cxn modelId="{4ACDE11F-9B69-406E-ADC1-C8E2F7C175CF}" type="presOf" srcId="{D11DF5B1-ED3B-4158-A54E-51D2C185AB6D}" destId="{2FDD53B2-E7DB-4401-9CCC-37A250D6B3BF}" srcOrd="0" destOrd="0" presId="urn:microsoft.com/office/officeart/2005/8/layout/vList5"/>
+    <dgm:cxn modelId="{88DBC9AE-3B91-4982-8F8D-BB3EBF73E2C0}" type="presOf" srcId="{19FE8075-91E7-4197-AA45-FFC5E4CC05E3}" destId="{D54B1729-BC98-42C1-9C6C-D65DCBA4358F}" srcOrd="0" destOrd="0" presId="urn:microsoft.com/office/officeart/2005/8/layout/vList5"/>
+    <dgm:cxn modelId="{9A0DCB65-9DCB-4972-9768-1762E4116F3C}" type="presOf" srcId="{74EE5CD8-078F-4590-BF9C-A341A294A016}" destId="{7E429971-BC57-430F-BB25-C0574E5E39E3}" srcOrd="0" destOrd="0" presId="urn:microsoft.com/office/officeart/2005/8/layout/vList5"/>
+    <dgm:cxn modelId="{03243B06-E092-4810-8EC7-E1E0FECF9775}" type="presOf" srcId="{22CCDE6B-0CB0-4FA7-BA61-B17CD6924CD2}" destId="{93708E6B-2455-4F8D-BE62-B7332F0FAB2A}" srcOrd="0" destOrd="0" presId="urn:microsoft.com/office/officeart/2005/8/layout/vList5"/>
+    <dgm:cxn modelId="{A554ADF5-352F-45B0-84A7-CF1D0B399C1A}" srcId="{F6FEADD9-F67D-41F5-BA4C-3C84956E7F46}" destId="{2972E30A-4EDE-45A1-8BE3-AB2801325EA1}" srcOrd="3" destOrd="0" parTransId="{ED06C135-0A39-4980-AFD1-6F0A8885394F}" sibTransId="{E5FEEAFE-041A-4D3C-92FE-EA25A36F23BB}"/>
+    <dgm:cxn modelId="{F40F9561-0D4C-44CF-91EF-A92B1DBDE44B}" srcId="{F6FEADD9-F67D-41F5-BA4C-3C84956E7F46}" destId="{74EE5CD8-078F-4590-BF9C-A341A294A016}" srcOrd="0" destOrd="0" parTransId="{BB568D76-3363-43D3-B00C-3359A643216C}" sibTransId="{CF9FB981-E6ED-4440-AC98-4E4E2ABA2C55}"/>
+    <dgm:cxn modelId="{6273D150-C67B-472D-95FA-6A120BD98F27}" srcId="{F6FEADD9-F67D-41F5-BA4C-3C84956E7F46}" destId="{D11DF5B1-ED3B-4158-A54E-51D2C185AB6D}" srcOrd="5" destOrd="0" parTransId="{7EBC7496-A678-4693-86CB-A2B711D333AD}" sibTransId="{621AA215-3A51-4E4D-8810-A5643B803005}"/>
+    <dgm:cxn modelId="{7F11AF0E-4991-43B1-BE22-2E57ADAA01EA}" type="presOf" srcId="{2972E30A-4EDE-45A1-8BE3-AB2801325EA1}" destId="{953D79A1-F583-4C99-9EA1-00C886685091}" srcOrd="0" destOrd="0" presId="urn:microsoft.com/office/officeart/2005/8/layout/vList5"/>
+    <dgm:cxn modelId="{C8CC213C-764B-4894-9E4F-2BE41192DEC1}" type="presOf" srcId="{0502EAAC-6A18-4FC1-BC7E-53CB2AD89FC4}" destId="{F3A37752-91C4-4857-8DD1-EB50F27F42F0}" srcOrd="0" destOrd="0" presId="urn:microsoft.com/office/officeart/2005/8/layout/vList5"/>
+    <dgm:cxn modelId="{5417F3DF-8CAE-4E6C-ADBB-ED6F50084B8E}" type="presOf" srcId="{D1776C8F-2B10-4075-8DF7-7F65AB725ED5}" destId="{F5034101-5B7D-4FE7-B47A-5A48CF39606B}" srcOrd="0" destOrd="0" presId="urn:microsoft.com/office/officeart/2005/8/layout/vList5"/>
+    <dgm:cxn modelId="{C82501D6-A648-4211-87A0-F52FF82885F1}" type="presOf" srcId="{1E776C6D-C203-40BB-BFCB-C1CA35D9FDF8}" destId="{3306F71B-8A80-4A7E-9D5F-2E1016E22986}" srcOrd="0" destOrd="0" presId="urn:microsoft.com/office/officeart/2005/8/layout/vList5"/>
+    <dgm:cxn modelId="{A2425A55-2771-4441-B698-4C003FD557C7}" type="presOf" srcId="{C54FDE5A-1A04-4BE4-963D-565044A45FD5}" destId="{F90B9516-CD69-4131-B576-842C3D01AD54}" srcOrd="0" destOrd="0" presId="urn:microsoft.com/office/officeart/2005/8/layout/vList5"/>
+    <dgm:cxn modelId="{B8AF1086-D7BE-446F-9133-738B599E9A7D}" srcId="{F6FEADD9-F67D-41F5-BA4C-3C84956E7F46}" destId="{AA046201-5C4D-445E-BF0B-5C6D2B0A1945}" srcOrd="1" destOrd="0" parTransId="{FE92FC33-5E0F-4302-9E80-A69E8ACDDE56}" sibTransId="{40767EFF-7D52-4469-ACEE-7D28E67337E2}"/>
+    <dgm:cxn modelId="{512CA426-3C6A-4F61-9D11-12C7129E5FE5}" type="presOf" srcId="{DE55C01F-75D7-4D14-8E2C-B62A77A926BC}" destId="{B37A5355-225B-4C6F-AED7-6C620F99EECC}" srcOrd="0" destOrd="0" presId="urn:microsoft.com/office/officeart/2005/8/layout/vList5"/>
+    <dgm:cxn modelId="{E45C03E8-0DEF-460E-B315-02E44B29ED6C}" srcId="{1BB0736A-AC9E-49D5-A82D-32785BA2E2ED}" destId="{0502EAAC-6A18-4FC1-BC7E-53CB2AD89FC4}" srcOrd="0" destOrd="0" parTransId="{6D9A8545-D8B2-49EA-B6BC-610F5F619BC1}" sibTransId="{77F901D3-C958-420F-B293-B66088DC99A2}"/>
+    <dgm:cxn modelId="{3D887057-7E91-45EF-8E4B-3006C2DFECB4}" type="presOf" srcId="{6BE4E373-0656-4EDC-821E-BE09C952B1F6}" destId="{C7C3E6FD-D83F-4BDA-907E-B5EE041DA931}" srcOrd="0" destOrd="0" presId="urn:microsoft.com/office/officeart/2005/8/layout/vList5"/>
     <dgm:cxn modelId="{7077B78D-FCDC-4519-8416-DC357ACD5043}" srcId="{F6FEADD9-F67D-41F5-BA4C-3C84956E7F46}" destId="{D1776C8F-2B10-4075-8DF7-7F65AB725ED5}" srcOrd="2" destOrd="0" parTransId="{7291E740-3E17-41B3-99D3-1D67AE37CC3F}" sibTransId="{88B75C29-8054-417D-BCE3-878A55118F6D}"/>
+    <dgm:cxn modelId="{00EA8034-866E-4E96-92E7-F13ABBF3BF59}" srcId="{F6FEADD9-F67D-41F5-BA4C-3C84956E7F46}" destId="{1BB0736A-AC9E-49D5-A82D-32785BA2E2ED}" srcOrd="4" destOrd="0" parTransId="{CDC6E90D-9C42-4E4C-B7C8-365938E8B265}" sibTransId="{618F8A3C-E240-403C-8432-18CCE691AB91}"/>
     <dgm:cxn modelId="{119690D4-400B-468B-8BA0-5C9C9E2AFEAF}" srcId="{D1776C8F-2B10-4075-8DF7-7F65AB725ED5}" destId="{6BE4E373-0656-4EDC-821E-BE09C952B1F6}" srcOrd="0" destOrd="0" parTransId="{34218063-BF94-4304-99BD-B3F7BA4D3C8F}" sibTransId="{E17B9BF1-2948-497F-8EC7-3BF734D839DB}"/>
-    <dgm:cxn modelId="{3D887057-7E91-45EF-8E4B-3006C2DFECB4}" type="presOf" srcId="{6BE4E373-0656-4EDC-821E-BE09C952B1F6}" destId="{C7C3E6FD-D83F-4BDA-907E-B5EE041DA931}" srcOrd="0" destOrd="0" presId="urn:microsoft.com/office/officeart/2005/8/layout/vList5"/>
     <dgm:cxn modelId="{12A0332C-234E-449D-B06E-3244C722F562}" srcId="{AA046201-5C4D-445E-BF0B-5C6D2B0A1945}" destId="{DE55C01F-75D7-4D14-8E2C-B62A77A926BC}" srcOrd="0" destOrd="0" parTransId="{4372E842-1B5B-4BBF-A3E7-B711CA192FEB}" sibTransId="{326DAA33-D7FF-4EB8-8EEC-2F653D55B4EC}"/>
-    <dgm:cxn modelId="{512CA426-3C6A-4F61-9D11-12C7129E5FE5}" type="presOf" srcId="{DE55C01F-75D7-4D14-8E2C-B62A77A926BC}" destId="{B37A5355-225B-4C6F-AED7-6C620F99EECC}" srcOrd="0" destOrd="0" presId="urn:microsoft.com/office/officeart/2005/8/layout/vList5"/>
-    <dgm:cxn modelId="{F40F9561-0D4C-44CF-91EF-A92B1DBDE44B}" srcId="{F6FEADD9-F67D-41F5-BA4C-3C84956E7F46}" destId="{74EE5CD8-078F-4590-BF9C-A341A294A016}" srcOrd="0" destOrd="0" parTransId="{BB568D76-3363-43D3-B00C-3359A643216C}" sibTransId="{CF9FB981-E6ED-4440-AC98-4E4E2ABA2C55}"/>
-    <dgm:cxn modelId="{5417F3DF-8CAE-4E6C-ADBB-ED6F50084B8E}" type="presOf" srcId="{D1776C8F-2B10-4075-8DF7-7F65AB725ED5}" destId="{F5034101-5B7D-4FE7-B47A-5A48CF39606B}" srcOrd="0" destOrd="0" presId="urn:microsoft.com/office/officeart/2005/8/layout/vList5"/>
-    <dgm:cxn modelId="{B8AF1086-D7BE-446F-9133-738B599E9A7D}" srcId="{F6FEADD9-F67D-41F5-BA4C-3C84956E7F46}" destId="{AA046201-5C4D-445E-BF0B-5C6D2B0A1945}" srcOrd="1" destOrd="0" parTransId="{FE92FC33-5E0F-4302-9E80-A69E8ACDDE56}" sibTransId="{40767EFF-7D52-4469-ACEE-7D28E67337E2}"/>
+    <dgm:cxn modelId="{7B2E2122-671C-4AB4-A566-12C881B410D8}" type="presOf" srcId="{0891671D-D42F-4B4F-AAAB-8C634AA6502D}" destId="{FA9CD9E2-ACB9-4012-977C-AAB106F8CB5F}" srcOrd="0" destOrd="0" presId="urn:microsoft.com/office/officeart/2005/8/layout/vList5"/>
     <dgm:cxn modelId="{DBCA7E61-D822-40A0-A27A-D7E092386A0B}" type="presOf" srcId="{F6FEADD9-F67D-41F5-BA4C-3C84956E7F46}" destId="{AAE7A1E6-6847-453D-B55B-8A82BF138C1D}" srcOrd="0" destOrd="0" presId="urn:microsoft.com/office/officeart/2005/8/layout/vList5"/>
-    <dgm:cxn modelId="{9A0DCB65-9DCB-4972-9768-1762E4116F3C}" type="presOf" srcId="{74EE5CD8-078F-4590-BF9C-A341A294A016}" destId="{7E429971-BC57-430F-BB25-C0574E5E39E3}" srcOrd="0" destOrd="0" presId="urn:microsoft.com/office/officeart/2005/8/layout/vList5"/>
-    <dgm:cxn modelId="{4FDBB996-EDA8-4419-875E-D20B797361DA}" srcId="{74EE5CD8-078F-4590-BF9C-A341A294A016}" destId="{19FE8075-91E7-4197-AA45-FFC5E4CC05E3}" srcOrd="0" destOrd="0" parTransId="{7C51026A-B9A4-4328-9177-92BE57E78E73}" sibTransId="{E9D39590-86A9-43FC-B564-FF0214377D38}"/>
-    <dgm:cxn modelId="{539DB7AB-E522-45F0-8A86-C16A6435A2DA}" type="presOf" srcId="{5CAC8212-B514-4E75-998A-8A6E0E6476DB}" destId="{584C9453-C0F3-4033-8FCB-3EFFFC643335}" srcOrd="0" destOrd="0" presId="urn:microsoft.com/office/officeart/2005/8/layout/vList5"/>
-    <dgm:cxn modelId="{1C03EB99-07AD-4CC3-9224-846F79EB0B4B}" type="presOf" srcId="{B97D7F14-B7F8-4D8C-A816-2C0A238FC389}" destId="{F8C9DB1A-BC70-4A90-80C0-94B987DE21A6}" srcOrd="0" destOrd="0" presId="urn:microsoft.com/office/officeart/2005/8/layout/vList5"/>
-    <dgm:cxn modelId="{94985356-8FB6-4846-835B-7CC566D6F453}" srcId="{F6FEADD9-F67D-41F5-BA4C-3C84956E7F46}" destId="{5CAC8212-B514-4E75-998A-8A6E0E6476DB}" srcOrd="3" destOrd="0" parTransId="{8B65D6AA-2543-4D86-9836-07E792929321}" sibTransId="{A5F953CA-BC98-482C-B9FC-F61F7D4623D5}"/>
-    <dgm:cxn modelId="{88DBC9AE-3B91-4982-8F8D-BB3EBF73E2C0}" type="presOf" srcId="{19FE8075-91E7-4197-AA45-FFC5E4CC05E3}" destId="{D54B1729-BC98-42C1-9C6C-D65DCBA4358F}" srcOrd="0" destOrd="0" presId="urn:microsoft.com/office/officeart/2005/8/layout/vList5"/>
-    <dgm:cxn modelId="{77BC8576-A2F3-428A-9DB4-29C0C244482F}" srcId="{5CAC8212-B514-4E75-998A-8A6E0E6476DB}" destId="{B97D7F14-B7F8-4D8C-A816-2C0A238FC389}" srcOrd="0" destOrd="0" parTransId="{FC0BF4D8-2A00-48C1-8026-2FB06158C1F8}" sibTransId="{258373D3-7973-4CE2-A72E-0B18F16770DE}"/>
-    <dgm:cxn modelId="{AFF7133D-5E9D-4613-9299-006F9E49301B}" type="presOf" srcId="{AA046201-5C4D-445E-BF0B-5C6D2B0A1945}" destId="{C04276DC-EE64-470A-B8BC-09067B8045FA}" srcOrd="0" destOrd="0" presId="urn:microsoft.com/office/officeart/2005/8/layout/vList5"/>
+    <dgm:cxn modelId="{66F80C90-8BB1-4525-8B99-21E1EB483015}" srcId="{F6FEADD9-F67D-41F5-BA4C-3C84956E7F46}" destId="{1E776C6D-C203-40BB-BFCB-C1CA35D9FDF8}" srcOrd="6" destOrd="0" parTransId="{067D20B7-A4EF-45B1-A116-967078F5C1DE}" sibTransId="{EB0B183B-7E74-489F-B2C6-508D2F7FED53}"/>
+    <dgm:cxn modelId="{FCE13D40-8E11-4697-B696-C84D4A1E47D4}" type="presOf" srcId="{1BB0736A-AC9E-49D5-A82D-32785BA2E2ED}" destId="{F99C5C04-4C89-4FA8-AC74-1C9DCE0EBF16}" srcOrd="0" destOrd="0" presId="urn:microsoft.com/office/officeart/2005/8/layout/vList5"/>
     <dgm:cxn modelId="{1E18118B-9778-4714-A249-2B714D5427F7}" type="presParOf" srcId="{AAE7A1E6-6847-453D-B55B-8A82BF138C1D}" destId="{C4407577-18A2-46E0-8805-2838042EB67A}" srcOrd="0" destOrd="0" presId="urn:microsoft.com/office/officeart/2005/8/layout/vList5"/>
     <dgm:cxn modelId="{84152E8A-21A6-4CAF-BC09-47C13F4FFFB8}" type="presParOf" srcId="{C4407577-18A2-46E0-8805-2838042EB67A}" destId="{7E429971-BC57-430F-BB25-C0574E5E39E3}" srcOrd="0" destOrd="0" presId="urn:microsoft.com/office/officeart/2005/8/layout/vList5"/>
     <dgm:cxn modelId="{A3A00BA8-EE5C-4999-898D-2DF3A58C458F}" type="presParOf" srcId="{C4407577-18A2-46E0-8805-2838042EB67A}" destId="{D54B1729-BC98-42C1-9C6C-D65DCBA4358F}" srcOrd="1" destOrd="0" presId="urn:microsoft.com/office/officeart/2005/8/layout/vList5"/>
@@ -1597,10 +2049,22 @@
     <dgm:cxn modelId="{FD2A22C3-24B0-4E4D-A3BC-79528D3FBC48}" type="presParOf" srcId="{AAE7A1E6-6847-453D-B55B-8A82BF138C1D}" destId="{477213BE-9E91-4950-8451-7F60796F47F4}" srcOrd="4" destOrd="0" presId="urn:microsoft.com/office/officeart/2005/8/layout/vList5"/>
     <dgm:cxn modelId="{2D9E3819-8AF8-4F78-AD5E-1D892BCE0381}" type="presParOf" srcId="{477213BE-9E91-4950-8451-7F60796F47F4}" destId="{F5034101-5B7D-4FE7-B47A-5A48CF39606B}" srcOrd="0" destOrd="0" presId="urn:microsoft.com/office/officeart/2005/8/layout/vList5"/>
     <dgm:cxn modelId="{5FD7E964-E46A-45B4-A545-5D657B6094BB}" type="presParOf" srcId="{477213BE-9E91-4950-8451-7F60796F47F4}" destId="{C7C3E6FD-D83F-4BDA-907E-B5EE041DA931}" srcOrd="1" destOrd="0" presId="urn:microsoft.com/office/officeart/2005/8/layout/vList5"/>
-    <dgm:cxn modelId="{AF9945F4-E0CD-4F6B-9A71-5E2EBB73A4BD}" type="presParOf" srcId="{AAE7A1E6-6847-453D-B55B-8A82BF138C1D}" destId="{5F7F3B65-2C33-4A15-A2C1-EF1FDEB58029}" srcOrd="5" destOrd="0" presId="urn:microsoft.com/office/officeart/2005/8/layout/vList5"/>
-    <dgm:cxn modelId="{F75E2AED-5A50-4ED8-AC82-56F698BF6957}" type="presParOf" srcId="{AAE7A1E6-6847-453D-B55B-8A82BF138C1D}" destId="{8C7950BD-4E11-40FE-9D05-8F3449B393E4}" srcOrd="6" destOrd="0" presId="urn:microsoft.com/office/officeart/2005/8/layout/vList5"/>
-    <dgm:cxn modelId="{E87B9F08-C477-4821-B1D8-8C1B7C573EF2}" type="presParOf" srcId="{8C7950BD-4E11-40FE-9D05-8F3449B393E4}" destId="{584C9453-C0F3-4033-8FCB-3EFFFC643335}" srcOrd="0" destOrd="0" presId="urn:microsoft.com/office/officeart/2005/8/layout/vList5"/>
-    <dgm:cxn modelId="{B7F52A22-2DA6-4440-9650-9A2180967A3D}" type="presParOf" srcId="{8C7950BD-4E11-40FE-9D05-8F3449B393E4}" destId="{F8C9DB1A-BC70-4A90-80C0-94B987DE21A6}" srcOrd="1" destOrd="0" presId="urn:microsoft.com/office/officeart/2005/8/layout/vList5"/>
+    <dgm:cxn modelId="{8ED9637D-338E-4200-AAEE-85D509D0FD5A}" type="presParOf" srcId="{AAE7A1E6-6847-453D-B55B-8A82BF138C1D}" destId="{5F7F3B65-2C33-4A15-A2C1-EF1FDEB58029}" srcOrd="5" destOrd="0" presId="urn:microsoft.com/office/officeart/2005/8/layout/vList5"/>
+    <dgm:cxn modelId="{F7790E83-A5AD-455F-8864-F361A99A0E62}" type="presParOf" srcId="{AAE7A1E6-6847-453D-B55B-8A82BF138C1D}" destId="{CD730B35-7A90-4EE5-8485-5758E9AD8C37}" srcOrd="6" destOrd="0" presId="urn:microsoft.com/office/officeart/2005/8/layout/vList5"/>
+    <dgm:cxn modelId="{D9CC6727-3F6C-4ACA-92CD-FF93AC923CC4}" type="presParOf" srcId="{CD730B35-7A90-4EE5-8485-5758E9AD8C37}" destId="{953D79A1-F583-4C99-9EA1-00C886685091}" srcOrd="0" destOrd="0" presId="urn:microsoft.com/office/officeart/2005/8/layout/vList5"/>
+    <dgm:cxn modelId="{2626EDDD-B3F2-45C0-BF28-3D867D12B327}" type="presParOf" srcId="{CD730B35-7A90-4EE5-8485-5758E9AD8C37}" destId="{F90B9516-CD69-4131-B576-842C3D01AD54}" srcOrd="1" destOrd="0" presId="urn:microsoft.com/office/officeart/2005/8/layout/vList5"/>
+    <dgm:cxn modelId="{0C28B2E0-6D98-4675-8B64-562658F215D3}" type="presParOf" srcId="{AAE7A1E6-6847-453D-B55B-8A82BF138C1D}" destId="{84D6F1A3-141F-47F6-B01C-A03659D1A424}" srcOrd="7" destOrd="0" presId="urn:microsoft.com/office/officeart/2005/8/layout/vList5"/>
+    <dgm:cxn modelId="{FE75BFE6-FB36-4EE5-A952-45100E12B653}" type="presParOf" srcId="{AAE7A1E6-6847-453D-B55B-8A82BF138C1D}" destId="{C1B1014B-9B71-407A-818F-00831DB8FE5C}" srcOrd="8" destOrd="0" presId="urn:microsoft.com/office/officeart/2005/8/layout/vList5"/>
+    <dgm:cxn modelId="{1B9FC965-58A5-4A5C-9E4C-6157E5636A71}" type="presParOf" srcId="{C1B1014B-9B71-407A-818F-00831DB8FE5C}" destId="{F99C5C04-4C89-4FA8-AC74-1C9DCE0EBF16}" srcOrd="0" destOrd="0" presId="urn:microsoft.com/office/officeart/2005/8/layout/vList5"/>
+    <dgm:cxn modelId="{F3C115F7-139A-4D6B-8A5C-B5B092F43346}" type="presParOf" srcId="{C1B1014B-9B71-407A-818F-00831DB8FE5C}" destId="{F3A37752-91C4-4857-8DD1-EB50F27F42F0}" srcOrd="1" destOrd="0" presId="urn:microsoft.com/office/officeart/2005/8/layout/vList5"/>
+    <dgm:cxn modelId="{85405DED-373F-4319-868D-C4BB534D5DBC}" type="presParOf" srcId="{AAE7A1E6-6847-453D-B55B-8A82BF138C1D}" destId="{43FF6A8B-5992-45C5-B952-EE0D4433C4D3}" srcOrd="9" destOrd="0" presId="urn:microsoft.com/office/officeart/2005/8/layout/vList5"/>
+    <dgm:cxn modelId="{F58A8D16-427A-4BF1-954A-07AC8906B8F3}" type="presParOf" srcId="{AAE7A1E6-6847-453D-B55B-8A82BF138C1D}" destId="{C9835925-8AA0-4658-B06E-7A33C742AF0B}" srcOrd="10" destOrd="0" presId="urn:microsoft.com/office/officeart/2005/8/layout/vList5"/>
+    <dgm:cxn modelId="{BEEA26F5-7BF8-4630-B892-68FF5011A5E9}" type="presParOf" srcId="{C9835925-8AA0-4658-B06E-7A33C742AF0B}" destId="{2FDD53B2-E7DB-4401-9CCC-37A250D6B3BF}" srcOrd="0" destOrd="0" presId="urn:microsoft.com/office/officeart/2005/8/layout/vList5"/>
+    <dgm:cxn modelId="{20C6D7A9-4535-42C5-BA52-AE6B4F2BCAF0}" type="presParOf" srcId="{C9835925-8AA0-4658-B06E-7A33C742AF0B}" destId="{93708E6B-2455-4F8D-BE62-B7332F0FAB2A}" srcOrd="1" destOrd="0" presId="urn:microsoft.com/office/officeart/2005/8/layout/vList5"/>
+    <dgm:cxn modelId="{47017929-1BFE-49F8-A966-ED3393866B01}" type="presParOf" srcId="{AAE7A1E6-6847-453D-B55B-8A82BF138C1D}" destId="{7371017E-0639-499B-80E9-45EAADDBD359}" srcOrd="11" destOrd="0" presId="urn:microsoft.com/office/officeart/2005/8/layout/vList5"/>
+    <dgm:cxn modelId="{A7E4D583-D181-40A7-B3A5-A14046B61B85}" type="presParOf" srcId="{AAE7A1E6-6847-453D-B55B-8A82BF138C1D}" destId="{AC2F8476-C4F0-468B-B474-CCD510B663FA}" srcOrd="12" destOrd="0" presId="urn:microsoft.com/office/officeart/2005/8/layout/vList5"/>
+    <dgm:cxn modelId="{ED1EEE43-D3A6-49FA-995F-2DB5AE17FF18}" type="presParOf" srcId="{AC2F8476-C4F0-468B-B474-CCD510B663FA}" destId="{3306F71B-8A80-4A7E-9D5F-2E1016E22986}" srcOrd="0" destOrd="0" presId="urn:microsoft.com/office/officeart/2005/8/layout/vList5"/>
+    <dgm:cxn modelId="{1CEA44D2-2458-413E-96E4-43D6DBEDA267}" type="presParOf" srcId="{AC2F8476-C4F0-468B-B474-CCD510B663FA}" destId="{FA9CD9E2-ACB9-4012-977C-AAB106F8CB5F}" srcOrd="1" destOrd="0" presId="urn:microsoft.com/office/officeart/2005/8/layout/vList5"/>
   </dgm:cxnLst>
   <dgm:bg/>
   <dgm:whole/>
@@ -1620,6 +2084,1559 @@
       <dsp:cNvGrpSpPr/>
     </dsp:nvGrpSpPr>
     <dsp:grpSpPr/>
+    <dsp:sp modelId="{D54B1729-BC98-42C1-9C6C-D65DCBA4358F}">
+      <dsp:nvSpPr>
+        <dsp:cNvPr id="0" name=""/>
+        <dsp:cNvSpPr/>
+      </dsp:nvSpPr>
+      <dsp:spPr>
+        <a:xfrm rot="5400000">
+          <a:off x="3368099" y="-2226487"/>
+          <a:ext cx="445293" cy="5010287"/>
+        </a:xfrm>
+        <a:prstGeom prst="rect">
+          <a:avLst/>
+        </a:prstGeom>
+        <a:solidFill>
+          <a:schemeClr val="accent3">
+            <a:tint val="40000"/>
+            <a:alpha val="90000"/>
+            <a:hueOff val="0"/>
+            <a:satOff val="0"/>
+            <a:lumOff val="0"/>
+            <a:alphaOff val="0"/>
+          </a:schemeClr>
+        </a:solidFill>
+        <a:ln w="9525" cap="flat" cmpd="sng" algn="ctr">
+          <a:solidFill>
+            <a:schemeClr val="accent3">
+              <a:tint val="40000"/>
+              <a:alpha val="90000"/>
+              <a:hueOff val="0"/>
+              <a:satOff val="0"/>
+              <a:lumOff val="0"/>
+              <a:alphaOff val="0"/>
+            </a:schemeClr>
+          </a:solidFill>
+          <a:prstDash val="solid"/>
+        </a:ln>
+        <a:effectLst>
+          <a:outerShdw blurRad="40000" dist="23000" dir="5400000" rotWithShape="0">
+            <a:srgbClr val="000000">
+              <a:alpha val="35000"/>
+            </a:srgbClr>
+          </a:outerShdw>
+        </a:effectLst>
+      </dsp:spPr>
+      <dsp:style>
+        <a:lnRef idx="1">
+          <a:scrgbClr r="0" g="0" b="0"/>
+        </a:lnRef>
+        <a:fillRef idx="1">
+          <a:scrgbClr r="0" g="0" b="0"/>
+        </a:fillRef>
+        <a:effectRef idx="2">
+          <a:scrgbClr r="0" g="0" b="0"/>
+        </a:effectRef>
+        <a:fontRef idx="minor"/>
+      </dsp:style>
+      <dsp:txBody>
+        <a:bodyPr spcFirstLastPara="0" vert="horz" wrap="square" lIns="247650" tIns="123825" rIns="247650" bIns="123825" numCol="1" spcCol="1270" anchor="ctr" anchorCtr="0">
+          <a:noAutofit/>
+        </a:bodyPr>
+        <a:lstStyle/>
+        <a:p>
+          <a:pPr marL="228600" lvl="1" indent="-228600" algn="l" defTabSz="1066800">
+            <a:lnSpc>
+              <a:spcPct val="90000"/>
+            </a:lnSpc>
+            <a:spcBef>
+              <a:spcPct val="0"/>
+            </a:spcBef>
+            <a:spcAft>
+              <a:spcPct val="15000"/>
+            </a:spcAft>
+            <a:buChar char="••"/>
+          </a:pPr>
+          <a:r>
+            <a:rPr lang="en-US" sz="2400" kern="1200" dirty="0" smtClean="0">
+              <a:effectLst>
+                <a:outerShdw blurRad="38100" dist="38100" dir="2700000" algn="tl">
+                  <a:srgbClr val="000000">
+                    <a:alpha val="43137"/>
+                  </a:srgbClr>
+                </a:outerShdw>
+              </a:effectLst>
+            </a:rPr>
+            <a:t>What is IOT?</a:t>
+          </a:r>
+          <a:endParaRPr lang="en-US" sz="2400" kern="1200" dirty="0"/>
+        </a:p>
+      </dsp:txBody>
+      <dsp:txXfrm rot="-5400000">
+        <a:off x="1085602" y="56010"/>
+        <a:ext cx="5010287" cy="445293"/>
+      </dsp:txXfrm>
+    </dsp:sp>
+    <dsp:sp modelId="{7E429971-BC57-430F-BB25-C0574E5E39E3}">
+      <dsp:nvSpPr>
+        <dsp:cNvPr id="0" name=""/>
+        <dsp:cNvSpPr/>
+      </dsp:nvSpPr>
+      <dsp:spPr>
+        <a:xfrm>
+          <a:off x="109" y="0"/>
+          <a:ext cx="1085492" cy="556617"/>
+        </a:xfrm>
+        <a:prstGeom prst="roundRect">
+          <a:avLst/>
+        </a:prstGeom>
+        <a:gradFill rotWithShape="0">
+          <a:gsLst>
+            <a:gs pos="0">
+              <a:schemeClr val="accent3">
+                <a:hueOff val="0"/>
+                <a:satOff val="0"/>
+                <a:lumOff val="0"/>
+                <a:alphaOff val="0"/>
+                <a:shade val="51000"/>
+                <a:satMod val="130000"/>
+              </a:schemeClr>
+            </a:gs>
+            <a:gs pos="80000">
+              <a:schemeClr val="accent3">
+                <a:hueOff val="0"/>
+                <a:satOff val="0"/>
+                <a:lumOff val="0"/>
+                <a:alphaOff val="0"/>
+                <a:shade val="93000"/>
+                <a:satMod val="130000"/>
+              </a:schemeClr>
+            </a:gs>
+            <a:gs pos="100000">
+              <a:schemeClr val="accent3">
+                <a:hueOff val="0"/>
+                <a:satOff val="0"/>
+                <a:lumOff val="0"/>
+                <a:alphaOff val="0"/>
+                <a:shade val="94000"/>
+                <a:satMod val="135000"/>
+              </a:schemeClr>
+            </a:gs>
+          </a:gsLst>
+          <a:lin ang="16200000" scaled="0"/>
+        </a:gradFill>
+        <a:ln>
+          <a:noFill/>
+        </a:ln>
+        <a:effectLst>
+          <a:outerShdw blurRad="40000" dist="23000" dir="5400000" rotWithShape="0">
+            <a:srgbClr val="000000">
+              <a:alpha val="35000"/>
+            </a:srgbClr>
+          </a:outerShdw>
+        </a:effectLst>
+        <a:scene3d>
+          <a:camera prst="orthographicFront">
+            <a:rot lat="0" lon="0" rev="0"/>
+          </a:camera>
+          <a:lightRig rig="threePt" dir="t">
+            <a:rot lat="0" lon="0" rev="1200000"/>
+          </a:lightRig>
+        </a:scene3d>
+        <a:sp3d>
+          <a:bevelT w="63500" h="25400"/>
+        </a:sp3d>
+      </dsp:spPr>
+      <dsp:style>
+        <a:lnRef idx="0">
+          <a:scrgbClr r="0" g="0" b="0"/>
+        </a:lnRef>
+        <a:fillRef idx="3">
+          <a:scrgbClr r="0" g="0" b="0"/>
+        </a:fillRef>
+        <a:effectRef idx="3">
+          <a:scrgbClr r="0" g="0" b="0"/>
+        </a:effectRef>
+        <a:fontRef idx="minor">
+          <a:schemeClr val="lt1"/>
+        </a:fontRef>
+      </dsp:style>
+      <dsp:txBody>
+        <a:bodyPr spcFirstLastPara="0" vert="horz" wrap="square" lIns="121920" tIns="60960" rIns="121920" bIns="60960" numCol="1" spcCol="1270" anchor="ctr" anchorCtr="0">
+          <a:noAutofit/>
+        </a:bodyPr>
+        <a:lstStyle/>
+        <a:p>
+          <a:pPr lvl="0" algn="ctr" defTabSz="1422400">
+            <a:lnSpc>
+              <a:spcPct val="90000"/>
+            </a:lnSpc>
+            <a:spcBef>
+              <a:spcPct val="0"/>
+            </a:spcBef>
+            <a:spcAft>
+              <a:spcPct val="35000"/>
+            </a:spcAft>
+          </a:pPr>
+          <a:r>
+            <a:rPr lang="en-US" sz="3200" kern="1200" dirty="0" smtClean="0"/>
+            <a:t>1</a:t>
+          </a:r>
+          <a:endParaRPr lang="en-US" sz="3200" kern="1200" dirty="0"/>
+        </a:p>
+      </dsp:txBody>
+      <dsp:txXfrm>
+        <a:off x="27281" y="27172"/>
+        <a:ext cx="1031148" cy="502273"/>
+      </dsp:txXfrm>
+    </dsp:sp>
+    <dsp:sp modelId="{B37A5355-225B-4C6F-AED7-6C620F99EECC}">
+      <dsp:nvSpPr>
+        <dsp:cNvPr id="0" name=""/>
+        <dsp:cNvSpPr/>
+      </dsp:nvSpPr>
+      <dsp:spPr>
+        <a:xfrm rot="5400000">
+          <a:off x="3368099" y="-1642039"/>
+          <a:ext cx="445293" cy="5010287"/>
+        </a:xfrm>
+        <a:prstGeom prst="rect">
+          <a:avLst/>
+        </a:prstGeom>
+        <a:solidFill>
+          <a:schemeClr val="accent3">
+            <a:tint val="40000"/>
+            <a:alpha val="90000"/>
+            <a:hueOff val="1786142"/>
+            <a:satOff val="-2299"/>
+            <a:lumOff val="-179"/>
+            <a:alphaOff val="0"/>
+          </a:schemeClr>
+        </a:solidFill>
+        <a:ln w="9525" cap="flat" cmpd="sng" algn="ctr">
+          <a:solidFill>
+            <a:schemeClr val="accent3">
+              <a:tint val="40000"/>
+              <a:alpha val="90000"/>
+              <a:hueOff val="1786142"/>
+              <a:satOff val="-2299"/>
+              <a:lumOff val="-179"/>
+              <a:alphaOff val="0"/>
+            </a:schemeClr>
+          </a:solidFill>
+          <a:prstDash val="solid"/>
+        </a:ln>
+        <a:effectLst>
+          <a:outerShdw blurRad="40000" dist="23000" dir="5400000" rotWithShape="0">
+            <a:srgbClr val="000000">
+              <a:alpha val="35000"/>
+            </a:srgbClr>
+          </a:outerShdw>
+        </a:effectLst>
+      </dsp:spPr>
+      <dsp:style>
+        <a:lnRef idx="1">
+          <a:scrgbClr r="0" g="0" b="0"/>
+        </a:lnRef>
+        <a:fillRef idx="1">
+          <a:scrgbClr r="0" g="0" b="0"/>
+        </a:fillRef>
+        <a:effectRef idx="2">
+          <a:scrgbClr r="0" g="0" b="0"/>
+        </a:effectRef>
+        <a:fontRef idx="minor"/>
+      </dsp:style>
+      <dsp:txBody>
+        <a:bodyPr spcFirstLastPara="0" vert="horz" wrap="square" lIns="247650" tIns="123825" rIns="247650" bIns="123825" numCol="1" spcCol="1270" anchor="ctr" anchorCtr="0">
+          <a:noAutofit/>
+        </a:bodyPr>
+        <a:lstStyle/>
+        <a:p>
+          <a:pPr marL="228600" lvl="1" indent="-228600" algn="l" defTabSz="1066800">
+            <a:lnSpc>
+              <a:spcPct val="90000"/>
+            </a:lnSpc>
+            <a:spcBef>
+              <a:spcPct val="0"/>
+            </a:spcBef>
+            <a:spcAft>
+              <a:spcPct val="15000"/>
+            </a:spcAft>
+            <a:buChar char="••"/>
+          </a:pPr>
+          <a:r>
+            <a:rPr lang="en-US" sz="2400" kern="1200" dirty="0" smtClean="0">
+              <a:effectLst>
+                <a:outerShdw blurRad="38100" dist="38100" dir="2700000" algn="tl">
+                  <a:srgbClr val="000000">
+                    <a:alpha val="43137"/>
+                  </a:srgbClr>
+                </a:outerShdw>
+              </a:effectLst>
+            </a:rPr>
+            <a:t>Market players of IOT</a:t>
+          </a:r>
+          <a:endParaRPr lang="en-US" sz="2400" kern="1200" dirty="0"/>
+        </a:p>
+      </dsp:txBody>
+      <dsp:txXfrm rot="-5400000">
+        <a:off x="1085602" y="640458"/>
+        <a:ext cx="5010287" cy="445293"/>
+      </dsp:txXfrm>
+    </dsp:sp>
+    <dsp:sp modelId="{C04276DC-EE64-470A-B8BC-09067B8045FA}">
+      <dsp:nvSpPr>
+        <dsp:cNvPr id="0" name=""/>
+        <dsp:cNvSpPr/>
+      </dsp:nvSpPr>
+      <dsp:spPr>
+        <a:xfrm>
+          <a:off x="109" y="584795"/>
+          <a:ext cx="1085492" cy="556617"/>
+        </a:xfrm>
+        <a:prstGeom prst="roundRect">
+          <a:avLst/>
+        </a:prstGeom>
+        <a:gradFill rotWithShape="0">
+          <a:gsLst>
+            <a:gs pos="0">
+              <a:schemeClr val="accent3">
+                <a:hueOff val="1875044"/>
+                <a:satOff val="-2813"/>
+                <a:lumOff val="-458"/>
+                <a:alphaOff val="0"/>
+                <a:shade val="51000"/>
+                <a:satMod val="130000"/>
+              </a:schemeClr>
+            </a:gs>
+            <a:gs pos="80000">
+              <a:schemeClr val="accent3">
+                <a:hueOff val="1875044"/>
+                <a:satOff val="-2813"/>
+                <a:lumOff val="-458"/>
+                <a:alphaOff val="0"/>
+                <a:shade val="93000"/>
+                <a:satMod val="130000"/>
+              </a:schemeClr>
+            </a:gs>
+            <a:gs pos="100000">
+              <a:schemeClr val="accent3">
+                <a:hueOff val="1875044"/>
+                <a:satOff val="-2813"/>
+                <a:lumOff val="-458"/>
+                <a:alphaOff val="0"/>
+                <a:shade val="94000"/>
+                <a:satMod val="135000"/>
+              </a:schemeClr>
+            </a:gs>
+          </a:gsLst>
+          <a:lin ang="16200000" scaled="0"/>
+        </a:gradFill>
+        <a:ln>
+          <a:noFill/>
+        </a:ln>
+        <a:effectLst>
+          <a:outerShdw blurRad="40000" dist="23000" dir="5400000" rotWithShape="0">
+            <a:srgbClr val="000000">
+              <a:alpha val="35000"/>
+            </a:srgbClr>
+          </a:outerShdw>
+        </a:effectLst>
+        <a:scene3d>
+          <a:camera prst="orthographicFront">
+            <a:rot lat="0" lon="0" rev="0"/>
+          </a:camera>
+          <a:lightRig rig="threePt" dir="t">
+            <a:rot lat="0" lon="0" rev="1200000"/>
+          </a:lightRig>
+        </a:scene3d>
+        <a:sp3d>
+          <a:bevelT w="63500" h="25400"/>
+        </a:sp3d>
+      </dsp:spPr>
+      <dsp:style>
+        <a:lnRef idx="0">
+          <a:scrgbClr r="0" g="0" b="0"/>
+        </a:lnRef>
+        <a:fillRef idx="3">
+          <a:scrgbClr r="0" g="0" b="0"/>
+        </a:fillRef>
+        <a:effectRef idx="3">
+          <a:scrgbClr r="0" g="0" b="0"/>
+        </a:effectRef>
+        <a:fontRef idx="minor">
+          <a:schemeClr val="lt1"/>
+        </a:fontRef>
+      </dsp:style>
+      <dsp:txBody>
+        <a:bodyPr spcFirstLastPara="0" vert="horz" wrap="square" lIns="121920" tIns="60960" rIns="121920" bIns="60960" numCol="1" spcCol="1270" anchor="ctr" anchorCtr="0">
+          <a:noAutofit/>
+        </a:bodyPr>
+        <a:lstStyle/>
+        <a:p>
+          <a:pPr lvl="0" algn="ctr" defTabSz="1422400">
+            <a:lnSpc>
+              <a:spcPct val="90000"/>
+            </a:lnSpc>
+            <a:spcBef>
+              <a:spcPct val="0"/>
+            </a:spcBef>
+            <a:spcAft>
+              <a:spcPct val="35000"/>
+            </a:spcAft>
+          </a:pPr>
+          <a:r>
+            <a:rPr lang="en-US" sz="3200" kern="1200" dirty="0" smtClean="0"/>
+            <a:t>2</a:t>
+          </a:r>
+          <a:endParaRPr lang="en-US" sz="3200" kern="1200" dirty="0"/>
+        </a:p>
+      </dsp:txBody>
+      <dsp:txXfrm>
+        <a:off x="27281" y="611967"/>
+        <a:ext cx="1031148" cy="502273"/>
+      </dsp:txXfrm>
+    </dsp:sp>
+    <dsp:sp modelId="{C7C3E6FD-D83F-4BDA-907E-B5EE041DA931}">
+      <dsp:nvSpPr>
+        <dsp:cNvPr id="0" name=""/>
+        <dsp:cNvSpPr/>
+      </dsp:nvSpPr>
+      <dsp:spPr>
+        <a:xfrm rot="5400000">
+          <a:off x="3368099" y="-1057591"/>
+          <a:ext cx="445293" cy="5010287"/>
+        </a:xfrm>
+        <a:prstGeom prst="rect">
+          <a:avLst/>
+        </a:prstGeom>
+        <a:solidFill>
+          <a:schemeClr val="accent3">
+            <a:tint val="40000"/>
+            <a:alpha val="90000"/>
+            <a:hueOff val="3572283"/>
+            <a:satOff val="-4598"/>
+            <a:lumOff val="-358"/>
+            <a:alphaOff val="0"/>
+          </a:schemeClr>
+        </a:solidFill>
+        <a:ln w="9525" cap="flat" cmpd="sng" algn="ctr">
+          <a:solidFill>
+            <a:schemeClr val="accent3">
+              <a:tint val="40000"/>
+              <a:alpha val="90000"/>
+              <a:hueOff val="3572283"/>
+              <a:satOff val="-4598"/>
+              <a:lumOff val="-358"/>
+              <a:alphaOff val="0"/>
+            </a:schemeClr>
+          </a:solidFill>
+          <a:prstDash val="solid"/>
+        </a:ln>
+        <a:effectLst>
+          <a:outerShdw blurRad="40000" dist="23000" dir="5400000" rotWithShape="0">
+            <a:srgbClr val="000000">
+              <a:alpha val="35000"/>
+            </a:srgbClr>
+          </a:outerShdw>
+        </a:effectLst>
+      </dsp:spPr>
+      <dsp:style>
+        <a:lnRef idx="1">
+          <a:scrgbClr r="0" g="0" b="0"/>
+        </a:lnRef>
+        <a:fillRef idx="1">
+          <a:scrgbClr r="0" g="0" b="0"/>
+        </a:fillRef>
+        <a:effectRef idx="2">
+          <a:scrgbClr r="0" g="0" b="0"/>
+        </a:effectRef>
+        <a:fontRef idx="minor"/>
+      </dsp:style>
+      <dsp:txBody>
+        <a:bodyPr spcFirstLastPara="0" vert="horz" wrap="square" lIns="247650" tIns="123825" rIns="247650" bIns="123825" numCol="1" spcCol="1270" anchor="ctr" anchorCtr="0">
+          <a:noAutofit/>
+        </a:bodyPr>
+        <a:lstStyle/>
+        <a:p>
+          <a:pPr marL="228600" lvl="1" indent="-228600" algn="l" defTabSz="1066800">
+            <a:lnSpc>
+              <a:spcPct val="90000"/>
+            </a:lnSpc>
+            <a:spcBef>
+              <a:spcPct val="0"/>
+            </a:spcBef>
+            <a:spcAft>
+              <a:spcPct val="15000"/>
+            </a:spcAft>
+            <a:buChar char="••"/>
+          </a:pPr>
+          <a:r>
+            <a:rPr lang="en-US" sz="2400" kern="1200" dirty="0" smtClean="0">
+              <a:effectLst>
+                <a:outerShdw blurRad="38100" dist="38100" dir="2700000" algn="tl">
+                  <a:srgbClr val="000000">
+                    <a:alpha val="43137"/>
+                  </a:srgbClr>
+                </a:outerShdw>
+              </a:effectLst>
+            </a:rPr>
+            <a:t>Devices</a:t>
+          </a:r>
+          <a:endParaRPr lang="en-US" sz="2400" kern="1200" dirty="0">
+            <a:effectLst>
+              <a:outerShdw blurRad="38100" dist="38100" dir="2700000" algn="tl">
+                <a:srgbClr val="000000">
+                  <a:alpha val="43137"/>
+                </a:srgbClr>
+              </a:outerShdw>
+            </a:effectLst>
+          </a:endParaRPr>
+        </a:p>
+      </dsp:txBody>
+      <dsp:txXfrm rot="-5400000">
+        <a:off x="1085602" y="1224906"/>
+        <a:ext cx="5010287" cy="445293"/>
+      </dsp:txXfrm>
+    </dsp:sp>
+    <dsp:sp modelId="{F5034101-5B7D-4FE7-B47A-5A48CF39606B}">
+      <dsp:nvSpPr>
+        <dsp:cNvPr id="0" name=""/>
+        <dsp:cNvSpPr/>
+      </dsp:nvSpPr>
+      <dsp:spPr>
+        <a:xfrm>
+          <a:off x="109" y="1169243"/>
+          <a:ext cx="1085492" cy="556617"/>
+        </a:xfrm>
+        <a:prstGeom prst="roundRect">
+          <a:avLst/>
+        </a:prstGeom>
+        <a:gradFill rotWithShape="0">
+          <a:gsLst>
+            <a:gs pos="0">
+              <a:schemeClr val="accent3">
+                <a:hueOff val="3750088"/>
+                <a:satOff val="-5627"/>
+                <a:lumOff val="-915"/>
+                <a:alphaOff val="0"/>
+                <a:shade val="51000"/>
+                <a:satMod val="130000"/>
+              </a:schemeClr>
+            </a:gs>
+            <a:gs pos="80000">
+              <a:schemeClr val="accent3">
+                <a:hueOff val="3750088"/>
+                <a:satOff val="-5627"/>
+                <a:lumOff val="-915"/>
+                <a:alphaOff val="0"/>
+                <a:shade val="93000"/>
+                <a:satMod val="130000"/>
+              </a:schemeClr>
+            </a:gs>
+            <a:gs pos="100000">
+              <a:schemeClr val="accent3">
+                <a:hueOff val="3750088"/>
+                <a:satOff val="-5627"/>
+                <a:lumOff val="-915"/>
+                <a:alphaOff val="0"/>
+                <a:shade val="94000"/>
+                <a:satMod val="135000"/>
+              </a:schemeClr>
+            </a:gs>
+          </a:gsLst>
+          <a:lin ang="16200000" scaled="0"/>
+        </a:gradFill>
+        <a:ln>
+          <a:noFill/>
+        </a:ln>
+        <a:effectLst>
+          <a:outerShdw blurRad="40000" dist="23000" dir="5400000" rotWithShape="0">
+            <a:srgbClr val="000000">
+              <a:alpha val="35000"/>
+            </a:srgbClr>
+          </a:outerShdw>
+        </a:effectLst>
+        <a:scene3d>
+          <a:camera prst="orthographicFront">
+            <a:rot lat="0" lon="0" rev="0"/>
+          </a:camera>
+          <a:lightRig rig="threePt" dir="t">
+            <a:rot lat="0" lon="0" rev="1200000"/>
+          </a:lightRig>
+        </a:scene3d>
+        <a:sp3d>
+          <a:bevelT w="63500" h="25400"/>
+        </a:sp3d>
+      </dsp:spPr>
+      <dsp:style>
+        <a:lnRef idx="0">
+          <a:scrgbClr r="0" g="0" b="0"/>
+        </a:lnRef>
+        <a:fillRef idx="3">
+          <a:scrgbClr r="0" g="0" b="0"/>
+        </a:fillRef>
+        <a:effectRef idx="3">
+          <a:scrgbClr r="0" g="0" b="0"/>
+        </a:effectRef>
+        <a:fontRef idx="minor">
+          <a:schemeClr val="lt1"/>
+        </a:fontRef>
+      </dsp:style>
+      <dsp:txBody>
+        <a:bodyPr spcFirstLastPara="0" vert="horz" wrap="square" lIns="121920" tIns="60960" rIns="121920" bIns="60960" numCol="1" spcCol="1270" anchor="ctr" anchorCtr="0">
+          <a:noAutofit/>
+        </a:bodyPr>
+        <a:lstStyle/>
+        <a:p>
+          <a:pPr lvl="0" algn="ctr" defTabSz="1422400">
+            <a:lnSpc>
+              <a:spcPct val="90000"/>
+            </a:lnSpc>
+            <a:spcBef>
+              <a:spcPct val="0"/>
+            </a:spcBef>
+            <a:spcAft>
+              <a:spcPct val="35000"/>
+            </a:spcAft>
+          </a:pPr>
+          <a:r>
+            <a:rPr lang="en-US" sz="3200" kern="1200" dirty="0" smtClean="0"/>
+            <a:t>3</a:t>
+          </a:r>
+          <a:endParaRPr lang="en-US" sz="3200" kern="1200" dirty="0"/>
+        </a:p>
+      </dsp:txBody>
+      <dsp:txXfrm>
+        <a:off x="27281" y="1196415"/>
+        <a:ext cx="1031148" cy="502273"/>
+      </dsp:txXfrm>
+    </dsp:sp>
+    <dsp:sp modelId="{F90B9516-CD69-4131-B576-842C3D01AD54}">
+      <dsp:nvSpPr>
+        <dsp:cNvPr id="0" name=""/>
+        <dsp:cNvSpPr/>
+      </dsp:nvSpPr>
+      <dsp:spPr>
+        <a:xfrm rot="5400000">
+          <a:off x="3373441" y="-465851"/>
+          <a:ext cx="445293" cy="4995703"/>
+        </a:xfrm>
+        <a:prstGeom prst="round2SameRect">
+          <a:avLst/>
+        </a:prstGeom>
+        <a:solidFill>
+          <a:schemeClr val="accent3">
+            <a:tint val="40000"/>
+            <a:alpha val="90000"/>
+            <a:hueOff val="5358425"/>
+            <a:satOff val="-6896"/>
+            <a:lumOff val="-537"/>
+            <a:alphaOff val="0"/>
+          </a:schemeClr>
+        </a:solidFill>
+        <a:ln w="9525" cap="flat" cmpd="sng" algn="ctr">
+          <a:solidFill>
+            <a:schemeClr val="accent3">
+              <a:tint val="40000"/>
+              <a:alpha val="90000"/>
+              <a:hueOff val="5358425"/>
+              <a:satOff val="-6896"/>
+              <a:lumOff val="-537"/>
+              <a:alphaOff val="0"/>
+            </a:schemeClr>
+          </a:solidFill>
+          <a:prstDash val="solid"/>
+        </a:ln>
+        <a:effectLst>
+          <a:outerShdw blurRad="40000" dist="23000" dir="5400000" rotWithShape="0">
+            <a:srgbClr val="000000">
+              <a:alpha val="35000"/>
+            </a:srgbClr>
+          </a:outerShdw>
+        </a:effectLst>
+      </dsp:spPr>
+      <dsp:style>
+        <a:lnRef idx="1">
+          <a:scrgbClr r="0" g="0" b="0"/>
+        </a:lnRef>
+        <a:fillRef idx="1">
+          <a:scrgbClr r="0" g="0" b="0"/>
+        </a:fillRef>
+        <a:effectRef idx="2">
+          <a:scrgbClr r="0" g="0" b="0"/>
+        </a:effectRef>
+        <a:fontRef idx="minor"/>
+      </dsp:style>
+      <dsp:txBody>
+        <a:bodyPr spcFirstLastPara="0" vert="horz" wrap="square" lIns="247650" tIns="123825" rIns="247650" bIns="123825" numCol="1" spcCol="1270" anchor="ctr" anchorCtr="0">
+          <a:noAutofit/>
+        </a:bodyPr>
+        <a:lstStyle/>
+        <a:p>
+          <a:pPr marL="228600" lvl="1" indent="-228600" algn="l" defTabSz="1066800">
+            <a:lnSpc>
+              <a:spcPct val="90000"/>
+            </a:lnSpc>
+            <a:spcBef>
+              <a:spcPct val="0"/>
+            </a:spcBef>
+            <a:spcAft>
+              <a:spcPct val="15000"/>
+            </a:spcAft>
+            <a:buChar char="••"/>
+          </a:pPr>
+          <a:r>
+            <a:rPr lang="en-US" sz="2400" kern="1200" dirty="0" smtClean="0">
+              <a:effectLst>
+                <a:outerShdw blurRad="38100" dist="38100" dir="2700000" algn="tl">
+                  <a:srgbClr val="000000">
+                    <a:alpha val="43137"/>
+                  </a:srgbClr>
+                </a:outerShdw>
+              </a:effectLst>
+            </a:rPr>
+            <a:t>Concerns</a:t>
+          </a:r>
+          <a:endParaRPr lang="en-US" sz="2400" kern="1200" dirty="0">
+            <a:effectLst>
+              <a:outerShdw blurRad="38100" dist="38100" dir="2700000" algn="tl">
+                <a:srgbClr val="000000">
+                  <a:alpha val="43137"/>
+                </a:srgbClr>
+              </a:outerShdw>
+            </a:effectLst>
+          </a:endParaRPr>
+        </a:p>
+      </dsp:txBody>
+      <dsp:txXfrm rot="-5400000">
+        <a:off x="1098237" y="1831090"/>
+        <a:ext cx="4973966" cy="401819"/>
+      </dsp:txXfrm>
+    </dsp:sp>
+    <dsp:sp modelId="{953D79A1-F583-4C99-9EA1-00C886685091}">
+      <dsp:nvSpPr>
+        <dsp:cNvPr id="0" name=""/>
+        <dsp:cNvSpPr/>
+      </dsp:nvSpPr>
+      <dsp:spPr>
+        <a:xfrm>
+          <a:off x="109" y="1753691"/>
+          <a:ext cx="1098126" cy="556617"/>
+        </a:xfrm>
+        <a:prstGeom prst="roundRect">
+          <a:avLst/>
+        </a:prstGeom>
+        <a:gradFill rotWithShape="0">
+          <a:gsLst>
+            <a:gs pos="0">
+              <a:schemeClr val="accent3">
+                <a:hueOff val="5625132"/>
+                <a:satOff val="-8440"/>
+                <a:lumOff val="-1373"/>
+                <a:alphaOff val="0"/>
+                <a:shade val="51000"/>
+                <a:satMod val="130000"/>
+              </a:schemeClr>
+            </a:gs>
+            <a:gs pos="80000">
+              <a:schemeClr val="accent3">
+                <a:hueOff val="5625132"/>
+                <a:satOff val="-8440"/>
+                <a:lumOff val="-1373"/>
+                <a:alphaOff val="0"/>
+                <a:shade val="93000"/>
+                <a:satMod val="130000"/>
+              </a:schemeClr>
+            </a:gs>
+            <a:gs pos="100000">
+              <a:schemeClr val="accent3">
+                <a:hueOff val="5625132"/>
+                <a:satOff val="-8440"/>
+                <a:lumOff val="-1373"/>
+                <a:alphaOff val="0"/>
+                <a:shade val="94000"/>
+                <a:satMod val="135000"/>
+              </a:schemeClr>
+            </a:gs>
+          </a:gsLst>
+          <a:lin ang="16200000" scaled="0"/>
+        </a:gradFill>
+        <a:ln>
+          <a:noFill/>
+        </a:ln>
+        <a:effectLst>
+          <a:outerShdw blurRad="40000" dist="23000" dir="5400000" rotWithShape="0">
+            <a:srgbClr val="000000">
+              <a:alpha val="35000"/>
+            </a:srgbClr>
+          </a:outerShdw>
+        </a:effectLst>
+        <a:scene3d>
+          <a:camera prst="orthographicFront">
+            <a:rot lat="0" lon="0" rev="0"/>
+          </a:camera>
+          <a:lightRig rig="threePt" dir="t">
+            <a:rot lat="0" lon="0" rev="1200000"/>
+          </a:lightRig>
+        </a:scene3d>
+        <a:sp3d>
+          <a:bevelT w="63500" h="25400"/>
+        </a:sp3d>
+      </dsp:spPr>
+      <dsp:style>
+        <a:lnRef idx="0">
+          <a:scrgbClr r="0" g="0" b="0"/>
+        </a:lnRef>
+        <a:fillRef idx="3">
+          <a:scrgbClr r="0" g="0" b="0"/>
+        </a:fillRef>
+        <a:effectRef idx="3">
+          <a:scrgbClr r="0" g="0" b="0"/>
+        </a:effectRef>
+        <a:fontRef idx="minor">
+          <a:schemeClr val="lt1"/>
+        </a:fontRef>
+      </dsp:style>
+      <dsp:txBody>
+        <a:bodyPr spcFirstLastPara="0" vert="horz" wrap="square" lIns="121920" tIns="60960" rIns="121920" bIns="60960" numCol="1" spcCol="1270" anchor="ctr" anchorCtr="0">
+          <a:noAutofit/>
+        </a:bodyPr>
+        <a:lstStyle/>
+        <a:p>
+          <a:pPr lvl="0" algn="ctr" defTabSz="1422400">
+            <a:lnSpc>
+              <a:spcPct val="90000"/>
+            </a:lnSpc>
+            <a:spcBef>
+              <a:spcPct val="0"/>
+            </a:spcBef>
+            <a:spcAft>
+              <a:spcPct val="35000"/>
+            </a:spcAft>
+          </a:pPr>
+          <a:r>
+            <a:rPr lang="en-US" sz="3200" kern="1200" dirty="0" smtClean="0">
+              <a:effectLst>
+                <a:outerShdw blurRad="38100" dist="38100" dir="2700000" algn="tl">
+                  <a:srgbClr val="000000">
+                    <a:alpha val="43137"/>
+                  </a:srgbClr>
+                </a:outerShdw>
+              </a:effectLst>
+            </a:rPr>
+            <a:t>4 </a:t>
+          </a:r>
+          <a:endParaRPr lang="en-US" sz="3200" kern="1200" dirty="0">
+            <a:effectLst>
+              <a:outerShdw blurRad="38100" dist="38100" dir="2700000" algn="tl">
+                <a:srgbClr val="000000">
+                  <a:alpha val="43137"/>
+                </a:srgbClr>
+              </a:outerShdw>
+            </a:effectLst>
+          </a:endParaRPr>
+        </a:p>
+      </dsp:txBody>
+      <dsp:txXfrm>
+        <a:off x="27281" y="1780863"/>
+        <a:ext cx="1043782" cy="502273"/>
+      </dsp:txXfrm>
+    </dsp:sp>
+    <dsp:sp modelId="{F3A37752-91C4-4857-8DD1-EB50F27F42F0}">
+      <dsp:nvSpPr>
+        <dsp:cNvPr id="0" name=""/>
+        <dsp:cNvSpPr/>
+      </dsp:nvSpPr>
+      <dsp:spPr>
+        <a:xfrm rot="5400000">
+          <a:off x="3388234" y="132118"/>
+          <a:ext cx="445293" cy="4968659"/>
+        </a:xfrm>
+        <a:prstGeom prst="round2SameRect">
+          <a:avLst/>
+        </a:prstGeom>
+        <a:solidFill>
+          <a:schemeClr val="accent3">
+            <a:tint val="40000"/>
+            <a:alpha val="90000"/>
+            <a:hueOff val="7144567"/>
+            <a:satOff val="-9195"/>
+            <a:lumOff val="-717"/>
+            <a:alphaOff val="0"/>
+          </a:schemeClr>
+        </a:solidFill>
+        <a:ln w="9525" cap="flat" cmpd="sng" algn="ctr">
+          <a:solidFill>
+            <a:schemeClr val="accent3">
+              <a:tint val="40000"/>
+              <a:alpha val="90000"/>
+              <a:hueOff val="7144567"/>
+              <a:satOff val="-9195"/>
+              <a:lumOff val="-717"/>
+              <a:alphaOff val="0"/>
+            </a:schemeClr>
+          </a:solidFill>
+          <a:prstDash val="solid"/>
+        </a:ln>
+        <a:effectLst>
+          <a:outerShdw blurRad="40000" dist="23000" dir="5400000" rotWithShape="0">
+            <a:srgbClr val="000000">
+              <a:alpha val="35000"/>
+            </a:srgbClr>
+          </a:outerShdw>
+        </a:effectLst>
+      </dsp:spPr>
+      <dsp:style>
+        <a:lnRef idx="1">
+          <a:scrgbClr r="0" g="0" b="0"/>
+        </a:lnRef>
+        <a:fillRef idx="1">
+          <a:scrgbClr r="0" g="0" b="0"/>
+        </a:fillRef>
+        <a:effectRef idx="2">
+          <a:scrgbClr r="0" g="0" b="0"/>
+        </a:effectRef>
+        <a:fontRef idx="minor"/>
+      </dsp:style>
+      <dsp:txBody>
+        <a:bodyPr spcFirstLastPara="0" vert="horz" wrap="square" lIns="247650" tIns="123825" rIns="247650" bIns="123825" numCol="1" spcCol="1270" anchor="ctr" anchorCtr="0">
+          <a:noAutofit/>
+        </a:bodyPr>
+        <a:lstStyle/>
+        <a:p>
+          <a:pPr marL="228600" lvl="1" indent="-228600" algn="l" defTabSz="1066800">
+            <a:lnSpc>
+              <a:spcPct val="90000"/>
+            </a:lnSpc>
+            <a:spcBef>
+              <a:spcPct val="0"/>
+            </a:spcBef>
+            <a:spcAft>
+              <a:spcPct val="15000"/>
+            </a:spcAft>
+            <a:buChar char="••"/>
+          </a:pPr>
+          <a:r>
+            <a:rPr lang="en-US" sz="2400" kern="1200" dirty="0" smtClean="0">
+              <a:effectLst>
+                <a:outerShdw blurRad="38100" dist="38100" dir="2700000" algn="tl">
+                  <a:srgbClr val="000000">
+                    <a:alpha val="43137"/>
+                  </a:srgbClr>
+                </a:outerShdw>
+              </a:effectLst>
+            </a:rPr>
+            <a:t>Technologies</a:t>
+          </a:r>
+          <a:endParaRPr lang="en-US" sz="2400" kern="1200" dirty="0">
+            <a:effectLst>
+              <a:outerShdw blurRad="38100" dist="38100" dir="2700000" algn="tl">
+                <a:srgbClr val="000000">
+                  <a:alpha val="43137"/>
+                </a:srgbClr>
+              </a:outerShdw>
+            </a:effectLst>
+          </a:endParaRPr>
+        </a:p>
+      </dsp:txBody>
+      <dsp:txXfrm rot="-5400000">
+        <a:off x="1126552" y="2415538"/>
+        <a:ext cx="4946922" cy="401819"/>
+      </dsp:txXfrm>
+    </dsp:sp>
+    <dsp:sp modelId="{F99C5C04-4C89-4FA8-AC74-1C9DCE0EBF16}">
+      <dsp:nvSpPr>
+        <dsp:cNvPr id="0" name=""/>
+        <dsp:cNvSpPr/>
+      </dsp:nvSpPr>
+      <dsp:spPr>
+        <a:xfrm>
+          <a:off x="109" y="2338139"/>
+          <a:ext cx="1126441" cy="556617"/>
+        </a:xfrm>
+        <a:prstGeom prst="roundRect">
+          <a:avLst/>
+        </a:prstGeom>
+        <a:gradFill rotWithShape="0">
+          <a:gsLst>
+            <a:gs pos="0">
+              <a:schemeClr val="accent3">
+                <a:hueOff val="7500176"/>
+                <a:satOff val="-11253"/>
+                <a:lumOff val="-1830"/>
+                <a:alphaOff val="0"/>
+                <a:shade val="51000"/>
+                <a:satMod val="130000"/>
+              </a:schemeClr>
+            </a:gs>
+            <a:gs pos="80000">
+              <a:schemeClr val="accent3">
+                <a:hueOff val="7500176"/>
+                <a:satOff val="-11253"/>
+                <a:lumOff val="-1830"/>
+                <a:alphaOff val="0"/>
+                <a:shade val="93000"/>
+                <a:satMod val="130000"/>
+              </a:schemeClr>
+            </a:gs>
+            <a:gs pos="100000">
+              <a:schemeClr val="accent3">
+                <a:hueOff val="7500176"/>
+                <a:satOff val="-11253"/>
+                <a:lumOff val="-1830"/>
+                <a:alphaOff val="0"/>
+                <a:shade val="94000"/>
+                <a:satMod val="135000"/>
+              </a:schemeClr>
+            </a:gs>
+          </a:gsLst>
+          <a:lin ang="16200000" scaled="0"/>
+        </a:gradFill>
+        <a:ln>
+          <a:noFill/>
+        </a:ln>
+        <a:effectLst>
+          <a:outerShdw blurRad="40000" dist="23000" dir="5400000" rotWithShape="0">
+            <a:srgbClr val="000000">
+              <a:alpha val="35000"/>
+            </a:srgbClr>
+          </a:outerShdw>
+        </a:effectLst>
+        <a:scene3d>
+          <a:camera prst="orthographicFront">
+            <a:rot lat="0" lon="0" rev="0"/>
+          </a:camera>
+          <a:lightRig rig="threePt" dir="t">
+            <a:rot lat="0" lon="0" rev="1200000"/>
+          </a:lightRig>
+        </a:scene3d>
+        <a:sp3d>
+          <a:bevelT w="63500" h="25400"/>
+        </a:sp3d>
+      </dsp:spPr>
+      <dsp:style>
+        <a:lnRef idx="0">
+          <a:scrgbClr r="0" g="0" b="0"/>
+        </a:lnRef>
+        <a:fillRef idx="3">
+          <a:scrgbClr r="0" g="0" b="0"/>
+        </a:fillRef>
+        <a:effectRef idx="3">
+          <a:scrgbClr r="0" g="0" b="0"/>
+        </a:effectRef>
+        <a:fontRef idx="minor">
+          <a:schemeClr val="lt1"/>
+        </a:fontRef>
+      </dsp:style>
+      <dsp:txBody>
+        <a:bodyPr spcFirstLastPara="0" vert="horz" wrap="square" lIns="121920" tIns="60960" rIns="121920" bIns="60960" numCol="1" spcCol="1270" anchor="ctr" anchorCtr="0">
+          <a:noAutofit/>
+        </a:bodyPr>
+        <a:lstStyle/>
+        <a:p>
+          <a:pPr lvl="0" algn="ctr" defTabSz="1422400">
+            <a:lnSpc>
+              <a:spcPct val="90000"/>
+            </a:lnSpc>
+            <a:spcBef>
+              <a:spcPct val="0"/>
+            </a:spcBef>
+            <a:spcAft>
+              <a:spcPct val="35000"/>
+            </a:spcAft>
+          </a:pPr>
+          <a:r>
+            <a:rPr lang="en-US" sz="3200" kern="1200" dirty="0" smtClean="0">
+              <a:effectLst>
+                <a:outerShdw blurRad="38100" dist="38100" dir="2700000" algn="tl">
+                  <a:srgbClr val="000000">
+                    <a:alpha val="43137"/>
+                  </a:srgbClr>
+                </a:outerShdw>
+              </a:effectLst>
+            </a:rPr>
+            <a:t>5</a:t>
+          </a:r>
+          <a:endParaRPr lang="en-US" sz="3200" kern="1200" dirty="0">
+            <a:effectLst>
+              <a:outerShdw blurRad="38100" dist="38100" dir="2700000" algn="tl">
+                <a:srgbClr val="000000">
+                  <a:alpha val="43137"/>
+                </a:srgbClr>
+              </a:outerShdw>
+            </a:effectLst>
+          </a:endParaRPr>
+        </a:p>
+      </dsp:txBody>
+      <dsp:txXfrm>
+        <a:off x="27281" y="2365311"/>
+        <a:ext cx="1072097" cy="502273"/>
+      </dsp:txXfrm>
+    </dsp:sp>
+    <dsp:sp modelId="{93708E6B-2455-4F8D-BE62-B7332F0FAB2A}">
+      <dsp:nvSpPr>
+        <dsp:cNvPr id="0" name=""/>
+        <dsp:cNvSpPr/>
+      </dsp:nvSpPr>
+      <dsp:spPr>
+        <a:xfrm rot="5400000">
+          <a:off x="3413780" y="743279"/>
+          <a:ext cx="445293" cy="4915233"/>
+        </a:xfrm>
+        <a:prstGeom prst="round2SameRect">
+          <a:avLst/>
+        </a:prstGeom>
+        <a:solidFill>
+          <a:schemeClr val="accent3">
+            <a:tint val="40000"/>
+            <a:alpha val="90000"/>
+            <a:hueOff val="8930708"/>
+            <a:satOff val="-11494"/>
+            <a:lumOff val="-896"/>
+            <a:alphaOff val="0"/>
+          </a:schemeClr>
+        </a:solidFill>
+        <a:ln w="9525" cap="flat" cmpd="sng" algn="ctr">
+          <a:solidFill>
+            <a:schemeClr val="accent3">
+              <a:tint val="40000"/>
+              <a:alpha val="90000"/>
+              <a:hueOff val="8930708"/>
+              <a:satOff val="-11494"/>
+              <a:lumOff val="-896"/>
+              <a:alphaOff val="0"/>
+            </a:schemeClr>
+          </a:solidFill>
+          <a:prstDash val="solid"/>
+        </a:ln>
+        <a:effectLst>
+          <a:outerShdw blurRad="40000" dist="23000" dir="5400000" rotWithShape="0">
+            <a:srgbClr val="000000">
+              <a:alpha val="35000"/>
+            </a:srgbClr>
+          </a:outerShdw>
+        </a:effectLst>
+      </dsp:spPr>
+      <dsp:style>
+        <a:lnRef idx="1">
+          <a:scrgbClr r="0" g="0" b="0"/>
+        </a:lnRef>
+        <a:fillRef idx="1">
+          <a:scrgbClr r="0" g="0" b="0"/>
+        </a:fillRef>
+        <a:effectRef idx="2">
+          <a:scrgbClr r="0" g="0" b="0"/>
+        </a:effectRef>
+        <a:fontRef idx="minor"/>
+      </dsp:style>
+      <dsp:txBody>
+        <a:bodyPr spcFirstLastPara="0" vert="horz" wrap="square" lIns="247650" tIns="123825" rIns="247650" bIns="123825" numCol="1" spcCol="1270" anchor="ctr" anchorCtr="0">
+          <a:noAutofit/>
+        </a:bodyPr>
+        <a:lstStyle/>
+        <a:p>
+          <a:pPr marL="228600" lvl="1" indent="-228600" algn="l" defTabSz="1066800">
+            <a:lnSpc>
+              <a:spcPct val="90000"/>
+            </a:lnSpc>
+            <a:spcBef>
+              <a:spcPct val="0"/>
+            </a:spcBef>
+            <a:spcAft>
+              <a:spcPct val="15000"/>
+            </a:spcAft>
+            <a:buChar char="••"/>
+          </a:pPr>
+          <a:r>
+            <a:rPr lang="en-US" sz="2400" kern="1200" dirty="0" smtClean="0">
+              <a:effectLst>
+                <a:outerShdw blurRad="38100" dist="38100" dir="2700000" algn="tl">
+                  <a:srgbClr val="000000">
+                    <a:alpha val="43137"/>
+                  </a:srgbClr>
+                </a:outerShdw>
+              </a:effectLst>
+            </a:rPr>
+            <a:t>Getting Started</a:t>
+          </a:r>
+          <a:endParaRPr lang="en-US" sz="2400" kern="1200" dirty="0">
+            <a:effectLst>
+              <a:outerShdw blurRad="38100" dist="38100" dir="2700000" algn="tl">
+                <a:srgbClr val="000000">
+                  <a:alpha val="43137"/>
+                </a:srgbClr>
+              </a:outerShdw>
+            </a:effectLst>
+          </a:endParaRPr>
+        </a:p>
+      </dsp:txBody>
+      <dsp:txXfrm rot="-5400000">
+        <a:off x="1178811" y="2999986"/>
+        <a:ext cx="4893496" cy="401819"/>
+      </dsp:txXfrm>
+    </dsp:sp>
+    <dsp:sp modelId="{2FDD53B2-E7DB-4401-9CCC-37A250D6B3BF}">
+      <dsp:nvSpPr>
+        <dsp:cNvPr id="0" name=""/>
+        <dsp:cNvSpPr/>
+      </dsp:nvSpPr>
+      <dsp:spPr>
+        <a:xfrm>
+          <a:off x="109" y="2922587"/>
+          <a:ext cx="1178700" cy="556617"/>
+        </a:xfrm>
+        <a:prstGeom prst="roundRect">
+          <a:avLst/>
+        </a:prstGeom>
+        <a:gradFill rotWithShape="0">
+          <a:gsLst>
+            <a:gs pos="0">
+              <a:schemeClr val="accent3">
+                <a:hueOff val="9375220"/>
+                <a:satOff val="-14067"/>
+                <a:lumOff val="-2288"/>
+                <a:alphaOff val="0"/>
+                <a:shade val="51000"/>
+                <a:satMod val="130000"/>
+              </a:schemeClr>
+            </a:gs>
+            <a:gs pos="80000">
+              <a:schemeClr val="accent3">
+                <a:hueOff val="9375220"/>
+                <a:satOff val="-14067"/>
+                <a:lumOff val="-2288"/>
+                <a:alphaOff val="0"/>
+                <a:shade val="93000"/>
+                <a:satMod val="130000"/>
+              </a:schemeClr>
+            </a:gs>
+            <a:gs pos="100000">
+              <a:schemeClr val="accent3">
+                <a:hueOff val="9375220"/>
+                <a:satOff val="-14067"/>
+                <a:lumOff val="-2288"/>
+                <a:alphaOff val="0"/>
+                <a:shade val="94000"/>
+                <a:satMod val="135000"/>
+              </a:schemeClr>
+            </a:gs>
+          </a:gsLst>
+          <a:lin ang="16200000" scaled="0"/>
+        </a:gradFill>
+        <a:ln>
+          <a:noFill/>
+        </a:ln>
+        <a:effectLst>
+          <a:outerShdw blurRad="40000" dist="23000" dir="5400000" rotWithShape="0">
+            <a:srgbClr val="000000">
+              <a:alpha val="35000"/>
+            </a:srgbClr>
+          </a:outerShdw>
+        </a:effectLst>
+        <a:scene3d>
+          <a:camera prst="orthographicFront">
+            <a:rot lat="0" lon="0" rev="0"/>
+          </a:camera>
+          <a:lightRig rig="threePt" dir="t">
+            <a:rot lat="0" lon="0" rev="1200000"/>
+          </a:lightRig>
+        </a:scene3d>
+        <a:sp3d>
+          <a:bevelT w="63500" h="25400"/>
+        </a:sp3d>
+      </dsp:spPr>
+      <dsp:style>
+        <a:lnRef idx="0">
+          <a:scrgbClr r="0" g="0" b="0"/>
+        </a:lnRef>
+        <a:fillRef idx="3">
+          <a:scrgbClr r="0" g="0" b="0"/>
+        </a:fillRef>
+        <a:effectRef idx="3">
+          <a:scrgbClr r="0" g="0" b="0"/>
+        </a:effectRef>
+        <a:fontRef idx="minor">
+          <a:schemeClr val="lt1"/>
+        </a:fontRef>
+      </dsp:style>
+      <dsp:txBody>
+        <a:bodyPr spcFirstLastPara="0" vert="horz" wrap="square" lIns="121920" tIns="60960" rIns="121920" bIns="60960" numCol="1" spcCol="1270" anchor="ctr" anchorCtr="0">
+          <a:noAutofit/>
+        </a:bodyPr>
+        <a:lstStyle/>
+        <a:p>
+          <a:pPr lvl="0" algn="ctr" defTabSz="1422400">
+            <a:lnSpc>
+              <a:spcPct val="90000"/>
+            </a:lnSpc>
+            <a:spcBef>
+              <a:spcPct val="0"/>
+            </a:spcBef>
+            <a:spcAft>
+              <a:spcPct val="35000"/>
+            </a:spcAft>
+          </a:pPr>
+          <a:r>
+            <a:rPr lang="en-US" sz="3200" kern="1200" dirty="0" smtClean="0">
+              <a:effectLst>
+                <a:outerShdw blurRad="38100" dist="38100" dir="2700000" algn="tl">
+                  <a:srgbClr val="000000">
+                    <a:alpha val="43137"/>
+                  </a:srgbClr>
+                </a:outerShdw>
+              </a:effectLst>
+            </a:rPr>
+            <a:t>6</a:t>
+          </a:r>
+          <a:endParaRPr lang="en-US" sz="3200" kern="1200" dirty="0">
+            <a:effectLst>
+              <a:outerShdw blurRad="38100" dist="38100" dir="2700000" algn="tl">
+                <a:srgbClr val="000000">
+                  <a:alpha val="43137"/>
+                </a:srgbClr>
+              </a:outerShdw>
+            </a:effectLst>
+          </a:endParaRPr>
+        </a:p>
+      </dsp:txBody>
+      <dsp:txXfrm>
+        <a:off x="27281" y="2949759"/>
+        <a:ext cx="1124356" cy="502273"/>
+      </dsp:txXfrm>
+    </dsp:sp>
+    <dsp:sp modelId="{FA9CD9E2-ACB9-4012-977C-AAB106F8CB5F}">
+      <dsp:nvSpPr>
+        <dsp:cNvPr id="0" name=""/>
+        <dsp:cNvSpPr/>
+      </dsp:nvSpPr>
+      <dsp:spPr>
+        <a:xfrm rot="5400000">
+          <a:off x="3418661" y="1332384"/>
+          <a:ext cx="445293" cy="4905919"/>
+        </a:xfrm>
+        <a:prstGeom prst="round2SameRect">
+          <a:avLst/>
+        </a:prstGeom>
+        <a:solidFill>
+          <a:schemeClr val="accent3">
+            <a:tint val="40000"/>
+            <a:alpha val="90000"/>
+            <a:hueOff val="10716850"/>
+            <a:satOff val="-13793"/>
+            <a:lumOff val="-1075"/>
+            <a:alphaOff val="0"/>
+          </a:schemeClr>
+        </a:solidFill>
+        <a:ln w="9525" cap="flat" cmpd="sng" algn="ctr">
+          <a:solidFill>
+            <a:schemeClr val="accent3">
+              <a:tint val="40000"/>
+              <a:alpha val="90000"/>
+              <a:hueOff val="10716850"/>
+              <a:satOff val="-13793"/>
+              <a:lumOff val="-1075"/>
+              <a:alphaOff val="0"/>
+            </a:schemeClr>
+          </a:solidFill>
+          <a:prstDash val="solid"/>
+        </a:ln>
+        <a:effectLst>
+          <a:outerShdw blurRad="40000" dist="23000" dir="5400000" rotWithShape="0">
+            <a:srgbClr val="000000">
+              <a:alpha val="35000"/>
+            </a:srgbClr>
+          </a:outerShdw>
+        </a:effectLst>
+      </dsp:spPr>
+      <dsp:style>
+        <a:lnRef idx="1">
+          <a:scrgbClr r="0" g="0" b="0"/>
+        </a:lnRef>
+        <a:fillRef idx="1">
+          <a:scrgbClr r="0" g="0" b="0"/>
+        </a:fillRef>
+        <a:effectRef idx="2">
+          <a:scrgbClr r="0" g="0" b="0"/>
+        </a:effectRef>
+        <a:fontRef idx="minor"/>
+      </dsp:style>
+      <dsp:txBody>
+        <a:bodyPr spcFirstLastPara="0" vert="horz" wrap="square" lIns="247650" tIns="123825" rIns="247650" bIns="123825" numCol="1" spcCol="1270" anchor="ctr" anchorCtr="0">
+          <a:noAutofit/>
+        </a:bodyPr>
+        <a:lstStyle/>
+        <a:p>
+          <a:pPr marL="228600" lvl="1" indent="-228600" algn="l" defTabSz="1066800">
+            <a:lnSpc>
+              <a:spcPct val="90000"/>
+            </a:lnSpc>
+            <a:spcBef>
+              <a:spcPct val="0"/>
+            </a:spcBef>
+            <a:spcAft>
+              <a:spcPct val="15000"/>
+            </a:spcAft>
+            <a:buChar char="••"/>
+          </a:pPr>
+          <a:r>
+            <a:rPr lang="en-US" sz="2400" kern="1200" dirty="0" smtClean="0">
+              <a:effectLst>
+                <a:outerShdw blurRad="38100" dist="38100" dir="2700000" algn="tl">
+                  <a:srgbClr val="000000">
+                    <a:alpha val="43137"/>
+                  </a:srgbClr>
+                </a:outerShdw>
+              </a:effectLst>
+            </a:rPr>
+            <a:t>Ques and comments</a:t>
+          </a:r>
+          <a:endParaRPr lang="en-US" sz="2400" kern="1200" dirty="0">
+            <a:effectLst>
+              <a:outerShdw blurRad="38100" dist="38100" dir="2700000" algn="tl">
+                <a:srgbClr val="000000">
+                  <a:alpha val="43137"/>
+                </a:srgbClr>
+              </a:outerShdw>
+            </a:effectLst>
+          </a:endParaRPr>
+        </a:p>
+      </dsp:txBody>
+      <dsp:txXfrm rot="-5400000">
+        <a:off x="1188349" y="3584434"/>
+        <a:ext cx="4884182" cy="401819"/>
+      </dsp:txXfrm>
+    </dsp:sp>
+    <dsp:sp modelId="{3306F71B-8A80-4A7E-9D5F-2E1016E22986}">
+      <dsp:nvSpPr>
+        <dsp:cNvPr id="0" name=""/>
+        <dsp:cNvSpPr/>
+      </dsp:nvSpPr>
+      <dsp:spPr>
+        <a:xfrm>
+          <a:off x="109" y="3507035"/>
+          <a:ext cx="1188238" cy="556617"/>
+        </a:xfrm>
+        <a:prstGeom prst="roundRect">
+          <a:avLst/>
+        </a:prstGeom>
+        <a:gradFill rotWithShape="0">
+          <a:gsLst>
+            <a:gs pos="0">
+              <a:schemeClr val="accent3">
+                <a:hueOff val="11250264"/>
+                <a:satOff val="-16880"/>
+                <a:lumOff val="-2745"/>
+                <a:alphaOff val="0"/>
+                <a:shade val="51000"/>
+                <a:satMod val="130000"/>
+              </a:schemeClr>
+            </a:gs>
+            <a:gs pos="80000">
+              <a:schemeClr val="accent3">
+                <a:hueOff val="11250264"/>
+                <a:satOff val="-16880"/>
+                <a:lumOff val="-2745"/>
+                <a:alphaOff val="0"/>
+                <a:shade val="93000"/>
+                <a:satMod val="130000"/>
+              </a:schemeClr>
+            </a:gs>
+            <a:gs pos="100000">
+              <a:schemeClr val="accent3">
+                <a:hueOff val="11250264"/>
+                <a:satOff val="-16880"/>
+                <a:lumOff val="-2745"/>
+                <a:alphaOff val="0"/>
+                <a:shade val="94000"/>
+                <a:satMod val="135000"/>
+              </a:schemeClr>
+            </a:gs>
+          </a:gsLst>
+          <a:lin ang="16200000" scaled="0"/>
+        </a:gradFill>
+        <a:ln>
+          <a:noFill/>
+        </a:ln>
+        <a:effectLst>
+          <a:outerShdw blurRad="40000" dist="23000" dir="5400000" rotWithShape="0">
+            <a:srgbClr val="000000">
+              <a:alpha val="35000"/>
+            </a:srgbClr>
+          </a:outerShdw>
+        </a:effectLst>
+        <a:scene3d>
+          <a:camera prst="orthographicFront">
+            <a:rot lat="0" lon="0" rev="0"/>
+          </a:camera>
+          <a:lightRig rig="threePt" dir="t">
+            <a:rot lat="0" lon="0" rev="1200000"/>
+          </a:lightRig>
+        </a:scene3d>
+        <a:sp3d>
+          <a:bevelT w="63500" h="25400"/>
+        </a:sp3d>
+      </dsp:spPr>
+      <dsp:style>
+        <a:lnRef idx="0">
+          <a:scrgbClr r="0" g="0" b="0"/>
+        </a:lnRef>
+        <a:fillRef idx="3">
+          <a:scrgbClr r="0" g="0" b="0"/>
+        </a:fillRef>
+        <a:effectRef idx="3">
+          <a:scrgbClr r="0" g="0" b="0"/>
+        </a:effectRef>
+        <a:fontRef idx="minor">
+          <a:schemeClr val="lt1"/>
+        </a:fontRef>
+      </dsp:style>
+      <dsp:txBody>
+        <a:bodyPr spcFirstLastPara="0" vert="horz" wrap="square" lIns="121920" tIns="60960" rIns="121920" bIns="60960" numCol="1" spcCol="1270" anchor="ctr" anchorCtr="0">
+          <a:noAutofit/>
+        </a:bodyPr>
+        <a:lstStyle/>
+        <a:p>
+          <a:pPr lvl="0" algn="ctr" defTabSz="1422400">
+            <a:lnSpc>
+              <a:spcPct val="90000"/>
+            </a:lnSpc>
+            <a:spcBef>
+              <a:spcPct val="0"/>
+            </a:spcBef>
+            <a:spcAft>
+              <a:spcPct val="35000"/>
+            </a:spcAft>
+          </a:pPr>
+          <a:r>
+            <a:rPr lang="en-US" sz="3200" kern="1200" dirty="0" smtClean="0">
+              <a:effectLst>
+                <a:outerShdw blurRad="38100" dist="38100" dir="2700000" algn="tl">
+                  <a:srgbClr val="000000">
+                    <a:alpha val="43137"/>
+                  </a:srgbClr>
+                </a:outerShdw>
+              </a:effectLst>
+            </a:rPr>
+            <a:t>7</a:t>
+          </a:r>
+          <a:endParaRPr lang="en-US" sz="3200" kern="1200" dirty="0">
+            <a:effectLst>
+              <a:outerShdw blurRad="38100" dist="38100" dir="2700000" algn="tl">
+                <a:srgbClr val="000000">
+                  <a:alpha val="43137"/>
+                </a:srgbClr>
+              </a:outerShdw>
+            </a:effectLst>
+          </a:endParaRPr>
+        </a:p>
+      </dsp:txBody>
+      <dsp:txXfrm>
+        <a:off x="27281" y="3534207"/>
+        <a:ext cx="1133894" cy="502273"/>
+      </dsp:txXfrm>
+    </dsp:sp>
   </dsp:spTree>
 </dsp:drawing>
 </file>
@@ -2974,7 +4991,7 @@
             <a:fld id="{D83FDC75-7F73-4A4A-A77C-09AADF00E0EA}" type="datetimeFigureOut">
               <a:rPr lang="en-US" smtClean="0"/>
               <a:pPr/>
-              <a:t>1/20/2017</a:t>
+              <a:t>3/9/2016</a:t>
             </a:fld>
             <a:endParaRPr lang="en-US" dirty="0"/>
           </a:p>
@@ -3141,7 +5158,7 @@
             <a:fld id="{48AEF76B-3757-4A0B-AF93-28494465C1DD}" type="datetimeFigureOut">
               <a:rPr lang="en-US" smtClean="0"/>
               <a:pPr/>
-              <a:t>1/20/2017</a:t>
+              <a:t>3/9/2016</a:t>
             </a:fld>
             <a:endParaRPr lang="en-US" dirty="0"/>
           </a:p>
@@ -3485,11 +5502,6 @@
         </p:txBody>
       </p:sp>
     </p:spTree>
-    <p:extLst>
-      <p:ext uri="{BB962C8B-B14F-4D97-AF65-F5344CB8AC3E}">
-        <p14:creationId xmlns:p14="http://schemas.microsoft.com/office/powerpoint/2010/main" val="2905183099"/>
-      </p:ext>
-    </p:extLst>
   </p:cSld>
   <p:clrMapOvr>
     <a:masterClrMapping/>
@@ -3498,591 +5510,6 @@
 </file>
 
 <file path=ppt/notesSlides/notesSlide10.xml><?xml version="1.0" encoding="utf-8"?>
-<p:notes xmlns:a="http://schemas.openxmlformats.org/drawingml/2006/main" xmlns:r="http://schemas.openxmlformats.org/officeDocument/2006/relationships" xmlns:p="http://schemas.openxmlformats.org/presentationml/2006/main">
-  <p:cSld>
-    <p:spTree>
-      <p:nvGrpSpPr>
-        <p:cNvPr id="1" name=""/>
-        <p:cNvGrpSpPr/>
-        <p:nvPr/>
-      </p:nvGrpSpPr>
-      <p:grpSpPr>
-        <a:xfrm>
-          <a:off x="0" y="0"/>
-          <a:ext cx="0" cy="0"/>
-          <a:chOff x="0" y="0"/>
-          <a:chExt cx="0" cy="0"/>
-        </a:xfrm>
-      </p:grpSpPr>
-      <p:sp>
-        <p:nvSpPr>
-          <p:cNvPr id="2" name="Slide Image Placeholder 1"/>
-          <p:cNvSpPr>
-            <a:spLocks noGrp="1" noRot="1" noChangeAspect="1"/>
-          </p:cNvSpPr>
-          <p:nvPr>
-            <p:ph type="sldImg"/>
-          </p:nvPr>
-        </p:nvSpPr>
-        <p:spPr/>
-      </p:sp>
-      <p:sp>
-        <p:nvSpPr>
-          <p:cNvPr id="3" name="Notes Placeholder 2"/>
-          <p:cNvSpPr>
-            <a:spLocks noGrp="1"/>
-          </p:cNvSpPr>
-          <p:nvPr>
-            <p:ph type="body" idx="1"/>
-          </p:nvPr>
-        </p:nvSpPr>
-        <p:spPr/>
-        <p:txBody>
-          <a:bodyPr>
-            <a:normAutofit/>
-          </a:bodyPr>
-          <a:lstStyle/>
-          <a:p>
-            <a:endParaRPr lang="en-US" dirty="0"/>
-          </a:p>
-        </p:txBody>
-      </p:sp>
-      <p:sp>
-        <p:nvSpPr>
-          <p:cNvPr id="4" name="Slide Number Placeholder 3"/>
-          <p:cNvSpPr>
-            <a:spLocks noGrp="1"/>
-          </p:cNvSpPr>
-          <p:nvPr>
-            <p:ph type="sldNum" sz="quarter" idx="10"/>
-          </p:nvPr>
-        </p:nvSpPr>
-        <p:spPr/>
-        <p:txBody>
-          <a:bodyPr/>
-          <a:lstStyle/>
-          <a:p>
-            <a:fld id="{EC6EAC7D-5A89-47C2-8ABA-56C9C2DEF7A4}" type="slidenum">
-              <a:rPr lang="en-US" smtClean="0"/>
-              <a:pPr/>
-              <a:t>11</a:t>
-            </a:fld>
-            <a:endParaRPr lang="en-US"/>
-          </a:p>
-        </p:txBody>
-      </p:sp>
-    </p:spTree>
-    <p:extLst>
-      <p:ext uri="{BB962C8B-B14F-4D97-AF65-F5344CB8AC3E}">
-        <p14:creationId xmlns:p14="http://schemas.microsoft.com/office/powerpoint/2010/main" val="3626729009"/>
-      </p:ext>
-    </p:extLst>
-  </p:cSld>
-  <p:clrMapOvr>
-    <a:masterClrMapping/>
-  </p:clrMapOvr>
-</p:notes>
-</file>
-
-<file path=ppt/notesSlides/notesSlide11.xml><?xml version="1.0" encoding="utf-8"?>
-<p:notes xmlns:a="http://schemas.openxmlformats.org/drawingml/2006/main" xmlns:r="http://schemas.openxmlformats.org/officeDocument/2006/relationships" xmlns:p="http://schemas.openxmlformats.org/presentationml/2006/main">
-  <p:cSld>
-    <p:spTree>
-      <p:nvGrpSpPr>
-        <p:cNvPr id="1" name=""/>
-        <p:cNvGrpSpPr/>
-        <p:nvPr/>
-      </p:nvGrpSpPr>
-      <p:grpSpPr>
-        <a:xfrm>
-          <a:off x="0" y="0"/>
-          <a:ext cx="0" cy="0"/>
-          <a:chOff x="0" y="0"/>
-          <a:chExt cx="0" cy="0"/>
-        </a:xfrm>
-      </p:grpSpPr>
-      <p:sp>
-        <p:nvSpPr>
-          <p:cNvPr id="46082" name="Rectangle 23"/>
-          <p:cNvSpPr>
-            <a:spLocks noGrp="1" noChangeArrowheads="1"/>
-          </p:cNvSpPr>
-          <p:nvPr>
-            <p:ph type="hdr" sz="quarter"/>
-          </p:nvPr>
-        </p:nvSpPr>
-        <p:spPr>
-          <a:noFill/>
-        </p:spPr>
-        <p:txBody>
-          <a:bodyPr/>
-          <a:lstStyle/>
-          <a:p>
-            <a:r>
-              <a:rPr lang="en-US" smtClean="0"/>
-              <a:t>Microsoft </a:t>
-            </a:r>
-            <a:r>
-              <a:rPr lang="en-US" b="1" smtClean="0"/>
-              <a:t>Engineering Excellence</a:t>
-            </a:r>
-            <a:endParaRPr lang="en-US" smtClean="0"/>
-          </a:p>
-        </p:txBody>
-      </p:sp>
-      <p:sp>
-        <p:nvSpPr>
-          <p:cNvPr id="46083" name="Rectangle 25"/>
-          <p:cNvSpPr>
-            <a:spLocks noGrp="1" noChangeArrowheads="1"/>
-          </p:cNvSpPr>
-          <p:nvPr>
-            <p:ph type="ftr" sz="quarter" idx="4"/>
-          </p:nvPr>
-        </p:nvSpPr>
-        <p:spPr>
-          <a:noFill/>
-        </p:spPr>
-        <p:txBody>
-          <a:bodyPr/>
-          <a:lstStyle/>
-          <a:p>
-            <a:r>
-              <a:rPr lang="en-US" smtClean="0"/>
-              <a:t>Microsoft Confidential</a:t>
-            </a:r>
-          </a:p>
-        </p:txBody>
-      </p:sp>
-      <p:sp>
-        <p:nvSpPr>
-          <p:cNvPr id="46084" name="Rectangle 26"/>
-          <p:cNvSpPr>
-            <a:spLocks noGrp="1" noChangeArrowheads="1"/>
-          </p:cNvSpPr>
-          <p:nvPr>
-            <p:ph type="sldNum" sz="quarter" idx="5"/>
-          </p:nvPr>
-        </p:nvSpPr>
-        <p:spPr>
-          <a:noFill/>
-        </p:spPr>
-        <p:txBody>
-          <a:bodyPr/>
-          <a:lstStyle/>
-          <a:p>
-            <a:fld id="{F2C51ECC-86A3-4073-ADEB-F5E3C216F85C}" type="slidenum">
-              <a:rPr lang="en-US" smtClean="0"/>
-              <a:pPr/>
-              <a:t>12</a:t>
-            </a:fld>
-            <a:endParaRPr lang="en-US" smtClean="0"/>
-          </a:p>
-        </p:txBody>
-      </p:sp>
-      <p:sp>
-        <p:nvSpPr>
-          <p:cNvPr id="46085" name="Rectangle 2"/>
-          <p:cNvSpPr>
-            <a:spLocks noGrp="1" noRot="1" noChangeAspect="1" noChangeArrowheads="1" noTextEdit="1"/>
-          </p:cNvSpPr>
-          <p:nvPr>
-            <p:ph type="sldImg"/>
-          </p:nvPr>
-        </p:nvSpPr>
-        <p:spPr>
-          <a:xfrm>
-            <a:off x="1143000" y="450850"/>
-            <a:ext cx="4572000" cy="3429000"/>
-          </a:xfrm>
-          <a:ln/>
-        </p:spPr>
-      </p:sp>
-      <p:sp>
-        <p:nvSpPr>
-          <p:cNvPr id="46086" name="Rectangle 3"/>
-          <p:cNvSpPr>
-            <a:spLocks noGrp="1" noChangeArrowheads="1"/>
-          </p:cNvSpPr>
-          <p:nvPr>
-            <p:ph type="body" idx="1"/>
-          </p:nvPr>
-        </p:nvSpPr>
-        <p:spPr>
-          <a:xfrm>
-            <a:off x="307492" y="4130103"/>
-            <a:ext cx="6261652" cy="4593861"/>
-          </a:xfrm>
-          <a:noFill/>
-          <a:ln/>
-        </p:spPr>
-        <p:txBody>
-          <a:bodyPr/>
-          <a:lstStyle/>
-          <a:p>
-            <a:endParaRPr lang="en-US" dirty="0" smtClean="0"/>
-          </a:p>
-        </p:txBody>
-      </p:sp>
-    </p:spTree>
-    <p:extLst>
-      <p:ext uri="{BB962C8B-B14F-4D97-AF65-F5344CB8AC3E}">
-        <p14:creationId xmlns:p14="http://schemas.microsoft.com/office/powerpoint/2010/main" val="3154384243"/>
-      </p:ext>
-    </p:extLst>
-  </p:cSld>
-  <p:clrMapOvr>
-    <a:masterClrMapping/>
-  </p:clrMapOvr>
-</p:notes>
-</file>
-
-<file path=ppt/notesSlides/notesSlide12.xml><?xml version="1.0" encoding="utf-8"?>
-<p:notes xmlns:a="http://schemas.openxmlformats.org/drawingml/2006/main" xmlns:r="http://schemas.openxmlformats.org/officeDocument/2006/relationships" xmlns:p="http://schemas.openxmlformats.org/presentationml/2006/main">
-  <p:cSld>
-    <p:spTree>
-      <p:nvGrpSpPr>
-        <p:cNvPr id="1" name=""/>
-        <p:cNvGrpSpPr/>
-        <p:nvPr/>
-      </p:nvGrpSpPr>
-      <p:grpSpPr>
-        <a:xfrm>
-          <a:off x="0" y="0"/>
-          <a:ext cx="0" cy="0"/>
-          <a:chOff x="0" y="0"/>
-          <a:chExt cx="0" cy="0"/>
-        </a:xfrm>
-      </p:grpSpPr>
-      <p:sp>
-        <p:nvSpPr>
-          <p:cNvPr id="47106" name="Rectangle 23"/>
-          <p:cNvSpPr>
-            <a:spLocks noGrp="1" noChangeArrowheads="1"/>
-          </p:cNvSpPr>
-          <p:nvPr>
-            <p:ph type="hdr" sz="quarter"/>
-          </p:nvPr>
-        </p:nvSpPr>
-        <p:spPr>
-          <a:noFill/>
-        </p:spPr>
-        <p:txBody>
-          <a:bodyPr/>
-          <a:lstStyle/>
-          <a:p>
-            <a:r>
-              <a:rPr lang="en-US" smtClean="0"/>
-              <a:t>Microsoft </a:t>
-            </a:r>
-            <a:r>
-              <a:rPr lang="en-US" b="1" smtClean="0"/>
-              <a:t>Engineering Excellence</a:t>
-            </a:r>
-            <a:endParaRPr lang="en-US" smtClean="0"/>
-          </a:p>
-        </p:txBody>
-      </p:sp>
-      <p:sp>
-        <p:nvSpPr>
-          <p:cNvPr id="47107" name="Rectangle 25"/>
-          <p:cNvSpPr>
-            <a:spLocks noGrp="1" noChangeArrowheads="1"/>
-          </p:cNvSpPr>
-          <p:nvPr>
-            <p:ph type="ftr" sz="quarter" idx="4"/>
-          </p:nvPr>
-        </p:nvSpPr>
-        <p:spPr>
-          <a:noFill/>
-        </p:spPr>
-        <p:txBody>
-          <a:bodyPr/>
-          <a:lstStyle/>
-          <a:p>
-            <a:r>
-              <a:rPr lang="en-US" smtClean="0"/>
-              <a:t>Microsoft Confidential</a:t>
-            </a:r>
-          </a:p>
-        </p:txBody>
-      </p:sp>
-      <p:sp>
-        <p:nvSpPr>
-          <p:cNvPr id="47108" name="Rectangle 26"/>
-          <p:cNvSpPr>
-            <a:spLocks noGrp="1" noChangeArrowheads="1"/>
-          </p:cNvSpPr>
-          <p:nvPr>
-            <p:ph type="sldNum" sz="quarter" idx="5"/>
-          </p:nvPr>
-        </p:nvSpPr>
-        <p:spPr>
-          <a:noFill/>
-        </p:spPr>
-        <p:txBody>
-          <a:bodyPr/>
-          <a:lstStyle/>
-          <a:p>
-            <a:fld id="{ED19570C-A909-40C0-B9F8-7AD3BA2C3C56}" type="slidenum">
-              <a:rPr lang="en-US" smtClean="0"/>
-              <a:pPr/>
-              <a:t>13</a:t>
-            </a:fld>
-            <a:endParaRPr lang="en-US" smtClean="0"/>
-          </a:p>
-        </p:txBody>
-      </p:sp>
-      <p:sp>
-        <p:nvSpPr>
-          <p:cNvPr id="47109" name="Rectangle 2"/>
-          <p:cNvSpPr>
-            <a:spLocks noGrp="1" noRot="1" noChangeAspect="1" noChangeArrowheads="1" noTextEdit="1"/>
-          </p:cNvSpPr>
-          <p:nvPr>
-            <p:ph type="sldImg"/>
-          </p:nvPr>
-        </p:nvSpPr>
-        <p:spPr>
-          <a:xfrm>
-            <a:off x="1143000" y="450850"/>
-            <a:ext cx="4572000" cy="3429000"/>
-          </a:xfrm>
-          <a:ln/>
-        </p:spPr>
-      </p:sp>
-      <p:sp>
-        <p:nvSpPr>
-          <p:cNvPr id="47110" name="Rectangle 3"/>
-          <p:cNvSpPr>
-            <a:spLocks noGrp="1" noChangeArrowheads="1"/>
-          </p:cNvSpPr>
-          <p:nvPr>
-            <p:ph type="body" idx="1"/>
-          </p:nvPr>
-        </p:nvSpPr>
-        <p:spPr>
-          <a:xfrm>
-            <a:off x="307492" y="4130103"/>
-            <a:ext cx="6261652" cy="4593861"/>
-          </a:xfrm>
-          <a:noFill/>
-          <a:ln/>
-        </p:spPr>
-        <p:txBody>
-          <a:bodyPr/>
-          <a:lstStyle/>
-          <a:p>
-            <a:pPr marL="0" marR="0" indent="0" algn="l" defTabSz="914400" rtl="0" eaLnBrk="1" fontAlgn="auto" latinLnBrk="0" hangingPunct="1">
-              <a:lnSpc>
-                <a:spcPct val="80000"/>
-              </a:lnSpc>
-              <a:spcBef>
-                <a:spcPts val="0"/>
-              </a:spcBef>
-              <a:spcAft>
-                <a:spcPts val="0"/>
-              </a:spcAft>
-              <a:buClrTx/>
-              <a:buSzTx/>
-              <a:buFontTx/>
-              <a:buNone/>
-              <a:tabLst/>
-              <a:defRPr/>
-            </a:pPr>
-            <a:r>
-              <a:rPr lang="en-US" dirty="0" smtClean="0"/>
-              <a:t>If there is relevant</a:t>
-            </a:r>
-            <a:r>
-              <a:rPr lang="en-US" baseline="0" dirty="0" smtClean="0"/>
-              <a:t> video content, such as a case study video, demo of a product, or other training materials, include it in the presentation as well. </a:t>
-            </a:r>
-            <a:endParaRPr lang="en-US" dirty="0" smtClean="0"/>
-          </a:p>
-          <a:p>
-            <a:pPr>
-              <a:lnSpc>
-                <a:spcPct val="80000"/>
-              </a:lnSpc>
-              <a:buFontTx/>
-              <a:buNone/>
-            </a:pPr>
-            <a:endParaRPr lang="en-US" dirty="0" smtClean="0"/>
-          </a:p>
-        </p:txBody>
-      </p:sp>
-    </p:spTree>
-    <p:extLst>
-      <p:ext uri="{BB962C8B-B14F-4D97-AF65-F5344CB8AC3E}">
-        <p14:creationId xmlns:p14="http://schemas.microsoft.com/office/powerpoint/2010/main" val="2729001205"/>
-      </p:ext>
-    </p:extLst>
-  </p:cSld>
-  <p:clrMapOvr>
-    <a:masterClrMapping/>
-  </p:clrMapOvr>
-</p:notes>
-</file>
-
-<file path=ppt/notesSlides/notesSlide13.xml><?xml version="1.0" encoding="utf-8"?>
-<p:notes xmlns:a="http://schemas.openxmlformats.org/drawingml/2006/main" xmlns:r="http://schemas.openxmlformats.org/officeDocument/2006/relationships" xmlns:p="http://schemas.openxmlformats.org/presentationml/2006/main">
-  <p:cSld>
-    <p:spTree>
-      <p:nvGrpSpPr>
-        <p:cNvPr id="1" name=""/>
-        <p:cNvGrpSpPr/>
-        <p:nvPr/>
-      </p:nvGrpSpPr>
-      <p:grpSpPr>
-        <a:xfrm>
-          <a:off x="0" y="0"/>
-          <a:ext cx="0" cy="0"/>
-          <a:chOff x="0" y="0"/>
-          <a:chExt cx="0" cy="0"/>
-        </a:xfrm>
-      </p:grpSpPr>
-      <p:sp>
-        <p:nvSpPr>
-          <p:cNvPr id="40962" name="Rectangle 23"/>
-          <p:cNvSpPr>
-            <a:spLocks noGrp="1" noChangeArrowheads="1"/>
-          </p:cNvSpPr>
-          <p:nvPr>
-            <p:ph type="hdr" sz="quarter"/>
-          </p:nvPr>
-        </p:nvSpPr>
-        <p:spPr>
-          <a:noFill/>
-        </p:spPr>
-        <p:txBody>
-          <a:bodyPr/>
-          <a:lstStyle/>
-          <a:p>
-            <a:r>
-              <a:rPr lang="en-US" dirty="0" smtClean="0"/>
-              <a:t>Microsoft </a:t>
-            </a:r>
-            <a:r>
-              <a:rPr lang="en-US" b="1" dirty="0" smtClean="0"/>
-              <a:t>Engineering Excellence</a:t>
-            </a:r>
-            <a:endParaRPr lang="en-US" dirty="0" smtClean="0"/>
-          </a:p>
-        </p:txBody>
-      </p:sp>
-      <p:sp>
-        <p:nvSpPr>
-          <p:cNvPr id="40963" name="Rectangle 25"/>
-          <p:cNvSpPr>
-            <a:spLocks noGrp="1" noChangeArrowheads="1"/>
-          </p:cNvSpPr>
-          <p:nvPr>
-            <p:ph type="ftr" sz="quarter" idx="4"/>
-          </p:nvPr>
-        </p:nvSpPr>
-        <p:spPr>
-          <a:noFill/>
-        </p:spPr>
-        <p:txBody>
-          <a:bodyPr/>
-          <a:lstStyle/>
-          <a:p>
-            <a:r>
-              <a:rPr lang="en-US" dirty="0" smtClean="0"/>
-              <a:t>Microsoft Confidential</a:t>
-            </a:r>
-          </a:p>
-        </p:txBody>
-      </p:sp>
-      <p:sp>
-        <p:nvSpPr>
-          <p:cNvPr id="40964" name="Rectangle 26"/>
-          <p:cNvSpPr>
-            <a:spLocks noGrp="1" noChangeArrowheads="1"/>
-          </p:cNvSpPr>
-          <p:nvPr>
-            <p:ph type="sldNum" sz="quarter" idx="5"/>
-          </p:nvPr>
-        </p:nvSpPr>
-        <p:spPr>
-          <a:noFill/>
-        </p:spPr>
-        <p:txBody>
-          <a:bodyPr/>
-          <a:lstStyle/>
-          <a:p>
-            <a:fld id="{85CEDE57-F8FE-4B43-B511-2E9F76624F74}" type="slidenum">
-              <a:rPr lang="en-US" smtClean="0"/>
-              <a:pPr/>
-              <a:t>14</a:t>
-            </a:fld>
-            <a:endParaRPr lang="en-US" dirty="0" smtClean="0"/>
-          </a:p>
-        </p:txBody>
-      </p:sp>
-      <p:sp>
-        <p:nvSpPr>
-          <p:cNvPr id="40965" name="Rectangle 2"/>
-          <p:cNvSpPr>
-            <a:spLocks noGrp="1" noRot="1" noChangeAspect="1" noChangeArrowheads="1" noTextEdit="1"/>
-          </p:cNvSpPr>
-          <p:nvPr>
-            <p:ph type="sldImg"/>
-          </p:nvPr>
-        </p:nvSpPr>
-        <p:spPr>
-          <a:xfrm>
-            <a:off x="1157288" y="449263"/>
-            <a:ext cx="4541837" cy="3408362"/>
-          </a:xfrm>
-          <a:ln/>
-        </p:spPr>
-      </p:sp>
-      <p:sp>
-        <p:nvSpPr>
-          <p:cNvPr id="40966" name="Rectangle 3"/>
-          <p:cNvSpPr>
-            <a:spLocks noGrp="1" noChangeArrowheads="1"/>
-          </p:cNvSpPr>
-          <p:nvPr>
-            <p:ph type="body" idx="1"/>
-          </p:nvPr>
-        </p:nvSpPr>
-        <p:spPr>
-          <a:xfrm>
-            <a:off x="307492" y="4139472"/>
-            <a:ext cx="6261652" cy="4593861"/>
-          </a:xfrm>
-          <a:noFill/>
-          <a:ln/>
-        </p:spPr>
-        <p:txBody>
-          <a:bodyPr/>
-          <a:lstStyle/>
-          <a:p>
-            <a:pPr>
-              <a:buFontTx/>
-              <a:buNone/>
-            </a:pPr>
-            <a:endParaRPr lang="en-US" dirty="0" smtClean="0"/>
-          </a:p>
-        </p:txBody>
-      </p:sp>
-    </p:spTree>
-    <p:extLst>
-      <p:ext uri="{BB962C8B-B14F-4D97-AF65-F5344CB8AC3E}">
-        <p14:creationId xmlns:p14="http://schemas.microsoft.com/office/powerpoint/2010/main" val="1517173537"/>
-      </p:ext>
-    </p:extLst>
-  </p:cSld>
-  <p:clrMapOvr>
-    <a:masterClrMapping/>
-  </p:clrMapOvr>
-</p:notes>
-</file>
-
-<file path=ppt/notesSlides/notesSlide14.xml><?xml version="1.0" encoding="utf-8"?>
 <p:notes xmlns:a="http://schemas.openxmlformats.org/drawingml/2006/main" xmlns:r="http://schemas.openxmlformats.org/officeDocument/2006/relationships" xmlns:p="http://schemas.openxmlformats.org/presentationml/2006/main">
   <p:cSld>
     <p:spTree>
@@ -4172,7 +5599,7 @@
             <a:fld id="{B2B44A5F-6CE4-493C-A0D7-6834FF76660C}" type="slidenum">
               <a:rPr lang="en-US" smtClean="0"/>
               <a:pPr/>
-              <a:t>15</a:t>
+              <a:t>17</a:t>
             </a:fld>
             <a:endParaRPr lang="en-US" dirty="0" smtClean="0"/>
           </a:p>
@@ -4227,11 +5654,6 @@
         </p:txBody>
       </p:sp>
     </p:spTree>
-    <p:extLst>
-      <p:ext uri="{BB962C8B-B14F-4D97-AF65-F5344CB8AC3E}">
-        <p14:creationId xmlns:p14="http://schemas.microsoft.com/office/powerpoint/2010/main" val="3807108814"/>
-      </p:ext>
-    </p:extLst>
   </p:cSld>
   <p:clrMapOvr>
     <a:masterClrMapping/>
@@ -4312,11 +5734,6 @@
         </p:txBody>
       </p:sp>
     </p:spTree>
-    <p:extLst>
-      <p:ext uri="{BB962C8B-B14F-4D97-AF65-F5344CB8AC3E}">
-        <p14:creationId xmlns:p14="http://schemas.microsoft.com/office/powerpoint/2010/main" val="2548979118"/>
-      </p:ext>
-    </p:extLst>
   </p:cSld>
   <p:clrMapOvr>
     <a:masterClrMapping/>
@@ -4384,11 +5801,6 @@
         </p:spPr>
       </p:sp>
     </p:spTree>
-    <p:extLst>
-      <p:ext uri="{BB962C8B-B14F-4D97-AF65-F5344CB8AC3E}">
-        <p14:creationId xmlns:p14="http://schemas.microsoft.com/office/powerpoint/2010/main" val="4267853537"/>
-      </p:ext>
-    </p:extLst>
   </p:cSld>
   <p:clrMapOvr>
     <a:masterClrMapping/>
@@ -4437,9 +5849,7 @@
         </p:nvSpPr>
         <p:spPr/>
         <p:txBody>
-          <a:bodyPr>
-            <a:normAutofit/>
-          </a:bodyPr>
+          <a:bodyPr/>
           <a:lstStyle/>
           <a:p>
             <a:endParaRPr lang="en-US" dirty="0"/>
@@ -4461,21 +5871,16 @@
           <a:bodyPr/>
           <a:lstStyle/>
           <a:p>
-            <a:fld id="{EC6EAC7D-5A89-47C2-8ABA-56C9C2DEF7A4}" type="slidenum">
+            <a:fld id="{75693FD4-8F83-4EF7-AC3F-0DC0388986B0}" type="slidenum">
               <a:rPr lang="en-US" smtClean="0"/>
               <a:pPr/>
               <a:t>4</a:t>
             </a:fld>
-            <a:endParaRPr lang="en-US"/>
+            <a:endParaRPr lang="en-US" dirty="0"/>
           </a:p>
         </p:txBody>
       </p:sp>
     </p:spTree>
-    <p:extLst>
-      <p:ext uri="{BB962C8B-B14F-4D97-AF65-F5344CB8AC3E}">
-        <p14:creationId xmlns:p14="http://schemas.microsoft.com/office/powerpoint/2010/main" val="2767192796"/>
-      </p:ext>
-    </p:extLst>
   </p:cSld>
   <p:clrMapOvr>
     <a:masterClrMapping/>
@@ -4558,11 +5963,6 @@
         </p:txBody>
       </p:sp>
     </p:spTree>
-    <p:extLst>
-      <p:ext uri="{BB962C8B-B14F-4D97-AF65-F5344CB8AC3E}">
-        <p14:creationId xmlns:p14="http://schemas.microsoft.com/office/powerpoint/2010/main" val="3613952125"/>
-      </p:ext>
-    </p:extLst>
   </p:cSld>
   <p:clrMapOvr>
     <a:masterClrMapping/>
@@ -4638,18 +6038,13 @@
             <a:fld id="{EC6EAC7D-5A89-47C2-8ABA-56C9C2DEF7A4}" type="slidenum">
               <a:rPr lang="en-US" smtClean="0"/>
               <a:pPr/>
-              <a:t>6</a:t>
+              <a:t>7</a:t>
             </a:fld>
             <a:endParaRPr lang="en-US"/>
           </a:p>
         </p:txBody>
       </p:sp>
     </p:spTree>
-    <p:extLst>
-      <p:ext uri="{BB962C8B-B14F-4D97-AF65-F5344CB8AC3E}">
-        <p14:creationId xmlns:p14="http://schemas.microsoft.com/office/powerpoint/2010/main" val="3846976488"/>
-      </p:ext>
-    </p:extLst>
   </p:cSld>
   <p:clrMapOvr>
     <a:masterClrMapping/>
@@ -4676,67 +6071,128 @@
       </p:grpSpPr>
       <p:sp>
         <p:nvSpPr>
-          <p:cNvPr id="2" name="Slide Image Placeholder 1"/>
+          <p:cNvPr id="46082" name="Rectangle 23"/>
           <p:cNvSpPr>
-            <a:spLocks noGrp="1" noRot="1" noChangeAspect="1"/>
+            <a:spLocks noGrp="1" noChangeArrowheads="1"/>
+          </p:cNvSpPr>
+          <p:nvPr>
+            <p:ph type="hdr" sz="quarter"/>
+          </p:nvPr>
+        </p:nvSpPr>
+        <p:spPr>
+          <a:noFill/>
+        </p:spPr>
+        <p:txBody>
+          <a:bodyPr/>
+          <a:lstStyle/>
+          <a:p>
+            <a:r>
+              <a:rPr lang="en-US" smtClean="0"/>
+              <a:t>Microsoft </a:t>
+            </a:r>
+            <a:r>
+              <a:rPr lang="en-US" b="1" smtClean="0"/>
+              <a:t>Engineering Excellence</a:t>
+            </a:r>
+            <a:endParaRPr lang="en-US" smtClean="0"/>
+          </a:p>
+        </p:txBody>
+      </p:sp>
+      <p:sp>
+        <p:nvSpPr>
+          <p:cNvPr id="46083" name="Rectangle 25"/>
+          <p:cNvSpPr>
+            <a:spLocks noGrp="1" noChangeArrowheads="1"/>
+          </p:cNvSpPr>
+          <p:nvPr>
+            <p:ph type="ftr" sz="quarter" idx="4"/>
+          </p:nvPr>
+        </p:nvSpPr>
+        <p:spPr>
+          <a:noFill/>
+        </p:spPr>
+        <p:txBody>
+          <a:bodyPr/>
+          <a:lstStyle/>
+          <a:p>
+            <a:r>
+              <a:rPr lang="en-US" smtClean="0"/>
+              <a:t>Microsoft Confidential</a:t>
+            </a:r>
+          </a:p>
+        </p:txBody>
+      </p:sp>
+      <p:sp>
+        <p:nvSpPr>
+          <p:cNvPr id="46084" name="Rectangle 26"/>
+          <p:cNvSpPr>
+            <a:spLocks noGrp="1" noChangeArrowheads="1"/>
+          </p:cNvSpPr>
+          <p:nvPr>
+            <p:ph type="sldNum" sz="quarter" idx="5"/>
+          </p:nvPr>
+        </p:nvSpPr>
+        <p:spPr>
+          <a:noFill/>
+        </p:spPr>
+        <p:txBody>
+          <a:bodyPr/>
+          <a:lstStyle/>
+          <a:p>
+            <a:fld id="{F2C51ECC-86A3-4073-ADEB-F5E3C216F85C}" type="slidenum">
+              <a:rPr lang="en-US" smtClean="0"/>
+              <a:pPr/>
+              <a:t>8</a:t>
+            </a:fld>
+            <a:endParaRPr lang="en-US" smtClean="0"/>
+          </a:p>
+        </p:txBody>
+      </p:sp>
+      <p:sp>
+        <p:nvSpPr>
+          <p:cNvPr id="46085" name="Rectangle 2"/>
+          <p:cNvSpPr>
+            <a:spLocks noGrp="1" noRot="1" noChangeAspect="1" noChangeArrowheads="1" noTextEdit="1"/>
           </p:cNvSpPr>
           <p:nvPr>
             <p:ph type="sldImg"/>
           </p:nvPr>
         </p:nvSpPr>
-        <p:spPr/>
+        <p:spPr>
+          <a:xfrm>
+            <a:off x="1143000" y="450850"/>
+            <a:ext cx="4572000" cy="3429000"/>
+          </a:xfrm>
+          <a:ln/>
+        </p:spPr>
       </p:sp>
       <p:sp>
         <p:nvSpPr>
-          <p:cNvPr id="3" name="Notes Placeholder 2"/>
+          <p:cNvPr id="46086" name="Rectangle 3"/>
           <p:cNvSpPr>
-            <a:spLocks noGrp="1"/>
+            <a:spLocks noGrp="1" noChangeArrowheads="1"/>
           </p:cNvSpPr>
           <p:nvPr>
             <p:ph type="body" idx="1"/>
           </p:nvPr>
         </p:nvSpPr>
-        <p:spPr/>
-        <p:txBody>
-          <a:bodyPr>
-            <a:normAutofit/>
-          </a:bodyPr>
-          <a:lstStyle/>
-          <a:p>
-            <a:endParaRPr lang="en-US" dirty="0"/>
-          </a:p>
-        </p:txBody>
-      </p:sp>
-      <p:sp>
-        <p:nvSpPr>
-          <p:cNvPr id="4" name="Slide Number Placeholder 3"/>
-          <p:cNvSpPr>
-            <a:spLocks noGrp="1"/>
-          </p:cNvSpPr>
-          <p:nvPr>
-            <p:ph type="sldNum" sz="quarter" idx="10"/>
-          </p:nvPr>
-        </p:nvSpPr>
-        <p:spPr/>
+        <p:spPr>
+          <a:xfrm>
+            <a:off x="307492" y="4130103"/>
+            <a:ext cx="6261652" cy="4593861"/>
+          </a:xfrm>
+          <a:noFill/>
+          <a:ln/>
+        </p:spPr>
         <p:txBody>
           <a:bodyPr/>
           <a:lstStyle/>
           <a:p>
-            <a:fld id="{EC6EAC7D-5A89-47C2-8ABA-56C9C2DEF7A4}" type="slidenum">
-              <a:rPr lang="en-US" smtClean="0"/>
-              <a:pPr/>
-              <a:t>7</a:t>
-            </a:fld>
-            <a:endParaRPr lang="en-US"/>
+            <a:endParaRPr lang="en-US" dirty="0" smtClean="0"/>
           </a:p>
         </p:txBody>
       </p:sp>
     </p:spTree>
-    <p:extLst>
-      <p:ext uri="{BB962C8B-B14F-4D97-AF65-F5344CB8AC3E}">
-        <p14:creationId xmlns:p14="http://schemas.microsoft.com/office/powerpoint/2010/main" val="364435931"/>
-      </p:ext>
-    </p:extLst>
   </p:cSld>
   <p:clrMapOvr>
     <a:masterClrMapping/>
@@ -4763,67 +6219,135 @@
       </p:grpSpPr>
       <p:sp>
         <p:nvSpPr>
-          <p:cNvPr id="2" name="Slide Image Placeholder 1"/>
+          <p:cNvPr id="47106" name="Rectangle 23"/>
           <p:cNvSpPr>
-            <a:spLocks noGrp="1" noRot="1" noChangeAspect="1"/>
+            <a:spLocks noGrp="1" noChangeArrowheads="1"/>
+          </p:cNvSpPr>
+          <p:nvPr>
+            <p:ph type="hdr" sz="quarter"/>
+          </p:nvPr>
+        </p:nvSpPr>
+        <p:spPr>
+          <a:noFill/>
+        </p:spPr>
+        <p:txBody>
+          <a:bodyPr/>
+          <a:lstStyle/>
+          <a:p>
+            <a:r>
+              <a:rPr lang="en-US" smtClean="0"/>
+              <a:t>Microsoft </a:t>
+            </a:r>
+            <a:r>
+              <a:rPr lang="en-US" b="1" smtClean="0"/>
+              <a:t>Engineering Excellence</a:t>
+            </a:r>
+            <a:endParaRPr lang="en-US" smtClean="0"/>
+          </a:p>
+        </p:txBody>
+      </p:sp>
+      <p:sp>
+        <p:nvSpPr>
+          <p:cNvPr id="47107" name="Rectangle 25"/>
+          <p:cNvSpPr>
+            <a:spLocks noGrp="1" noChangeArrowheads="1"/>
+          </p:cNvSpPr>
+          <p:nvPr>
+            <p:ph type="ftr" sz="quarter" idx="4"/>
+          </p:nvPr>
+        </p:nvSpPr>
+        <p:spPr>
+          <a:noFill/>
+        </p:spPr>
+        <p:txBody>
+          <a:bodyPr/>
+          <a:lstStyle/>
+          <a:p>
+            <a:r>
+              <a:rPr lang="en-US" smtClean="0"/>
+              <a:t>Microsoft Confidential</a:t>
+            </a:r>
+          </a:p>
+        </p:txBody>
+      </p:sp>
+      <p:sp>
+        <p:nvSpPr>
+          <p:cNvPr id="47108" name="Rectangle 26"/>
+          <p:cNvSpPr>
+            <a:spLocks noGrp="1" noChangeArrowheads="1"/>
+          </p:cNvSpPr>
+          <p:nvPr>
+            <p:ph type="sldNum" sz="quarter" idx="5"/>
+          </p:nvPr>
+        </p:nvSpPr>
+        <p:spPr>
+          <a:noFill/>
+        </p:spPr>
+        <p:txBody>
+          <a:bodyPr/>
+          <a:lstStyle/>
+          <a:p>
+            <a:fld id="{ED19570C-A909-40C0-B9F8-7AD3BA2C3C56}" type="slidenum">
+              <a:rPr lang="en-US" smtClean="0"/>
+              <a:pPr/>
+              <a:t>9</a:t>
+            </a:fld>
+            <a:endParaRPr lang="en-US" smtClean="0"/>
+          </a:p>
+        </p:txBody>
+      </p:sp>
+      <p:sp>
+        <p:nvSpPr>
+          <p:cNvPr id="47109" name="Rectangle 2"/>
+          <p:cNvSpPr>
+            <a:spLocks noGrp="1" noRot="1" noChangeAspect="1" noChangeArrowheads="1" noTextEdit="1"/>
           </p:cNvSpPr>
           <p:nvPr>
             <p:ph type="sldImg"/>
           </p:nvPr>
         </p:nvSpPr>
-        <p:spPr/>
+        <p:spPr>
+          <a:xfrm>
+            <a:off x="1143000" y="450850"/>
+            <a:ext cx="4572000" cy="3429000"/>
+          </a:xfrm>
+          <a:ln/>
+        </p:spPr>
       </p:sp>
       <p:sp>
         <p:nvSpPr>
-          <p:cNvPr id="3" name="Notes Placeholder 2"/>
+          <p:cNvPr id="47110" name="Rectangle 3"/>
           <p:cNvSpPr>
-            <a:spLocks noGrp="1"/>
+            <a:spLocks noGrp="1" noChangeArrowheads="1"/>
           </p:cNvSpPr>
           <p:nvPr>
             <p:ph type="body" idx="1"/>
           </p:nvPr>
         </p:nvSpPr>
-        <p:spPr/>
-        <p:txBody>
-          <a:bodyPr>
-            <a:normAutofit/>
-          </a:bodyPr>
-          <a:lstStyle/>
-          <a:p>
-            <a:endParaRPr lang="en-US" dirty="0"/>
-          </a:p>
-        </p:txBody>
-      </p:sp>
-      <p:sp>
-        <p:nvSpPr>
-          <p:cNvPr id="4" name="Slide Number Placeholder 3"/>
-          <p:cNvSpPr>
-            <a:spLocks noGrp="1"/>
-          </p:cNvSpPr>
-          <p:nvPr>
-            <p:ph type="sldNum" sz="quarter" idx="10"/>
-          </p:nvPr>
-        </p:nvSpPr>
-        <p:spPr/>
+        <p:spPr>
+          <a:xfrm>
+            <a:off x="307492" y="4130103"/>
+            <a:ext cx="6261652" cy="4593861"/>
+          </a:xfrm>
+          <a:noFill/>
+          <a:ln/>
+        </p:spPr>
         <p:txBody>
           <a:bodyPr/>
           <a:lstStyle/>
           <a:p>
-            <a:fld id="{EC6EAC7D-5A89-47C2-8ABA-56C9C2DEF7A4}" type="slidenum">
-              <a:rPr lang="en-US" smtClean="0"/>
-              <a:pPr/>
-              <a:t>8</a:t>
-            </a:fld>
-            <a:endParaRPr lang="en-US"/>
+            <a:pPr>
+              <a:lnSpc>
+                <a:spcPct val="80000"/>
+              </a:lnSpc>
+              <a:buFontTx/>
+              <a:buNone/>
+            </a:pPr>
+            <a:endParaRPr lang="en-US" dirty="0" smtClean="0"/>
           </a:p>
         </p:txBody>
       </p:sp>
     </p:spTree>
-    <p:extLst>
-      <p:ext uri="{BB962C8B-B14F-4D97-AF65-F5344CB8AC3E}">
-        <p14:creationId xmlns:p14="http://schemas.microsoft.com/office/powerpoint/2010/main" val="1700696251"/>
-      </p:ext>
-    </p:extLst>
   </p:cSld>
   <p:clrMapOvr>
     <a:masterClrMapping/>
@@ -4872,10 +6396,299 @@
         </p:nvSpPr>
         <p:spPr/>
         <p:txBody>
-          <a:bodyPr>
-            <a:normAutofit/>
-          </a:bodyPr>
+          <a:bodyPr/>
           <a:lstStyle/>
+          <a:p>
+            <a:r>
+              <a:rPr lang="en-US" b="1" dirty="0" smtClean="0"/>
+              <a:t>Belkin </a:t>
+            </a:r>
+            <a:r>
+              <a:rPr lang="en-US" b="1" dirty="0" err="1" smtClean="0"/>
+              <a:t>Wemo</a:t>
+            </a:r>
+            <a:r>
+              <a:rPr lang="en-US" dirty="0" smtClean="0"/>
+              <a:t> - </a:t>
+            </a:r>
+            <a:r>
+              <a:rPr lang="en-US" sz="1200" b="0" i="0" kern="1200" dirty="0" smtClean="0">
+                <a:solidFill>
+                  <a:schemeClr val="tx1"/>
+                </a:solidFill>
+                <a:effectLst/>
+                <a:latin typeface="+mn-lt"/>
+                <a:ea typeface="+mn-ea"/>
+                <a:cs typeface="+mn-cs"/>
+              </a:rPr>
+              <a:t>Belkin's WeMo home automation system can monitor and control WeMo-branded smart wall switches and plugs, LED light bulbs, motion sensors and lighting devices, all from your browser or smartphone app.</a:t>
+            </a:r>
+          </a:p>
+          <a:p>
+            <a:pPr marL="0" marR="0" indent="0" algn="l" defTabSz="914400" rtl="0" eaLnBrk="1" fontAlgn="auto" latinLnBrk="0" hangingPunct="1">
+              <a:lnSpc>
+                <a:spcPct val="100000"/>
+              </a:lnSpc>
+              <a:spcBef>
+                <a:spcPts val="0"/>
+              </a:spcBef>
+              <a:spcAft>
+                <a:spcPts val="0"/>
+              </a:spcAft>
+              <a:buClrTx/>
+              <a:buSzTx/>
+              <a:buFontTx/>
+              <a:buNone/>
+              <a:tabLst/>
+              <a:defRPr/>
+            </a:pPr>
+            <a:r>
+              <a:rPr lang="en-US" sz="1200" b="1" i="0" kern="1200" dirty="0" smtClean="0">
+                <a:solidFill>
+                  <a:schemeClr val="tx1"/>
+                </a:solidFill>
+                <a:effectLst/>
+                <a:latin typeface="+mn-lt"/>
+                <a:ea typeface="+mn-ea"/>
+                <a:cs typeface="+mn-cs"/>
+              </a:rPr>
+              <a:t>Sense Mother</a:t>
+            </a:r>
+            <a:r>
+              <a:rPr lang="en-US" sz="1200" b="0" i="0" kern="1200" dirty="0" smtClean="0">
+                <a:solidFill>
+                  <a:schemeClr val="tx1"/>
+                </a:solidFill>
+                <a:effectLst/>
+                <a:latin typeface="+mn-lt"/>
+                <a:ea typeface="+mn-ea"/>
+                <a:cs typeface="+mn-cs"/>
+              </a:rPr>
+              <a:t> - Detect entry and presence in your home, measure physical activity and healthy habits such as brushing teeth etc.</a:t>
+            </a:r>
+          </a:p>
+          <a:p>
+            <a:pPr marL="0" marR="0" indent="0" algn="l" defTabSz="914400" rtl="0" eaLnBrk="1" fontAlgn="auto" latinLnBrk="0" hangingPunct="1">
+              <a:lnSpc>
+                <a:spcPct val="100000"/>
+              </a:lnSpc>
+              <a:spcBef>
+                <a:spcPts val="0"/>
+              </a:spcBef>
+              <a:spcAft>
+                <a:spcPts val="0"/>
+              </a:spcAft>
+              <a:buClrTx/>
+              <a:buSzTx/>
+              <a:buFontTx/>
+              <a:buNone/>
+              <a:tabLst/>
+              <a:defRPr/>
+            </a:pPr>
+            <a:r>
+              <a:rPr lang="en-US" sz="1200" b="1" i="0" kern="1200" dirty="0" err="1" smtClean="0">
+                <a:solidFill>
+                  <a:schemeClr val="tx1"/>
+                </a:solidFill>
+                <a:effectLst/>
+                <a:latin typeface="+mn-lt"/>
+                <a:ea typeface="+mn-ea"/>
+                <a:cs typeface="+mn-cs"/>
+              </a:rPr>
+              <a:t>Ivee</a:t>
+            </a:r>
+            <a:r>
+              <a:rPr lang="en-US" sz="1200" b="1" i="0" kern="1200" dirty="0" smtClean="0">
+                <a:solidFill>
+                  <a:schemeClr val="tx1"/>
+                </a:solidFill>
+                <a:effectLst/>
+                <a:latin typeface="+mn-lt"/>
+                <a:ea typeface="+mn-ea"/>
+                <a:cs typeface="+mn-cs"/>
+              </a:rPr>
+              <a:t> </a:t>
+            </a:r>
+            <a:r>
+              <a:rPr lang="en-US" sz="1200" b="0" i="0" kern="1200" dirty="0" smtClean="0">
+                <a:solidFill>
+                  <a:schemeClr val="tx1"/>
+                </a:solidFill>
+                <a:effectLst/>
+                <a:latin typeface="+mn-lt"/>
+                <a:ea typeface="+mn-ea"/>
+                <a:cs typeface="+mn-cs"/>
+              </a:rPr>
+              <a:t>-</a:t>
+            </a:r>
+            <a:r>
+              <a:rPr lang="en-US" sz="1200" b="0" i="0" kern="1200" baseline="0" dirty="0" smtClean="0">
+                <a:solidFill>
+                  <a:schemeClr val="tx1"/>
+                </a:solidFill>
+                <a:effectLst/>
+                <a:latin typeface="+mn-lt"/>
+                <a:ea typeface="+mn-ea"/>
+                <a:cs typeface="+mn-cs"/>
+              </a:rPr>
+              <a:t> V</a:t>
+            </a:r>
+            <a:r>
+              <a:rPr lang="en-US" sz="1200" b="0" i="0" kern="1200" dirty="0" smtClean="0">
+                <a:solidFill>
+                  <a:schemeClr val="tx1"/>
+                </a:solidFill>
+                <a:effectLst/>
+                <a:latin typeface="+mn-lt"/>
+                <a:ea typeface="+mn-ea"/>
+                <a:cs typeface="+mn-cs"/>
+              </a:rPr>
+              <a:t>oice-activated interface that let</a:t>
+            </a:r>
+            <a:r>
+              <a:rPr lang="en-US" sz="1200" b="0" i="0" kern="1200" baseline="0" dirty="0" smtClean="0">
+                <a:solidFill>
+                  <a:schemeClr val="tx1"/>
+                </a:solidFill>
+                <a:effectLst/>
+                <a:latin typeface="+mn-lt"/>
+                <a:ea typeface="+mn-ea"/>
+                <a:cs typeface="+mn-cs"/>
+              </a:rPr>
+              <a:t> you connect to your devices.</a:t>
+            </a:r>
+          </a:p>
+          <a:p>
+            <a:pPr marL="0" marR="0" indent="0" algn="l" defTabSz="914400" rtl="0" eaLnBrk="1" fontAlgn="auto" latinLnBrk="0" hangingPunct="1">
+              <a:lnSpc>
+                <a:spcPct val="100000"/>
+              </a:lnSpc>
+              <a:spcBef>
+                <a:spcPts val="0"/>
+              </a:spcBef>
+              <a:spcAft>
+                <a:spcPts val="0"/>
+              </a:spcAft>
+              <a:buClrTx/>
+              <a:buSzTx/>
+              <a:buFontTx/>
+              <a:buNone/>
+              <a:tabLst/>
+              <a:defRPr/>
+            </a:pPr>
+            <a:r>
+              <a:rPr lang="en-US" sz="1200" b="1" i="0" kern="1200" baseline="0" dirty="0" smtClean="0">
+                <a:solidFill>
+                  <a:schemeClr val="tx1"/>
+                </a:solidFill>
+                <a:effectLst/>
+                <a:latin typeface="+mn-lt"/>
+                <a:ea typeface="+mn-ea"/>
+                <a:cs typeface="+mn-cs"/>
+              </a:rPr>
+              <a:t>Lapa</a:t>
+            </a:r>
+            <a:r>
+              <a:rPr lang="en-US" sz="1200" b="0" i="0" kern="1200" baseline="0" dirty="0" smtClean="0">
+                <a:solidFill>
+                  <a:schemeClr val="tx1"/>
+                </a:solidFill>
+                <a:effectLst/>
+                <a:latin typeface="+mn-lt"/>
+                <a:ea typeface="+mn-ea"/>
+                <a:cs typeface="+mn-cs"/>
+              </a:rPr>
+              <a:t> - </a:t>
+            </a:r>
+            <a:r>
+              <a:rPr lang="en-US" sz="1200" b="0" i="0" kern="1200" dirty="0" smtClean="0">
+                <a:solidFill>
+                  <a:schemeClr val="tx1"/>
+                </a:solidFill>
+                <a:effectLst/>
+                <a:latin typeface="+mn-lt"/>
+                <a:ea typeface="+mn-ea"/>
+                <a:cs typeface="+mn-cs"/>
+              </a:rPr>
+              <a:t>helps you find misplaced things, it will alert you if you leave them behind</a:t>
+            </a:r>
+            <a:endParaRPr lang="en-US" sz="1200" b="1" i="0" kern="1200" dirty="0" smtClean="0">
+              <a:solidFill>
+                <a:schemeClr val="tx1"/>
+              </a:solidFill>
+              <a:effectLst/>
+              <a:latin typeface="+mn-lt"/>
+              <a:ea typeface="+mn-ea"/>
+              <a:cs typeface="+mn-cs"/>
+            </a:endParaRPr>
+          </a:p>
+          <a:p>
+            <a:pPr marL="0" marR="0" indent="0" algn="l" defTabSz="914400" rtl="0" eaLnBrk="1" fontAlgn="auto" latinLnBrk="0" hangingPunct="1">
+              <a:lnSpc>
+                <a:spcPct val="100000"/>
+              </a:lnSpc>
+              <a:spcBef>
+                <a:spcPts val="0"/>
+              </a:spcBef>
+              <a:spcAft>
+                <a:spcPts val="0"/>
+              </a:spcAft>
+              <a:buClrTx/>
+              <a:buSzTx/>
+              <a:buFontTx/>
+              <a:buNone/>
+              <a:tabLst/>
+              <a:defRPr/>
+            </a:pPr>
+            <a:endParaRPr lang="en-US" sz="1200" b="0" i="0" kern="1200" dirty="0" smtClean="0">
+              <a:solidFill>
+                <a:schemeClr val="tx1"/>
+              </a:solidFill>
+              <a:effectLst/>
+              <a:latin typeface="+mn-lt"/>
+              <a:ea typeface="+mn-ea"/>
+              <a:cs typeface="+mn-cs"/>
+            </a:endParaRPr>
+          </a:p>
+          <a:p>
+            <a:pPr marL="0" marR="0" indent="0" algn="l" defTabSz="914400" rtl="0" eaLnBrk="1" fontAlgn="auto" latinLnBrk="0" hangingPunct="1">
+              <a:lnSpc>
+                <a:spcPct val="100000"/>
+              </a:lnSpc>
+              <a:spcBef>
+                <a:spcPts val="0"/>
+              </a:spcBef>
+              <a:spcAft>
+                <a:spcPts val="0"/>
+              </a:spcAft>
+              <a:buClrTx/>
+              <a:buSzTx/>
+              <a:buFontTx/>
+              <a:buNone/>
+              <a:tabLst/>
+              <a:defRPr/>
+            </a:pPr>
+            <a:endParaRPr lang="en-US" sz="1200" b="0" i="0" kern="1200" dirty="0" smtClean="0">
+              <a:solidFill>
+                <a:schemeClr val="tx1"/>
+              </a:solidFill>
+              <a:effectLst/>
+              <a:latin typeface="+mn-lt"/>
+              <a:ea typeface="+mn-ea"/>
+              <a:cs typeface="+mn-cs"/>
+            </a:endParaRPr>
+          </a:p>
+          <a:p>
+            <a:endParaRPr lang="en-US" sz="1200" b="0" i="0" kern="1200" dirty="0" smtClean="0">
+              <a:solidFill>
+                <a:schemeClr val="tx1"/>
+              </a:solidFill>
+              <a:effectLst/>
+              <a:latin typeface="+mn-lt"/>
+              <a:ea typeface="+mn-ea"/>
+              <a:cs typeface="+mn-cs"/>
+            </a:endParaRPr>
+          </a:p>
           <a:p>
             <a:endParaRPr lang="en-US" dirty="0"/>
           </a:p>
@@ -4896,7 +6709,7 @@
           <a:bodyPr/>
           <a:lstStyle/>
           <a:p>
-            <a:fld id="{EC6EAC7D-5A89-47C2-8ABA-56C9C2DEF7A4}" type="slidenum">
+            <a:fld id="{75693FD4-8F83-4EF7-AC3F-0DC0388986B0}" type="slidenum">
               <a:rPr lang="en-US" smtClean="0"/>
               <a:pPr/>
               <a:t>10</a:t>
@@ -4906,11 +6719,6 @@
         </p:txBody>
       </p:sp>
     </p:spTree>
-    <p:extLst>
-      <p:ext uri="{BB962C8B-B14F-4D97-AF65-F5344CB8AC3E}">
-        <p14:creationId xmlns:p14="http://schemas.microsoft.com/office/powerpoint/2010/main" val="1966868821"/>
-      </p:ext>
-    </p:extLst>
   </p:cSld>
   <p:clrMapOvr>
     <a:masterClrMapping/>
@@ -5502,7 +7310,7 @@
             <a:fld id="{757B281C-5159-4971-8228-52B9A72E9ED2}" type="datetimeFigureOut">
               <a:rPr lang="en-US" smtClean="0"/>
               <a:pPr/>
-              <a:t>1/20/2017</a:t>
+              <a:t>3/9/2016</a:t>
             </a:fld>
             <a:endParaRPr lang="en-US" dirty="0"/>
           </a:p>
@@ -5627,7 +7435,7 @@
             <a:fld id="{757B281C-5159-4971-8228-52B9A72E9ED2}" type="datetimeFigureOut">
               <a:rPr lang="en-US" smtClean="0"/>
               <a:pPr/>
-              <a:t>1/20/2017</a:t>
+              <a:t>3/9/2016</a:t>
             </a:fld>
             <a:endParaRPr lang="en-US" dirty="0"/>
           </a:p>
@@ -5729,7 +7537,7 @@
             <a:fld id="{757B281C-5159-4971-8228-52B9A72E9ED2}" type="datetimeFigureOut">
               <a:rPr lang="en-US" smtClean="0"/>
               <a:pPr/>
-              <a:t>1/20/2017</a:t>
+              <a:t>3/9/2016</a:t>
             </a:fld>
             <a:endParaRPr lang="en-US" dirty="0"/>
           </a:p>
@@ -5865,7 +7673,7 @@
             <a:fld id="{757B281C-5159-4971-8228-52B9A72E9ED2}" type="datetimeFigureOut">
               <a:rPr lang="en-US" smtClean="0"/>
               <a:pPr/>
-              <a:t>1/20/2017</a:t>
+              <a:t>3/9/2016</a:t>
             </a:fld>
             <a:endParaRPr lang="en-US" dirty="0"/>
           </a:p>
@@ -6071,7 +7879,7 @@
             <a:fld id="{757B281C-5159-4971-8228-52B9A72E9ED2}" type="datetimeFigureOut">
               <a:rPr lang="en-US" smtClean="0"/>
               <a:pPr/>
-              <a:t>1/20/2017</a:t>
+              <a:t>3/9/2016</a:t>
             </a:fld>
             <a:endParaRPr lang="en-US" dirty="0"/>
           </a:p>
@@ -6470,7 +8278,7 @@
             <a:fld id="{757B281C-5159-4971-8228-52B9A72E9ED2}" type="datetimeFigureOut">
               <a:rPr lang="en-US" smtClean="0"/>
               <a:pPr/>
-              <a:t>1/20/2017</a:t>
+              <a:t>3/9/2016</a:t>
             </a:fld>
             <a:endParaRPr lang="en-US" dirty="0"/>
           </a:p>
@@ -6770,7 +8578,7 @@
             <a:fld id="{757B281C-5159-4971-8228-52B9A72E9ED2}" type="datetimeFigureOut">
               <a:rPr lang="en-US" smtClean="0"/>
               <a:pPr/>
-              <a:t>1/20/2017</a:t>
+              <a:t>3/9/2016</a:t>
             </a:fld>
             <a:endParaRPr lang="en-US" dirty="0"/>
           </a:p>
@@ -7199,7 +9007,7 @@
             <a:fld id="{757B281C-5159-4971-8228-52B9A72E9ED2}" type="datetimeFigureOut">
               <a:rPr lang="en-US" smtClean="0"/>
               <a:pPr/>
-              <a:t>1/20/2017</a:t>
+              <a:t>3/9/2016</a:t>
             </a:fld>
             <a:endParaRPr lang="en-US" dirty="0"/>
           </a:p>
@@ -7476,7 +9284,7 @@
             <a:fld id="{757B281C-5159-4971-8228-52B9A72E9ED2}" type="datetimeFigureOut">
               <a:rPr lang="en-US" smtClean="0"/>
               <a:pPr/>
-              <a:t>1/20/2017</a:t>
+              <a:t>3/9/2016</a:t>
             </a:fld>
             <a:endParaRPr lang="en-US" dirty="0"/>
           </a:p>
@@ -7740,7 +9548,7 @@
             <a:fld id="{757B281C-5159-4971-8228-52B9A72E9ED2}" type="datetimeFigureOut">
               <a:rPr lang="en-US" smtClean="0"/>
               <a:pPr/>
-              <a:t>1/20/2017</a:t>
+              <a:t>3/9/2016</a:t>
             </a:fld>
             <a:endParaRPr lang="en-US" dirty="0"/>
           </a:p>
@@ -7910,7 +9718,7 @@
             <a:fld id="{757B281C-5159-4971-8228-52B9A72E9ED2}" type="datetimeFigureOut">
               <a:rPr lang="en-US" smtClean="0"/>
               <a:pPr/>
-              <a:t>1/20/2017</a:t>
+              <a:t>3/9/2016</a:t>
             </a:fld>
             <a:endParaRPr lang="en-US" dirty="0"/>
           </a:p>
@@ -8090,7 +9898,7 @@
             <a:fld id="{757B281C-5159-4971-8228-52B9A72E9ED2}" type="datetimeFigureOut">
               <a:rPr lang="en-US" smtClean="0"/>
               <a:pPr/>
-              <a:t>1/20/2017</a:t>
+              <a:t>3/9/2016</a:t>
             </a:fld>
             <a:endParaRPr lang="en-US" dirty="0"/>
           </a:p>
@@ -8332,7 +10140,7 @@
             <a:fld id="{757B281C-5159-4971-8228-52B9A72E9ED2}" type="datetimeFigureOut">
               <a:rPr lang="en-US" smtClean="0"/>
               <a:pPr/>
-              <a:t>1/20/2017</a:t>
+              <a:t>3/9/2016</a:t>
             </a:fld>
             <a:endParaRPr lang="en-US" dirty="0"/>
           </a:p>
@@ -8810,7 +10618,7 @@
               <a:rPr lang="en-US" sz="2400" dirty="0" smtClean="0">
                 <a:latin typeface="+mn-lt"/>
               </a:rPr>
-              <a:t>July 21, 2016</a:t>
+              <a:t>March 10, 2016</a:t>
             </a:r>
             <a:endParaRPr lang="en-US" sz="2400" dirty="0">
               <a:latin typeface="+mn-lt"/>
@@ -8871,8 +10679,8 @@
         </p:nvSpPr>
         <p:spPr>
           <a:xfrm>
-            <a:off x="841248" y="152400"/>
-            <a:ext cx="5178552" cy="838200"/>
+            <a:off x="838200" y="304800"/>
+            <a:ext cx="4267200" cy="1143000"/>
           </a:xfrm>
         </p:spPr>
         <p:txBody>
@@ -8881,7 +10689,7 @@
           <a:p>
             <a:r>
               <a:rPr lang="en-US" dirty="0" smtClean="0"/>
-              <a:t>Milk Pi Recipe</a:t>
+              <a:t>Devices</a:t>
             </a:r>
             <a:endParaRPr lang="en-US" dirty="0"/>
           </a:p>
@@ -8889,7 +10697,7 @@
       </p:sp>
       <p:pic>
         <p:nvPicPr>
-          <p:cNvPr id="4" name="Picture 3"/>
+          <p:cNvPr id="6" name="Picture 5"/>
           <p:cNvPicPr>
             <a:picLocks noChangeAspect="1"/>
           </p:cNvPicPr>
@@ -8908,24 +10716,349 @@
           </a:stretch>
         </p:blipFill>
         <p:spPr>
-          <a:xfrm>
-            <a:off x="2895600" y="1447800"/>
-            <a:ext cx="3643713" cy="4577816"/>
+          <a:xfrm rot="1795855">
+            <a:off x="6110620" y="454691"/>
+            <a:ext cx="2927488" cy="2052386"/>
           </a:xfrm>
           <a:prstGeom prst="rect">
             <a:avLst/>
           </a:prstGeom>
         </p:spPr>
       </p:pic>
+      <p:pic>
+        <p:nvPicPr>
+          <p:cNvPr id="9" name="Picture 8"/>
+          <p:cNvPicPr>
+            <a:picLocks noChangeAspect="1"/>
+          </p:cNvPicPr>
+          <p:nvPr/>
+        </p:nvPicPr>
+        <p:blipFill>
+          <a:blip r:embed="rId6" cstate="email">
+            <a:extLst>
+              <a:ext uri="{28A0092B-C50C-407E-A947-70E740481C1C}">
+                <a14:useLocalDpi xmlns:a14="http://schemas.microsoft.com/office/drawing/2010/main" val="0"/>
+              </a:ext>
+            </a:extLst>
+          </a:blip>
+          <a:stretch>
+            <a:fillRect/>
+          </a:stretch>
+        </p:blipFill>
+        <p:spPr>
+          <a:xfrm rot="20189360">
+            <a:off x="96187" y="1468958"/>
+            <a:ext cx="3520924" cy="1149448"/>
+          </a:xfrm>
+          <a:prstGeom prst="rect">
+            <a:avLst/>
+          </a:prstGeom>
+        </p:spPr>
+      </p:pic>
+      <p:pic>
+        <p:nvPicPr>
+          <p:cNvPr id="10" name="Picture 9"/>
+          <p:cNvPicPr>
+            <a:picLocks noChangeAspect="1"/>
+          </p:cNvPicPr>
+          <p:nvPr/>
+        </p:nvPicPr>
+        <p:blipFill>
+          <a:blip r:embed="rId7" cstate="email">
+            <a:extLst>
+              <a:ext uri="{28A0092B-C50C-407E-A947-70E740481C1C}">
+                <a14:useLocalDpi xmlns:a14="http://schemas.microsoft.com/office/drawing/2010/main" val="0"/>
+              </a:ext>
+            </a:extLst>
+          </a:blip>
+          <a:stretch>
+            <a:fillRect/>
+          </a:stretch>
+        </p:blipFill>
+        <p:spPr>
+          <a:xfrm>
+            <a:off x="6712129" y="3645847"/>
+            <a:ext cx="2273713" cy="1830785"/>
+          </a:xfrm>
+          <a:prstGeom prst="rect">
+            <a:avLst/>
+          </a:prstGeom>
+        </p:spPr>
+      </p:pic>
+      <p:pic>
+        <p:nvPicPr>
+          <p:cNvPr id="11" name="Picture 10"/>
+          <p:cNvPicPr>
+            <a:picLocks noChangeAspect="1"/>
+          </p:cNvPicPr>
+          <p:nvPr/>
+        </p:nvPicPr>
+        <p:blipFill>
+          <a:blip r:embed="rId8" cstate="email">
+            <a:extLst>
+              <a:ext uri="{28A0092B-C50C-407E-A947-70E740481C1C}">
+                <a14:useLocalDpi xmlns:a14="http://schemas.microsoft.com/office/drawing/2010/main" val="0"/>
+              </a:ext>
+            </a:extLst>
+          </a:blip>
+          <a:stretch>
+            <a:fillRect/>
+          </a:stretch>
+        </p:blipFill>
+        <p:spPr>
+          <a:xfrm>
+            <a:off x="3700237" y="1132007"/>
+            <a:ext cx="2243363" cy="2714259"/>
+          </a:xfrm>
+          <a:prstGeom prst="rect">
+            <a:avLst/>
+          </a:prstGeom>
+        </p:spPr>
+      </p:pic>
+      <p:sp>
+        <p:nvSpPr>
+          <p:cNvPr id="12" name="TextBox 11"/>
+          <p:cNvSpPr txBox="1"/>
+          <p:nvPr/>
+        </p:nvSpPr>
+        <p:spPr>
+          <a:xfrm rot="20189360">
+            <a:off x="1050223" y="2679600"/>
+            <a:ext cx="1905000" cy="369332"/>
+          </a:xfrm>
+          <a:prstGeom prst="rect">
+            <a:avLst/>
+          </a:prstGeom>
+          <a:noFill/>
+        </p:spPr>
+        <p:txBody>
+          <a:bodyPr wrap="square" rtlCol="0">
+            <a:spAutoFit/>
+          </a:bodyPr>
+          <a:lstStyle/>
+          <a:p>
+            <a:r>
+              <a:rPr lang="en-US" b="1" dirty="0" smtClean="0"/>
+              <a:t>Smart Bands</a:t>
+            </a:r>
+            <a:endParaRPr lang="en-US" b="1" dirty="0"/>
+          </a:p>
+        </p:txBody>
+      </p:sp>
+      <p:sp>
+        <p:nvSpPr>
+          <p:cNvPr id="13" name="TextBox 12"/>
+          <p:cNvSpPr txBox="1"/>
+          <p:nvPr/>
+        </p:nvSpPr>
+        <p:spPr>
+          <a:xfrm rot="1795855">
+            <a:off x="6360821" y="2513319"/>
+            <a:ext cx="1981200" cy="369332"/>
+          </a:xfrm>
+          <a:prstGeom prst="rect">
+            <a:avLst/>
+          </a:prstGeom>
+          <a:noFill/>
+        </p:spPr>
+        <p:txBody>
+          <a:bodyPr wrap="square" rtlCol="0">
+            <a:spAutoFit/>
+          </a:bodyPr>
+          <a:lstStyle/>
+          <a:p>
+            <a:r>
+              <a:rPr lang="en-US" b="1" dirty="0" smtClean="0"/>
+              <a:t>Belkin WeMo</a:t>
+            </a:r>
+            <a:endParaRPr lang="en-US" b="1" dirty="0"/>
+          </a:p>
+        </p:txBody>
+      </p:sp>
+      <p:sp>
+        <p:nvSpPr>
+          <p:cNvPr id="14" name="TextBox 13"/>
+          <p:cNvSpPr txBox="1"/>
+          <p:nvPr/>
+        </p:nvSpPr>
+        <p:spPr>
+          <a:xfrm>
+            <a:off x="3940514" y="3923211"/>
+            <a:ext cx="1545886" cy="369332"/>
+          </a:xfrm>
+          <a:prstGeom prst="rect">
+            <a:avLst/>
+          </a:prstGeom>
+          <a:noFill/>
+        </p:spPr>
+        <p:txBody>
+          <a:bodyPr wrap="square" rtlCol="0">
+            <a:spAutoFit/>
+          </a:bodyPr>
+          <a:lstStyle/>
+          <a:p>
+            <a:r>
+              <a:rPr lang="en-US" b="1" dirty="0" smtClean="0"/>
+              <a:t>Sense Mother</a:t>
+            </a:r>
+            <a:endParaRPr lang="en-US" b="1" dirty="0"/>
+          </a:p>
+        </p:txBody>
+      </p:sp>
+      <p:sp>
+        <p:nvSpPr>
+          <p:cNvPr id="15" name="TextBox 14"/>
+          <p:cNvSpPr txBox="1"/>
+          <p:nvPr/>
+        </p:nvSpPr>
+        <p:spPr>
+          <a:xfrm>
+            <a:off x="641352" y="3923211"/>
+            <a:ext cx="2144773" cy="369332"/>
+          </a:xfrm>
+          <a:prstGeom prst="rect">
+            <a:avLst/>
+          </a:prstGeom>
+          <a:noFill/>
+        </p:spPr>
+        <p:txBody>
+          <a:bodyPr wrap="square" rtlCol="0">
+            <a:spAutoFit/>
+          </a:bodyPr>
+          <a:lstStyle/>
+          <a:p>
+            <a:r>
+              <a:rPr lang="en-US" b="1" dirty="0" err="1" smtClean="0"/>
+              <a:t>Ivee</a:t>
+            </a:r>
+            <a:endParaRPr lang="en-US" b="1" dirty="0"/>
+          </a:p>
+        </p:txBody>
+      </p:sp>
+      <p:sp>
+        <p:nvSpPr>
+          <p:cNvPr id="16" name="TextBox 15"/>
+          <p:cNvSpPr txBox="1"/>
+          <p:nvPr/>
+        </p:nvSpPr>
+        <p:spPr>
+          <a:xfrm>
+            <a:off x="6928442" y="3167621"/>
+            <a:ext cx="2057400" cy="369332"/>
+          </a:xfrm>
+          <a:prstGeom prst="rect">
+            <a:avLst/>
+          </a:prstGeom>
+          <a:noFill/>
+        </p:spPr>
+        <p:txBody>
+          <a:bodyPr wrap="square" rtlCol="0">
+            <a:spAutoFit/>
+          </a:bodyPr>
+          <a:lstStyle/>
+          <a:p>
+            <a:r>
+              <a:rPr lang="en-US" b="1" dirty="0" smtClean="0"/>
+              <a:t>Lapa</a:t>
+            </a:r>
+            <a:endParaRPr lang="en-US" b="1" dirty="0"/>
+          </a:p>
+        </p:txBody>
+      </p:sp>
+      <p:pic>
+        <p:nvPicPr>
+          <p:cNvPr id="17" name="Picture 16"/>
+          <p:cNvPicPr>
+            <a:picLocks noChangeAspect="1"/>
+          </p:cNvPicPr>
+          <p:nvPr/>
+        </p:nvPicPr>
+        <p:blipFill>
+          <a:blip r:embed="rId9" cstate="email">
+            <a:extLst>
+              <a:ext uri="{28A0092B-C50C-407E-A947-70E740481C1C}">
+                <a14:useLocalDpi xmlns:a14="http://schemas.microsoft.com/office/drawing/2010/main" val="0"/>
+              </a:ext>
+            </a:extLst>
+          </a:blip>
+          <a:stretch>
+            <a:fillRect/>
+          </a:stretch>
+        </p:blipFill>
+        <p:spPr>
+          <a:xfrm>
+            <a:off x="604341" y="4352795"/>
+            <a:ext cx="2142075" cy="2247674"/>
+          </a:xfrm>
+          <a:prstGeom prst="rect">
+            <a:avLst/>
+          </a:prstGeom>
+        </p:spPr>
+      </p:pic>
+      <p:pic>
+        <p:nvPicPr>
+          <p:cNvPr id="18" name="Picture 17"/>
+          <p:cNvPicPr>
+            <a:picLocks noChangeAspect="1"/>
+          </p:cNvPicPr>
+          <p:nvPr/>
+        </p:nvPicPr>
+        <p:blipFill>
+          <a:blip r:embed="rId10" cstate="email">
+            <a:extLst>
+              <a:ext uri="{28A0092B-C50C-407E-A947-70E740481C1C}">
+                <a14:useLocalDpi xmlns:a14="http://schemas.microsoft.com/office/drawing/2010/main" val="0"/>
+              </a:ext>
+            </a:extLst>
+          </a:blip>
+          <a:stretch>
+            <a:fillRect/>
+          </a:stretch>
+        </p:blipFill>
+        <p:spPr>
+          <a:xfrm>
+            <a:off x="3189457" y="5183029"/>
+            <a:ext cx="3048000" cy="1659731"/>
+          </a:xfrm>
+          <a:prstGeom prst="rect">
+            <a:avLst/>
+          </a:prstGeom>
+        </p:spPr>
+      </p:pic>
+      <p:sp>
+        <p:nvSpPr>
+          <p:cNvPr id="19" name="TextBox 18"/>
+          <p:cNvSpPr txBox="1"/>
+          <p:nvPr/>
+        </p:nvSpPr>
+        <p:spPr>
+          <a:xfrm>
+            <a:off x="3505200" y="4876800"/>
+            <a:ext cx="2133600" cy="369332"/>
+          </a:xfrm>
+          <a:prstGeom prst="rect">
+            <a:avLst/>
+          </a:prstGeom>
+          <a:noFill/>
+        </p:spPr>
+        <p:txBody>
+          <a:bodyPr wrap="square" rtlCol="0">
+            <a:spAutoFit/>
+          </a:bodyPr>
+          <a:lstStyle/>
+          <a:p>
+            <a:r>
+              <a:rPr lang="en-US" b="1" dirty="0" smtClean="0"/>
+              <a:t>Google Glass</a:t>
+            </a:r>
+            <a:endParaRPr lang="en-US" b="1" dirty="0"/>
+          </a:p>
+        </p:txBody>
+      </p:sp>
     </p:spTree>
     <p:custDataLst>
       <p:tags r:id="rId1"/>
     </p:custDataLst>
-    <p:extLst>
-      <p:ext uri="{BB962C8B-B14F-4D97-AF65-F5344CB8AC3E}">
-        <p14:creationId xmlns:p14="http://schemas.microsoft.com/office/powerpoint/2010/main" val="3251382907"/>
-      </p:ext>
-    </p:extLst>
   </p:cSld>
   <p:clrMapOvr>
     <a:masterClrMapping/>
@@ -8968,24 +11101,16 @@
           </p:cNvSpPr>
           <p:nvPr>
             <p:ph type="title"/>
-            <p:custDataLst>
-              <p:tags r:id="rId2"/>
-            </p:custDataLst>
           </p:nvPr>
         </p:nvSpPr>
-        <p:spPr>
-          <a:xfrm>
-            <a:off x="841248" y="152400"/>
-            <a:ext cx="5178552" cy="838200"/>
-          </a:xfrm>
-        </p:spPr>
+        <p:spPr/>
         <p:txBody>
           <a:bodyPr/>
           <a:lstStyle/>
           <a:p>
             <a:r>
               <a:rPr lang="en-US" dirty="0" smtClean="0"/>
-              <a:t>Checklist</a:t>
+              <a:t>Concerns</a:t>
             </a:r>
             <a:endParaRPr lang="en-US" dirty="0"/>
           </a:p>
@@ -8993,129 +11118,57 @@
       </p:sp>
       <p:sp>
         <p:nvSpPr>
-          <p:cNvPr id="8" name="TextBox 7"/>
-          <p:cNvSpPr txBox="1"/>
-          <p:nvPr/>
+          <p:cNvPr id="3" name="Content Placeholder 2"/>
+          <p:cNvSpPr>
+            <a:spLocks noGrp="1"/>
+          </p:cNvSpPr>
+          <p:nvPr>
+            <p:ph idx="1"/>
+          </p:nvPr>
         </p:nvSpPr>
-        <p:spPr>
-          <a:xfrm>
-            <a:off x="609600" y="990600"/>
-            <a:ext cx="4724400" cy="1754326"/>
-          </a:xfrm>
-          <a:prstGeom prst="rect">
-            <a:avLst/>
-          </a:prstGeom>
-          <a:noFill/>
-        </p:spPr>
+        <p:spPr/>
         <p:txBody>
-          <a:bodyPr wrap="square" rtlCol="0">
-            <a:spAutoFit/>
-          </a:bodyPr>
+          <a:bodyPr/>
           <a:lstStyle/>
           <a:p>
-            <a:pPr marL="285750" indent="-285750">
-              <a:buFont typeface="Arial" panose="020B0604020202020204" pitchFamily="34" charset="0"/>
-              <a:buChar char="•"/>
-            </a:pPr>
-            <a:r>
-              <a:rPr lang="en-GB" dirty="0" smtClean="0"/>
-              <a:t>Pi and Micro </a:t>
-            </a:r>
-            <a:r>
-              <a:rPr lang="en-GB" dirty="0"/>
-              <a:t>SD Card</a:t>
-            </a:r>
-          </a:p>
-          <a:p>
-            <a:pPr marL="285750" indent="-285750">
-              <a:buFont typeface="Arial" panose="020B0604020202020204" pitchFamily="34" charset="0"/>
-              <a:buChar char="•"/>
-            </a:pPr>
-            <a:r>
-              <a:rPr lang="en-GB" dirty="0" smtClean="0"/>
-              <a:t>A digital weighing scale with USB support </a:t>
-            </a:r>
-            <a:r>
-              <a:rPr lang="en-GB" dirty="0"/>
-              <a:t>(The </a:t>
-            </a:r>
-            <a:r>
-              <a:rPr lang="en-GB" dirty="0" err="1"/>
-              <a:t>Dymo</a:t>
-            </a:r>
-            <a:r>
-              <a:rPr lang="en-GB" dirty="0"/>
-              <a:t> M10 or </a:t>
-            </a:r>
-            <a:r>
-              <a:rPr lang="en-GB" dirty="0" err="1"/>
-              <a:t>Dymo</a:t>
-            </a:r>
-            <a:r>
-              <a:rPr lang="en-GB" dirty="0"/>
-              <a:t> M25 is recommended)</a:t>
-            </a:r>
-          </a:p>
-          <a:p>
-            <a:pPr marL="285750" indent="-285750">
-              <a:buFont typeface="Arial" panose="020B0604020202020204" pitchFamily="34" charset="0"/>
-              <a:buChar char="•"/>
-            </a:pPr>
-            <a:r>
-              <a:rPr lang="en-GB" dirty="0" smtClean="0"/>
-              <a:t>Milk Bottle</a:t>
-            </a:r>
-          </a:p>
-          <a:p>
-            <a:pPr marL="285750" indent="-285750">
-              <a:buFont typeface="Arial" panose="020B0604020202020204" pitchFamily="34" charset="0"/>
-              <a:buChar char="•"/>
-            </a:pPr>
-            <a:r>
-              <a:rPr lang="en-GB" dirty="0" smtClean="0"/>
-              <a:t>Java</a:t>
-            </a:r>
-            <a:endParaRPr lang="en-GB" dirty="0"/>
+            <a:r>
+              <a:rPr lang="en-US" dirty="0" smtClean="0"/>
+              <a:t>Energy</a:t>
+            </a:r>
+          </a:p>
+          <a:p>
+            <a:r>
+              <a:rPr lang="en-US" dirty="0" smtClean="0"/>
+              <a:t>Credibility</a:t>
+            </a:r>
+          </a:p>
+          <a:p>
+            <a:r>
+              <a:rPr lang="en-US" dirty="0" smtClean="0"/>
+              <a:t>Consumer privacy</a:t>
+            </a:r>
+          </a:p>
+          <a:p>
+            <a:r>
+              <a:rPr lang="en-US" dirty="0" smtClean="0"/>
+              <a:t>Data Storage</a:t>
+            </a:r>
+          </a:p>
+          <a:p>
+            <a:r>
+              <a:rPr lang="en-US" dirty="0" smtClean="0"/>
+              <a:t>Technology</a:t>
+            </a:r>
+          </a:p>
+          <a:p>
+            <a:endParaRPr lang="en-US" dirty="0"/>
           </a:p>
         </p:txBody>
       </p:sp>
-      <p:pic>
-        <p:nvPicPr>
-          <p:cNvPr id="3" name="Picture 2"/>
-          <p:cNvPicPr>
-            <a:picLocks noChangeAspect="1"/>
-          </p:cNvPicPr>
-          <p:nvPr/>
-        </p:nvPicPr>
-        <p:blipFill>
-          <a:blip r:embed="rId5">
-            <a:extLst>
-              <a:ext uri="{28A0092B-C50C-407E-A947-70E740481C1C}">
-                <a14:useLocalDpi xmlns:a14="http://schemas.microsoft.com/office/drawing/2010/main" val="0"/>
-              </a:ext>
-            </a:extLst>
-          </a:blip>
-          <a:stretch>
-            <a:fillRect/>
-          </a:stretch>
-        </p:blipFill>
-        <p:spPr>
-          <a:xfrm>
-            <a:off x="3505200" y="2514600"/>
-            <a:ext cx="5136096" cy="3633788"/>
-          </a:xfrm>
-          <a:prstGeom prst="rect">
-            <a:avLst/>
-          </a:prstGeom>
-        </p:spPr>
-      </p:pic>
     </p:spTree>
-    <p:custDataLst>
-      <p:tags r:id="rId1"/>
-    </p:custDataLst>
     <p:extLst>
       <p:ext uri="{BB962C8B-B14F-4D97-AF65-F5344CB8AC3E}">
-        <p14:creationId xmlns:p14="http://schemas.microsoft.com/office/powerpoint/2010/main" val="1618410248"/>
+        <p14:creationId xmlns:p14="http://schemas.microsoft.com/office/powerpoint/2010/main" val="2821229507"/>
       </p:ext>
     </p:extLst>
   </p:cSld>
@@ -9152,158 +11205,47 @@
           <a:chExt cx="0" cy="0"/>
         </a:xfrm>
       </p:grpSpPr>
-      <p:sp>
-        <p:nvSpPr>
-          <p:cNvPr id="627728" name="Rectangle 16"/>
-          <p:cNvSpPr>
-            <a:spLocks noGrp="1" noChangeArrowheads="1"/>
-          </p:cNvSpPr>
+      <p:pic>
+        <p:nvPicPr>
+          <p:cNvPr id="4" name="Content Placeholder 3"/>
+          <p:cNvPicPr>
+            <a:picLocks noGrp="1" noChangeAspect="1"/>
+          </p:cNvPicPr>
           <p:nvPr>
-            <p:ph type="title"/>
-            <p:custDataLst>
-              <p:tags r:id="rId2"/>
-            </p:custDataLst>
+            <p:ph idx="1"/>
           </p:nvPr>
-        </p:nvSpPr>
+        </p:nvPicPr>
+        <p:blipFill>
+          <a:blip r:embed="rId2">
+            <a:extLst>
+              <a:ext uri="{28A0092B-C50C-407E-A947-70E740481C1C}">
+                <a14:useLocalDpi xmlns:a14="http://schemas.microsoft.com/office/drawing/2010/main" val="0"/>
+              </a:ext>
+            </a:extLst>
+          </a:blip>
+          <a:stretch>
+            <a:fillRect/>
+          </a:stretch>
+        </p:blipFill>
         <p:spPr>
           <a:xfrm>
-            <a:off x="841248" y="301752"/>
-            <a:ext cx="8077200" cy="1143000"/>
+            <a:off x="-76200" y="0"/>
+            <a:ext cx="9220200" cy="6869654"/>
           </a:xfrm>
         </p:spPr>
-        <p:txBody>
-          <a:bodyPr/>
-          <a:lstStyle/>
-          <a:p>
-            <a:pPr>
-              <a:defRPr/>
-            </a:pPr>
-            <a:r>
-              <a:rPr lang="en-US" dirty="0" smtClean="0"/>
-              <a:t>USB Scale</a:t>
-            </a:r>
-          </a:p>
-        </p:txBody>
-      </p:sp>
-      <p:sp>
-        <p:nvSpPr>
-          <p:cNvPr id="5" name="TextBox 4"/>
-          <p:cNvSpPr txBox="1"/>
-          <p:nvPr/>
-        </p:nvSpPr>
-        <p:spPr>
-          <a:xfrm>
-            <a:off x="990600" y="1524000"/>
-            <a:ext cx="7696200" cy="3416320"/>
-          </a:xfrm>
-          <a:prstGeom prst="rect">
-            <a:avLst/>
-          </a:prstGeom>
-          <a:noFill/>
-        </p:spPr>
-        <p:txBody>
-          <a:bodyPr wrap="square" rtlCol="0">
-            <a:spAutoFit/>
-          </a:bodyPr>
-          <a:lstStyle/>
-          <a:p>
-            <a:r>
-              <a:rPr lang="en-GB" dirty="0"/>
-              <a:t>For communication with our USB scale, we are going to use the usb4java Java library. This is an open-source, JSR 80–compliant implementation of the standard </a:t>
-            </a:r>
-            <a:r>
-              <a:rPr lang="en-GB" dirty="0" err="1"/>
-              <a:t>javax.usb</a:t>
-            </a:r>
-            <a:r>
-              <a:rPr lang="en-GB" dirty="0"/>
-              <a:t> specification that has support for ARM Linux </a:t>
-            </a:r>
-            <a:r>
-              <a:rPr lang="en-GB" dirty="0" smtClean="0"/>
-              <a:t>distributions. </a:t>
-            </a:r>
-            <a:r>
-              <a:rPr lang="en-GB" dirty="0"/>
-              <a:t>You can download the latest version of usb4java from the project website: http://usb4java.org/.</a:t>
-            </a:r>
-          </a:p>
-          <a:p>
-            <a:endParaRPr lang="en-GB" dirty="0"/>
-          </a:p>
-          <a:p>
-            <a:r>
-              <a:rPr lang="en-GB" dirty="0" smtClean="0"/>
-              <a:t>You </a:t>
-            </a:r>
-            <a:r>
-              <a:rPr lang="en-GB" dirty="0"/>
-              <a:t>will need to grab the following JAR files:</a:t>
-            </a:r>
-          </a:p>
-          <a:p>
-            <a:pPr marL="285750" indent="-285750">
-              <a:buFont typeface="Arial" panose="020B0604020202020204" pitchFamily="34" charset="0"/>
-              <a:buChar char="•"/>
-            </a:pPr>
-            <a:r>
-              <a:rPr lang="en-GB" dirty="0" smtClean="0"/>
-              <a:t>usb4java-1.2.0.jar</a:t>
-            </a:r>
-          </a:p>
-          <a:p>
-            <a:pPr marL="285750" indent="-285750">
-              <a:buFont typeface="Arial" panose="020B0604020202020204" pitchFamily="34" charset="0"/>
-              <a:buChar char="•"/>
-            </a:pPr>
-            <a:r>
-              <a:rPr lang="en-GB" dirty="0" smtClean="0"/>
-              <a:t>usb4java-1.2.0-linux-arm.jar</a:t>
-            </a:r>
-          </a:p>
-          <a:p>
-            <a:pPr marL="285750" indent="-285750">
-              <a:buFont typeface="Arial" panose="020B0604020202020204" pitchFamily="34" charset="0"/>
-              <a:buChar char="•"/>
-            </a:pPr>
-            <a:r>
-              <a:rPr lang="en-GB" dirty="0" smtClean="0"/>
-              <a:t>commons-lang3-3.2.1.jar</a:t>
-            </a:r>
-          </a:p>
-          <a:p>
-            <a:pPr marL="285750" indent="-285750">
-              <a:buFont typeface="Arial" panose="020B0604020202020204" pitchFamily="34" charset="0"/>
-              <a:buChar char="•"/>
-            </a:pPr>
-            <a:r>
-              <a:rPr lang="en-GB" dirty="0" smtClean="0"/>
-              <a:t>usb-api-1.0.2.jar</a:t>
-            </a:r>
-          </a:p>
-          <a:p>
-            <a:pPr marL="285750" indent="-285750">
-              <a:buFont typeface="Arial" panose="020B0604020202020204" pitchFamily="34" charset="0"/>
-              <a:buChar char="•"/>
-            </a:pPr>
-            <a:r>
-              <a:rPr lang="en-GB" dirty="0" smtClean="0"/>
-              <a:t>usb4java-javax-1.2.0.jar</a:t>
-            </a:r>
-            <a:endParaRPr lang="en-GB" dirty="0"/>
-          </a:p>
-        </p:txBody>
-      </p:sp>
+      </p:pic>
     </p:spTree>
-    <p:custDataLst>
-      <p:tags r:id="rId1"/>
-    </p:custDataLst>
+    <p:extLst>
+      <p:ext uri="{BB962C8B-B14F-4D97-AF65-F5344CB8AC3E}">
+        <p14:creationId xmlns:p14="http://schemas.microsoft.com/office/powerpoint/2010/main" val="899909813"/>
+      </p:ext>
+    </p:extLst>
   </p:cSld>
   <p:clrMapOvr>
     <a:masterClrMapping/>
   </p:clrMapOvr>
-  <p:transition>
-    <p:fade/>
+  <p:transition spd="slow">
+    <p:wipe dir="d"/>
   </p:transition>
   <p:timing>
     <p:tnLst>
@@ -9334,81 +11276,231 @@
       </p:grpSpPr>
       <p:sp>
         <p:nvSpPr>
-          <p:cNvPr id="629762" name="Rectangle 2"/>
+          <p:cNvPr id="2" name="Title 1"/>
           <p:cNvSpPr>
-            <a:spLocks noGrp="1" noChangeArrowheads="1"/>
+            <a:spLocks noGrp="1"/>
           </p:cNvSpPr>
           <p:nvPr>
             <p:ph type="title"/>
-            <p:custDataLst>
-              <p:tags r:id="rId2"/>
-            </p:custDataLst>
           </p:nvPr>
         </p:nvSpPr>
-        <p:spPr>
-          <a:xfrm>
-            <a:off x="841249" y="304800"/>
-            <a:ext cx="7921752" cy="1143000"/>
-          </a:xfrm>
-        </p:spPr>
+        <p:spPr/>
         <p:txBody>
           <a:bodyPr/>
           <a:lstStyle/>
           <a:p>
-            <a:pPr>
-              <a:defRPr/>
-            </a:pPr>
             <a:r>
               <a:rPr lang="en-US" dirty="0" smtClean="0"/>
-              <a:t>USB Codes</a:t>
-            </a:r>
+              <a:t>Technology</a:t>
+            </a:r>
+            <a:endParaRPr lang="en-US" dirty="0"/>
           </a:p>
         </p:txBody>
       </p:sp>
-      <p:pic>
-        <p:nvPicPr>
-          <p:cNvPr id="5" name="Content Placeholder 4"/>
-          <p:cNvPicPr>
-            <a:picLocks noGrp="1" noChangeAspect="1"/>
-          </p:cNvPicPr>
+      <p:sp>
+        <p:nvSpPr>
+          <p:cNvPr id="3" name="Content Placeholder 2"/>
+          <p:cNvSpPr>
+            <a:spLocks noGrp="1"/>
+          </p:cNvSpPr>
           <p:nvPr>
-            <p:ph sz="half" idx="1"/>
+            <p:ph idx="1"/>
           </p:nvPr>
-        </p:nvPicPr>
-        <p:blipFill>
-          <a:blip r:embed="rId5">
-            <a:extLst>
-              <a:ext uri="{28A0092B-C50C-407E-A947-70E740481C1C}">
-                <a14:useLocalDpi xmlns:a14="http://schemas.microsoft.com/office/drawing/2010/main" val="0"/>
-              </a:ext>
-            </a:extLst>
-          </a:blip>
-          <a:stretch>
-            <a:fillRect/>
-          </a:stretch>
-        </p:blipFill>
-        <p:spPr>
-          <a:xfrm>
-            <a:off x="762000" y="1676400"/>
-            <a:ext cx="7321550" cy="2833687"/>
-          </a:xfrm>
-        </p:spPr>
-      </p:pic>
+        </p:nvSpPr>
+        <p:spPr/>
+        <p:txBody>
+          <a:bodyPr/>
+          <a:lstStyle/>
+          <a:p>
+            <a:pPr marL="0" indent="0">
+              <a:buNone/>
+            </a:pPr>
+            <a:r>
+              <a:rPr lang="en-US" dirty="0"/>
+              <a:t>Java, C#, C</a:t>
+            </a:r>
+            <a:r>
+              <a:rPr lang="en-US" dirty="0" smtClean="0"/>
+              <a:t>++, C, </a:t>
+            </a:r>
+            <a:r>
+              <a:rPr lang="en-US" dirty="0" err="1" smtClean="0"/>
+              <a:t>Javascript</a:t>
+            </a:r>
+            <a:r>
+              <a:rPr lang="en-US" dirty="0" smtClean="0"/>
+              <a:t>, Python, PHP, Go, iOS, </a:t>
+            </a:r>
+            <a:r>
+              <a:rPr lang="en-US" dirty="0" err="1" smtClean="0"/>
+              <a:t>Adroid</a:t>
+            </a:r>
+            <a:r>
+              <a:rPr lang="en-US" dirty="0" smtClean="0"/>
+              <a:t> etc.</a:t>
+            </a:r>
+            <a:endParaRPr lang="en-US" dirty="0"/>
+          </a:p>
+          <a:p>
+            <a:endParaRPr lang="en-US" dirty="0"/>
+          </a:p>
+        </p:txBody>
+      </p:sp>
     </p:spTree>
-    <p:custDataLst>
-      <p:tags r:id="rId1"/>
-    </p:custDataLst>
+    <p:extLst>
+      <p:ext uri="{BB962C8B-B14F-4D97-AF65-F5344CB8AC3E}">
+        <p14:creationId xmlns:p14="http://schemas.microsoft.com/office/powerpoint/2010/main" val="1923701751"/>
+      </p:ext>
+    </p:extLst>
   </p:cSld>
   <p:clrMapOvr>
     <a:masterClrMapping/>
   </p:clrMapOvr>
-  <p:transition>
-    <p:fade/>
+  <p:transition spd="slow">
+    <p:wipe dir="d"/>
   </p:transition>
   <p:timing>
     <p:tnLst>
       <p:par>
-        <p:cTn id="1" dur="indefinite" restart="never" nodeType="tmRoot"/>
+        <p:cTn id="1" dur="indefinite" restart="never" nodeType="tmRoot">
+          <p:childTnLst>
+            <p:seq concurrent="1" nextAc="seek">
+              <p:cTn id="2" dur="indefinite" nodeType="mainSeq">
+                <p:childTnLst>
+                  <p:par>
+                    <p:cTn id="3" fill="hold">
+                      <p:stCondLst>
+                        <p:cond delay="indefinite"/>
+                      </p:stCondLst>
+                      <p:childTnLst>
+                        <p:par>
+                          <p:cTn id="4" fill="hold">
+                            <p:stCondLst>
+                              <p:cond delay="0"/>
+                            </p:stCondLst>
+                            <p:childTnLst>
+                              <p:par>
+                                <p:cTn id="5" presetID="42" presetClass="entr" presetSubtype="0" fill="hold" nodeType="clickEffect">
+                                  <p:stCondLst>
+                                    <p:cond delay="0"/>
+                                  </p:stCondLst>
+                                  <p:childTnLst>
+                                    <p:set>
+                                      <p:cBhvr>
+                                        <p:cTn id="6" dur="1" fill="hold">
+                                          <p:stCondLst>
+                                            <p:cond delay="0"/>
+                                          </p:stCondLst>
+                                        </p:cTn>
+                                        <p:tgtEl>
+                                          <p:spTgt spid="3">
+                                            <p:txEl>
+                                              <p:pRg st="0" end="0"/>
+                                            </p:txEl>
+                                          </p:spTgt>
+                                        </p:tgtEl>
+                                        <p:attrNameLst>
+                                          <p:attrName>style.visibility</p:attrName>
+                                        </p:attrNameLst>
+                                      </p:cBhvr>
+                                      <p:to>
+                                        <p:strVal val="visible"/>
+                                      </p:to>
+                                    </p:set>
+                                    <p:animEffect transition="in" filter="fade">
+                                      <p:cBhvr>
+                                        <p:cTn id="7" dur="1000"/>
+                                        <p:tgtEl>
+                                          <p:spTgt spid="3">
+                                            <p:txEl>
+                                              <p:pRg st="0" end="0"/>
+                                            </p:txEl>
+                                          </p:spTgt>
+                                        </p:tgtEl>
+                                      </p:cBhvr>
+                                    </p:animEffect>
+                                    <p:anim calcmode="lin" valueType="num">
+                                      <p:cBhvr>
+                                        <p:cTn id="8" dur="1000" fill="hold"/>
+                                        <p:tgtEl>
+                                          <p:spTgt spid="3">
+                                            <p:txEl>
+                                              <p:pRg st="0" end="0"/>
+                                            </p:txEl>
+                                          </p:spTgt>
+                                        </p:tgtEl>
+                                        <p:attrNameLst>
+                                          <p:attrName>ppt_x</p:attrName>
+                                        </p:attrNameLst>
+                                      </p:cBhvr>
+                                      <p:tavLst>
+                                        <p:tav tm="0">
+                                          <p:val>
+                                            <p:strVal val="#ppt_x"/>
+                                          </p:val>
+                                        </p:tav>
+                                        <p:tav tm="100000">
+                                          <p:val>
+                                            <p:strVal val="#ppt_x"/>
+                                          </p:val>
+                                        </p:tav>
+                                      </p:tavLst>
+                                    </p:anim>
+                                    <p:anim calcmode="lin" valueType="num">
+                                      <p:cBhvr>
+                                        <p:cTn id="9" dur="1000" fill="hold"/>
+                                        <p:tgtEl>
+                                          <p:spTgt spid="3">
+                                            <p:txEl>
+                                              <p:pRg st="0" end="0"/>
+                                            </p:txEl>
+                                          </p:spTgt>
+                                        </p:tgtEl>
+                                        <p:attrNameLst>
+                                          <p:attrName>ppt_y</p:attrName>
+                                        </p:attrNameLst>
+                                      </p:cBhvr>
+                                      <p:tavLst>
+                                        <p:tav tm="0">
+                                          <p:val>
+                                            <p:strVal val="#ppt_y+.1"/>
+                                          </p:val>
+                                        </p:tav>
+                                        <p:tav tm="100000">
+                                          <p:val>
+                                            <p:strVal val="#ppt_y"/>
+                                          </p:val>
+                                        </p:tav>
+                                      </p:tavLst>
+                                    </p:anim>
+                                  </p:childTnLst>
+                                </p:cTn>
+                              </p:par>
+                            </p:childTnLst>
+                          </p:cTn>
+                        </p:par>
+                      </p:childTnLst>
+                    </p:cTn>
+                  </p:par>
+                </p:childTnLst>
+              </p:cTn>
+              <p:prevCondLst>
+                <p:cond evt="onPrev" delay="0">
+                  <p:tgtEl>
+                    <p:sldTgt/>
+                  </p:tgtEl>
+                </p:cond>
+              </p:prevCondLst>
+              <p:nextCondLst>
+                <p:cond evt="onNext" delay="0">
+                  <p:tgtEl>
+                    <p:sldTgt/>
+                  </p:tgtEl>
+                </p:cond>
+              </p:nextCondLst>
+            </p:seq>
+          </p:childTnLst>
+        </p:cTn>
       </p:par>
     </p:tnLst>
   </p:timing>
@@ -9434,15 +11526,12 @@
       </p:grpSpPr>
       <p:sp>
         <p:nvSpPr>
-          <p:cNvPr id="618498" name="Rectangle 2"/>
+          <p:cNvPr id="2" name="Title 1"/>
           <p:cNvSpPr>
-            <a:spLocks noGrp="1" noChangeArrowheads="1"/>
+            <a:spLocks noGrp="1"/>
           </p:cNvSpPr>
           <p:nvPr>
             <p:ph type="title"/>
-            <p:custDataLst>
-              <p:tags r:id="rId2"/>
-            </p:custDataLst>
           </p:nvPr>
         </p:nvSpPr>
         <p:spPr/>
@@ -9450,142 +11539,85 @@
           <a:bodyPr/>
           <a:lstStyle/>
           <a:p>
-            <a:pPr>
-              <a:defRPr/>
-            </a:pPr>
             <a:r>
               <a:rPr lang="en-US" dirty="0" smtClean="0"/>
-              <a:t>References</a:t>
-            </a:r>
+              <a:t>Platforms</a:t>
+            </a:r>
+            <a:endParaRPr lang="en-US" dirty="0"/>
           </a:p>
         </p:txBody>
       </p:sp>
       <p:sp>
         <p:nvSpPr>
-          <p:cNvPr id="618499" name="Rectangle 3"/>
+          <p:cNvPr id="3" name="Content Placeholder 2"/>
           <p:cNvSpPr>
-            <a:spLocks noGrp="1" noChangeArrowheads="1"/>
+            <a:spLocks noGrp="1"/>
           </p:cNvSpPr>
           <p:nvPr>
-            <p:ph type="body" idx="1"/>
-            <p:custDataLst>
-              <p:tags r:id="rId3"/>
-            </p:custDataLst>
+            <p:ph idx="1"/>
           </p:nvPr>
         </p:nvSpPr>
         <p:spPr/>
         <p:txBody>
-          <a:bodyPr>
-            <a:normAutofit/>
-          </a:bodyPr>
+          <a:bodyPr/>
           <a:lstStyle/>
           <a:p>
-            <a:pPr>
-              <a:defRPr/>
-            </a:pPr>
-            <a:r>
-              <a:rPr lang="en-GB" dirty="0"/>
-              <a:t>Raspberry Pi with Java: Programming the Internet of Things (</a:t>
-            </a:r>
-            <a:r>
-              <a:rPr lang="en-GB" dirty="0" err="1"/>
-              <a:t>IoT</a:t>
-            </a:r>
-            <a:r>
-              <a:rPr lang="en-GB" dirty="0"/>
-              <a:t>)</a:t>
-            </a:r>
-          </a:p>
-          <a:p>
-            <a:pPr>
-              <a:defRPr/>
-            </a:pPr>
-            <a:r>
-              <a:rPr lang="en-US" u="sng" dirty="0">
-                <a:solidFill>
-                  <a:schemeClr val="tx2"/>
-                </a:solidFill>
-                <a:hlinkClick r:id="rId6"/>
-              </a:rPr>
-              <a:t>https://</a:t>
-            </a:r>
-            <a:r>
-              <a:rPr lang="en-US" u="sng" dirty="0" smtClean="0">
-                <a:solidFill>
-                  <a:schemeClr val="tx2"/>
-                </a:solidFill>
-                <a:hlinkClick r:id="rId6"/>
-              </a:rPr>
-              <a:t>blogs.oracle.com/java/brewing-java-with-the-raspberry-pi</a:t>
-            </a:r>
-            <a:endParaRPr lang="en-US" u="sng" dirty="0" smtClean="0">
-              <a:solidFill>
-                <a:schemeClr val="tx2"/>
-              </a:solidFill>
-            </a:endParaRPr>
-          </a:p>
-          <a:p>
-            <a:pPr>
-              <a:defRPr/>
-            </a:pPr>
+            <a:r>
+              <a:rPr lang="en-US" dirty="0" smtClean="0"/>
+              <a:t>Google </a:t>
+            </a:r>
+            <a:r>
+              <a:rPr lang="en-US" dirty="0" err="1" smtClean="0"/>
+              <a:t>Brillo</a:t>
+            </a:r>
+            <a:endParaRPr lang="en-US" dirty="0" smtClean="0"/>
+          </a:p>
+          <a:p>
+            <a:r>
+              <a:rPr lang="en-US" dirty="0" smtClean="0"/>
+              <a:t>Apple Home Kit</a:t>
+            </a:r>
+          </a:p>
+          <a:p>
+            <a:r>
+              <a:rPr lang="en-US" dirty="0" smtClean="0"/>
+              <a:t>Microsoft Azure</a:t>
+            </a:r>
+          </a:p>
+          <a:p>
+            <a:r>
+              <a:rPr lang="en-US" dirty="0" err="1" smtClean="0"/>
+              <a:t>IoTivity</a:t>
+            </a:r>
+            <a:endParaRPr lang="en-US" dirty="0" smtClean="0"/>
+          </a:p>
+          <a:p>
+            <a:r>
+              <a:rPr lang="en-US" dirty="0" err="1"/>
+              <a:t>AllSeen</a:t>
+            </a:r>
             <a:r>
               <a:rPr lang="en-US" dirty="0"/>
-              <a:t>Code</a:t>
-            </a:r>
-            <a:r>
-              <a:rPr lang="en-US" dirty="0">
-                <a:solidFill>
-                  <a:schemeClr val="tx2"/>
-                </a:solidFill>
-              </a:rPr>
-              <a:t> - </a:t>
-            </a:r>
-            <a:r>
-              <a:rPr lang="en-US" dirty="0">
-                <a:solidFill>
-                  <a:schemeClr val="tx2"/>
-                </a:solidFill>
-                <a:hlinkClick r:id="rId7"/>
-              </a:rPr>
-              <a:t>https://</a:t>
-            </a:r>
-            <a:r>
-              <a:rPr lang="en-US" dirty="0" smtClean="0">
-                <a:solidFill>
-                  <a:schemeClr val="tx2"/>
-                </a:solidFill>
-                <a:hlinkClick r:id="rId7"/>
-              </a:rPr>
-              <a:t>github.com/GaurG/PiSample</a:t>
-            </a:r>
-            <a:endParaRPr lang="en-US" dirty="0" smtClean="0">
-              <a:solidFill>
-                <a:schemeClr val="tx2"/>
-              </a:solidFill>
-            </a:endParaRPr>
-          </a:p>
-          <a:p>
-            <a:pPr>
-              <a:defRPr/>
-            </a:pPr>
-            <a:endParaRPr lang="en-US" dirty="0" smtClean="0">
-              <a:solidFill>
-                <a:schemeClr val="tx2"/>
-              </a:solidFill>
-            </a:endParaRPr>
+              <a:t> Alliance</a:t>
+            </a:r>
+          </a:p>
+          <a:p>
+            <a:endParaRPr lang="en-US" dirty="0"/>
           </a:p>
         </p:txBody>
       </p:sp>
     </p:spTree>
-    <p:custDataLst>
-      <p:tags r:id="rId1"/>
-    </p:custDataLst>
+    <p:extLst>
+      <p:ext uri="{BB962C8B-B14F-4D97-AF65-F5344CB8AC3E}">
+        <p14:creationId xmlns:p14="http://schemas.microsoft.com/office/powerpoint/2010/main" val="381512046"/>
+      </p:ext>
+    </p:extLst>
   </p:cSld>
   <p:clrMapOvr>
     <a:masterClrMapping/>
   </p:clrMapOvr>
-  <p:transition>
-    <p:fade/>
+  <p:transition spd="slow">
+    <p:wipe dir="d"/>
   </p:transition>
   <p:timing>
     <p:tnLst>
@@ -9598,6 +11630,286 @@
 </file>
 
 <file path=ppt/slides/slide15.xml><?xml version="1.0" encoding="utf-8"?>
+<p:sld xmlns:a="http://schemas.openxmlformats.org/drawingml/2006/main" xmlns:r="http://schemas.openxmlformats.org/officeDocument/2006/relationships" xmlns:p="http://schemas.openxmlformats.org/presentationml/2006/main">
+  <p:cSld>
+    <p:spTree>
+      <p:nvGrpSpPr>
+        <p:cNvPr id="1" name=""/>
+        <p:cNvGrpSpPr/>
+        <p:nvPr/>
+      </p:nvGrpSpPr>
+      <p:grpSpPr>
+        <a:xfrm>
+          <a:off x="0" y="0"/>
+          <a:ext cx="0" cy="0"/>
+          <a:chOff x="0" y="0"/>
+          <a:chExt cx="0" cy="0"/>
+        </a:xfrm>
+      </p:grpSpPr>
+      <p:sp>
+        <p:nvSpPr>
+          <p:cNvPr id="2" name="Title 1"/>
+          <p:cNvSpPr>
+            <a:spLocks noGrp="1"/>
+          </p:cNvSpPr>
+          <p:nvPr>
+            <p:ph type="title"/>
+          </p:nvPr>
+        </p:nvSpPr>
+        <p:spPr/>
+        <p:txBody>
+          <a:bodyPr/>
+          <a:lstStyle/>
+          <a:p>
+            <a:r>
+              <a:rPr lang="en-US" dirty="0" smtClean="0"/>
+              <a:t>Getting Started</a:t>
+            </a:r>
+            <a:endParaRPr lang="en-US" dirty="0"/>
+          </a:p>
+        </p:txBody>
+      </p:sp>
+      <p:sp>
+        <p:nvSpPr>
+          <p:cNvPr id="3" name="Content Placeholder 2"/>
+          <p:cNvSpPr>
+            <a:spLocks noGrp="1"/>
+          </p:cNvSpPr>
+          <p:nvPr>
+            <p:ph idx="1"/>
+          </p:nvPr>
+        </p:nvSpPr>
+        <p:spPr/>
+        <p:txBody>
+          <a:bodyPr/>
+          <a:lstStyle/>
+          <a:p>
+            <a:r>
+              <a:rPr lang="en-US" dirty="0">
+                <a:hlinkClick r:id="rId2"/>
+              </a:rPr>
+              <a:t>https://www.hackster.io</a:t>
+            </a:r>
+            <a:r>
+              <a:rPr lang="en-US" dirty="0" smtClean="0">
+                <a:hlinkClick r:id="rId2"/>
+              </a:rPr>
+              <a:t>/</a:t>
+            </a:r>
+            <a:endParaRPr lang="en-US" dirty="0" smtClean="0"/>
+          </a:p>
+          <a:p>
+            <a:r>
+              <a:rPr lang="en-US" dirty="0">
+                <a:hlinkClick r:id="rId3"/>
+              </a:rPr>
+              <a:t>http://hackaday.com</a:t>
+            </a:r>
+            <a:r>
+              <a:rPr lang="en-US" dirty="0" smtClean="0">
+                <a:hlinkClick r:id="rId3"/>
+              </a:rPr>
+              <a:t>/</a:t>
+            </a:r>
+            <a:endParaRPr lang="en-US" dirty="0" smtClean="0"/>
+          </a:p>
+          <a:p>
+            <a:r>
+              <a:rPr lang="en-US" dirty="0">
+                <a:hlinkClick r:id="rId4"/>
+              </a:rPr>
+              <a:t>http://</a:t>
+            </a:r>
+            <a:r>
+              <a:rPr lang="en-US" dirty="0" smtClean="0">
+                <a:hlinkClick r:id="rId4"/>
+              </a:rPr>
+              <a:t>readwrite.com/2014/03/29/10-arduino-projects-microcontroller-electrical-engineering</a:t>
+            </a:r>
+            <a:endParaRPr lang="en-US" dirty="0" smtClean="0"/>
+          </a:p>
+          <a:p>
+            <a:r>
+              <a:rPr lang="en-US" dirty="0">
+                <a:hlinkClick r:id="rId5"/>
+              </a:rPr>
+              <a:t>http://www.instructables.com</a:t>
+            </a:r>
+            <a:r>
+              <a:rPr lang="en-US" dirty="0" smtClean="0">
+                <a:hlinkClick r:id="rId5"/>
+              </a:rPr>
+              <a:t>/</a:t>
+            </a:r>
+            <a:endParaRPr lang="en-US" dirty="0" smtClean="0"/>
+          </a:p>
+          <a:p>
+            <a:endParaRPr lang="en-US" dirty="0"/>
+          </a:p>
+        </p:txBody>
+      </p:sp>
+    </p:spTree>
+    <p:extLst>
+      <p:ext uri="{BB962C8B-B14F-4D97-AF65-F5344CB8AC3E}">
+        <p14:creationId xmlns:p14="http://schemas.microsoft.com/office/powerpoint/2010/main" val="1832956679"/>
+      </p:ext>
+    </p:extLst>
+  </p:cSld>
+  <p:clrMapOvr>
+    <a:masterClrMapping/>
+  </p:clrMapOvr>
+  <p:transition spd="slow">
+    <p:wipe dir="d"/>
+  </p:transition>
+  <p:timing>
+    <p:tnLst>
+      <p:par>
+        <p:cTn id="1" dur="indefinite" restart="never" nodeType="tmRoot"/>
+      </p:par>
+    </p:tnLst>
+  </p:timing>
+</p:sld>
+</file>
+
+<file path=ppt/slides/slide16.xml><?xml version="1.0" encoding="utf-8"?>
+<p:sld xmlns:a="http://schemas.openxmlformats.org/drawingml/2006/main" xmlns:r="http://schemas.openxmlformats.org/officeDocument/2006/relationships" xmlns:p="http://schemas.openxmlformats.org/presentationml/2006/main">
+  <p:cSld>
+    <p:spTree>
+      <p:nvGrpSpPr>
+        <p:cNvPr id="1" name=""/>
+        <p:cNvGrpSpPr/>
+        <p:nvPr/>
+      </p:nvGrpSpPr>
+      <p:grpSpPr>
+        <a:xfrm>
+          <a:off x="0" y="0"/>
+          <a:ext cx="0" cy="0"/>
+          <a:chOff x="0" y="0"/>
+          <a:chExt cx="0" cy="0"/>
+        </a:xfrm>
+      </p:grpSpPr>
+      <p:sp>
+        <p:nvSpPr>
+          <p:cNvPr id="2" name="Title 1"/>
+          <p:cNvSpPr>
+            <a:spLocks noGrp="1"/>
+          </p:cNvSpPr>
+          <p:nvPr>
+            <p:ph type="title"/>
+          </p:nvPr>
+        </p:nvSpPr>
+        <p:spPr/>
+        <p:txBody>
+          <a:bodyPr/>
+          <a:lstStyle/>
+          <a:p>
+            <a:r>
+              <a:rPr lang="en-US" dirty="0" smtClean="0"/>
+              <a:t>Start Up Kits</a:t>
+            </a:r>
+            <a:endParaRPr lang="en-US" dirty="0"/>
+          </a:p>
+        </p:txBody>
+      </p:sp>
+      <p:sp>
+        <p:nvSpPr>
+          <p:cNvPr id="3" name="Content Placeholder 2"/>
+          <p:cNvSpPr>
+            <a:spLocks noGrp="1"/>
+          </p:cNvSpPr>
+          <p:nvPr>
+            <p:ph idx="1"/>
+          </p:nvPr>
+        </p:nvSpPr>
+        <p:spPr/>
+        <p:txBody>
+          <a:bodyPr/>
+          <a:lstStyle/>
+          <a:p>
+            <a:r>
+              <a:rPr lang="en-US" dirty="0" smtClean="0"/>
+              <a:t>Raspberry </a:t>
+            </a:r>
+            <a:r>
+              <a:rPr lang="en-US" dirty="0"/>
+              <a:t>pi starter kit</a:t>
+            </a:r>
+          </a:p>
+          <a:p>
+            <a:r>
+              <a:rPr lang="en-US" dirty="0" smtClean="0"/>
+              <a:t>Arduino </a:t>
+            </a:r>
+            <a:r>
+              <a:rPr lang="en-US" dirty="0"/>
+              <a:t>starter kit</a:t>
+            </a:r>
+          </a:p>
+          <a:p>
+            <a:r>
+              <a:rPr lang="en-US" dirty="0" smtClean="0"/>
+              <a:t>Intel </a:t>
+            </a:r>
+            <a:r>
+              <a:rPr lang="en-US" dirty="0"/>
+              <a:t>Galileo developer </a:t>
+            </a:r>
+            <a:r>
+              <a:rPr lang="en-US" dirty="0" smtClean="0"/>
+              <a:t>kit</a:t>
+            </a:r>
+          </a:p>
+          <a:p>
+            <a:r>
+              <a:rPr lang="en-US" dirty="0"/>
+              <a:t>ARM </a:t>
+            </a:r>
+            <a:r>
+              <a:rPr lang="en-US" dirty="0" err="1"/>
+              <a:t>mbed</a:t>
+            </a:r>
+            <a:r>
+              <a:rPr lang="en-US" dirty="0"/>
+              <a:t> </a:t>
+            </a:r>
+            <a:r>
+              <a:rPr lang="en-US" dirty="0" err="1"/>
+              <a:t>IoT</a:t>
+            </a:r>
+            <a:r>
+              <a:rPr lang="en-US" dirty="0"/>
+              <a:t> Starter Kit</a:t>
+            </a:r>
+          </a:p>
+          <a:p>
+            <a:endParaRPr lang="en-US" dirty="0"/>
+          </a:p>
+        </p:txBody>
+      </p:sp>
+    </p:spTree>
+    <p:extLst>
+      <p:ext uri="{BB962C8B-B14F-4D97-AF65-F5344CB8AC3E}">
+        <p14:creationId xmlns:p14="http://schemas.microsoft.com/office/powerpoint/2010/main" val="2267351929"/>
+      </p:ext>
+    </p:extLst>
+  </p:cSld>
+  <p:clrMapOvr>
+    <a:masterClrMapping/>
+  </p:clrMapOvr>
+  <p:transition spd="slow">
+    <p:wipe dir="d"/>
+  </p:transition>
+  <p:timing>
+    <p:tnLst>
+      <p:par>
+        <p:cTn id="1" dur="indefinite" restart="never" nodeType="tmRoot"/>
+      </p:par>
+    </p:tnLst>
+  </p:timing>
+</p:sld>
+</file>
+
+<file path=ppt/slides/slide17.xml><?xml version="1.0" encoding="utf-8"?>
 <p:sld xmlns:a="http://schemas.openxmlformats.org/drawingml/2006/main" xmlns:r="http://schemas.openxmlformats.org/officeDocument/2006/relationships" xmlns:p="http://schemas.openxmlformats.org/presentationml/2006/main">
   <p:cSld>
     <p:spTree>
@@ -9999,7 +12311,7 @@
           <p:nvPr>
             <p:extLst>
               <p:ext uri="{D42A27DB-BD31-4B8C-83A1-F6EECF244321}">
-                <p14:modId xmlns:p14="http://schemas.microsoft.com/office/powerpoint/2010/main" val="4202370729"/>
+                <p14:modId xmlns:p14="http://schemas.microsoft.com/office/powerpoint/2010/main" val="1713844231"/>
               </p:ext>
             </p:extLst>
           </p:nvPr>
@@ -10452,7 +12764,7 @@
                                         <p:tgtEl>
                                           <p:spTgt spid="3">
                                             <p:graphicEl>
-                                              <a:dgm id="{584C9453-C0F3-4033-8FCB-3EFFFC643335}"/>
+                                              <a:dgm id="{953D79A1-F583-4C99-9EA1-00C886685091}"/>
                                             </p:graphicEl>
                                           </p:spTgt>
                                         </p:tgtEl>
@@ -10470,7 +12782,7 @@
                                         <p:tgtEl>
                                           <p:spTgt spid="3">
                                             <p:graphicEl>
-                                              <a:dgm id="{584C9453-C0F3-4033-8FCB-3EFFFC643335}"/>
+                                              <a:dgm id="{953D79A1-F583-4C99-9EA1-00C886685091}"/>
                                             </p:graphicEl>
                                           </p:spTgt>
                                         </p:tgtEl>
@@ -10513,7 +12825,7 @@
                                         <p:tgtEl>
                                           <p:spTgt spid="3">
                                             <p:graphicEl>
-                                              <a:dgm id="{F8C9DB1A-BC70-4A90-80C0-94B987DE21A6}"/>
+                                              <a:dgm id="{F90B9516-CD69-4131-B576-842C3D01AD54}"/>
                                             </p:graphicEl>
                                           </p:spTgt>
                                         </p:tgtEl>
@@ -10531,7 +12843,373 @@
                                         <p:tgtEl>
                                           <p:spTgt spid="3">
                                             <p:graphicEl>
-                                              <a:dgm id="{F8C9DB1A-BC70-4A90-80C0-94B987DE21A6}"/>
+                                              <a:dgm id="{F90B9516-CD69-4131-B576-842C3D01AD54}"/>
+                                            </p:graphicEl>
+                                          </p:spTgt>
+                                        </p:tgtEl>
+                                      </p:cBhvr>
+                                    </p:animEffect>
+                                  </p:childTnLst>
+                                </p:cTn>
+                              </p:par>
+                            </p:childTnLst>
+                          </p:cTn>
+                        </p:par>
+                      </p:childTnLst>
+                    </p:cTn>
+                  </p:par>
+                  <p:par>
+                    <p:cTn id="43" fill="hold">
+                      <p:stCondLst>
+                        <p:cond delay="indefinite"/>
+                      </p:stCondLst>
+                      <p:childTnLst>
+                        <p:par>
+                          <p:cTn id="44" fill="hold">
+                            <p:stCondLst>
+                              <p:cond delay="0"/>
+                            </p:stCondLst>
+                            <p:childTnLst>
+                              <p:par>
+                                <p:cTn id="45" presetID="22" presetClass="entr" presetSubtype="8" fill="hold" grpId="0" nodeType="clickEffect">
+                                  <p:stCondLst>
+                                    <p:cond delay="0"/>
+                                  </p:stCondLst>
+                                  <p:childTnLst>
+                                    <p:set>
+                                      <p:cBhvr>
+                                        <p:cTn id="46" dur="1" fill="hold">
+                                          <p:stCondLst>
+                                            <p:cond delay="0"/>
+                                          </p:stCondLst>
+                                        </p:cTn>
+                                        <p:tgtEl>
+                                          <p:spTgt spid="3">
+                                            <p:graphicEl>
+                                              <a:dgm id="{F99C5C04-4C89-4FA8-AC74-1C9DCE0EBF16}"/>
+                                            </p:graphicEl>
+                                          </p:spTgt>
+                                        </p:tgtEl>
+                                        <p:attrNameLst>
+                                          <p:attrName>style.visibility</p:attrName>
+                                        </p:attrNameLst>
+                                      </p:cBhvr>
+                                      <p:to>
+                                        <p:strVal val="visible"/>
+                                      </p:to>
+                                    </p:set>
+                                    <p:animEffect transition="in" filter="wipe(left)">
+                                      <p:cBhvr>
+                                        <p:cTn id="47" dur="500"/>
+                                        <p:tgtEl>
+                                          <p:spTgt spid="3">
+                                            <p:graphicEl>
+                                              <a:dgm id="{F99C5C04-4C89-4FA8-AC74-1C9DCE0EBF16}"/>
+                                            </p:graphicEl>
+                                          </p:spTgt>
+                                        </p:tgtEl>
+                                      </p:cBhvr>
+                                    </p:animEffect>
+                                  </p:childTnLst>
+                                </p:cTn>
+                              </p:par>
+                            </p:childTnLst>
+                          </p:cTn>
+                        </p:par>
+                      </p:childTnLst>
+                    </p:cTn>
+                  </p:par>
+                  <p:par>
+                    <p:cTn id="48" fill="hold">
+                      <p:stCondLst>
+                        <p:cond delay="indefinite"/>
+                      </p:stCondLst>
+                      <p:childTnLst>
+                        <p:par>
+                          <p:cTn id="49" fill="hold">
+                            <p:stCondLst>
+                              <p:cond delay="0"/>
+                            </p:stCondLst>
+                            <p:childTnLst>
+                              <p:par>
+                                <p:cTn id="50" presetID="22" presetClass="entr" presetSubtype="8" fill="hold" grpId="0" nodeType="clickEffect">
+                                  <p:stCondLst>
+                                    <p:cond delay="0"/>
+                                  </p:stCondLst>
+                                  <p:childTnLst>
+                                    <p:set>
+                                      <p:cBhvr>
+                                        <p:cTn id="51" dur="1" fill="hold">
+                                          <p:stCondLst>
+                                            <p:cond delay="0"/>
+                                          </p:stCondLst>
+                                        </p:cTn>
+                                        <p:tgtEl>
+                                          <p:spTgt spid="3">
+                                            <p:graphicEl>
+                                              <a:dgm id="{F3A37752-91C4-4857-8DD1-EB50F27F42F0}"/>
+                                            </p:graphicEl>
+                                          </p:spTgt>
+                                        </p:tgtEl>
+                                        <p:attrNameLst>
+                                          <p:attrName>style.visibility</p:attrName>
+                                        </p:attrNameLst>
+                                      </p:cBhvr>
+                                      <p:to>
+                                        <p:strVal val="visible"/>
+                                      </p:to>
+                                    </p:set>
+                                    <p:animEffect transition="in" filter="wipe(left)">
+                                      <p:cBhvr>
+                                        <p:cTn id="52" dur="500"/>
+                                        <p:tgtEl>
+                                          <p:spTgt spid="3">
+                                            <p:graphicEl>
+                                              <a:dgm id="{F3A37752-91C4-4857-8DD1-EB50F27F42F0}"/>
+                                            </p:graphicEl>
+                                          </p:spTgt>
+                                        </p:tgtEl>
+                                      </p:cBhvr>
+                                    </p:animEffect>
+                                  </p:childTnLst>
+                                </p:cTn>
+                              </p:par>
+                            </p:childTnLst>
+                          </p:cTn>
+                        </p:par>
+                      </p:childTnLst>
+                    </p:cTn>
+                  </p:par>
+                  <p:par>
+                    <p:cTn id="53" fill="hold">
+                      <p:stCondLst>
+                        <p:cond delay="indefinite"/>
+                      </p:stCondLst>
+                      <p:childTnLst>
+                        <p:par>
+                          <p:cTn id="54" fill="hold">
+                            <p:stCondLst>
+                              <p:cond delay="0"/>
+                            </p:stCondLst>
+                            <p:childTnLst>
+                              <p:par>
+                                <p:cTn id="55" presetID="22" presetClass="entr" presetSubtype="8" fill="hold" grpId="0" nodeType="clickEffect">
+                                  <p:stCondLst>
+                                    <p:cond delay="0"/>
+                                  </p:stCondLst>
+                                  <p:childTnLst>
+                                    <p:set>
+                                      <p:cBhvr>
+                                        <p:cTn id="56" dur="1" fill="hold">
+                                          <p:stCondLst>
+                                            <p:cond delay="0"/>
+                                          </p:stCondLst>
+                                        </p:cTn>
+                                        <p:tgtEl>
+                                          <p:spTgt spid="3">
+                                            <p:graphicEl>
+                                              <a:dgm id="{2FDD53B2-E7DB-4401-9CCC-37A250D6B3BF}"/>
+                                            </p:graphicEl>
+                                          </p:spTgt>
+                                        </p:tgtEl>
+                                        <p:attrNameLst>
+                                          <p:attrName>style.visibility</p:attrName>
+                                        </p:attrNameLst>
+                                      </p:cBhvr>
+                                      <p:to>
+                                        <p:strVal val="visible"/>
+                                      </p:to>
+                                    </p:set>
+                                    <p:animEffect transition="in" filter="wipe(left)">
+                                      <p:cBhvr>
+                                        <p:cTn id="57" dur="500"/>
+                                        <p:tgtEl>
+                                          <p:spTgt spid="3">
+                                            <p:graphicEl>
+                                              <a:dgm id="{2FDD53B2-E7DB-4401-9CCC-37A250D6B3BF}"/>
+                                            </p:graphicEl>
+                                          </p:spTgt>
+                                        </p:tgtEl>
+                                      </p:cBhvr>
+                                    </p:animEffect>
+                                  </p:childTnLst>
+                                </p:cTn>
+                              </p:par>
+                            </p:childTnLst>
+                          </p:cTn>
+                        </p:par>
+                      </p:childTnLst>
+                    </p:cTn>
+                  </p:par>
+                  <p:par>
+                    <p:cTn id="58" fill="hold">
+                      <p:stCondLst>
+                        <p:cond delay="indefinite"/>
+                      </p:stCondLst>
+                      <p:childTnLst>
+                        <p:par>
+                          <p:cTn id="59" fill="hold">
+                            <p:stCondLst>
+                              <p:cond delay="0"/>
+                            </p:stCondLst>
+                            <p:childTnLst>
+                              <p:par>
+                                <p:cTn id="60" presetID="22" presetClass="entr" presetSubtype="8" fill="hold" grpId="0" nodeType="clickEffect">
+                                  <p:stCondLst>
+                                    <p:cond delay="0"/>
+                                  </p:stCondLst>
+                                  <p:childTnLst>
+                                    <p:set>
+                                      <p:cBhvr>
+                                        <p:cTn id="61" dur="1" fill="hold">
+                                          <p:stCondLst>
+                                            <p:cond delay="0"/>
+                                          </p:stCondLst>
+                                        </p:cTn>
+                                        <p:tgtEl>
+                                          <p:spTgt spid="3">
+                                            <p:graphicEl>
+                                              <a:dgm id="{93708E6B-2455-4F8D-BE62-B7332F0FAB2A}"/>
+                                            </p:graphicEl>
+                                          </p:spTgt>
+                                        </p:tgtEl>
+                                        <p:attrNameLst>
+                                          <p:attrName>style.visibility</p:attrName>
+                                        </p:attrNameLst>
+                                      </p:cBhvr>
+                                      <p:to>
+                                        <p:strVal val="visible"/>
+                                      </p:to>
+                                    </p:set>
+                                    <p:animEffect transition="in" filter="wipe(left)">
+                                      <p:cBhvr>
+                                        <p:cTn id="62" dur="500"/>
+                                        <p:tgtEl>
+                                          <p:spTgt spid="3">
+                                            <p:graphicEl>
+                                              <a:dgm id="{93708E6B-2455-4F8D-BE62-B7332F0FAB2A}"/>
+                                            </p:graphicEl>
+                                          </p:spTgt>
+                                        </p:tgtEl>
+                                      </p:cBhvr>
+                                    </p:animEffect>
+                                  </p:childTnLst>
+                                </p:cTn>
+                              </p:par>
+                            </p:childTnLst>
+                          </p:cTn>
+                        </p:par>
+                      </p:childTnLst>
+                    </p:cTn>
+                  </p:par>
+                  <p:par>
+                    <p:cTn id="63" fill="hold">
+                      <p:stCondLst>
+                        <p:cond delay="indefinite"/>
+                      </p:stCondLst>
+                      <p:childTnLst>
+                        <p:par>
+                          <p:cTn id="64" fill="hold">
+                            <p:stCondLst>
+                              <p:cond delay="0"/>
+                            </p:stCondLst>
+                            <p:childTnLst>
+                              <p:par>
+                                <p:cTn id="65" presetID="22" presetClass="entr" presetSubtype="8" fill="hold" grpId="0" nodeType="clickEffect">
+                                  <p:stCondLst>
+                                    <p:cond delay="0"/>
+                                  </p:stCondLst>
+                                  <p:childTnLst>
+                                    <p:set>
+                                      <p:cBhvr>
+                                        <p:cTn id="66" dur="1" fill="hold">
+                                          <p:stCondLst>
+                                            <p:cond delay="0"/>
+                                          </p:stCondLst>
+                                        </p:cTn>
+                                        <p:tgtEl>
+                                          <p:spTgt spid="3">
+                                            <p:graphicEl>
+                                              <a:dgm id="{3306F71B-8A80-4A7E-9D5F-2E1016E22986}"/>
+                                            </p:graphicEl>
+                                          </p:spTgt>
+                                        </p:tgtEl>
+                                        <p:attrNameLst>
+                                          <p:attrName>style.visibility</p:attrName>
+                                        </p:attrNameLst>
+                                      </p:cBhvr>
+                                      <p:to>
+                                        <p:strVal val="visible"/>
+                                      </p:to>
+                                    </p:set>
+                                    <p:animEffect transition="in" filter="wipe(left)">
+                                      <p:cBhvr>
+                                        <p:cTn id="67" dur="500"/>
+                                        <p:tgtEl>
+                                          <p:spTgt spid="3">
+                                            <p:graphicEl>
+                                              <a:dgm id="{3306F71B-8A80-4A7E-9D5F-2E1016E22986}"/>
+                                            </p:graphicEl>
+                                          </p:spTgt>
+                                        </p:tgtEl>
+                                      </p:cBhvr>
+                                    </p:animEffect>
+                                  </p:childTnLst>
+                                </p:cTn>
+                              </p:par>
+                            </p:childTnLst>
+                          </p:cTn>
+                        </p:par>
+                      </p:childTnLst>
+                    </p:cTn>
+                  </p:par>
+                  <p:par>
+                    <p:cTn id="68" fill="hold">
+                      <p:stCondLst>
+                        <p:cond delay="indefinite"/>
+                      </p:stCondLst>
+                      <p:childTnLst>
+                        <p:par>
+                          <p:cTn id="69" fill="hold">
+                            <p:stCondLst>
+                              <p:cond delay="0"/>
+                            </p:stCondLst>
+                            <p:childTnLst>
+                              <p:par>
+                                <p:cTn id="70" presetID="22" presetClass="entr" presetSubtype="8" fill="hold" grpId="0" nodeType="clickEffect">
+                                  <p:stCondLst>
+                                    <p:cond delay="0"/>
+                                  </p:stCondLst>
+                                  <p:childTnLst>
+                                    <p:set>
+                                      <p:cBhvr>
+                                        <p:cTn id="71" dur="1" fill="hold">
+                                          <p:stCondLst>
+                                            <p:cond delay="0"/>
+                                          </p:stCondLst>
+                                        </p:cTn>
+                                        <p:tgtEl>
+                                          <p:spTgt spid="3">
+                                            <p:graphicEl>
+                                              <a:dgm id="{FA9CD9E2-ACB9-4012-977C-AAB106F8CB5F}"/>
+                                            </p:graphicEl>
+                                          </p:spTgt>
+                                        </p:tgtEl>
+                                        <p:attrNameLst>
+                                          <p:attrName>style.visibility</p:attrName>
+                                        </p:attrNameLst>
+                                      </p:cBhvr>
+                                      <p:to>
+                                        <p:strVal val="visible"/>
+                                      </p:to>
+                                    </p:set>
+                                    <p:animEffect transition="in" filter="wipe(left)">
+                                      <p:cBhvr>
+                                        <p:cTn id="72" dur="500"/>
+                                        <p:tgtEl>
+                                          <p:spTgt spid="3">
+                                            <p:graphicEl>
+                                              <a:dgm id="{FA9CD9E2-ACB9-4012-977C-AAB106F8CB5F}"/>
                                             </p:graphicEl>
                                           </p:spTgt>
                                         </p:tgtEl>
@@ -10595,78 +13273,77 @@
           <a:chExt cx="0" cy="0"/>
         </a:xfrm>
       </p:grpSpPr>
-      <p:sp>
-        <p:nvSpPr>
-          <p:cNvPr id="2" name="Title 1"/>
-          <p:cNvSpPr>
-            <a:spLocks noGrp="1"/>
-          </p:cNvSpPr>
-          <p:nvPr>
-            <p:ph type="title"/>
-            <p:custDataLst>
-              <p:tags r:id="rId2"/>
-            </p:custDataLst>
-          </p:nvPr>
-        </p:nvSpPr>
-        <p:spPr>
-          <a:xfrm>
-            <a:off x="841248" y="152400"/>
-            <a:ext cx="5178552" cy="838200"/>
-          </a:xfrm>
-        </p:spPr>
-        <p:txBody>
-          <a:bodyPr/>
-          <a:lstStyle/>
-          <a:p>
-            <a:r>
-              <a:rPr lang="en-US" dirty="0" smtClean="0"/>
-              <a:t>Raspberry Pi</a:t>
-            </a:r>
-            <a:endParaRPr lang="en-US" dirty="0"/>
-          </a:p>
-        </p:txBody>
-      </p:sp>
       <p:pic>
         <p:nvPicPr>
-          <p:cNvPr id="5" name="Picture 4"/>
+          <p:cNvPr id="1027" name="Picture 3"/>
           <p:cNvPicPr>
-            <a:picLocks noChangeAspect="1"/>
+            <a:picLocks noChangeAspect="1" noChangeArrowheads="1"/>
           </p:cNvPicPr>
           <p:nvPr/>
         </p:nvPicPr>
         <p:blipFill>
-          <a:blip r:embed="rId5">
+          <a:blip r:embed="rId3">
             <a:extLst>
               <a:ext uri="{28A0092B-C50C-407E-A947-70E740481C1C}">
                 <a14:useLocalDpi xmlns:a14="http://schemas.microsoft.com/office/drawing/2010/main" val="0"/>
               </a:ext>
             </a:extLst>
           </a:blip>
+          <a:srcRect/>
           <a:stretch>
             <a:fillRect/>
           </a:stretch>
         </p:blipFill>
-        <p:spPr>
+        <p:spPr bwMode="auto">
           <a:xfrm>
-            <a:off x="609600" y="76200"/>
-            <a:ext cx="8458200" cy="6667919"/>
+            <a:off x="-228600" y="0"/>
+            <a:ext cx="9735562" cy="6888480"/>
           </a:xfrm>
           <a:prstGeom prst="rect">
             <a:avLst/>
           </a:prstGeom>
+          <a:noFill/>
+          <a:ln>
+            <a:noFill/>
+          </a:ln>
+          <a:extLst>
+            <a:ext uri="{909E8E84-426E-40DD-AFC4-6F175D3DCCD1}">
+              <a14:hiddenFill xmlns:a14="http://schemas.microsoft.com/office/drawing/2010/main">
+                <a:solidFill>
+                  <a:schemeClr val="accent1"/>
+                </a:solidFill>
+              </a14:hiddenFill>
+            </a:ext>
+            <a:ext uri="{91240B29-F687-4F45-9708-019B960494DF}">
+              <a14:hiddenLine xmlns:a14="http://schemas.microsoft.com/office/drawing/2010/main" w="9525">
+                <a:solidFill>
+                  <a:schemeClr val="tx1"/>
+                </a:solidFill>
+                <a:miter lim="800000"/>
+                <a:headEnd/>
+                <a:tailEnd/>
+              </a14:hiddenLine>
+            </a:ext>
+          </a:extLst>
         </p:spPr>
       </p:pic>
     </p:spTree>
-    <p:custDataLst>
-      <p:tags r:id="rId1"/>
-    </p:custDataLst>
   </p:cSld>
   <p:clrMapOvr>
     <a:masterClrMapping/>
   </p:clrMapOvr>
-  <p:transition spd="slow">
-    <p:wipe dir="d"/>
-  </p:transition>
+  <mc:AlternateContent xmlns:mc="http://schemas.openxmlformats.org/markup-compatibility/2006" xmlns:p14="http://schemas.microsoft.com/office/powerpoint/2010/main">
+    <mc:Choice Requires="p14">
+      <p:transition spd="slow" p14:dur="1600">
+        <p14:gallery dir="l"/>
+      </p:transition>
+    </mc:Choice>
+    <mc:Fallback xmlns="">
+      <p:transition spd="slow">
+        <p:fade/>
+      </p:transition>
+    </mc:Fallback>
+  </mc:AlternateContent>
   <p:timing>
     <p:tnLst>
       <p:par>
@@ -10718,161 +13395,25 @@
           <a:lstStyle/>
           <a:p>
             <a:r>
-              <a:rPr lang="en-US" dirty="0" smtClean="0"/>
-              <a:t>Checklist</a:t>
+              <a:rPr lang="en-US" dirty="0" err="1" smtClean="0"/>
+              <a:t>IoT</a:t>
             </a:r>
             <a:endParaRPr lang="en-US" dirty="0"/>
-          </a:p>
-        </p:txBody>
-      </p:sp>
-      <p:sp>
-        <p:nvSpPr>
-          <p:cNvPr id="8" name="TextBox 7"/>
-          <p:cNvSpPr txBox="1"/>
-          <p:nvPr/>
-        </p:nvSpPr>
-        <p:spPr>
-          <a:xfrm>
-            <a:off x="609600" y="990600"/>
-            <a:ext cx="4724400" cy="2862322"/>
-          </a:xfrm>
-          <a:prstGeom prst="rect">
-            <a:avLst/>
-          </a:prstGeom>
-          <a:noFill/>
-        </p:spPr>
-        <p:txBody>
-          <a:bodyPr wrap="square" rtlCol="0">
-            <a:spAutoFit/>
-          </a:bodyPr>
-          <a:lstStyle/>
-          <a:p>
-            <a:pPr marL="285750" indent="-285750">
-              <a:buFont typeface="Arial" panose="020B0604020202020204" pitchFamily="34" charset="0"/>
-              <a:buChar char="•"/>
-            </a:pPr>
-            <a:r>
-              <a:rPr lang="en-GB" dirty="0" smtClean="0"/>
-              <a:t>Pi </a:t>
-            </a:r>
-            <a:r>
-              <a:rPr lang="en-GB" dirty="0"/>
-              <a:t>- seems </a:t>
-            </a:r>
-            <a:r>
-              <a:rPr lang="en-GB" dirty="0" smtClean="0"/>
-              <a:t>obvious</a:t>
-            </a:r>
-          </a:p>
-          <a:p>
-            <a:pPr marL="285750" indent="-285750">
-              <a:buFont typeface="Arial" panose="020B0604020202020204" pitchFamily="34" charset="0"/>
-              <a:buChar char="•"/>
-            </a:pPr>
-            <a:r>
-              <a:rPr lang="en-GB" dirty="0" smtClean="0"/>
-              <a:t>Micro </a:t>
-            </a:r>
-            <a:r>
-              <a:rPr lang="en-GB" dirty="0"/>
-              <a:t>SD Card</a:t>
-            </a:r>
-          </a:p>
-          <a:p>
-            <a:pPr marL="285750" indent="-285750">
-              <a:buFont typeface="Arial" panose="020B0604020202020204" pitchFamily="34" charset="0"/>
-              <a:buChar char="•"/>
-            </a:pPr>
-            <a:r>
-              <a:rPr lang="en-GB" dirty="0"/>
-              <a:t>Some kind of adapter for SD to Micro SD and then probably that to USB</a:t>
-            </a:r>
-          </a:p>
-          <a:p>
-            <a:pPr marL="285750" indent="-285750">
-              <a:buFont typeface="Arial" panose="020B0604020202020204" pitchFamily="34" charset="0"/>
-              <a:buChar char="•"/>
-            </a:pPr>
-            <a:r>
-              <a:rPr lang="en-GB" dirty="0"/>
-              <a:t>Power </a:t>
-            </a:r>
-            <a:r>
-              <a:rPr lang="en-GB" dirty="0" smtClean="0"/>
-              <a:t>adapter. </a:t>
-            </a:r>
-            <a:r>
-              <a:rPr lang="en-GB" dirty="0"/>
-              <a:t>Pi has micro USB style port BUT not all charges have enough </a:t>
-            </a:r>
-            <a:r>
-              <a:rPr lang="en-GB" dirty="0" err="1"/>
-              <a:t>umpf</a:t>
-            </a:r>
-            <a:r>
-              <a:rPr lang="en-GB" dirty="0"/>
-              <a:t> to get it going so </a:t>
-            </a:r>
-            <a:r>
-              <a:rPr lang="en-GB" dirty="0" smtClean="0"/>
-              <a:t>use an appropriate one.</a:t>
-            </a:r>
-            <a:endParaRPr lang="en-GB" dirty="0"/>
-          </a:p>
-          <a:p>
-            <a:pPr marL="285750" indent="-285750">
-              <a:buFont typeface="Arial" panose="020B0604020202020204" pitchFamily="34" charset="0"/>
-              <a:buChar char="•"/>
-            </a:pPr>
-            <a:r>
-              <a:rPr lang="en-GB" dirty="0" err="1"/>
-              <a:t>WiFi</a:t>
-            </a:r>
-            <a:r>
-              <a:rPr lang="en-GB" dirty="0"/>
-              <a:t> USB </a:t>
-            </a:r>
-            <a:r>
-              <a:rPr lang="en-GB" dirty="0" smtClean="0"/>
-              <a:t>plug or wired </a:t>
-            </a:r>
-            <a:r>
-              <a:rPr lang="en-GB" dirty="0"/>
-              <a:t>internet connection</a:t>
-            </a:r>
-          </a:p>
-          <a:p>
-            <a:pPr marL="285750" indent="-285750">
-              <a:buFont typeface="Arial" panose="020B0604020202020204" pitchFamily="34" charset="0"/>
-              <a:buChar char="•"/>
-            </a:pPr>
-            <a:r>
-              <a:rPr lang="en-GB" dirty="0"/>
-              <a:t>USB Mouse and Keyboard</a:t>
-            </a:r>
-          </a:p>
-          <a:p>
-            <a:pPr marL="285750" indent="-285750">
-              <a:buFont typeface="Arial" panose="020B0604020202020204" pitchFamily="34" charset="0"/>
-              <a:buChar char="•"/>
-            </a:pPr>
-            <a:r>
-              <a:rPr lang="en-GB" dirty="0"/>
-              <a:t>Some kind of HDMI device.</a:t>
-            </a:r>
           </a:p>
         </p:txBody>
       </p:sp>
       <p:pic>
         <p:nvPicPr>
-          <p:cNvPr id="5" name="Picture 4"/>
+          <p:cNvPr id="7" name="Content Placeholder 6"/>
           <p:cNvPicPr>
-            <a:picLocks noChangeAspect="1"/>
+            <a:picLocks noGrp="1" noChangeAspect="1"/>
           </p:cNvPicPr>
-          <p:nvPr/>
+          <p:nvPr>
+            <p:ph idx="1"/>
+          </p:nvPr>
         </p:nvPicPr>
         <p:blipFill>
-          <a:blip r:embed="rId5" cstate="email">
+          <a:blip r:embed="rId5" cstate="print">
             <a:extLst>
               <a:ext uri="{28A0092B-C50C-407E-A947-70E740481C1C}">
                 <a14:useLocalDpi xmlns:a14="http://schemas.microsoft.com/office/drawing/2010/main" val="0"/>
@@ -10885,23 +13426,92 @@
         </p:blipFill>
         <p:spPr>
           <a:xfrm>
-            <a:off x="5290440" y="685800"/>
-            <a:ext cx="3578433" cy="4495800"/>
+            <a:off x="5410200" y="0"/>
+            <a:ext cx="3733800" cy="6858000"/>
+          </a:xfrm>
+        </p:spPr>
+      </p:pic>
+      <p:sp>
+        <p:nvSpPr>
+          <p:cNvPr id="8" name="TextBox 7"/>
+          <p:cNvSpPr txBox="1"/>
+          <p:nvPr/>
+        </p:nvSpPr>
+        <p:spPr>
+          <a:xfrm>
+            <a:off x="609600" y="990600"/>
+            <a:ext cx="4724400" cy="5355312"/>
           </a:xfrm>
           <a:prstGeom prst="rect">
             <a:avLst/>
           </a:prstGeom>
+          <a:noFill/>
         </p:spPr>
-      </p:pic>
+        <p:txBody>
+          <a:bodyPr wrap="square" rtlCol="0">
+            <a:spAutoFit/>
+          </a:bodyPr>
+          <a:lstStyle/>
+          <a:p>
+            <a:pPr marL="285750" indent="-285750">
+              <a:buFont typeface="Arial" panose="020B0604020202020204" pitchFamily="34" charset="0"/>
+              <a:buChar char="•"/>
+            </a:pPr>
+            <a:r>
+              <a:rPr lang="en-US" i="1" u="sng" dirty="0" smtClean="0"/>
+              <a:t>Oxford Dictionary </a:t>
+            </a:r>
+            <a:r>
+              <a:rPr lang="en-US" dirty="0"/>
+              <a:t>- The interconnection via the Internet of computing devices embedded in everyday objects, enabling them to send and receive data</a:t>
+            </a:r>
+            <a:r>
+              <a:rPr lang="en-US" dirty="0" smtClean="0"/>
+              <a:t>.</a:t>
+            </a:r>
+          </a:p>
+          <a:p>
+            <a:pPr marL="285750" indent="-285750">
+              <a:buFont typeface="Arial" panose="020B0604020202020204" pitchFamily="34" charset="0"/>
+              <a:buChar char="•"/>
+            </a:pPr>
+            <a:r>
+              <a:rPr lang="en-US" i="1" u="sng" dirty="0"/>
+              <a:t>Wikipedia</a:t>
+            </a:r>
+            <a:r>
+              <a:rPr lang="en-US" dirty="0"/>
+              <a:t> - The network of physical objects—devices, vehicles, buildings and other items embedded with electronics, software, sensors, and network connectivity—that enables these objects to collect and exchange data</a:t>
+            </a:r>
+            <a:r>
+              <a:rPr lang="en-US" dirty="0" smtClean="0"/>
+              <a:t>.</a:t>
+            </a:r>
+          </a:p>
+          <a:p>
+            <a:pPr marL="285750" indent="-285750">
+              <a:buFont typeface="Arial" panose="020B0604020202020204" pitchFamily="34" charset="0"/>
+              <a:buChar char="•"/>
+            </a:pPr>
+            <a:r>
+              <a:rPr lang="en-US" i="1" u="sng" dirty="0" smtClean="0"/>
+              <a:t>SAP</a:t>
+            </a:r>
+            <a:r>
+              <a:rPr lang="en-US" dirty="0" smtClean="0"/>
+              <a:t> - </a:t>
+            </a:r>
+            <a:r>
+              <a:rPr lang="en-US" dirty="0"/>
+              <a:t>A world where physical objects are seamlessly integrated into the information network, and where the physical objects can become active participants in business processes. Services are available to interact with these 'smart objects' over the Internet, query and change their state and any information associated with them, taking into account security and privacy issues.</a:t>
+            </a:r>
+          </a:p>
+        </p:txBody>
+      </p:sp>
     </p:spTree>
     <p:custDataLst>
       <p:tags r:id="rId1"/>
     </p:custDataLst>
-    <p:extLst>
-      <p:ext uri="{BB962C8B-B14F-4D97-AF65-F5344CB8AC3E}">
-        <p14:creationId xmlns:p14="http://schemas.microsoft.com/office/powerpoint/2010/main" val="2947393767"/>
-      </p:ext>
-    </p:extLst>
   </p:cSld>
   <p:clrMapOvr>
     <a:masterClrMapping/>
@@ -10936,252 +13546,39 @@
           <a:chExt cx="0" cy="0"/>
         </a:xfrm>
       </p:grpSpPr>
-      <p:sp>
-        <p:nvSpPr>
-          <p:cNvPr id="8" name="TextBox 7"/>
-          <p:cNvSpPr txBox="1"/>
-          <p:nvPr/>
-        </p:nvSpPr>
+      <p:pic>
+        <p:nvPicPr>
+          <p:cNvPr id="4" name="Content Placeholder 3"/>
+          <p:cNvPicPr>
+            <a:picLocks noGrp="1" noChangeAspect="1"/>
+          </p:cNvPicPr>
+          <p:nvPr>
+            <p:ph idx="1"/>
+          </p:nvPr>
+        </p:nvPicPr>
+        <p:blipFill>
+          <a:blip r:embed="rId2" cstate="email">
+            <a:extLst>
+              <a:ext uri="{28A0092B-C50C-407E-A947-70E740481C1C}">
+                <a14:useLocalDpi xmlns:a14="http://schemas.microsoft.com/office/drawing/2010/main" val="0"/>
+              </a:ext>
+            </a:extLst>
+          </a:blip>
+          <a:stretch>
+            <a:fillRect/>
+          </a:stretch>
+        </p:blipFill>
         <p:spPr>
           <a:xfrm>
-            <a:off x="609600" y="152400"/>
-            <a:ext cx="8534400" cy="6309420"/>
+            <a:off x="-152400" y="0"/>
+            <a:ext cx="9525000" cy="6858000"/>
           </a:xfrm>
-          <a:prstGeom prst="rect">
-            <a:avLst/>
-          </a:prstGeom>
-          <a:noFill/>
         </p:spPr>
-        <p:txBody>
-          <a:bodyPr wrap="square" rtlCol="0">
-            <a:spAutoFit/>
-          </a:bodyPr>
-          <a:lstStyle/>
-          <a:p>
-            <a:r>
-              <a:rPr lang="en-GB" sz="4400" dirty="0">
-                <a:latin typeface="+mj-lt"/>
-                <a:ea typeface="+mj-ea"/>
-                <a:cs typeface="+mj-cs"/>
-              </a:rPr>
-              <a:t>Baking the Pi</a:t>
-            </a:r>
-          </a:p>
-          <a:p>
-            <a:pPr marL="285750" indent="-285750">
-              <a:buFont typeface="Arial" panose="020B0604020202020204" pitchFamily="34" charset="0"/>
-              <a:buChar char="•"/>
-            </a:pPr>
-            <a:endParaRPr lang="en-GB" i="1" dirty="0"/>
-          </a:p>
-          <a:p>
-            <a:pPr marL="285750" indent="-285750">
-              <a:buFont typeface="Arial" panose="020B0604020202020204" pitchFamily="34" charset="0"/>
-              <a:buChar char="•"/>
-            </a:pPr>
-            <a:r>
-              <a:rPr lang="en-GB" i="1" dirty="0" smtClean="0"/>
-              <a:t>Head </a:t>
-            </a:r>
-            <a:r>
-              <a:rPr lang="en-GB" i="1" dirty="0"/>
-              <a:t>over to https://www.raspberrypi.org/downloads/ and download </a:t>
-            </a:r>
-            <a:r>
-              <a:rPr lang="en-GB" i="1" dirty="0" err="1"/>
-              <a:t>Raspbian</a:t>
-            </a:r>
-            <a:r>
-              <a:rPr lang="en-GB" i="1" dirty="0"/>
-              <a:t> (current build is 5th of May 2015 - Take the ZIP unless you want some torrent activity on your machine. It's around 1 gig</a:t>
-            </a:r>
-          </a:p>
-          <a:p>
-            <a:pPr marL="285750" indent="-285750">
-              <a:buFont typeface="Arial" panose="020B0604020202020204" pitchFamily="34" charset="0"/>
-              <a:buChar char="•"/>
-            </a:pPr>
-            <a:endParaRPr lang="en-GB" i="1" dirty="0" smtClean="0"/>
-          </a:p>
-          <a:p>
-            <a:pPr marL="285750" indent="-285750">
-              <a:buFont typeface="Arial" panose="020B0604020202020204" pitchFamily="34" charset="0"/>
-              <a:buChar char="•"/>
-            </a:pPr>
-            <a:r>
-              <a:rPr lang="en-GB" i="1" dirty="0" smtClean="0"/>
-              <a:t>Next </a:t>
-            </a:r>
-            <a:r>
-              <a:rPr lang="en-GB" i="1" dirty="0"/>
-              <a:t>you are going to need to configure the SD card, you can just drop the ZIP contents on it in theory but in reality I could never get this to work so you require configuration 'stuff'</a:t>
-            </a:r>
-          </a:p>
-          <a:p>
-            <a:pPr marL="742950" lvl="1" indent="-285750">
-              <a:buFont typeface="Courier New" panose="02070309020205020404" pitchFamily="49" charset="0"/>
-              <a:buChar char="o"/>
-            </a:pPr>
-            <a:r>
-              <a:rPr lang="en-GB" i="1" dirty="0" smtClean="0"/>
-              <a:t>	Linux/Unix </a:t>
-            </a:r>
-            <a:r>
-              <a:rPr lang="en-GB" i="1" dirty="0"/>
-              <a:t>- Follow these commands here </a:t>
-            </a:r>
-            <a:r>
-              <a:rPr lang="en-GB" i="1" dirty="0" smtClean="0"/>
-              <a:t>	</a:t>
-            </a:r>
-            <a:r>
-              <a:rPr lang="en-GB" i="1" dirty="0" smtClean="0">
-                <a:hlinkClick r:id="rId4"/>
-              </a:rPr>
-              <a:t>https</a:t>
-            </a:r>
-            <a:r>
-              <a:rPr lang="en-GB" i="1" dirty="0">
-                <a:hlinkClick r:id="rId4"/>
-              </a:rPr>
-              <a:t>://</a:t>
-            </a:r>
-            <a:r>
-              <a:rPr lang="en-GB" i="1" dirty="0" smtClean="0">
-                <a:hlinkClick r:id="rId4"/>
-              </a:rPr>
-              <a:t>www.raspberrypi.org/documentation/installation/installing-</a:t>
-            </a:r>
-            <a:r>
-              <a:rPr lang="en-GB" i="1" dirty="0" smtClean="0"/>
-              <a:t>	images/linux.md</a:t>
-            </a:r>
-            <a:endParaRPr lang="en-GB" i="1" dirty="0"/>
-          </a:p>
-          <a:p>
-            <a:pPr marL="742950" lvl="1" indent="-285750">
-              <a:buFont typeface="Courier New" panose="02070309020205020404" pitchFamily="49" charset="0"/>
-              <a:buChar char="o"/>
-            </a:pPr>
-            <a:r>
-              <a:rPr lang="en-GB" i="1" dirty="0" smtClean="0"/>
-              <a:t>	Windows </a:t>
-            </a:r>
-            <a:r>
-              <a:rPr lang="en-GB" i="1" dirty="0"/>
-              <a:t>- </a:t>
-            </a:r>
-            <a:r>
-              <a:rPr lang="en-GB" i="1" dirty="0">
-                <a:hlinkClick r:id="rId5"/>
-              </a:rPr>
-              <a:t>https://</a:t>
-            </a:r>
-            <a:r>
-              <a:rPr lang="en-GB" i="1" dirty="0" smtClean="0">
-                <a:hlinkClick r:id="rId5"/>
-              </a:rPr>
-              <a:t>www.raspberrypi.org/documentation/installation/installing-i</a:t>
-            </a:r>
-            <a:r>
-              <a:rPr lang="en-GB" i="1" dirty="0" smtClean="0"/>
-              <a:t>	mages/windows.md </a:t>
-            </a:r>
-            <a:r>
-              <a:rPr lang="en-GB" i="1" dirty="0"/>
-              <a:t>You'll need Win32DiskImager but that is included in the </a:t>
-            </a:r>
-            <a:r>
-              <a:rPr lang="en-GB" i="1" dirty="0" smtClean="0"/>
-              <a:t>	instructions </a:t>
-            </a:r>
-            <a:r>
-              <a:rPr lang="en-GB" i="1" dirty="0"/>
-              <a:t>and guide.</a:t>
-            </a:r>
-          </a:p>
-          <a:p>
-            <a:pPr marL="742950" lvl="1" indent="-285750">
-              <a:buFont typeface="Courier New" panose="02070309020205020404" pitchFamily="49" charset="0"/>
-              <a:buChar char="o"/>
-            </a:pPr>
-            <a:r>
-              <a:rPr lang="en-GB" i="1" dirty="0" smtClean="0"/>
-              <a:t>	Apple </a:t>
-            </a:r>
-            <a:r>
-              <a:rPr lang="en-GB" i="1" dirty="0"/>
-              <a:t>- </a:t>
-            </a:r>
-            <a:r>
-              <a:rPr lang="en-GB" i="1" dirty="0">
-                <a:hlinkClick r:id="rId4"/>
-              </a:rPr>
-              <a:t>https://</a:t>
-            </a:r>
-            <a:r>
-              <a:rPr lang="en-GB" i="1" dirty="0" smtClean="0">
-                <a:hlinkClick r:id="rId4"/>
-              </a:rPr>
-              <a:t>www.raspberrypi.org/documentation/installation/installing-</a:t>
-            </a:r>
-            <a:r>
-              <a:rPr lang="en-GB" i="1" dirty="0" smtClean="0"/>
-              <a:t>	images/mac.md</a:t>
-            </a:r>
-            <a:endParaRPr lang="en-GB" i="1" dirty="0"/>
-          </a:p>
-          <a:p>
-            <a:pPr marL="742950" lvl="1" indent="-285750">
-              <a:buFont typeface="Courier New" panose="02070309020205020404" pitchFamily="49" charset="0"/>
-              <a:buChar char="o"/>
-            </a:pPr>
-            <a:r>
-              <a:rPr lang="en-GB" i="1" dirty="0" smtClean="0"/>
-              <a:t>	Of </a:t>
-            </a:r>
-            <a:r>
-              <a:rPr lang="en-GB" i="1" dirty="0"/>
-              <a:t>the 3 the Windows is way more 'visual' and GUI based but the choice is yours. </a:t>
-            </a:r>
-          </a:p>
-          <a:p>
-            <a:pPr marL="285750" indent="-285750">
-              <a:buFont typeface="Arial" panose="020B0604020202020204" pitchFamily="34" charset="0"/>
-              <a:buChar char="•"/>
-            </a:pPr>
-            <a:endParaRPr lang="en-GB" i="1" dirty="0" smtClean="0"/>
-          </a:p>
-          <a:p>
-            <a:pPr marL="285750" indent="-285750">
-              <a:buFont typeface="Arial" panose="020B0604020202020204" pitchFamily="34" charset="0"/>
-              <a:buChar char="•"/>
-            </a:pPr>
-            <a:r>
-              <a:rPr lang="en-GB" i="1" dirty="0" smtClean="0"/>
-              <a:t>Once </a:t>
-            </a:r>
-            <a:r>
-              <a:rPr lang="en-GB" i="1" dirty="0"/>
-              <a:t>the SD card is formatted open the ZIP and drop the contents of it onto the root.</a:t>
-            </a:r>
-          </a:p>
-          <a:p>
-            <a:pPr marL="285750" indent="-285750">
-              <a:buFont typeface="Arial" panose="020B0604020202020204" pitchFamily="34" charset="0"/>
-              <a:buChar char="•"/>
-            </a:pPr>
-            <a:endParaRPr lang="en-GB" i="1" dirty="0" smtClean="0"/>
-          </a:p>
-        </p:txBody>
-      </p:sp>
+      </p:pic>
     </p:spTree>
-    <p:custDataLst>
-      <p:tags r:id="rId1"/>
-    </p:custDataLst>
     <p:extLst>
       <p:ext uri="{BB962C8B-B14F-4D97-AF65-F5344CB8AC3E}">
-        <p14:creationId xmlns:p14="http://schemas.microsoft.com/office/powerpoint/2010/main" val="22584947"/>
+        <p14:creationId xmlns:p14="http://schemas.microsoft.com/office/powerpoint/2010/main" val="4021639927"/>
       </p:ext>
     </p:extLst>
   </p:cSld>
@@ -11218,238 +13615,39 @@
           <a:chExt cx="0" cy="0"/>
         </a:xfrm>
       </p:grpSpPr>
-      <p:sp>
-        <p:nvSpPr>
-          <p:cNvPr id="8" name="TextBox 7"/>
-          <p:cNvSpPr txBox="1"/>
-          <p:nvPr/>
-        </p:nvSpPr>
+      <p:pic>
+        <p:nvPicPr>
+          <p:cNvPr id="6" name="Content Placeholder 5"/>
+          <p:cNvPicPr>
+            <a:picLocks noGrp="1" noChangeAspect="1"/>
+          </p:cNvPicPr>
+          <p:nvPr>
+            <p:ph idx="1"/>
+          </p:nvPr>
+        </p:nvPicPr>
+        <p:blipFill>
+          <a:blip r:embed="rId4" cstate="email">
+            <a:extLst>
+              <a:ext uri="{28A0092B-C50C-407E-A947-70E740481C1C}">
+                <a14:useLocalDpi xmlns:a14="http://schemas.microsoft.com/office/drawing/2010/main" val="0"/>
+              </a:ext>
+            </a:extLst>
+          </a:blip>
+          <a:stretch>
+            <a:fillRect/>
+          </a:stretch>
+        </p:blipFill>
         <p:spPr>
           <a:xfrm>
-            <a:off x="609600" y="152400"/>
-            <a:ext cx="8534400" cy="6586418"/>
+            <a:off x="-76200" y="0"/>
+            <a:ext cx="9179441" cy="6934200"/>
           </a:xfrm>
-          <a:prstGeom prst="rect">
-            <a:avLst/>
-          </a:prstGeom>
-          <a:noFill/>
         </p:spPr>
-        <p:txBody>
-          <a:bodyPr wrap="square" rtlCol="0">
-            <a:spAutoFit/>
-          </a:bodyPr>
-          <a:lstStyle/>
-          <a:p>
-            <a:r>
-              <a:rPr lang="en-GB" sz="4400" dirty="0">
-                <a:latin typeface="+mj-lt"/>
-                <a:ea typeface="+mj-ea"/>
-                <a:cs typeface="+mj-cs"/>
-              </a:rPr>
-              <a:t>Baking the Pi</a:t>
-            </a:r>
-          </a:p>
-          <a:p>
-            <a:pPr marL="285750" indent="-285750">
-              <a:buFont typeface="Arial" panose="020B0604020202020204" pitchFamily="34" charset="0"/>
-              <a:buChar char="•"/>
-            </a:pPr>
-            <a:endParaRPr lang="en-GB" i="1" dirty="0"/>
-          </a:p>
-          <a:p>
-            <a:pPr marL="285750" indent="-285750">
-              <a:buFont typeface="Arial" panose="020B0604020202020204" pitchFamily="34" charset="0"/>
-              <a:buChar char="•"/>
-            </a:pPr>
-            <a:r>
-              <a:rPr lang="en-GB" i="1" dirty="0"/>
-              <a:t>Start connecting up the PI, leave the power until last. First off Ethernet, Keyboard, Mouse and HDMI Don't bother with </a:t>
-            </a:r>
-            <a:r>
-              <a:rPr lang="en-GB" i="1" dirty="0" err="1"/>
-              <a:t>WiFi</a:t>
-            </a:r>
-            <a:r>
-              <a:rPr lang="en-GB" i="1" dirty="0"/>
-              <a:t> yet.</a:t>
-            </a:r>
-          </a:p>
-          <a:p>
-            <a:pPr marL="285750" indent="-285750">
-              <a:buFont typeface="Arial" panose="020B0604020202020204" pitchFamily="34" charset="0"/>
-              <a:buChar char="•"/>
-            </a:pPr>
-            <a:endParaRPr lang="en-GB" i="1" dirty="0" smtClean="0"/>
-          </a:p>
-          <a:p>
-            <a:pPr marL="285750" indent="-285750">
-              <a:buFont typeface="Arial" panose="020B0604020202020204" pitchFamily="34" charset="0"/>
-              <a:buChar char="•"/>
-            </a:pPr>
-            <a:r>
-              <a:rPr lang="en-GB" i="1" dirty="0" smtClean="0"/>
-              <a:t>HDMI </a:t>
-            </a:r>
-            <a:r>
-              <a:rPr lang="en-GB" i="1" dirty="0"/>
-              <a:t>to the TV/Display and power that up ensuring the input is correct (HDMI 2 on most of the LGs in the DDCN)</a:t>
-            </a:r>
-          </a:p>
-          <a:p>
-            <a:pPr marL="285750" indent="-285750">
-              <a:buFont typeface="Arial" panose="020B0604020202020204" pitchFamily="34" charset="0"/>
-              <a:buChar char="•"/>
-            </a:pPr>
-            <a:endParaRPr lang="en-GB" i="1" dirty="0" smtClean="0"/>
-          </a:p>
-          <a:p>
-            <a:pPr marL="285750" indent="-285750">
-              <a:buFont typeface="Arial" panose="020B0604020202020204" pitchFamily="34" charset="0"/>
-              <a:buChar char="•"/>
-            </a:pPr>
-            <a:r>
-              <a:rPr lang="en-GB" i="1" dirty="0" smtClean="0"/>
-              <a:t>Last </a:t>
-            </a:r>
-            <a:r>
-              <a:rPr lang="en-GB" i="1" dirty="0"/>
-              <a:t>plug the power in, If all goes well you should see the following:</a:t>
-            </a:r>
-          </a:p>
-          <a:p>
-            <a:pPr marL="285750" indent="-285750">
-              <a:buFont typeface="Arial" panose="020B0604020202020204" pitchFamily="34" charset="0"/>
-              <a:buChar char="•"/>
-            </a:pPr>
-            <a:endParaRPr lang="en-GB" i="1" dirty="0" smtClean="0"/>
-          </a:p>
-          <a:p>
-            <a:pPr marL="285750" indent="-285750">
-              <a:buFont typeface="Arial" panose="020B0604020202020204" pitchFamily="34" charset="0"/>
-              <a:buChar char="•"/>
-            </a:pPr>
-            <a:r>
-              <a:rPr lang="en-GB" i="1" dirty="0" smtClean="0"/>
-              <a:t>After </a:t>
-            </a:r>
-            <a:r>
-              <a:rPr lang="en-GB" i="1" dirty="0"/>
-              <a:t>this quick flash of multi colour screen you should then get either login request or a scrolling set of text detailing various installs.</a:t>
-            </a:r>
-          </a:p>
-          <a:p>
-            <a:pPr marL="285750" indent="-285750">
-              <a:buFont typeface="Arial" panose="020B0604020202020204" pitchFamily="34" charset="0"/>
-              <a:buChar char="•"/>
-            </a:pPr>
-            <a:endParaRPr lang="en-GB" i="1" dirty="0" smtClean="0"/>
-          </a:p>
-          <a:p>
-            <a:pPr marL="285750" indent="-285750">
-              <a:buFont typeface="Arial" panose="020B0604020202020204" pitchFamily="34" charset="0"/>
-              <a:buChar char="•"/>
-            </a:pPr>
-            <a:r>
-              <a:rPr lang="en-GB" i="1" dirty="0" smtClean="0"/>
-              <a:t>At </a:t>
-            </a:r>
-            <a:r>
-              <a:rPr lang="en-GB" i="1" dirty="0"/>
-              <a:t>some point the boot will begin pulling any dependencies it needs (assuming you remembered to connect the Ethernet cable).</a:t>
-            </a:r>
-          </a:p>
-          <a:p>
-            <a:pPr marL="285750" indent="-285750">
-              <a:buFont typeface="Arial" panose="020B0604020202020204" pitchFamily="34" charset="0"/>
-              <a:buChar char="•"/>
-            </a:pPr>
-            <a:endParaRPr lang="en-GB" i="1" dirty="0" smtClean="0"/>
-          </a:p>
-          <a:p>
-            <a:pPr marL="285750" indent="-285750">
-              <a:buFont typeface="Arial" panose="020B0604020202020204" pitchFamily="34" charset="0"/>
-              <a:buChar char="•"/>
-            </a:pPr>
-            <a:r>
-              <a:rPr lang="en-GB" i="1" dirty="0" smtClean="0"/>
-              <a:t>When </a:t>
-            </a:r>
-            <a:r>
-              <a:rPr lang="en-GB" i="1" dirty="0"/>
-              <a:t>asked for a username and password use the following: </a:t>
-            </a:r>
-          </a:p>
-          <a:p>
-            <a:r>
-              <a:rPr lang="en-GB" i="1" dirty="0" smtClean="0"/>
-              <a:t>	Pi </a:t>
-            </a:r>
-            <a:r>
-              <a:rPr lang="en-GB" i="1" dirty="0"/>
-              <a:t>Login details</a:t>
-            </a:r>
-          </a:p>
-          <a:p>
-            <a:r>
-              <a:rPr lang="en-GB" i="1" dirty="0" smtClean="0"/>
-              <a:t>	username</a:t>
-            </a:r>
-            <a:r>
-              <a:rPr lang="en-GB" i="1" dirty="0"/>
-              <a:t>: pi</a:t>
-            </a:r>
-          </a:p>
-          <a:p>
-            <a:r>
-              <a:rPr lang="en-GB" i="1" dirty="0" smtClean="0"/>
-              <a:t>	password</a:t>
-            </a:r>
-            <a:r>
-              <a:rPr lang="en-GB" i="1" dirty="0"/>
-              <a:t>: raspberry </a:t>
-            </a:r>
-          </a:p>
-          <a:p>
-            <a:pPr marL="285750" indent="-285750">
-              <a:buFont typeface="Arial" panose="020B0604020202020204" pitchFamily="34" charset="0"/>
-              <a:buChar char="•"/>
-            </a:pPr>
-            <a:endParaRPr lang="en-GB" i="1" dirty="0" smtClean="0"/>
-          </a:p>
-          <a:p>
-            <a:pPr marL="285750" indent="-285750">
-              <a:buFont typeface="Arial" panose="020B0604020202020204" pitchFamily="34" charset="0"/>
-              <a:buChar char="•"/>
-            </a:pPr>
-            <a:r>
-              <a:rPr lang="en-GB" i="1" dirty="0" smtClean="0"/>
-              <a:t>If </a:t>
-            </a:r>
-            <a:r>
-              <a:rPr lang="en-GB" i="1" dirty="0"/>
-              <a:t>this has all worked you should see a command line prompt '</a:t>
-            </a:r>
-            <a:r>
-              <a:rPr lang="en-GB" i="1" dirty="0" err="1"/>
-              <a:t>pi@raspberrypi</a:t>
-            </a:r>
-            <a:r>
-              <a:rPr lang="en-GB" i="1" dirty="0" smtClean="0"/>
-              <a:t>~$'</a:t>
-            </a:r>
-            <a:endParaRPr lang="en-GB" i="1" dirty="0"/>
-          </a:p>
-        </p:txBody>
-      </p:sp>
+      </p:pic>
     </p:spTree>
     <p:custDataLst>
       <p:tags r:id="rId1"/>
     </p:custDataLst>
-    <p:extLst>
-      <p:ext uri="{BB962C8B-B14F-4D97-AF65-F5344CB8AC3E}">
-        <p14:creationId xmlns:p14="http://schemas.microsoft.com/office/powerpoint/2010/main" val="3267847009"/>
-      </p:ext>
-    </p:extLst>
   </p:cSld>
   <p:clrMapOvr>
     <a:masterClrMapping/>
@@ -11484,211 +13682,46 @@
           <a:chExt cx="0" cy="0"/>
         </a:xfrm>
       </p:grpSpPr>
-      <p:sp>
-        <p:nvSpPr>
-          <p:cNvPr id="8" name="TextBox 7"/>
-          <p:cNvSpPr txBox="1"/>
+      <p:pic>
+        <p:nvPicPr>
+          <p:cNvPr id="3" name="Picture 2"/>
+          <p:cNvPicPr>
+            <a:picLocks noChangeAspect="1"/>
+          </p:cNvPicPr>
           <p:nvPr/>
-        </p:nvSpPr>
+        </p:nvPicPr>
+        <p:blipFill>
+          <a:blip r:embed="rId4" cstate="email">
+            <a:extLst>
+              <a:ext uri="{28A0092B-C50C-407E-A947-70E740481C1C}">
+                <a14:useLocalDpi xmlns:a14="http://schemas.microsoft.com/office/drawing/2010/main" val="0"/>
+              </a:ext>
+            </a:extLst>
+          </a:blip>
+          <a:stretch>
+            <a:fillRect/>
+          </a:stretch>
+        </p:blipFill>
         <p:spPr>
           <a:xfrm>
-            <a:off x="609600" y="152400"/>
-            <a:ext cx="8534400" cy="3816429"/>
+            <a:off x="-152400" y="0"/>
+            <a:ext cx="9654139" cy="6934200"/>
           </a:xfrm>
           <a:prstGeom prst="rect">
             <a:avLst/>
           </a:prstGeom>
-          <a:noFill/>
         </p:spPr>
-        <p:txBody>
-          <a:bodyPr wrap="square" rtlCol="0">
-            <a:spAutoFit/>
-          </a:bodyPr>
-          <a:lstStyle/>
-          <a:p>
-            <a:r>
-              <a:rPr lang="en-GB" sz="4400" dirty="0">
-                <a:latin typeface="+mj-lt"/>
-                <a:ea typeface="+mj-ea"/>
-                <a:cs typeface="+mj-cs"/>
-              </a:rPr>
-              <a:t>Baking the </a:t>
-            </a:r>
-            <a:r>
-              <a:rPr lang="en-GB" sz="4400" dirty="0" smtClean="0">
-                <a:latin typeface="+mj-lt"/>
-                <a:ea typeface="+mj-ea"/>
-                <a:cs typeface="+mj-cs"/>
-              </a:rPr>
-              <a:t>Pi</a:t>
-            </a:r>
-            <a:endParaRPr lang="en-GB" sz="4400" dirty="0">
-              <a:latin typeface="+mj-lt"/>
-              <a:ea typeface="+mj-ea"/>
-              <a:cs typeface="+mj-cs"/>
-            </a:endParaRPr>
-          </a:p>
-          <a:p>
-            <a:pPr marL="285750" indent="-285750">
-              <a:buFont typeface="Arial" panose="020B0604020202020204" pitchFamily="34" charset="0"/>
-              <a:buChar char="•"/>
-            </a:pPr>
-            <a:endParaRPr lang="en-GB" i="1" dirty="0" smtClean="0"/>
-          </a:p>
-          <a:p>
-            <a:pPr marL="285750" indent="-285750">
-              <a:buFont typeface="Arial" panose="020B0604020202020204" pitchFamily="34" charset="0"/>
-              <a:buChar char="•"/>
-            </a:pPr>
-            <a:r>
-              <a:rPr lang="en-GB" i="1" dirty="0" smtClean="0"/>
-              <a:t>Now </a:t>
-            </a:r>
-            <a:r>
-              <a:rPr lang="en-GB" i="1" dirty="0"/>
-              <a:t>we need to get to a desktop, so type the below and hit return</a:t>
-            </a:r>
-          </a:p>
-          <a:p>
-            <a:r>
-              <a:rPr lang="en-GB" i="1" dirty="0" smtClean="0"/>
-              <a:t>	Pi </a:t>
-            </a:r>
-            <a:r>
-              <a:rPr lang="en-GB" i="1" dirty="0"/>
-              <a:t>GUI/Desktop</a:t>
-            </a:r>
-          </a:p>
-          <a:p>
-            <a:r>
-              <a:rPr lang="en-GB" i="1" dirty="0" smtClean="0"/>
-              <a:t>	</a:t>
-            </a:r>
-            <a:r>
-              <a:rPr lang="en-GB" i="1" dirty="0" err="1" smtClean="0"/>
-              <a:t>startx</a:t>
-            </a:r>
-            <a:endParaRPr lang="en-GB" i="1" dirty="0"/>
-          </a:p>
-          <a:p>
-            <a:pPr marL="285750" indent="-285750">
-              <a:buFont typeface="Arial" panose="020B0604020202020204" pitchFamily="34" charset="0"/>
-              <a:buChar char="•"/>
-            </a:pPr>
-            <a:endParaRPr lang="en-GB" i="1" dirty="0" smtClean="0"/>
-          </a:p>
-          <a:p>
-            <a:pPr marL="285750" indent="-285750">
-              <a:buFont typeface="Arial" panose="020B0604020202020204" pitchFamily="34" charset="0"/>
-              <a:buChar char="•"/>
-            </a:pPr>
-            <a:r>
-              <a:rPr lang="en-GB" i="1" dirty="0" smtClean="0"/>
-              <a:t>Once </a:t>
-            </a:r>
-            <a:r>
-              <a:rPr lang="en-GB" i="1" dirty="0"/>
-              <a:t>all the above has run you should now have a desktop.</a:t>
-            </a:r>
-          </a:p>
-          <a:p>
-            <a:pPr marL="285750" indent="-285750">
-              <a:buFont typeface="Arial" panose="020B0604020202020204" pitchFamily="34" charset="0"/>
-              <a:buChar char="•"/>
-            </a:pPr>
-            <a:endParaRPr lang="en-GB" i="1" dirty="0" smtClean="0"/>
-          </a:p>
-          <a:p>
-            <a:pPr marL="285750" indent="-285750">
-              <a:buFont typeface="Arial" panose="020B0604020202020204" pitchFamily="34" charset="0"/>
-              <a:buChar char="•"/>
-            </a:pPr>
-            <a:r>
-              <a:rPr lang="en-GB" i="1" dirty="0" smtClean="0"/>
-              <a:t>Plug </a:t>
-            </a:r>
-            <a:r>
-              <a:rPr lang="en-GB" i="1" dirty="0"/>
-              <a:t>the </a:t>
-            </a:r>
-            <a:r>
-              <a:rPr lang="en-GB" i="1" dirty="0" err="1"/>
-              <a:t>wifi</a:t>
-            </a:r>
-            <a:r>
-              <a:rPr lang="en-GB" i="1" dirty="0"/>
-              <a:t> USB device in, in the top left menu -&gt; Preferences -&gt; </a:t>
-            </a:r>
-            <a:r>
-              <a:rPr lang="en-GB" i="1" dirty="0" err="1"/>
-              <a:t>WiFi</a:t>
-            </a:r>
-            <a:r>
-              <a:rPr lang="en-GB" i="1" dirty="0"/>
-              <a:t> and scan for the </a:t>
-            </a:r>
-            <a:r>
-              <a:rPr lang="en-GB" i="1" dirty="0" smtClean="0"/>
-              <a:t>preferred </a:t>
-            </a:r>
-            <a:r>
-              <a:rPr lang="en-GB" i="1" dirty="0" err="1" smtClean="0"/>
-              <a:t>WiFi</a:t>
-            </a:r>
-            <a:r>
-              <a:rPr lang="en-GB" i="1" dirty="0" smtClean="0"/>
-              <a:t>. </a:t>
-            </a:r>
-            <a:r>
-              <a:rPr lang="en-GB" i="1" dirty="0"/>
-              <a:t>If either the system doesn't scan, </a:t>
-            </a:r>
-            <a:r>
-              <a:rPr lang="en-GB" i="1" dirty="0" err="1"/>
-              <a:t>WiFi</a:t>
-            </a:r>
-            <a:r>
-              <a:rPr lang="en-GB" i="1" dirty="0"/>
-              <a:t> isn't available or another fail go for Menu -&gt; Log off -&gt; reboot (leaving the </a:t>
-            </a:r>
-            <a:r>
-              <a:rPr lang="en-GB" i="1" dirty="0" err="1"/>
-              <a:t>wifi</a:t>
-            </a:r>
-            <a:r>
-              <a:rPr lang="en-GB" i="1" dirty="0"/>
-              <a:t> USB in place</a:t>
-            </a:r>
-            <a:r>
-              <a:rPr lang="en-GB" i="1" dirty="0" smtClean="0"/>
-              <a:t>)</a:t>
-            </a:r>
-            <a:endParaRPr lang="en-GB" i="1" dirty="0"/>
-          </a:p>
-          <a:p>
-            <a:pPr marL="285750" indent="-285750">
-              <a:buFont typeface="Arial" panose="020B0604020202020204" pitchFamily="34" charset="0"/>
-              <a:buChar char="•"/>
-            </a:pPr>
-            <a:endParaRPr lang="en-GB" i="1" dirty="0"/>
-          </a:p>
-        </p:txBody>
-      </p:sp>
+      </p:pic>
     </p:spTree>
     <p:custDataLst>
       <p:tags r:id="rId1"/>
     </p:custDataLst>
-    <p:extLst>
-      <p:ext uri="{BB962C8B-B14F-4D97-AF65-F5344CB8AC3E}">
-        <p14:creationId xmlns:p14="http://schemas.microsoft.com/office/powerpoint/2010/main" val="2003863919"/>
-      </p:ext>
-    </p:extLst>
   </p:cSld>
   <p:clrMapOvr>
     <a:masterClrMapping/>
   </p:clrMapOvr>
-  <p:transition spd="slow">
-    <p:wipe dir="d"/>
+  <p:transition>
+    <p:fade/>
   </p:transition>
   <p:timing>
     <p:tnLst>
@@ -11717,90 +13750,70 @@
           <a:chExt cx="0" cy="0"/>
         </a:xfrm>
       </p:grpSpPr>
-      <p:sp>
-        <p:nvSpPr>
-          <p:cNvPr id="2" name="Title 1"/>
-          <p:cNvSpPr>
-            <a:spLocks noGrp="1"/>
-          </p:cNvSpPr>
-          <p:nvPr>
-            <p:ph type="title"/>
-          </p:nvPr>
-        </p:nvSpPr>
-        <p:spPr/>
-        <p:txBody>
-          <a:bodyPr>
-            <a:normAutofit/>
-          </a:bodyPr>
-          <a:lstStyle/>
-          <a:p>
-            <a:r>
-              <a:rPr lang="en-GB" dirty="0" smtClean="0"/>
-              <a:t>Networking Your Pi</a:t>
-            </a:r>
-            <a:endParaRPr lang="en-GB" dirty="0"/>
-          </a:p>
-        </p:txBody>
-      </p:sp>
-      <p:sp>
-        <p:nvSpPr>
-          <p:cNvPr id="3" name="Content Placeholder 2"/>
-          <p:cNvSpPr>
-            <a:spLocks noGrp="1"/>
-          </p:cNvSpPr>
-          <p:nvPr>
-            <p:ph idx="1"/>
-          </p:nvPr>
-        </p:nvSpPr>
-        <p:spPr/>
-        <p:txBody>
-          <a:bodyPr/>
-          <a:lstStyle/>
-          <a:p>
-            <a:r>
-              <a:rPr lang="en-GB" dirty="0" smtClean="0"/>
-              <a:t>Connecting via Ethernet</a:t>
-            </a:r>
-          </a:p>
-          <a:p>
-            <a:r>
-              <a:rPr lang="en-GB" dirty="0" smtClean="0"/>
-              <a:t>Connecting via LAN</a:t>
-            </a:r>
-          </a:p>
-          <a:p>
-            <a:r>
-              <a:rPr lang="en-GB" dirty="0" smtClean="0"/>
-              <a:t>Connecting via WAN</a:t>
-            </a:r>
-          </a:p>
-          <a:p>
-            <a:endParaRPr lang="en-GB" dirty="0"/>
-          </a:p>
-          <a:p>
-            <a:pPr marL="0" indent="0">
-              <a:buNone/>
-            </a:pPr>
-            <a:r>
-              <a:rPr lang="en-GB" dirty="0" smtClean="0"/>
-              <a:t>Once your connection is established connect the Pi via SSH</a:t>
-            </a:r>
-            <a:endParaRPr lang="en-GB" dirty="0"/>
-          </a:p>
-        </p:txBody>
-      </p:sp>
+      <p:pic>
+        <p:nvPicPr>
+          <p:cNvPr id="1026" name="Picture 2"/>
+          <p:cNvPicPr>
+            <a:picLocks noChangeAspect="1" noChangeArrowheads="1"/>
+          </p:cNvPicPr>
+          <p:nvPr/>
+        </p:nvPicPr>
+        <p:blipFill>
+          <a:blip r:embed="rId4">
+            <a:extLst>
+              <a:ext uri="{28A0092B-C50C-407E-A947-70E740481C1C}">
+                <a14:useLocalDpi xmlns:a14="http://schemas.microsoft.com/office/drawing/2010/main" val="0"/>
+              </a:ext>
+            </a:extLst>
+          </a:blip>
+          <a:srcRect/>
+          <a:stretch>
+            <a:fillRect/>
+          </a:stretch>
+        </p:blipFill>
+        <p:spPr bwMode="auto">
+          <a:xfrm>
+            <a:off x="-76200" y="-26127"/>
+            <a:ext cx="9220200" cy="6954703"/>
+          </a:xfrm>
+          <a:prstGeom prst="rect">
+            <a:avLst/>
+          </a:prstGeom>
+          <a:noFill/>
+          <a:ln>
+            <a:noFill/>
+          </a:ln>
+          <a:extLst>
+            <a:ext uri="{909E8E84-426E-40DD-AFC4-6F175D3DCCD1}">
+              <a14:hiddenFill xmlns:a14="http://schemas.microsoft.com/office/drawing/2010/main">
+                <a:solidFill>
+                  <a:schemeClr val="accent1"/>
+                </a:solidFill>
+              </a14:hiddenFill>
+            </a:ext>
+            <a:ext uri="{91240B29-F687-4F45-9708-019B960494DF}">
+              <a14:hiddenLine xmlns:a14="http://schemas.microsoft.com/office/drawing/2010/main" w="9525">
+                <a:solidFill>
+                  <a:schemeClr val="tx1"/>
+                </a:solidFill>
+                <a:miter lim="800000"/>
+                <a:headEnd/>
+                <a:tailEnd/>
+              </a14:hiddenLine>
+            </a:ext>
+          </a:extLst>
+        </p:spPr>
+      </p:pic>
     </p:spTree>
-    <p:extLst>
-      <p:ext uri="{BB962C8B-B14F-4D97-AF65-F5344CB8AC3E}">
-        <p14:creationId xmlns:p14="http://schemas.microsoft.com/office/powerpoint/2010/main" val="2497996590"/>
-      </p:ext>
-    </p:extLst>
+    <p:custDataLst>
+      <p:tags r:id="rId1"/>
+    </p:custDataLst>
   </p:cSld>
   <p:clrMapOvr>
     <a:masterClrMapping/>
   </p:clrMapOvr>
-  <p:transition spd="slow">
-    <p:wipe dir="d"/>
+  <p:transition>
+    <p:fade/>
   </p:transition>
   <p:timing>
     <p:tnLst>
@@ -11820,91 +13833,25 @@
 
 <file path=ppt/tags/tag10.xml><?xml version="1.0" encoding="utf-8"?>
 <p:tagLst xmlns:a="http://schemas.openxmlformats.org/drawingml/2006/main" xmlns:r="http://schemas.openxmlformats.org/officeDocument/2006/relationships" xmlns:p="http://schemas.openxmlformats.org/presentationml/2006/main">
-  <p:tag name="DVSECTIONID" val="FpChuQ9mrn7ncHkUb4wJDg"/>
+  <p:tag name="DVSHAPEID" val="7C7AXHsIfcZM0GIL5sI0jk"/>
 </p:tagLst>
 </file>
 
 <file path=ppt/tags/tag11.xml><?xml version="1.0" encoding="utf-8"?>
 <p:tagLst xmlns:a="http://schemas.openxmlformats.org/drawingml/2006/main" xmlns:r="http://schemas.openxmlformats.org/officeDocument/2006/relationships" xmlns:p="http://schemas.openxmlformats.org/presentationml/2006/main">
-  <p:tag name="DVSECTIONID" val="FpChuQ9mrn7ncHkUb4wJDg"/>
+  <p:tag name="DVSECTIONID" val="ezdaKHeWyBnZyZ2cDqRSoa"/>
 </p:tagLst>
 </file>
 
 <file path=ppt/tags/tag12.xml><?xml version="1.0" encoding="utf-8"?>
 <p:tagLst xmlns:a="http://schemas.openxmlformats.org/drawingml/2006/main" xmlns:r="http://schemas.openxmlformats.org/officeDocument/2006/relationships" xmlns:p="http://schemas.openxmlformats.org/presentationml/2006/main">
-  <p:tag name="DVSHAPEID" val="gLAHFkz1Wny4DLE3ZEH9AS"/>
-</p:tagLst>
-</file>
-
-<file path=ppt/tags/tag13.xml><?xml version="1.0" encoding="utf-8"?>
-<p:tagLst xmlns:a="http://schemas.openxmlformats.org/drawingml/2006/main" xmlns:r="http://schemas.openxmlformats.org/officeDocument/2006/relationships" xmlns:p="http://schemas.openxmlformats.org/presentationml/2006/main">
-  <p:tag name="DVSECTIONID" val="FpChuQ9mrn7ncHkUb4wJDg"/>
-</p:tagLst>
-</file>
-
-<file path=ppt/tags/tag14.xml><?xml version="1.0" encoding="utf-8"?>
-<p:tagLst xmlns:a="http://schemas.openxmlformats.org/drawingml/2006/main" xmlns:r="http://schemas.openxmlformats.org/officeDocument/2006/relationships" xmlns:p="http://schemas.openxmlformats.org/presentationml/2006/main">
-  <p:tag name="DVSHAPEID" val="gLAHFkz1Wny4DLE3ZEH9AS"/>
-</p:tagLst>
-</file>
-
-<file path=ppt/tags/tag15.xml><?xml version="1.0" encoding="utf-8"?>
-<p:tagLst xmlns:a="http://schemas.openxmlformats.org/drawingml/2006/main" xmlns:r="http://schemas.openxmlformats.org/officeDocument/2006/relationships" xmlns:p="http://schemas.openxmlformats.org/presentationml/2006/main">
-  <p:tag name="DVSECTIONID" val="7wNinuYvMzfZ5U1vBqhNhA"/>
-</p:tagLst>
-</file>
-
-<file path=ppt/tags/tag16.xml><?xml version="1.0" encoding="utf-8"?>
-<p:tagLst xmlns:a="http://schemas.openxmlformats.org/drawingml/2006/main" xmlns:r="http://schemas.openxmlformats.org/officeDocument/2006/relationships" xmlns:p="http://schemas.openxmlformats.org/presentationml/2006/main">
-  <p:tag name="DVSHAPEID" val="xiNleKja73hohXWjuz775t"/>
-</p:tagLst>
-</file>
-
-<file path=ppt/tags/tag17.xml><?xml version="1.0" encoding="utf-8"?>
-<p:tagLst xmlns:a="http://schemas.openxmlformats.org/drawingml/2006/main" xmlns:r="http://schemas.openxmlformats.org/officeDocument/2006/relationships" xmlns:p="http://schemas.openxmlformats.org/presentationml/2006/main">
-  <p:tag name="DVSECTIONID" val="HsVeI2TwAzQM9S4tQjLvMM"/>
-</p:tagLst>
-</file>
-
-<file path=ppt/tags/tag18.xml><?xml version="1.0" encoding="utf-8"?>
-<p:tagLst xmlns:a="http://schemas.openxmlformats.org/drawingml/2006/main" xmlns:r="http://schemas.openxmlformats.org/officeDocument/2006/relationships" xmlns:p="http://schemas.openxmlformats.org/presentationml/2006/main">
-  <p:tag name="DVSHAPEID" val="ulJFhM9s1uk4SUavhm7qdN"/>
-</p:tagLst>
-</file>
-
-<file path=ppt/tags/tag19.xml><?xml version="1.0" encoding="utf-8"?>
-<p:tagLst xmlns:a="http://schemas.openxmlformats.org/drawingml/2006/main" xmlns:r="http://schemas.openxmlformats.org/officeDocument/2006/relationships" xmlns:p="http://schemas.openxmlformats.org/presentationml/2006/main">
-  <p:tag name="DVSECTIONID" val="OOKFAmQ6LnTdkKqqzhwoax"/>
+  <p:tag name="DVSHAPEID" val="LRMR96J2MVd0CGe2e5htjk"/>
 </p:tagLst>
 </file>
 
 <file path=ppt/tags/tag2.xml><?xml version="1.0" encoding="utf-8"?>
 <p:tagLst xmlns:a="http://schemas.openxmlformats.org/drawingml/2006/main" xmlns:r="http://schemas.openxmlformats.org/officeDocument/2006/relationships" xmlns:p="http://schemas.openxmlformats.org/presentationml/2006/main">
   <p:tag name="DVSHAPEID" val="HAGzTPKJNXuuOK4v20iPS7"/>
-</p:tagLst>
-</file>
-
-<file path=ppt/tags/tag20.xml><?xml version="1.0" encoding="utf-8"?>
-<p:tagLst xmlns:a="http://schemas.openxmlformats.org/drawingml/2006/main" xmlns:r="http://schemas.openxmlformats.org/officeDocument/2006/relationships" xmlns:p="http://schemas.openxmlformats.org/presentationml/2006/main">
-  <p:tag name="DVSHAPEID" val="XuPQogmzKvTp1YV9ymQ2ZW"/>
-</p:tagLst>
-</file>
-
-<file path=ppt/tags/tag21.xml><?xml version="1.0" encoding="utf-8"?>
-<p:tagLst xmlns:a="http://schemas.openxmlformats.org/drawingml/2006/main" xmlns:r="http://schemas.openxmlformats.org/officeDocument/2006/relationships" xmlns:p="http://schemas.openxmlformats.org/presentationml/2006/main">
-  <p:tag name="DVSHAPEID" val="S8Cm1higbyIl35Abad2Rjv"/>
-</p:tagLst>
-</file>
-
-<file path=ppt/tags/tag22.xml><?xml version="1.0" encoding="utf-8"?>
-<p:tagLst xmlns:a="http://schemas.openxmlformats.org/drawingml/2006/main" xmlns:r="http://schemas.openxmlformats.org/officeDocument/2006/relationships" xmlns:p="http://schemas.openxmlformats.org/presentationml/2006/main">
-  <p:tag name="DVSECTIONID" val="ezdaKHeWyBnZyZ2cDqRSoa"/>
-</p:tagLst>
-</file>
-
-<file path=ppt/tags/tag23.xml><?xml version="1.0" encoding="utf-8"?>
-<p:tagLst xmlns:a="http://schemas.openxmlformats.org/drawingml/2006/main" xmlns:r="http://schemas.openxmlformats.org/officeDocument/2006/relationships" xmlns:p="http://schemas.openxmlformats.org/presentationml/2006/main">
-  <p:tag name="DVSHAPEID" val="LRMR96J2MVd0CGe2e5htjk"/>
 </p:tagLst>
 </file>
 
@@ -11934,19 +13881,19 @@
 
 <file path=ppt/tags/tag7.xml><?xml version="1.0" encoding="utf-8"?>
 <p:tagLst xmlns:a="http://schemas.openxmlformats.org/drawingml/2006/main" xmlns:r="http://schemas.openxmlformats.org/officeDocument/2006/relationships" xmlns:p="http://schemas.openxmlformats.org/presentationml/2006/main">
-  <p:tag name="DVSHAPEID" val="gLAHFkz1Wny4DLE3ZEH9AS"/>
+  <p:tag name="DVSECTIONID" val="7wNinuYvMzfZ5U1vBqhNhA"/>
 </p:tagLst>
 </file>
 
 <file path=ppt/tags/tag8.xml><?xml version="1.0" encoding="utf-8"?>
 <p:tagLst xmlns:a="http://schemas.openxmlformats.org/drawingml/2006/main" xmlns:r="http://schemas.openxmlformats.org/officeDocument/2006/relationships" xmlns:p="http://schemas.openxmlformats.org/presentationml/2006/main">
-  <p:tag name="DVSECTIONID" val="FpChuQ9mrn7ncHkUb4wJDg"/>
+  <p:tag name="DVSECTIONID" val="HsVeI2TwAzQM9S4tQjLvMM"/>
 </p:tagLst>
 </file>
 
 <file path=ppt/tags/tag9.xml><?xml version="1.0" encoding="utf-8"?>
 <p:tagLst xmlns:a="http://schemas.openxmlformats.org/drawingml/2006/main" xmlns:r="http://schemas.openxmlformats.org/officeDocument/2006/relationships" xmlns:p="http://schemas.openxmlformats.org/presentationml/2006/main">
-  <p:tag name="DVSECTIONID" val="FpChuQ9mrn7ncHkUb4wJDg"/>
+  <p:tag name="DVSECTIONID" val="CdIAG7WhWjupCZ4n8F2Kse"/>
 </p:tagLst>
 </file>
 
